--- a/julyProject/ppt.pptx
+++ b/julyProject/ppt.pptx
@@ -1,17 +1,37 @@
 
 <file path=ppt/presentation.xml><?xml version="1.0" encoding="utf-8"?>
-<p:presentation xmlns:a="http://schemas.openxmlformats.org/drawingml/2006/main" xmlns:r="http://schemas.openxmlformats.org/officeDocument/2006/relationships" xmlns:p="http://schemas.openxmlformats.org/presentationml/2006/main" saveSubsetFonts="1">
+<p:presentation xmlns:a="http://schemas.openxmlformats.org/drawingml/2006/main" xmlns:r="http://schemas.openxmlformats.org/officeDocument/2006/relationships" xmlns:p="http://schemas.openxmlformats.org/presentationml/2006/main" embedTrueTypeFonts="1" saveSubsetFonts="1">
   <p:sldMasterIdLst>
     <p:sldMasterId id="2147483648" r:id="rId1"/>
   </p:sldMasterIdLst>
   <p:notesMasterIdLst>
-    <p:notesMasterId r:id="rId3"/>
+    <p:notesMasterId r:id="rId12"/>
   </p:notesMasterIdLst>
   <p:sldIdLst>
     <p:sldId id="256" r:id="rId2"/>
+    <p:sldId id="264" r:id="rId3"/>
+    <p:sldId id="258" r:id="rId4"/>
+    <p:sldId id="259" r:id="rId5"/>
+    <p:sldId id="263" r:id="rId6"/>
+    <p:sldId id="262" r:id="rId7"/>
+    <p:sldId id="261" r:id="rId8"/>
+    <p:sldId id="260" r:id="rId9"/>
+    <p:sldId id="257" r:id="rId10"/>
+    <p:sldId id="265" r:id="rId11"/>
   </p:sldIdLst>
   <p:sldSz cx="9144000" cy="6858000" type="screen4x3"/>
   <p:notesSz cx="6858000" cy="9144000"/>
+  <p:embeddedFontLst>
+    <p:embeddedFont>
+      <p:font typeface="맑은 고딕" panose="020B0503020000020004" pitchFamily="50" charset="-127"/>
+      <p:regular r:id="rId13"/>
+      <p:bold r:id="rId14"/>
+    </p:embeddedFont>
+    <p:embeddedFont>
+      <p:font typeface="배달의민족 도현" panose="020B0600000101010101" pitchFamily="50" charset="-127"/>
+      <p:regular r:id="rId15"/>
+    </p:embeddedFont>
+  </p:embeddedFontLst>
   <p:defaultTextStyle>
     <a:defPPr>
       <a:defRPr lang="ko-KR"/>
@@ -192,7 +212,7 @@
           <a:p>
             <a:fld id="{600C36F9-2124-488A-84AD-39757956C7D5}" type="datetimeFigureOut">
               <a:rPr lang="ko-KR" altLang="en-US" smtClean="0"/>
-              <a:t>2020-07-30</a:t>
+              <a:t>2020-07-31</a:t>
             </a:fld>
             <a:endParaRPr lang="ko-KR" altLang="en-US"/>
           </a:p>
@@ -725,7 +745,7 @@
           <a:p>
             <a:fld id="{CCD7F809-B46B-44EE-9D4B-E9FC722BC9E3}" type="datetimeFigureOut">
               <a:rPr lang="ko-KR" altLang="en-US" smtClean="0"/>
-              <a:t>2020-07-30</a:t>
+              <a:t>2020-07-31</a:t>
             </a:fld>
             <a:endParaRPr lang="ko-KR" altLang="en-US"/>
           </a:p>
@@ -895,7 +915,7 @@
           <a:p>
             <a:fld id="{CCD7F809-B46B-44EE-9D4B-E9FC722BC9E3}" type="datetimeFigureOut">
               <a:rPr lang="ko-KR" altLang="en-US" smtClean="0"/>
-              <a:t>2020-07-30</a:t>
+              <a:t>2020-07-31</a:t>
             </a:fld>
             <a:endParaRPr lang="ko-KR" altLang="en-US"/>
           </a:p>
@@ -1075,7 +1095,7 @@
           <a:p>
             <a:fld id="{CCD7F809-B46B-44EE-9D4B-E9FC722BC9E3}" type="datetimeFigureOut">
               <a:rPr lang="ko-KR" altLang="en-US" smtClean="0"/>
-              <a:t>2020-07-30</a:t>
+              <a:t>2020-07-31</a:t>
             </a:fld>
             <a:endParaRPr lang="ko-KR" altLang="en-US"/>
           </a:p>
@@ -1245,7 +1265,7 @@
           <a:p>
             <a:fld id="{CCD7F809-B46B-44EE-9D4B-E9FC722BC9E3}" type="datetimeFigureOut">
               <a:rPr lang="ko-KR" altLang="en-US" smtClean="0"/>
-              <a:t>2020-07-30</a:t>
+              <a:t>2020-07-31</a:t>
             </a:fld>
             <a:endParaRPr lang="ko-KR" altLang="en-US"/>
           </a:p>
@@ -1491,7 +1511,7 @@
           <a:p>
             <a:fld id="{CCD7F809-B46B-44EE-9D4B-E9FC722BC9E3}" type="datetimeFigureOut">
               <a:rPr lang="ko-KR" altLang="en-US" smtClean="0"/>
-              <a:t>2020-07-30</a:t>
+              <a:t>2020-07-31</a:t>
             </a:fld>
             <a:endParaRPr lang="ko-KR" altLang="en-US"/>
           </a:p>
@@ -1779,7 +1799,7 @@
           <a:p>
             <a:fld id="{CCD7F809-B46B-44EE-9D4B-E9FC722BC9E3}" type="datetimeFigureOut">
               <a:rPr lang="ko-KR" altLang="en-US" smtClean="0"/>
-              <a:t>2020-07-30</a:t>
+              <a:t>2020-07-31</a:t>
             </a:fld>
             <a:endParaRPr lang="ko-KR" altLang="en-US"/>
           </a:p>
@@ -2201,7 +2221,7 @@
           <a:p>
             <a:fld id="{CCD7F809-B46B-44EE-9D4B-E9FC722BC9E3}" type="datetimeFigureOut">
               <a:rPr lang="ko-KR" altLang="en-US" smtClean="0"/>
-              <a:t>2020-07-30</a:t>
+              <a:t>2020-07-31</a:t>
             </a:fld>
             <a:endParaRPr lang="ko-KR" altLang="en-US"/>
           </a:p>
@@ -2319,7 +2339,7 @@
           <a:p>
             <a:fld id="{CCD7F809-B46B-44EE-9D4B-E9FC722BC9E3}" type="datetimeFigureOut">
               <a:rPr lang="ko-KR" altLang="en-US" smtClean="0"/>
-              <a:t>2020-07-30</a:t>
+              <a:t>2020-07-31</a:t>
             </a:fld>
             <a:endParaRPr lang="ko-KR" altLang="en-US"/>
           </a:p>
@@ -2414,7 +2434,7 @@
           <a:p>
             <a:fld id="{CCD7F809-B46B-44EE-9D4B-E9FC722BC9E3}" type="datetimeFigureOut">
               <a:rPr lang="ko-KR" altLang="en-US" smtClean="0"/>
-              <a:t>2020-07-30</a:t>
+              <a:t>2020-07-31</a:t>
             </a:fld>
             <a:endParaRPr lang="ko-KR" altLang="en-US"/>
           </a:p>
@@ -2691,7 +2711,7 @@
           <a:p>
             <a:fld id="{CCD7F809-B46B-44EE-9D4B-E9FC722BC9E3}" type="datetimeFigureOut">
               <a:rPr lang="ko-KR" altLang="en-US" smtClean="0"/>
-              <a:t>2020-07-30</a:t>
+              <a:t>2020-07-31</a:t>
             </a:fld>
             <a:endParaRPr lang="ko-KR" altLang="en-US"/>
           </a:p>
@@ -2944,7 +2964,7 @@
           <a:p>
             <a:fld id="{CCD7F809-B46B-44EE-9D4B-E9FC722BC9E3}" type="datetimeFigureOut">
               <a:rPr lang="ko-KR" altLang="en-US" smtClean="0"/>
-              <a:t>2020-07-30</a:t>
+              <a:t>2020-07-31</a:t>
             </a:fld>
             <a:endParaRPr lang="ko-KR" altLang="en-US"/>
           </a:p>
@@ -3157,7 +3177,7 @@
           <a:p>
             <a:fld id="{CCD7F809-B46B-44EE-9D4B-E9FC722BC9E3}" type="datetimeFigureOut">
               <a:rPr lang="ko-KR" altLang="en-US" smtClean="0"/>
-              <a:t>2020-07-30</a:t>
+              <a:t>2020-07-31</a:t>
             </a:fld>
             <a:endParaRPr lang="ko-KR" altLang="en-US"/>
           </a:p>
@@ -3534,6 +3554,164 @@
       </p:grpSpPr>
       <p:sp>
         <p:nvSpPr>
+          <p:cNvPr id="3" name="부제목 2"/>
+          <p:cNvSpPr>
+            <a:spLocks noGrp="1"/>
+          </p:cNvSpPr>
+          <p:nvPr>
+            <p:ph type="subTitle" idx="1"/>
+          </p:nvPr>
+        </p:nvSpPr>
+        <p:spPr/>
+        <p:txBody>
+          <a:bodyPr/>
+          <a:lstStyle/>
+          <a:p>
+            <a:r>
+              <a:rPr lang="ko-KR" altLang="en-US" dirty="0" smtClean="0">
+                <a:latin typeface="배달의민족 도현" panose="020B0600000101010101" pitchFamily="50" charset="-127"/>
+                <a:ea typeface="배달의민족 도현" panose="020B0600000101010101" pitchFamily="50" charset="-127"/>
+              </a:rPr>
+              <a:t>이상우</a:t>
+            </a:r>
+            <a:endParaRPr lang="ko-KR" altLang="en-US" dirty="0">
+              <a:latin typeface="배달의민족 도현" panose="020B0600000101010101" pitchFamily="50" charset="-127"/>
+              <a:ea typeface="배달의민족 도현" panose="020B0600000101010101" pitchFamily="50" charset="-127"/>
+            </a:endParaRPr>
+          </a:p>
+        </p:txBody>
+      </p:sp>
+      <p:grpSp>
+        <p:nvGrpSpPr>
+          <p:cNvPr id="7" name="그룹 6"/>
+          <p:cNvGrpSpPr/>
+          <p:nvPr/>
+        </p:nvGrpSpPr>
+        <p:grpSpPr>
+          <a:xfrm>
+            <a:off x="-1332656" y="-1323528"/>
+            <a:ext cx="6560602" cy="5192450"/>
+            <a:chOff x="-1332656" y="-1323528"/>
+            <a:chExt cx="6560602" cy="5192450"/>
+          </a:xfrm>
+        </p:grpSpPr>
+        <p:sp>
+          <p:nvSpPr>
+            <p:cNvPr id="6" name="타원 5"/>
+            <p:cNvSpPr/>
+            <p:nvPr/>
+          </p:nvSpPr>
+          <p:spPr>
+            <a:xfrm>
+              <a:off x="-1332656" y="-318134"/>
+              <a:ext cx="3824298" cy="3824298"/>
+            </a:xfrm>
+            <a:prstGeom prst="ellipse">
+              <a:avLst/>
+            </a:prstGeom>
+          </p:spPr>
+          <p:style>
+            <a:lnRef idx="1">
+              <a:schemeClr val="accent5"/>
+            </a:lnRef>
+            <a:fillRef idx="3">
+              <a:schemeClr val="accent5"/>
+            </a:fillRef>
+            <a:effectRef idx="2">
+              <a:schemeClr val="accent5"/>
+            </a:effectRef>
+            <a:fontRef idx="minor">
+              <a:schemeClr val="lt1"/>
+            </a:fontRef>
+          </p:style>
+          <p:txBody>
+            <a:bodyPr rtlCol="0" anchor="ctr"/>
+            <a:lstStyle/>
+            <a:p>
+              <a:pPr algn="ctr"/>
+              <a:endParaRPr lang="ko-KR" altLang="en-US"/>
+            </a:p>
+          </p:txBody>
+        </p:sp>
+        <p:sp>
+          <p:nvSpPr>
+            <p:cNvPr id="4" name="타원 3"/>
+            <p:cNvSpPr/>
+            <p:nvPr/>
+          </p:nvSpPr>
+          <p:spPr>
+            <a:xfrm>
+              <a:off x="648072" y="44624"/>
+              <a:ext cx="3824298" cy="3824298"/>
+            </a:xfrm>
+            <a:prstGeom prst="ellipse">
+              <a:avLst/>
+            </a:prstGeom>
+          </p:spPr>
+          <p:style>
+            <a:lnRef idx="1">
+              <a:schemeClr val="accent5"/>
+            </a:lnRef>
+            <a:fillRef idx="3">
+              <a:schemeClr val="accent5"/>
+            </a:fillRef>
+            <a:effectRef idx="2">
+              <a:schemeClr val="accent5"/>
+            </a:effectRef>
+            <a:fontRef idx="minor">
+              <a:schemeClr val="lt1"/>
+            </a:fontRef>
+          </p:style>
+          <p:txBody>
+            <a:bodyPr rtlCol="0" anchor="ctr"/>
+            <a:lstStyle/>
+            <a:p>
+              <a:pPr algn="ctr"/>
+              <a:endParaRPr lang="ko-KR" altLang="en-US"/>
+            </a:p>
+          </p:txBody>
+        </p:sp>
+        <p:sp>
+          <p:nvSpPr>
+            <p:cNvPr id="5" name="타원 4"/>
+            <p:cNvSpPr/>
+            <p:nvPr/>
+          </p:nvSpPr>
+          <p:spPr>
+            <a:xfrm>
+              <a:off x="1403648" y="-1323528"/>
+              <a:ext cx="3824298" cy="3824298"/>
+            </a:xfrm>
+            <a:prstGeom prst="ellipse">
+              <a:avLst/>
+            </a:prstGeom>
+          </p:spPr>
+          <p:style>
+            <a:lnRef idx="1">
+              <a:schemeClr val="accent5"/>
+            </a:lnRef>
+            <a:fillRef idx="3">
+              <a:schemeClr val="accent5"/>
+            </a:fillRef>
+            <a:effectRef idx="2">
+              <a:schemeClr val="accent5"/>
+            </a:effectRef>
+            <a:fontRef idx="minor">
+              <a:schemeClr val="lt1"/>
+            </a:fontRef>
+          </p:style>
+          <p:txBody>
+            <a:bodyPr rtlCol="0" anchor="ctr"/>
+            <a:lstStyle/>
+            <a:p>
+              <a:pPr algn="ctr"/>
+              <a:endParaRPr lang="ko-KR" altLang="en-US"/>
+            </a:p>
+          </p:txBody>
+        </p:sp>
+      </p:grpSp>
+      <p:sp>
+        <p:nvSpPr>
           <p:cNvPr id="2" name="제목 1"/>
           <p:cNvSpPr>
             <a:spLocks noGrp="1"/>
@@ -3547,26 +3725,17 @@
           <a:bodyPr/>
           <a:lstStyle/>
           <a:p>
-            <a:endParaRPr lang="ko-KR" altLang="en-US"/>
-          </a:p>
-        </p:txBody>
-      </p:sp>
-      <p:sp>
-        <p:nvSpPr>
-          <p:cNvPr id="3" name="부제목 2"/>
-          <p:cNvSpPr>
-            <a:spLocks noGrp="1"/>
-          </p:cNvSpPr>
-          <p:nvPr>
-            <p:ph type="subTitle" idx="1"/>
-          </p:nvPr>
-        </p:nvSpPr>
-        <p:spPr/>
-        <p:txBody>
-          <a:bodyPr/>
-          <a:lstStyle/>
-          <a:p>
-            <a:endParaRPr lang="ko-KR" altLang="en-US"/>
+            <a:r>
+              <a:rPr lang="ko-KR" altLang="en-US" dirty="0" smtClean="0">
+                <a:latin typeface="배달의민족 도현" panose="020B0600000101010101" pitchFamily="50" charset="-127"/>
+                <a:ea typeface="배달의민족 도현" panose="020B0600000101010101" pitchFamily="50" charset="-127"/>
+              </a:rPr>
+              <a:t>기업 검색 프로그램</a:t>
+            </a:r>
+            <a:endParaRPr lang="ko-KR" altLang="en-US" dirty="0">
+              <a:latin typeface="배달의민족 도현" panose="020B0600000101010101" pitchFamily="50" charset="-127"/>
+              <a:ea typeface="배달의민족 도현" panose="020B0600000101010101" pitchFamily="50" charset="-127"/>
+            </a:endParaRPr>
           </a:p>
         </p:txBody>
       </p:sp>
@@ -3583,7 +3752,4877 @@
   <p:timing>
     <p:tnLst>
       <p:par>
-        <p:cTn id="1" dur="indefinite" restart="never" nodeType="tmRoot"/>
+        <p:cTn id="1" dur="indefinite" restart="never" nodeType="tmRoot">
+          <p:childTnLst>
+            <p:seq concurrent="1" nextAc="seek">
+              <p:cTn id="2" dur="indefinite" nodeType="mainSeq">
+                <p:childTnLst>
+                  <p:par>
+                    <p:cTn id="3" fill="hold">
+                      <p:stCondLst>
+                        <p:cond delay="indefinite"/>
+                        <p:cond evt="onBegin" delay="0">
+                          <p:tn val="2"/>
+                        </p:cond>
+                      </p:stCondLst>
+                      <p:childTnLst>
+                        <p:par>
+                          <p:cTn id="4" fill="hold">
+                            <p:stCondLst>
+                              <p:cond delay="0"/>
+                            </p:stCondLst>
+                            <p:childTnLst>
+                              <p:par>
+                                <p:cTn id="5" presetID="47" presetClass="entr" presetSubtype="0" fill="hold" nodeType="withEffect">
+                                  <p:stCondLst>
+                                    <p:cond delay="0"/>
+                                  </p:stCondLst>
+                                  <p:childTnLst>
+                                    <p:set>
+                                      <p:cBhvr>
+                                        <p:cTn id="6" dur="1" fill="hold">
+                                          <p:stCondLst>
+                                            <p:cond delay="0"/>
+                                          </p:stCondLst>
+                                        </p:cTn>
+                                        <p:tgtEl>
+                                          <p:spTgt spid="7"/>
+                                        </p:tgtEl>
+                                        <p:attrNameLst>
+                                          <p:attrName>style.visibility</p:attrName>
+                                        </p:attrNameLst>
+                                      </p:cBhvr>
+                                      <p:to>
+                                        <p:strVal val="visible"/>
+                                      </p:to>
+                                    </p:set>
+                                    <p:animEffect transition="in" filter="fade">
+                                      <p:cBhvr>
+                                        <p:cTn id="7" dur="1000"/>
+                                        <p:tgtEl>
+                                          <p:spTgt spid="7"/>
+                                        </p:tgtEl>
+                                      </p:cBhvr>
+                                    </p:animEffect>
+                                    <p:anim calcmode="lin" valueType="num">
+                                      <p:cBhvr>
+                                        <p:cTn id="8" dur="1000" fill="hold"/>
+                                        <p:tgtEl>
+                                          <p:spTgt spid="7"/>
+                                        </p:tgtEl>
+                                        <p:attrNameLst>
+                                          <p:attrName>ppt_x</p:attrName>
+                                        </p:attrNameLst>
+                                      </p:cBhvr>
+                                      <p:tavLst>
+                                        <p:tav tm="0">
+                                          <p:val>
+                                            <p:strVal val="#ppt_x"/>
+                                          </p:val>
+                                        </p:tav>
+                                        <p:tav tm="100000">
+                                          <p:val>
+                                            <p:strVal val="#ppt_x"/>
+                                          </p:val>
+                                        </p:tav>
+                                      </p:tavLst>
+                                    </p:anim>
+                                    <p:anim calcmode="lin" valueType="num">
+                                      <p:cBhvr>
+                                        <p:cTn id="9" dur="1000" fill="hold"/>
+                                        <p:tgtEl>
+                                          <p:spTgt spid="7"/>
+                                        </p:tgtEl>
+                                        <p:attrNameLst>
+                                          <p:attrName>ppt_y</p:attrName>
+                                        </p:attrNameLst>
+                                      </p:cBhvr>
+                                      <p:tavLst>
+                                        <p:tav tm="0">
+                                          <p:val>
+                                            <p:strVal val="#ppt_y-.1"/>
+                                          </p:val>
+                                        </p:tav>
+                                        <p:tav tm="100000">
+                                          <p:val>
+                                            <p:strVal val="#ppt_y"/>
+                                          </p:val>
+                                        </p:tav>
+                                      </p:tavLst>
+                                    </p:anim>
+                                  </p:childTnLst>
+                                </p:cTn>
+                              </p:par>
+                            </p:childTnLst>
+                          </p:cTn>
+                        </p:par>
+                      </p:childTnLst>
+                    </p:cTn>
+                  </p:par>
+                </p:childTnLst>
+              </p:cTn>
+              <p:prevCondLst>
+                <p:cond evt="onPrev" delay="0">
+                  <p:tgtEl>
+                    <p:sldTgt/>
+                  </p:tgtEl>
+                </p:cond>
+              </p:prevCondLst>
+              <p:nextCondLst>
+                <p:cond evt="onNext" delay="0">
+                  <p:tgtEl>
+                    <p:sldTgt/>
+                  </p:tgtEl>
+                </p:cond>
+              </p:nextCondLst>
+            </p:seq>
+          </p:childTnLst>
+        </p:cTn>
+      </p:par>
+    </p:tnLst>
+  </p:timing>
+</p:sld>
+</file>
+
+<file path=ppt/slides/slide10.xml><?xml version="1.0" encoding="utf-8"?>
+<p:sld xmlns:a="http://schemas.openxmlformats.org/drawingml/2006/main" xmlns:r="http://schemas.openxmlformats.org/officeDocument/2006/relationships" xmlns:p="http://schemas.openxmlformats.org/presentationml/2006/main">
+  <p:cSld>
+    <p:spTree>
+      <p:nvGrpSpPr>
+        <p:cNvPr id="1" name=""/>
+        <p:cNvGrpSpPr/>
+        <p:nvPr/>
+      </p:nvGrpSpPr>
+      <p:grpSpPr>
+        <a:xfrm>
+          <a:off x="0" y="0"/>
+          <a:ext cx="0" cy="0"/>
+          <a:chOff x="0" y="0"/>
+          <a:chExt cx="0" cy="0"/>
+        </a:xfrm>
+      </p:grpSpPr>
+      <p:sp>
+        <p:nvSpPr>
+          <p:cNvPr id="2" name="제목 1"/>
+          <p:cNvSpPr>
+            <a:spLocks noGrp="1"/>
+          </p:cNvSpPr>
+          <p:nvPr>
+            <p:ph type="title"/>
+          </p:nvPr>
+        </p:nvSpPr>
+        <p:spPr/>
+        <p:txBody>
+          <a:bodyPr>
+            <a:normAutofit/>
+          </a:bodyPr>
+          <a:lstStyle/>
+          <a:p>
+            <a:r>
+              <a:rPr lang="ko-KR" altLang="en-US" dirty="0" smtClean="0">
+                <a:latin typeface="배달의민족 도현" panose="020B0600000101010101" pitchFamily="50" charset="-127"/>
+                <a:ea typeface="배달의민족 도현" panose="020B0600000101010101" pitchFamily="50" charset="-127"/>
+              </a:rPr>
+              <a:t>질의 응답</a:t>
+            </a:r>
+            <a:endParaRPr lang="ko-KR" altLang="en-US" dirty="0">
+              <a:latin typeface="배달의민족 도현" panose="020B0600000101010101" pitchFamily="50" charset="-127"/>
+              <a:ea typeface="배달의민족 도현" panose="020B0600000101010101" pitchFamily="50" charset="-127"/>
+            </a:endParaRPr>
+          </a:p>
+        </p:txBody>
+      </p:sp>
+      <p:sp>
+        <p:nvSpPr>
+          <p:cNvPr id="5" name="TextBox 4"/>
+          <p:cNvSpPr txBox="1"/>
+          <p:nvPr/>
+        </p:nvSpPr>
+        <p:spPr>
+          <a:xfrm>
+            <a:off x="4211960" y="2996952"/>
+            <a:ext cx="904415" cy="1569660"/>
+          </a:xfrm>
+          <a:prstGeom prst="rect">
+            <a:avLst/>
+          </a:prstGeom>
+          <a:noFill/>
+        </p:spPr>
+        <p:txBody>
+          <a:bodyPr wrap="none" rtlCol="0">
+            <a:spAutoFit/>
+          </a:bodyPr>
+          <a:lstStyle/>
+          <a:p>
+            <a:r>
+              <a:rPr lang="en-US" altLang="ko-KR" sz="9600" dirty="0" smtClean="0">
+                <a:latin typeface="배달의민족 도현" panose="020B0600000101010101" pitchFamily="50" charset="-127"/>
+                <a:ea typeface="배달의민족 도현" panose="020B0600000101010101" pitchFamily="50" charset="-127"/>
+              </a:rPr>
+              <a:t>?</a:t>
+            </a:r>
+            <a:endParaRPr lang="ko-KR" altLang="en-US" sz="9600" dirty="0">
+              <a:latin typeface="배달의민족 도현" panose="020B0600000101010101" pitchFamily="50" charset="-127"/>
+              <a:ea typeface="배달의민족 도현" panose="020B0600000101010101" pitchFamily="50" charset="-127"/>
+            </a:endParaRPr>
+          </a:p>
+        </p:txBody>
+      </p:sp>
+    </p:spTree>
+    <p:extLst>
+      <p:ext uri="{BB962C8B-B14F-4D97-AF65-F5344CB8AC3E}">
+        <p14:creationId xmlns:p14="http://schemas.microsoft.com/office/powerpoint/2010/main" val="4284999666"/>
+      </p:ext>
+    </p:extLst>
+  </p:cSld>
+  <p:clrMapOvr>
+    <a:masterClrMapping/>
+  </p:clrMapOvr>
+  <p:timing>
+    <p:tnLst>
+      <p:par>
+        <p:cTn id="1" dur="indefinite" restart="never" nodeType="tmRoot">
+          <p:childTnLst>
+            <p:seq concurrent="1" nextAc="seek">
+              <p:cTn id="2" dur="indefinite" nodeType="mainSeq">
+                <p:childTnLst>
+                  <p:par>
+                    <p:cTn id="3" fill="hold">
+                      <p:stCondLst>
+                        <p:cond delay="indefinite"/>
+                        <p:cond evt="onBegin" delay="0">
+                          <p:tn val="2"/>
+                        </p:cond>
+                      </p:stCondLst>
+                      <p:childTnLst>
+                        <p:par>
+                          <p:cTn id="4" fill="hold">
+                            <p:stCondLst>
+                              <p:cond delay="0"/>
+                            </p:stCondLst>
+                            <p:childTnLst>
+                              <p:par>
+                                <p:cTn id="5" presetID="2" presetClass="entr" presetSubtype="4" fill="hold" grpId="0" nodeType="withEffect">
+                                  <p:stCondLst>
+                                    <p:cond delay="0"/>
+                                  </p:stCondLst>
+                                  <p:childTnLst>
+                                    <p:set>
+                                      <p:cBhvr>
+                                        <p:cTn id="6" dur="1" fill="hold">
+                                          <p:stCondLst>
+                                            <p:cond delay="0"/>
+                                          </p:stCondLst>
+                                        </p:cTn>
+                                        <p:tgtEl>
+                                          <p:spTgt spid="5"/>
+                                        </p:tgtEl>
+                                        <p:attrNameLst>
+                                          <p:attrName>style.visibility</p:attrName>
+                                        </p:attrNameLst>
+                                      </p:cBhvr>
+                                      <p:to>
+                                        <p:strVal val="visible"/>
+                                      </p:to>
+                                    </p:set>
+                                    <p:anim calcmode="lin" valueType="num">
+                                      <p:cBhvr additive="base">
+                                        <p:cTn id="7" dur="500" fill="hold"/>
+                                        <p:tgtEl>
+                                          <p:spTgt spid="5"/>
+                                        </p:tgtEl>
+                                        <p:attrNameLst>
+                                          <p:attrName>ppt_x</p:attrName>
+                                        </p:attrNameLst>
+                                      </p:cBhvr>
+                                      <p:tavLst>
+                                        <p:tav tm="0">
+                                          <p:val>
+                                            <p:strVal val="#ppt_x"/>
+                                          </p:val>
+                                        </p:tav>
+                                        <p:tav tm="100000">
+                                          <p:val>
+                                            <p:strVal val="#ppt_x"/>
+                                          </p:val>
+                                        </p:tav>
+                                      </p:tavLst>
+                                    </p:anim>
+                                    <p:anim calcmode="lin" valueType="num">
+                                      <p:cBhvr additive="base">
+                                        <p:cTn id="8" dur="500" fill="hold"/>
+                                        <p:tgtEl>
+                                          <p:spTgt spid="5"/>
+                                        </p:tgtEl>
+                                        <p:attrNameLst>
+                                          <p:attrName>ppt_y</p:attrName>
+                                        </p:attrNameLst>
+                                      </p:cBhvr>
+                                      <p:tavLst>
+                                        <p:tav tm="0">
+                                          <p:val>
+                                            <p:strVal val="1+#ppt_h/2"/>
+                                          </p:val>
+                                        </p:tav>
+                                        <p:tav tm="100000">
+                                          <p:val>
+                                            <p:strVal val="#ppt_y"/>
+                                          </p:val>
+                                        </p:tav>
+                                      </p:tavLst>
+                                    </p:anim>
+                                  </p:childTnLst>
+                                </p:cTn>
+                              </p:par>
+                            </p:childTnLst>
+                          </p:cTn>
+                        </p:par>
+                      </p:childTnLst>
+                    </p:cTn>
+                  </p:par>
+                </p:childTnLst>
+              </p:cTn>
+              <p:prevCondLst>
+                <p:cond evt="onPrev" delay="0">
+                  <p:tgtEl>
+                    <p:sldTgt/>
+                  </p:tgtEl>
+                </p:cond>
+              </p:prevCondLst>
+              <p:nextCondLst>
+                <p:cond evt="onNext" delay="0">
+                  <p:tgtEl>
+                    <p:sldTgt/>
+                  </p:tgtEl>
+                </p:cond>
+              </p:nextCondLst>
+            </p:seq>
+          </p:childTnLst>
+        </p:cTn>
+      </p:par>
+    </p:tnLst>
+    <p:bldLst>
+      <p:bldP spid="5" grpId="0"/>
+    </p:bldLst>
+  </p:timing>
+</p:sld>
+</file>
+
+<file path=ppt/slides/slide2.xml><?xml version="1.0" encoding="utf-8"?>
+<p:sld xmlns:a="http://schemas.openxmlformats.org/drawingml/2006/main" xmlns:r="http://schemas.openxmlformats.org/officeDocument/2006/relationships" xmlns:p="http://schemas.openxmlformats.org/presentationml/2006/main">
+  <p:cSld>
+    <p:spTree>
+      <p:nvGrpSpPr>
+        <p:cNvPr id="1" name=""/>
+        <p:cNvGrpSpPr/>
+        <p:nvPr/>
+      </p:nvGrpSpPr>
+      <p:grpSpPr>
+        <a:xfrm>
+          <a:off x="0" y="0"/>
+          <a:ext cx="0" cy="0"/>
+          <a:chOff x="0" y="0"/>
+          <a:chExt cx="0" cy="0"/>
+        </a:xfrm>
+      </p:grpSpPr>
+      <p:sp>
+        <p:nvSpPr>
+          <p:cNvPr id="2" name="제목 1"/>
+          <p:cNvSpPr>
+            <a:spLocks noGrp="1"/>
+          </p:cNvSpPr>
+          <p:nvPr>
+            <p:ph type="title"/>
+          </p:nvPr>
+        </p:nvSpPr>
+        <p:spPr/>
+        <p:txBody>
+          <a:bodyPr/>
+          <a:lstStyle/>
+          <a:p>
+            <a:r>
+              <a:rPr lang="en-US" altLang="ko-KR" dirty="0" smtClean="0">
+                <a:latin typeface="배달의민족 도현" panose="020B0600000101010101" pitchFamily="50" charset="-127"/>
+                <a:ea typeface="배달의민족 도현" panose="020B0600000101010101" pitchFamily="50" charset="-127"/>
+              </a:rPr>
+              <a:t>Project </a:t>
+            </a:r>
+            <a:r>
+              <a:rPr lang="ko-KR" altLang="en-US" dirty="0" smtClean="0">
+                <a:latin typeface="배달의민족 도현" panose="020B0600000101010101" pitchFamily="50" charset="-127"/>
+                <a:ea typeface="배달의민족 도현" panose="020B0600000101010101" pitchFamily="50" charset="-127"/>
+              </a:rPr>
+              <a:t>클래스 </a:t>
+            </a:r>
+            <a:r>
+              <a:rPr lang="ko-KR" altLang="en-US" dirty="0" smtClean="0">
+                <a:latin typeface="배달의민족 도현" panose="020B0600000101010101" pitchFamily="50" charset="-127"/>
+                <a:ea typeface="배달의민족 도현" panose="020B0600000101010101" pitchFamily="50" charset="-127"/>
+              </a:rPr>
+              <a:t>목록</a:t>
+            </a:r>
+            <a:endParaRPr lang="ko-KR" altLang="en-US" dirty="0">
+              <a:latin typeface="배달의민족 도현" panose="020B0600000101010101" pitchFamily="50" charset="-127"/>
+              <a:ea typeface="배달의민족 도현" panose="020B0600000101010101" pitchFamily="50" charset="-127"/>
+            </a:endParaRPr>
+          </a:p>
+        </p:txBody>
+      </p:sp>
+      <p:grpSp>
+        <p:nvGrpSpPr>
+          <p:cNvPr id="3" name="그룹 2"/>
+          <p:cNvGrpSpPr/>
+          <p:nvPr/>
+        </p:nvGrpSpPr>
+        <p:grpSpPr>
+          <a:xfrm>
+            <a:off x="5436096" y="1628800"/>
+            <a:ext cx="5725144" cy="6192688"/>
+            <a:chOff x="5436096" y="1628800"/>
+            <a:chExt cx="5725144" cy="6192688"/>
+          </a:xfrm>
+        </p:grpSpPr>
+        <p:grpSp>
+          <p:nvGrpSpPr>
+            <p:cNvPr id="7" name="그룹 6"/>
+            <p:cNvGrpSpPr/>
+            <p:nvPr/>
+          </p:nvGrpSpPr>
+          <p:grpSpPr>
+            <a:xfrm>
+              <a:off x="5436096" y="1628800"/>
+              <a:ext cx="5725144" cy="6192688"/>
+              <a:chOff x="5111552" y="1628800"/>
+              <a:chExt cx="5725144" cy="6192688"/>
+            </a:xfrm>
+          </p:grpSpPr>
+          <p:sp>
+            <p:nvSpPr>
+              <p:cNvPr id="9" name="타원 8"/>
+              <p:cNvSpPr/>
+              <p:nvPr/>
+            </p:nvSpPr>
+            <p:spPr>
+              <a:xfrm>
+                <a:off x="5111552" y="2564904"/>
+                <a:ext cx="4032448" cy="4032448"/>
+              </a:xfrm>
+              <a:prstGeom prst="ellipse">
+                <a:avLst/>
+              </a:prstGeom>
+            </p:spPr>
+            <p:style>
+              <a:lnRef idx="1">
+                <a:schemeClr val="accent4"/>
+              </a:lnRef>
+              <a:fillRef idx="3">
+                <a:schemeClr val="accent4"/>
+              </a:fillRef>
+              <a:effectRef idx="2">
+                <a:schemeClr val="accent4"/>
+              </a:effectRef>
+              <a:fontRef idx="minor">
+                <a:schemeClr val="lt1"/>
+              </a:fontRef>
+            </p:style>
+            <p:txBody>
+              <a:bodyPr rtlCol="0" anchor="ctr"/>
+              <a:lstStyle/>
+              <a:p>
+                <a:pPr algn="ctr"/>
+                <a:endParaRPr lang="ko-KR" altLang="en-US"/>
+              </a:p>
+            </p:txBody>
+          </p:sp>
+          <p:sp>
+            <p:nvSpPr>
+              <p:cNvPr id="6" name="타원 5"/>
+              <p:cNvSpPr/>
+              <p:nvPr/>
+            </p:nvSpPr>
+            <p:spPr>
+              <a:xfrm>
+                <a:off x="6804248" y="1628800"/>
+                <a:ext cx="4032448" cy="4032448"/>
+              </a:xfrm>
+              <a:prstGeom prst="ellipse">
+                <a:avLst/>
+              </a:prstGeom>
+            </p:spPr>
+            <p:style>
+              <a:lnRef idx="1">
+                <a:schemeClr val="accent4"/>
+              </a:lnRef>
+              <a:fillRef idx="3">
+                <a:schemeClr val="accent4"/>
+              </a:fillRef>
+              <a:effectRef idx="2">
+                <a:schemeClr val="accent4"/>
+              </a:effectRef>
+              <a:fontRef idx="minor">
+                <a:schemeClr val="lt1"/>
+              </a:fontRef>
+            </p:style>
+            <p:txBody>
+              <a:bodyPr rtlCol="0" anchor="ctr"/>
+              <a:lstStyle/>
+              <a:p>
+                <a:pPr algn="ctr"/>
+                <a:endParaRPr lang="ko-KR" altLang="en-US"/>
+              </a:p>
+            </p:txBody>
+          </p:sp>
+          <p:sp>
+            <p:nvSpPr>
+              <p:cNvPr id="5" name="타원 4"/>
+              <p:cNvSpPr/>
+              <p:nvPr/>
+            </p:nvSpPr>
+            <p:spPr>
+              <a:xfrm>
+                <a:off x="5724128" y="3501008"/>
+                <a:ext cx="4320480" cy="4320480"/>
+              </a:xfrm>
+              <a:prstGeom prst="ellipse">
+                <a:avLst/>
+              </a:prstGeom>
+            </p:spPr>
+            <p:style>
+              <a:lnRef idx="1">
+                <a:schemeClr val="accent4"/>
+              </a:lnRef>
+              <a:fillRef idx="3">
+                <a:schemeClr val="accent4"/>
+              </a:fillRef>
+              <a:effectRef idx="2">
+                <a:schemeClr val="accent4"/>
+              </a:effectRef>
+              <a:fontRef idx="minor">
+                <a:schemeClr val="lt1"/>
+              </a:fontRef>
+            </p:style>
+            <p:txBody>
+              <a:bodyPr rtlCol="0" anchor="ctr"/>
+              <a:lstStyle/>
+              <a:p>
+                <a:pPr algn="ctr"/>
+                <a:endParaRPr lang="ko-KR" altLang="en-US"/>
+              </a:p>
+            </p:txBody>
+          </p:sp>
+        </p:grpSp>
+        <p:sp>
+          <p:nvSpPr>
+            <p:cNvPr id="4" name="TextBox 3"/>
+            <p:cNvSpPr txBox="1"/>
+            <p:nvPr/>
+          </p:nvSpPr>
+          <p:spPr>
+            <a:xfrm>
+              <a:off x="5652120" y="3671153"/>
+              <a:ext cx="3405099" cy="2062103"/>
+            </a:xfrm>
+            <a:prstGeom prst="rect">
+              <a:avLst/>
+            </a:prstGeom>
+            <a:noFill/>
+          </p:spPr>
+          <p:txBody>
+            <a:bodyPr wrap="none" rtlCol="0">
+              <a:spAutoFit/>
+            </a:bodyPr>
+            <a:lstStyle/>
+            <a:p>
+              <a:r>
+                <a:rPr lang="en-US" altLang="ko-KR" sz="1600" dirty="0" err="1" smtClean="0">
+                  <a:latin typeface="배달의민족 도현" panose="020B0600000101010101" pitchFamily="50" charset="-127"/>
+                  <a:ea typeface="배달의민족 도현" panose="020B0600000101010101" pitchFamily="50" charset="-127"/>
+                </a:rPr>
+                <a:t>mySQL</a:t>
+              </a:r>
+              <a:r>
+                <a:rPr lang="ko-KR" altLang="en-US" sz="1600" dirty="0" smtClean="0">
+                  <a:latin typeface="배달의민족 도현" panose="020B0600000101010101" pitchFamily="50" charset="-127"/>
+                  <a:ea typeface="배달의민족 도현" panose="020B0600000101010101" pitchFamily="50" charset="-127"/>
+                </a:rPr>
+                <a:t>과 </a:t>
+              </a:r>
+              <a:r>
+                <a:rPr lang="en-US" altLang="ko-KR" sz="1600" dirty="0" smtClean="0">
+                  <a:latin typeface="배달의민족 도현" panose="020B0600000101010101" pitchFamily="50" charset="-127"/>
+                  <a:ea typeface="배달의민족 도현" panose="020B0600000101010101" pitchFamily="50" charset="-127"/>
+                </a:rPr>
+                <a:t>JAVA </a:t>
+              </a:r>
+              <a:r>
+                <a:rPr lang="ko-KR" altLang="en-US" sz="1600" dirty="0" smtClean="0">
+                  <a:latin typeface="배달의민족 도현" panose="020B0600000101010101" pitchFamily="50" charset="-127"/>
+                  <a:ea typeface="배달의민족 도현" panose="020B0600000101010101" pitchFamily="50" charset="-127"/>
+                </a:rPr>
+                <a:t>사이 </a:t>
+              </a:r>
+              <a:endParaRPr lang="en-US" altLang="ko-KR" sz="1600" dirty="0" smtClean="0">
+                <a:latin typeface="배달의민족 도현" panose="020B0600000101010101" pitchFamily="50" charset="-127"/>
+                <a:ea typeface="배달의민족 도현" panose="020B0600000101010101" pitchFamily="50" charset="-127"/>
+              </a:endParaRPr>
+            </a:p>
+            <a:p>
+              <a:r>
+                <a:rPr lang="ko-KR" altLang="en-US" sz="1600" dirty="0" smtClean="0">
+                  <a:latin typeface="배달의민족 도현" panose="020B0600000101010101" pitchFamily="50" charset="-127"/>
+                  <a:ea typeface="배달의민족 도현" panose="020B0600000101010101" pitchFamily="50" charset="-127"/>
+                </a:rPr>
+                <a:t>정보를 전달 할 때 사용</a:t>
+              </a:r>
+              <a:endParaRPr lang="en-US" altLang="ko-KR" sz="1600" dirty="0" smtClean="0">
+                <a:latin typeface="배달의민족 도현" panose="020B0600000101010101" pitchFamily="50" charset="-127"/>
+                <a:ea typeface="배달의민족 도현" panose="020B0600000101010101" pitchFamily="50" charset="-127"/>
+              </a:endParaRPr>
+            </a:p>
+            <a:p>
+              <a:endParaRPr lang="en-US" altLang="ko-KR" sz="1600" dirty="0">
+                <a:latin typeface="배달의민족 도현" panose="020B0600000101010101" pitchFamily="50" charset="-127"/>
+                <a:ea typeface="배달의민족 도현" panose="020B0600000101010101" pitchFamily="50" charset="-127"/>
+              </a:endParaRPr>
+            </a:p>
+            <a:p>
+              <a:r>
+                <a:rPr lang="en-US" altLang="ko-KR" sz="1600" dirty="0" err="1" smtClean="0">
+                  <a:latin typeface="배달의민족 도현" panose="020B0600000101010101" pitchFamily="50" charset="-127"/>
+                  <a:ea typeface="배달의민족 도현" panose="020B0600000101010101" pitchFamily="50" charset="-127"/>
+                </a:rPr>
+                <a:t>mySQL</a:t>
+              </a:r>
+              <a:r>
+                <a:rPr lang="ko-KR" altLang="en-US" sz="1600" dirty="0">
+                  <a:latin typeface="배달의민족 도현" panose="020B0600000101010101" pitchFamily="50" charset="-127"/>
+                  <a:ea typeface="배달의민족 도현" panose="020B0600000101010101" pitchFamily="50" charset="-127"/>
+                </a:rPr>
+                <a:t> </a:t>
+              </a:r>
+              <a:r>
+                <a:rPr lang="ko-KR" altLang="en-US" sz="1600" dirty="0" smtClean="0">
+                  <a:latin typeface="배달의민족 도현" panose="020B0600000101010101" pitchFamily="50" charset="-127"/>
+                  <a:ea typeface="배달의민족 도현" panose="020B0600000101010101" pitchFamily="50" charset="-127"/>
+                </a:rPr>
+                <a:t>연동 및 검색 </a:t>
+              </a:r>
+              <a:endParaRPr lang="en-US" altLang="ko-KR" sz="1600" dirty="0" smtClean="0">
+                <a:latin typeface="배달의민족 도현" panose="020B0600000101010101" pitchFamily="50" charset="-127"/>
+                <a:ea typeface="배달의민족 도현" panose="020B0600000101010101" pitchFamily="50" charset="-127"/>
+              </a:endParaRPr>
+            </a:p>
+            <a:p>
+              <a:r>
+                <a:rPr lang="ko-KR" altLang="en-US" sz="1600" dirty="0" smtClean="0">
+                  <a:latin typeface="배달의민족 도현" panose="020B0600000101010101" pitchFamily="50" charset="-127"/>
+                  <a:ea typeface="배달의민족 도현" panose="020B0600000101010101" pitchFamily="50" charset="-127"/>
+                </a:rPr>
+                <a:t>카테고리에 맞게 결과값을 </a:t>
+              </a:r>
+              <a:endParaRPr lang="en-US" altLang="ko-KR" sz="1600" dirty="0" smtClean="0">
+                <a:latin typeface="배달의민족 도현" panose="020B0600000101010101" pitchFamily="50" charset="-127"/>
+                <a:ea typeface="배달의민족 도현" panose="020B0600000101010101" pitchFamily="50" charset="-127"/>
+              </a:endParaRPr>
+            </a:p>
+            <a:p>
+              <a:r>
+                <a:rPr lang="ko-KR" altLang="en-US" sz="1600" dirty="0" smtClean="0">
+                  <a:latin typeface="배달의민족 도현" panose="020B0600000101010101" pitchFamily="50" charset="-127"/>
+                  <a:ea typeface="배달의민족 도현" panose="020B0600000101010101" pitchFamily="50" charset="-127"/>
+                </a:rPr>
+                <a:t>출력하게 만드는 </a:t>
+              </a:r>
+              <a:r>
+                <a:rPr lang="ko-KR" altLang="en-US" sz="1600" dirty="0" err="1" smtClean="0">
+                  <a:latin typeface="배달의민족 도현" panose="020B0600000101010101" pitchFamily="50" charset="-127"/>
+                  <a:ea typeface="배달의민족 도현" panose="020B0600000101010101" pitchFamily="50" charset="-127"/>
+                </a:rPr>
+                <a:t>메서드</a:t>
+              </a:r>
+              <a:r>
+                <a:rPr lang="ko-KR" altLang="en-US" sz="1600" dirty="0" smtClean="0">
+                  <a:latin typeface="배달의민족 도현" panose="020B0600000101010101" pitchFamily="50" charset="-127"/>
+                  <a:ea typeface="배달의민족 도현" panose="020B0600000101010101" pitchFamily="50" charset="-127"/>
+                </a:rPr>
+                <a:t> 저장 클래스</a:t>
+              </a:r>
+              <a:endParaRPr lang="en-US" altLang="ko-KR" sz="1600" dirty="0" smtClean="0">
+                <a:latin typeface="배달의민족 도현" panose="020B0600000101010101" pitchFamily="50" charset="-127"/>
+                <a:ea typeface="배달의민족 도현" panose="020B0600000101010101" pitchFamily="50" charset="-127"/>
+              </a:endParaRPr>
+            </a:p>
+            <a:p>
+              <a:endParaRPr lang="en-US" altLang="ko-KR" sz="1600" dirty="0">
+                <a:latin typeface="배달의민족 도현" panose="020B0600000101010101" pitchFamily="50" charset="-127"/>
+                <a:ea typeface="배달의민족 도현" panose="020B0600000101010101" pitchFamily="50" charset="-127"/>
+              </a:endParaRPr>
+            </a:p>
+            <a:p>
+              <a:r>
+                <a:rPr lang="ko-KR" altLang="en-US" sz="1600" dirty="0" smtClean="0">
+                  <a:latin typeface="배달의민족 도현" panose="020B0600000101010101" pitchFamily="50" charset="-127"/>
+                  <a:ea typeface="배달의민족 도현" panose="020B0600000101010101" pitchFamily="50" charset="-127"/>
+                </a:rPr>
+                <a:t>각 </a:t>
+              </a:r>
+              <a:r>
+                <a:rPr lang="ko-KR" altLang="en-US" sz="1600" dirty="0" err="1" smtClean="0">
+                  <a:latin typeface="배달의민족 도현" panose="020B0600000101010101" pitchFamily="50" charset="-127"/>
+                  <a:ea typeface="배달의민족 도현" panose="020B0600000101010101" pitchFamily="50" charset="-127"/>
+                </a:rPr>
+                <a:t>메서드를</a:t>
+              </a:r>
+              <a:r>
+                <a:rPr lang="ko-KR" altLang="en-US" sz="1600" dirty="0" smtClean="0">
+                  <a:latin typeface="배달의민족 도현" panose="020B0600000101010101" pitchFamily="50" charset="-127"/>
+                  <a:ea typeface="배달의민족 도현" panose="020B0600000101010101" pitchFamily="50" charset="-127"/>
+                </a:rPr>
+                <a:t> 받아 출력하는 클래스</a:t>
+              </a:r>
+              <a:endParaRPr lang="ko-KR" altLang="en-US" sz="1600" dirty="0">
+                <a:latin typeface="배달의민족 도현" panose="020B0600000101010101" pitchFamily="50" charset="-127"/>
+                <a:ea typeface="배달의민족 도현" panose="020B0600000101010101" pitchFamily="50" charset="-127"/>
+              </a:endParaRPr>
+            </a:p>
+          </p:txBody>
+        </p:sp>
+      </p:grpSp>
+      <p:pic>
+        <p:nvPicPr>
+          <p:cNvPr id="8" name="Picture 3"/>
+          <p:cNvPicPr>
+            <a:picLocks noChangeAspect="1" noChangeArrowheads="1"/>
+          </p:cNvPicPr>
+          <p:nvPr/>
+        </p:nvPicPr>
+        <p:blipFill>
+          <a:blip r:embed="rId2">
+            <a:extLst>
+              <a:ext uri="{28A0092B-C50C-407E-A947-70E740481C1C}">
+                <a14:useLocalDpi xmlns:a14="http://schemas.microsoft.com/office/drawing/2010/main" val="0"/>
+              </a:ext>
+            </a:extLst>
+          </a:blip>
+          <a:srcRect/>
+          <a:stretch>
+            <a:fillRect/>
+          </a:stretch>
+        </p:blipFill>
+        <p:spPr bwMode="auto">
+          <a:xfrm>
+            <a:off x="323528" y="2296108"/>
+            <a:ext cx="4742283" cy="2697832"/>
+          </a:xfrm>
+          <a:prstGeom prst="rect">
+            <a:avLst/>
+          </a:prstGeom>
+          <a:noFill/>
+          <a:ln>
+            <a:noFill/>
+          </a:ln>
+          <a:extLst>
+            <a:ext uri="{909E8E84-426E-40DD-AFC4-6F175D3DCCD1}">
+              <a14:hiddenFill xmlns:a14="http://schemas.microsoft.com/office/drawing/2010/main">
+                <a:solidFill>
+                  <a:schemeClr val="accent1"/>
+                </a:solidFill>
+              </a14:hiddenFill>
+            </a:ext>
+            <a:ext uri="{91240B29-F687-4F45-9708-019B960494DF}">
+              <a14:hiddenLine xmlns:a14="http://schemas.microsoft.com/office/drawing/2010/main" w="9525">
+                <a:solidFill>
+                  <a:schemeClr val="tx1"/>
+                </a:solidFill>
+                <a:miter lim="800000"/>
+                <a:headEnd/>
+                <a:tailEnd/>
+              </a14:hiddenLine>
+            </a:ext>
+          </a:extLst>
+        </p:spPr>
+      </p:pic>
+      <p:grpSp>
+        <p:nvGrpSpPr>
+          <p:cNvPr id="20" name="그룹 19"/>
+          <p:cNvGrpSpPr/>
+          <p:nvPr/>
+        </p:nvGrpSpPr>
+        <p:grpSpPr>
+          <a:xfrm>
+            <a:off x="4109170" y="3933056"/>
+            <a:ext cx="1542950" cy="1584176"/>
+            <a:chOff x="4109170" y="3933056"/>
+            <a:chExt cx="1542950" cy="1584176"/>
+          </a:xfrm>
+        </p:grpSpPr>
+        <p:cxnSp>
+          <p:nvCxnSpPr>
+            <p:cNvPr id="11" name="꺾인 연결선 10"/>
+            <p:cNvCxnSpPr/>
+            <p:nvPr/>
+          </p:nvCxnSpPr>
+          <p:spPr>
+            <a:xfrm flipV="1">
+              <a:off x="4860032" y="3933056"/>
+              <a:ext cx="792088" cy="144016"/>
+            </a:xfrm>
+            <a:prstGeom prst="bentConnector3">
+              <a:avLst/>
+            </a:prstGeom>
+            <a:ln w="19050">
+              <a:solidFill>
+                <a:schemeClr val="tx1"/>
+              </a:solidFill>
+              <a:tailEnd type="arrow"/>
+            </a:ln>
+          </p:spPr>
+          <p:style>
+            <a:lnRef idx="1">
+              <a:schemeClr val="accent1"/>
+            </a:lnRef>
+            <a:fillRef idx="0">
+              <a:schemeClr val="accent1"/>
+            </a:fillRef>
+            <a:effectRef idx="0">
+              <a:schemeClr val="accent1"/>
+            </a:effectRef>
+            <a:fontRef idx="minor">
+              <a:schemeClr val="tx1"/>
+            </a:fontRef>
+          </p:style>
+        </p:cxnSp>
+        <p:cxnSp>
+          <p:nvCxnSpPr>
+            <p:cNvPr id="14" name="꺾인 연결선 13"/>
+            <p:cNvCxnSpPr/>
+            <p:nvPr/>
+          </p:nvCxnSpPr>
+          <p:spPr>
+            <a:xfrm>
+              <a:off x="4325195" y="4447394"/>
+              <a:ext cx="1254917" cy="493774"/>
+            </a:xfrm>
+            <a:prstGeom prst="bentConnector3">
+              <a:avLst>
+                <a:gd name="adj1" fmla="val 58249"/>
+              </a:avLst>
+            </a:prstGeom>
+            <a:ln w="19050">
+              <a:solidFill>
+                <a:schemeClr val="tx1"/>
+              </a:solidFill>
+              <a:tailEnd type="arrow"/>
+            </a:ln>
+          </p:spPr>
+          <p:style>
+            <a:lnRef idx="1">
+              <a:schemeClr val="accent1"/>
+            </a:lnRef>
+            <a:fillRef idx="0">
+              <a:schemeClr val="accent1"/>
+            </a:fillRef>
+            <a:effectRef idx="0">
+              <a:schemeClr val="accent1"/>
+            </a:effectRef>
+            <a:fontRef idx="minor">
+              <a:schemeClr val="tx1"/>
+            </a:fontRef>
+          </p:style>
+        </p:cxnSp>
+        <p:cxnSp>
+          <p:nvCxnSpPr>
+            <p:cNvPr id="16" name="꺾인 연결선 15"/>
+            <p:cNvCxnSpPr/>
+            <p:nvPr/>
+          </p:nvCxnSpPr>
+          <p:spPr>
+            <a:xfrm>
+              <a:off x="4109170" y="4782384"/>
+              <a:ext cx="1542950" cy="734848"/>
+            </a:xfrm>
+            <a:prstGeom prst="bentConnector3">
+              <a:avLst/>
+            </a:prstGeom>
+            <a:ln w="19050">
+              <a:solidFill>
+                <a:schemeClr val="tx1"/>
+              </a:solidFill>
+              <a:tailEnd type="arrow"/>
+            </a:ln>
+          </p:spPr>
+          <p:style>
+            <a:lnRef idx="1">
+              <a:schemeClr val="accent1"/>
+            </a:lnRef>
+            <a:fillRef idx="0">
+              <a:schemeClr val="accent1"/>
+            </a:fillRef>
+            <a:effectRef idx="0">
+              <a:schemeClr val="accent1"/>
+            </a:effectRef>
+            <a:fontRef idx="minor">
+              <a:schemeClr val="tx1"/>
+            </a:fontRef>
+          </p:style>
+        </p:cxnSp>
+      </p:grpSp>
+    </p:spTree>
+    <p:extLst>
+      <p:ext uri="{BB962C8B-B14F-4D97-AF65-F5344CB8AC3E}">
+        <p14:creationId xmlns:p14="http://schemas.microsoft.com/office/powerpoint/2010/main" val="2299534663"/>
+      </p:ext>
+    </p:extLst>
+  </p:cSld>
+  <p:clrMapOvr>
+    <a:masterClrMapping/>
+  </p:clrMapOvr>
+  <p:timing>
+    <p:tnLst>
+      <p:par>
+        <p:cTn id="1" dur="indefinite" restart="never" nodeType="tmRoot">
+          <p:childTnLst>
+            <p:seq concurrent="1" nextAc="seek">
+              <p:cTn id="2" dur="indefinite" nodeType="mainSeq">
+                <p:childTnLst>
+                  <p:par>
+                    <p:cTn id="3" fill="hold">
+                      <p:stCondLst>
+                        <p:cond delay="indefinite"/>
+                        <p:cond evt="onBegin" delay="0">
+                          <p:tn val="2"/>
+                        </p:cond>
+                      </p:stCondLst>
+                      <p:childTnLst>
+                        <p:par>
+                          <p:cTn id="4" fill="hold">
+                            <p:stCondLst>
+                              <p:cond delay="0"/>
+                            </p:stCondLst>
+                            <p:childTnLst>
+                              <p:par>
+                                <p:cTn id="5" presetID="42" presetClass="entr" presetSubtype="0" fill="hold" nodeType="withEffect">
+                                  <p:stCondLst>
+                                    <p:cond delay="0"/>
+                                  </p:stCondLst>
+                                  <p:childTnLst>
+                                    <p:set>
+                                      <p:cBhvr>
+                                        <p:cTn id="6" dur="1" fill="hold">
+                                          <p:stCondLst>
+                                            <p:cond delay="0"/>
+                                          </p:stCondLst>
+                                        </p:cTn>
+                                        <p:tgtEl>
+                                          <p:spTgt spid="3"/>
+                                        </p:tgtEl>
+                                        <p:attrNameLst>
+                                          <p:attrName>style.visibility</p:attrName>
+                                        </p:attrNameLst>
+                                      </p:cBhvr>
+                                      <p:to>
+                                        <p:strVal val="visible"/>
+                                      </p:to>
+                                    </p:set>
+                                    <p:animEffect transition="in" filter="fade">
+                                      <p:cBhvr>
+                                        <p:cTn id="7" dur="1000"/>
+                                        <p:tgtEl>
+                                          <p:spTgt spid="3"/>
+                                        </p:tgtEl>
+                                      </p:cBhvr>
+                                    </p:animEffect>
+                                    <p:anim calcmode="lin" valueType="num">
+                                      <p:cBhvr>
+                                        <p:cTn id="8" dur="1000" fill="hold"/>
+                                        <p:tgtEl>
+                                          <p:spTgt spid="3"/>
+                                        </p:tgtEl>
+                                        <p:attrNameLst>
+                                          <p:attrName>ppt_x</p:attrName>
+                                        </p:attrNameLst>
+                                      </p:cBhvr>
+                                      <p:tavLst>
+                                        <p:tav tm="0">
+                                          <p:val>
+                                            <p:strVal val="#ppt_x"/>
+                                          </p:val>
+                                        </p:tav>
+                                        <p:tav tm="100000">
+                                          <p:val>
+                                            <p:strVal val="#ppt_x"/>
+                                          </p:val>
+                                        </p:tav>
+                                      </p:tavLst>
+                                    </p:anim>
+                                    <p:anim calcmode="lin" valueType="num">
+                                      <p:cBhvr>
+                                        <p:cTn id="9" dur="1000" fill="hold"/>
+                                        <p:tgtEl>
+                                          <p:spTgt spid="3"/>
+                                        </p:tgtEl>
+                                        <p:attrNameLst>
+                                          <p:attrName>ppt_y</p:attrName>
+                                        </p:attrNameLst>
+                                      </p:cBhvr>
+                                      <p:tavLst>
+                                        <p:tav tm="0">
+                                          <p:val>
+                                            <p:strVal val="#ppt_y+.1"/>
+                                          </p:val>
+                                        </p:tav>
+                                        <p:tav tm="100000">
+                                          <p:val>
+                                            <p:strVal val="#ppt_y"/>
+                                          </p:val>
+                                        </p:tav>
+                                      </p:tavLst>
+                                    </p:anim>
+                                  </p:childTnLst>
+                                </p:cTn>
+                              </p:par>
+                            </p:childTnLst>
+                          </p:cTn>
+                        </p:par>
+                        <p:par>
+                          <p:cTn id="10" fill="hold">
+                            <p:stCondLst>
+                              <p:cond delay="1000"/>
+                            </p:stCondLst>
+                            <p:childTnLst>
+                              <p:par>
+                                <p:cTn id="11" presetID="10" presetClass="entr" presetSubtype="0" fill="hold" nodeType="afterEffect">
+                                  <p:stCondLst>
+                                    <p:cond delay="0"/>
+                                  </p:stCondLst>
+                                  <p:childTnLst>
+                                    <p:set>
+                                      <p:cBhvr>
+                                        <p:cTn id="12" dur="1" fill="hold">
+                                          <p:stCondLst>
+                                            <p:cond delay="0"/>
+                                          </p:stCondLst>
+                                        </p:cTn>
+                                        <p:tgtEl>
+                                          <p:spTgt spid="20"/>
+                                        </p:tgtEl>
+                                        <p:attrNameLst>
+                                          <p:attrName>style.visibility</p:attrName>
+                                        </p:attrNameLst>
+                                      </p:cBhvr>
+                                      <p:to>
+                                        <p:strVal val="visible"/>
+                                      </p:to>
+                                    </p:set>
+                                    <p:animEffect transition="in" filter="fade">
+                                      <p:cBhvr>
+                                        <p:cTn id="13" dur="500"/>
+                                        <p:tgtEl>
+                                          <p:spTgt spid="20"/>
+                                        </p:tgtEl>
+                                      </p:cBhvr>
+                                    </p:animEffect>
+                                  </p:childTnLst>
+                                </p:cTn>
+                              </p:par>
+                            </p:childTnLst>
+                          </p:cTn>
+                        </p:par>
+                      </p:childTnLst>
+                    </p:cTn>
+                  </p:par>
+                </p:childTnLst>
+              </p:cTn>
+              <p:prevCondLst>
+                <p:cond evt="onPrev" delay="0">
+                  <p:tgtEl>
+                    <p:sldTgt/>
+                  </p:tgtEl>
+                </p:cond>
+              </p:prevCondLst>
+              <p:nextCondLst>
+                <p:cond evt="onNext" delay="0">
+                  <p:tgtEl>
+                    <p:sldTgt/>
+                  </p:tgtEl>
+                </p:cond>
+              </p:nextCondLst>
+            </p:seq>
+          </p:childTnLst>
+        </p:cTn>
+      </p:par>
+    </p:tnLst>
+  </p:timing>
+</p:sld>
+</file>
+
+<file path=ppt/slides/slide3.xml><?xml version="1.0" encoding="utf-8"?>
+<p:sld xmlns:a="http://schemas.openxmlformats.org/drawingml/2006/main" xmlns:r="http://schemas.openxmlformats.org/officeDocument/2006/relationships" xmlns:p="http://schemas.openxmlformats.org/presentationml/2006/main">
+  <p:cSld>
+    <p:spTree>
+      <p:nvGrpSpPr>
+        <p:cNvPr id="1" name=""/>
+        <p:cNvGrpSpPr/>
+        <p:nvPr/>
+      </p:nvGrpSpPr>
+      <p:grpSpPr>
+        <a:xfrm>
+          <a:off x="0" y="0"/>
+          <a:ext cx="0" cy="0"/>
+          <a:chOff x="0" y="0"/>
+          <a:chExt cx="0" cy="0"/>
+        </a:xfrm>
+      </p:grpSpPr>
+      <p:sp>
+        <p:nvSpPr>
+          <p:cNvPr id="2" name="제목 1"/>
+          <p:cNvSpPr>
+            <a:spLocks noGrp="1"/>
+          </p:cNvSpPr>
+          <p:nvPr>
+            <p:ph type="title"/>
+          </p:nvPr>
+        </p:nvSpPr>
+        <p:spPr/>
+        <p:txBody>
+          <a:bodyPr/>
+          <a:lstStyle/>
+          <a:p>
+            <a:r>
+              <a:rPr lang="en-US" altLang="ko-KR" dirty="0" err="1" smtClean="0">
+                <a:latin typeface="배달의민족 도현" panose="020B0600000101010101" pitchFamily="50" charset="-127"/>
+                <a:ea typeface="배달의민족 도현" panose="020B0600000101010101" pitchFamily="50" charset="-127"/>
+              </a:rPr>
+              <a:t>mySQL</a:t>
+            </a:r>
+            <a:r>
+              <a:rPr lang="en-US" altLang="ko-KR" dirty="0" smtClean="0">
+                <a:latin typeface="배달의민족 도현" panose="020B0600000101010101" pitchFamily="50" charset="-127"/>
+                <a:ea typeface="배달의민족 도현" panose="020B0600000101010101" pitchFamily="50" charset="-127"/>
+              </a:rPr>
+              <a:t> DB</a:t>
+            </a:r>
+            <a:r>
+              <a:rPr lang="ko-KR" altLang="en-US" dirty="0" smtClean="0">
+                <a:latin typeface="배달의민족 도현" panose="020B0600000101010101" pitchFamily="50" charset="-127"/>
+                <a:ea typeface="배달의민족 도현" panose="020B0600000101010101" pitchFamily="50" charset="-127"/>
+              </a:rPr>
+              <a:t>목록</a:t>
+            </a:r>
+            <a:endParaRPr lang="ko-KR" altLang="en-US" dirty="0">
+              <a:latin typeface="배달의민족 도현" panose="020B0600000101010101" pitchFamily="50" charset="-127"/>
+              <a:ea typeface="배달의민족 도현" panose="020B0600000101010101" pitchFamily="50" charset="-127"/>
+            </a:endParaRPr>
+          </a:p>
+        </p:txBody>
+      </p:sp>
+      <p:pic>
+        <p:nvPicPr>
+          <p:cNvPr id="1027" name="Picture 3"/>
+          <p:cNvPicPr>
+            <a:picLocks noChangeAspect="1" noChangeArrowheads="1"/>
+          </p:cNvPicPr>
+          <p:nvPr/>
+        </p:nvPicPr>
+        <p:blipFill>
+          <a:blip r:embed="rId2">
+            <a:extLst>
+              <a:ext uri="{28A0092B-C50C-407E-A947-70E740481C1C}">
+                <a14:useLocalDpi xmlns:a14="http://schemas.microsoft.com/office/drawing/2010/main" val="0"/>
+              </a:ext>
+            </a:extLst>
+          </a:blip>
+          <a:srcRect/>
+          <a:stretch>
+            <a:fillRect/>
+          </a:stretch>
+        </p:blipFill>
+        <p:spPr bwMode="auto">
+          <a:xfrm>
+            <a:off x="611560" y="2370810"/>
+            <a:ext cx="4552950" cy="2981325"/>
+          </a:xfrm>
+          <a:prstGeom prst="rect">
+            <a:avLst/>
+          </a:prstGeom>
+          <a:noFill/>
+          <a:ln>
+            <a:noFill/>
+          </a:ln>
+          <a:extLst>
+            <a:ext uri="{909E8E84-426E-40DD-AFC4-6F175D3DCCD1}">
+              <a14:hiddenFill xmlns:a14="http://schemas.microsoft.com/office/drawing/2010/main">
+                <a:solidFill>
+                  <a:schemeClr val="accent1"/>
+                </a:solidFill>
+              </a14:hiddenFill>
+            </a:ext>
+            <a:ext uri="{91240B29-F687-4F45-9708-019B960494DF}">
+              <a14:hiddenLine xmlns:a14="http://schemas.microsoft.com/office/drawing/2010/main" w="9525">
+                <a:solidFill>
+                  <a:schemeClr val="tx1"/>
+                </a:solidFill>
+                <a:miter lim="800000"/>
+                <a:headEnd/>
+                <a:tailEnd/>
+              </a14:hiddenLine>
+            </a:ext>
+          </a:extLst>
+        </p:spPr>
+      </p:pic>
+      <p:grpSp>
+        <p:nvGrpSpPr>
+          <p:cNvPr id="3" name="그룹 2"/>
+          <p:cNvGrpSpPr/>
+          <p:nvPr/>
+        </p:nvGrpSpPr>
+        <p:grpSpPr>
+          <a:xfrm>
+            <a:off x="5436096" y="1628800"/>
+            <a:ext cx="5725144" cy="6192688"/>
+            <a:chOff x="5436096" y="1628800"/>
+            <a:chExt cx="5725144" cy="6192688"/>
+          </a:xfrm>
+        </p:grpSpPr>
+        <p:grpSp>
+          <p:nvGrpSpPr>
+            <p:cNvPr id="7" name="그룹 6"/>
+            <p:cNvGrpSpPr/>
+            <p:nvPr/>
+          </p:nvGrpSpPr>
+          <p:grpSpPr>
+            <a:xfrm>
+              <a:off x="5436096" y="1628800"/>
+              <a:ext cx="5725144" cy="6192688"/>
+              <a:chOff x="5111552" y="1628800"/>
+              <a:chExt cx="5725144" cy="6192688"/>
+            </a:xfrm>
+          </p:grpSpPr>
+          <p:sp>
+            <p:nvSpPr>
+              <p:cNvPr id="9" name="타원 8"/>
+              <p:cNvSpPr/>
+              <p:nvPr/>
+            </p:nvSpPr>
+            <p:spPr>
+              <a:xfrm>
+                <a:off x="5111552" y="2564904"/>
+                <a:ext cx="4032448" cy="4032448"/>
+              </a:xfrm>
+              <a:prstGeom prst="ellipse">
+                <a:avLst/>
+              </a:prstGeom>
+            </p:spPr>
+            <p:style>
+              <a:lnRef idx="1">
+                <a:schemeClr val="accent5"/>
+              </a:lnRef>
+              <a:fillRef idx="3">
+                <a:schemeClr val="accent5"/>
+              </a:fillRef>
+              <a:effectRef idx="2">
+                <a:schemeClr val="accent5"/>
+              </a:effectRef>
+              <a:fontRef idx="minor">
+                <a:schemeClr val="lt1"/>
+              </a:fontRef>
+            </p:style>
+            <p:txBody>
+              <a:bodyPr rtlCol="0" anchor="ctr"/>
+              <a:lstStyle/>
+              <a:p>
+                <a:pPr algn="ctr"/>
+                <a:endParaRPr lang="ko-KR" altLang="en-US"/>
+              </a:p>
+            </p:txBody>
+          </p:sp>
+          <p:sp>
+            <p:nvSpPr>
+              <p:cNvPr id="6" name="타원 5"/>
+              <p:cNvSpPr/>
+              <p:nvPr/>
+            </p:nvSpPr>
+            <p:spPr>
+              <a:xfrm>
+                <a:off x="6804248" y="1628800"/>
+                <a:ext cx="4032448" cy="4032448"/>
+              </a:xfrm>
+              <a:prstGeom prst="ellipse">
+                <a:avLst/>
+              </a:prstGeom>
+            </p:spPr>
+            <p:style>
+              <a:lnRef idx="1">
+                <a:schemeClr val="accent5"/>
+              </a:lnRef>
+              <a:fillRef idx="3">
+                <a:schemeClr val="accent5"/>
+              </a:fillRef>
+              <a:effectRef idx="2">
+                <a:schemeClr val="accent5"/>
+              </a:effectRef>
+              <a:fontRef idx="minor">
+                <a:schemeClr val="lt1"/>
+              </a:fontRef>
+            </p:style>
+            <p:txBody>
+              <a:bodyPr rtlCol="0" anchor="ctr"/>
+              <a:lstStyle/>
+              <a:p>
+                <a:pPr algn="ctr"/>
+                <a:endParaRPr lang="ko-KR" altLang="en-US"/>
+              </a:p>
+            </p:txBody>
+          </p:sp>
+          <p:sp>
+            <p:nvSpPr>
+              <p:cNvPr id="5" name="타원 4"/>
+              <p:cNvSpPr/>
+              <p:nvPr/>
+            </p:nvSpPr>
+            <p:spPr>
+              <a:xfrm>
+                <a:off x="5724128" y="3501008"/>
+                <a:ext cx="4320480" cy="4320480"/>
+              </a:xfrm>
+              <a:prstGeom prst="ellipse">
+                <a:avLst/>
+              </a:prstGeom>
+            </p:spPr>
+            <p:style>
+              <a:lnRef idx="1">
+                <a:schemeClr val="accent5"/>
+              </a:lnRef>
+              <a:fillRef idx="3">
+                <a:schemeClr val="accent5"/>
+              </a:fillRef>
+              <a:effectRef idx="2">
+                <a:schemeClr val="accent5"/>
+              </a:effectRef>
+              <a:fontRef idx="minor">
+                <a:schemeClr val="lt1"/>
+              </a:fontRef>
+            </p:style>
+            <p:txBody>
+              <a:bodyPr rtlCol="0" anchor="ctr"/>
+              <a:lstStyle/>
+              <a:p>
+                <a:pPr algn="ctr"/>
+                <a:endParaRPr lang="ko-KR" altLang="en-US"/>
+              </a:p>
+            </p:txBody>
+          </p:sp>
+        </p:grpSp>
+        <p:sp>
+          <p:nvSpPr>
+            <p:cNvPr id="4" name="TextBox 3"/>
+            <p:cNvSpPr txBox="1"/>
+            <p:nvPr/>
+          </p:nvSpPr>
+          <p:spPr>
+            <a:xfrm>
+              <a:off x="6058348" y="3789040"/>
+              <a:ext cx="2912977" cy="369332"/>
+            </a:xfrm>
+            <a:prstGeom prst="rect">
+              <a:avLst/>
+            </a:prstGeom>
+            <a:noFill/>
+          </p:spPr>
+          <p:txBody>
+            <a:bodyPr wrap="none" rtlCol="0">
+              <a:spAutoFit/>
+            </a:bodyPr>
+            <a:lstStyle/>
+            <a:p>
+              <a:r>
+                <a:rPr lang="en-US" altLang="ko-KR" dirty="0" err="1" smtClean="0">
+                  <a:latin typeface="배달의민족 도현" panose="020B0600000101010101" pitchFamily="50" charset="-127"/>
+                  <a:ea typeface="배달의민족 도현" panose="020B0600000101010101" pitchFamily="50" charset="-127"/>
+                </a:rPr>
+                <a:t>mySQL</a:t>
+              </a:r>
+              <a:r>
+                <a:rPr lang="ko-KR" altLang="en-US" dirty="0" smtClean="0">
+                  <a:latin typeface="배달의민족 도현" panose="020B0600000101010101" pitchFamily="50" charset="-127"/>
+                  <a:ea typeface="배달의민족 도현" panose="020B0600000101010101" pitchFamily="50" charset="-127"/>
+                </a:rPr>
+                <a:t>을 이용한 </a:t>
+              </a:r>
+              <a:r>
+                <a:rPr lang="en-US" altLang="ko-KR" dirty="0" smtClean="0">
+                  <a:latin typeface="배달의민족 도현" panose="020B0600000101010101" pitchFamily="50" charset="-127"/>
+                  <a:ea typeface="배달의민족 도현" panose="020B0600000101010101" pitchFamily="50" charset="-127"/>
+                </a:rPr>
+                <a:t>DB </a:t>
+              </a:r>
+              <a:r>
+                <a:rPr lang="ko-KR" altLang="en-US" dirty="0" smtClean="0">
+                  <a:latin typeface="배달의민족 도현" panose="020B0600000101010101" pitchFamily="50" charset="-127"/>
+                  <a:ea typeface="배달의민족 도현" panose="020B0600000101010101" pitchFamily="50" charset="-127"/>
+                </a:rPr>
+                <a:t>저장</a:t>
+              </a:r>
+              <a:endParaRPr lang="ko-KR" altLang="en-US" dirty="0">
+                <a:latin typeface="배달의민족 도현" panose="020B0600000101010101" pitchFamily="50" charset="-127"/>
+                <a:ea typeface="배달의민족 도현" panose="020B0600000101010101" pitchFamily="50" charset="-127"/>
+              </a:endParaRPr>
+            </a:p>
+          </p:txBody>
+        </p:sp>
+      </p:grpSp>
+    </p:spTree>
+    <p:extLst>
+      <p:ext uri="{BB962C8B-B14F-4D97-AF65-F5344CB8AC3E}">
+        <p14:creationId xmlns:p14="http://schemas.microsoft.com/office/powerpoint/2010/main" val="724182749"/>
+      </p:ext>
+    </p:extLst>
+  </p:cSld>
+  <p:clrMapOvr>
+    <a:masterClrMapping/>
+  </p:clrMapOvr>
+  <p:timing>
+    <p:tnLst>
+      <p:par>
+        <p:cTn id="1" dur="indefinite" restart="never" nodeType="tmRoot">
+          <p:childTnLst>
+            <p:seq concurrent="1" nextAc="seek">
+              <p:cTn id="2" dur="indefinite" nodeType="mainSeq">
+                <p:childTnLst>
+                  <p:par>
+                    <p:cTn id="3" fill="hold">
+                      <p:stCondLst>
+                        <p:cond delay="indefinite"/>
+                        <p:cond evt="onBegin" delay="0">
+                          <p:tn val="2"/>
+                        </p:cond>
+                      </p:stCondLst>
+                      <p:childTnLst>
+                        <p:par>
+                          <p:cTn id="4" fill="hold">
+                            <p:stCondLst>
+                              <p:cond delay="0"/>
+                            </p:stCondLst>
+                            <p:childTnLst>
+                              <p:par>
+                                <p:cTn id="5" presetID="42" presetClass="entr" presetSubtype="0" fill="hold" nodeType="withEffect">
+                                  <p:stCondLst>
+                                    <p:cond delay="0"/>
+                                  </p:stCondLst>
+                                  <p:childTnLst>
+                                    <p:set>
+                                      <p:cBhvr>
+                                        <p:cTn id="6" dur="1" fill="hold">
+                                          <p:stCondLst>
+                                            <p:cond delay="0"/>
+                                          </p:stCondLst>
+                                        </p:cTn>
+                                        <p:tgtEl>
+                                          <p:spTgt spid="3"/>
+                                        </p:tgtEl>
+                                        <p:attrNameLst>
+                                          <p:attrName>style.visibility</p:attrName>
+                                        </p:attrNameLst>
+                                      </p:cBhvr>
+                                      <p:to>
+                                        <p:strVal val="visible"/>
+                                      </p:to>
+                                    </p:set>
+                                    <p:animEffect transition="in" filter="fade">
+                                      <p:cBhvr>
+                                        <p:cTn id="7" dur="1000"/>
+                                        <p:tgtEl>
+                                          <p:spTgt spid="3"/>
+                                        </p:tgtEl>
+                                      </p:cBhvr>
+                                    </p:animEffect>
+                                    <p:anim calcmode="lin" valueType="num">
+                                      <p:cBhvr>
+                                        <p:cTn id="8" dur="1000" fill="hold"/>
+                                        <p:tgtEl>
+                                          <p:spTgt spid="3"/>
+                                        </p:tgtEl>
+                                        <p:attrNameLst>
+                                          <p:attrName>ppt_x</p:attrName>
+                                        </p:attrNameLst>
+                                      </p:cBhvr>
+                                      <p:tavLst>
+                                        <p:tav tm="0">
+                                          <p:val>
+                                            <p:strVal val="#ppt_x"/>
+                                          </p:val>
+                                        </p:tav>
+                                        <p:tav tm="100000">
+                                          <p:val>
+                                            <p:strVal val="#ppt_x"/>
+                                          </p:val>
+                                        </p:tav>
+                                      </p:tavLst>
+                                    </p:anim>
+                                    <p:anim calcmode="lin" valueType="num">
+                                      <p:cBhvr>
+                                        <p:cTn id="9" dur="1000" fill="hold"/>
+                                        <p:tgtEl>
+                                          <p:spTgt spid="3"/>
+                                        </p:tgtEl>
+                                        <p:attrNameLst>
+                                          <p:attrName>ppt_y</p:attrName>
+                                        </p:attrNameLst>
+                                      </p:cBhvr>
+                                      <p:tavLst>
+                                        <p:tav tm="0">
+                                          <p:val>
+                                            <p:strVal val="#ppt_y+.1"/>
+                                          </p:val>
+                                        </p:tav>
+                                        <p:tav tm="100000">
+                                          <p:val>
+                                            <p:strVal val="#ppt_y"/>
+                                          </p:val>
+                                        </p:tav>
+                                      </p:tavLst>
+                                    </p:anim>
+                                  </p:childTnLst>
+                                </p:cTn>
+                              </p:par>
+                            </p:childTnLst>
+                          </p:cTn>
+                        </p:par>
+                      </p:childTnLst>
+                    </p:cTn>
+                  </p:par>
+                </p:childTnLst>
+              </p:cTn>
+              <p:prevCondLst>
+                <p:cond evt="onPrev" delay="0">
+                  <p:tgtEl>
+                    <p:sldTgt/>
+                  </p:tgtEl>
+                </p:cond>
+              </p:prevCondLst>
+              <p:nextCondLst>
+                <p:cond evt="onNext" delay="0">
+                  <p:tgtEl>
+                    <p:sldTgt/>
+                  </p:tgtEl>
+                </p:cond>
+              </p:nextCondLst>
+            </p:seq>
+          </p:childTnLst>
+        </p:cTn>
+      </p:par>
+    </p:tnLst>
+  </p:timing>
+</p:sld>
+</file>
+
+<file path=ppt/slides/slide4.xml><?xml version="1.0" encoding="utf-8"?>
+<p:sld xmlns:a="http://schemas.openxmlformats.org/drawingml/2006/main" xmlns:r="http://schemas.openxmlformats.org/officeDocument/2006/relationships" xmlns:p="http://schemas.openxmlformats.org/presentationml/2006/main">
+  <p:cSld>
+    <p:spTree>
+      <p:nvGrpSpPr>
+        <p:cNvPr id="1" name=""/>
+        <p:cNvGrpSpPr/>
+        <p:nvPr/>
+      </p:nvGrpSpPr>
+      <p:grpSpPr>
+        <a:xfrm>
+          <a:off x="0" y="0"/>
+          <a:ext cx="0" cy="0"/>
+          <a:chOff x="0" y="0"/>
+          <a:chExt cx="0" cy="0"/>
+        </a:xfrm>
+      </p:grpSpPr>
+      <p:sp>
+        <p:nvSpPr>
+          <p:cNvPr id="2" name="제목 1"/>
+          <p:cNvSpPr>
+            <a:spLocks noGrp="1"/>
+          </p:cNvSpPr>
+          <p:nvPr>
+            <p:ph type="title"/>
+          </p:nvPr>
+        </p:nvSpPr>
+        <p:spPr/>
+        <p:txBody>
+          <a:bodyPr/>
+          <a:lstStyle/>
+          <a:p>
+            <a:r>
+              <a:rPr lang="ko-KR" altLang="en-US" dirty="0" smtClean="0">
+                <a:latin typeface="배달의민족 도현" panose="020B0600000101010101" pitchFamily="50" charset="-127"/>
+                <a:ea typeface="배달의민족 도현" panose="020B0600000101010101" pitchFamily="50" charset="-127"/>
+              </a:rPr>
+              <a:t> 검색 </a:t>
+            </a:r>
+            <a:r>
+              <a:rPr lang="en-US" altLang="ko-KR" dirty="0" smtClean="0">
+                <a:latin typeface="배달의민족 도현" panose="020B0600000101010101" pitchFamily="50" charset="-127"/>
+                <a:ea typeface="배달의민족 도현" panose="020B0600000101010101" pitchFamily="50" charset="-127"/>
+              </a:rPr>
+              <a:t>(</a:t>
+            </a:r>
+            <a:r>
+              <a:rPr lang="ko-KR" altLang="en-US" dirty="0" smtClean="0">
+                <a:latin typeface="배달의민족 도현" panose="020B0600000101010101" pitchFamily="50" charset="-127"/>
+                <a:ea typeface="배달의민족 도현" panose="020B0600000101010101" pitchFamily="50" charset="-127"/>
+              </a:rPr>
+              <a:t>전체 검색</a:t>
+            </a:r>
+            <a:r>
+              <a:rPr lang="en-US" altLang="ko-KR" dirty="0" smtClean="0">
+                <a:latin typeface="배달의민족 도현" panose="020B0600000101010101" pitchFamily="50" charset="-127"/>
+                <a:ea typeface="배달의민족 도현" panose="020B0600000101010101" pitchFamily="50" charset="-127"/>
+              </a:rPr>
+              <a:t>)</a:t>
+            </a:r>
+            <a:endParaRPr lang="ko-KR" altLang="en-US" dirty="0">
+              <a:latin typeface="배달의민족 도현" panose="020B0600000101010101" pitchFamily="50" charset="-127"/>
+              <a:ea typeface="배달의민족 도현" panose="020B0600000101010101" pitchFamily="50" charset="-127"/>
+            </a:endParaRPr>
+          </a:p>
+        </p:txBody>
+      </p:sp>
+      <p:pic>
+        <p:nvPicPr>
+          <p:cNvPr id="2050" name="Picture 2" descr="C:\work\julyProject\console\제목 없음.png"/>
+          <p:cNvPicPr>
+            <a:picLocks noChangeAspect="1" noChangeArrowheads="1"/>
+          </p:cNvPicPr>
+          <p:nvPr/>
+        </p:nvPicPr>
+        <p:blipFill>
+          <a:blip r:embed="rId2">
+            <a:extLst>
+              <a:ext uri="{28A0092B-C50C-407E-A947-70E740481C1C}">
+                <a14:useLocalDpi xmlns:a14="http://schemas.microsoft.com/office/drawing/2010/main" val="0"/>
+              </a:ext>
+            </a:extLst>
+          </a:blip>
+          <a:srcRect/>
+          <a:stretch>
+            <a:fillRect/>
+          </a:stretch>
+        </p:blipFill>
+        <p:spPr bwMode="auto">
+          <a:xfrm>
+            <a:off x="899592" y="1700808"/>
+            <a:ext cx="4566708" cy="4520580"/>
+          </a:xfrm>
+          <a:prstGeom prst="rect">
+            <a:avLst/>
+          </a:prstGeom>
+          <a:noFill/>
+          <a:extLst>
+            <a:ext uri="{909E8E84-426E-40DD-AFC4-6F175D3DCCD1}">
+              <a14:hiddenFill xmlns:a14="http://schemas.microsoft.com/office/drawing/2010/main">
+                <a:solidFill>
+                  <a:srgbClr val="FFFFFF"/>
+                </a:solidFill>
+              </a14:hiddenFill>
+            </a:ext>
+          </a:extLst>
+        </p:spPr>
+      </p:pic>
+      <p:grpSp>
+        <p:nvGrpSpPr>
+          <p:cNvPr id="3" name="그룹 2"/>
+          <p:cNvGrpSpPr/>
+          <p:nvPr/>
+        </p:nvGrpSpPr>
+        <p:grpSpPr>
+          <a:xfrm>
+            <a:off x="5436096" y="1628800"/>
+            <a:ext cx="5725144" cy="6192688"/>
+            <a:chOff x="5436096" y="1628800"/>
+            <a:chExt cx="5725144" cy="6192688"/>
+          </a:xfrm>
+        </p:grpSpPr>
+        <p:grpSp>
+          <p:nvGrpSpPr>
+            <p:cNvPr id="9" name="그룹 8"/>
+            <p:cNvGrpSpPr/>
+            <p:nvPr/>
+          </p:nvGrpSpPr>
+          <p:grpSpPr>
+            <a:xfrm>
+              <a:off x="5436096" y="1628800"/>
+              <a:ext cx="5725144" cy="6192688"/>
+              <a:chOff x="5111552" y="1628800"/>
+              <a:chExt cx="5725144" cy="6192688"/>
+            </a:xfrm>
+          </p:grpSpPr>
+          <p:sp>
+            <p:nvSpPr>
+              <p:cNvPr id="10" name="타원 9"/>
+              <p:cNvSpPr/>
+              <p:nvPr/>
+            </p:nvSpPr>
+            <p:spPr>
+              <a:xfrm>
+                <a:off x="5111552" y="2564904"/>
+                <a:ext cx="4032448" cy="4032448"/>
+              </a:xfrm>
+              <a:prstGeom prst="ellipse">
+                <a:avLst/>
+              </a:prstGeom>
+            </p:spPr>
+            <p:style>
+              <a:lnRef idx="1">
+                <a:schemeClr val="accent3"/>
+              </a:lnRef>
+              <a:fillRef idx="3">
+                <a:schemeClr val="accent3"/>
+              </a:fillRef>
+              <a:effectRef idx="2">
+                <a:schemeClr val="accent3"/>
+              </a:effectRef>
+              <a:fontRef idx="minor">
+                <a:schemeClr val="lt1"/>
+              </a:fontRef>
+            </p:style>
+            <p:txBody>
+              <a:bodyPr rtlCol="0" anchor="ctr"/>
+              <a:lstStyle/>
+              <a:p>
+                <a:pPr algn="ctr"/>
+                <a:endParaRPr lang="ko-KR" altLang="en-US"/>
+              </a:p>
+            </p:txBody>
+          </p:sp>
+          <p:sp>
+            <p:nvSpPr>
+              <p:cNvPr id="11" name="타원 10"/>
+              <p:cNvSpPr/>
+              <p:nvPr/>
+            </p:nvSpPr>
+            <p:spPr>
+              <a:xfrm>
+                <a:off x="6804248" y="1628800"/>
+                <a:ext cx="4032448" cy="4032448"/>
+              </a:xfrm>
+              <a:prstGeom prst="ellipse">
+                <a:avLst/>
+              </a:prstGeom>
+            </p:spPr>
+            <p:style>
+              <a:lnRef idx="1">
+                <a:schemeClr val="accent3"/>
+              </a:lnRef>
+              <a:fillRef idx="3">
+                <a:schemeClr val="accent3"/>
+              </a:fillRef>
+              <a:effectRef idx="2">
+                <a:schemeClr val="accent3"/>
+              </a:effectRef>
+              <a:fontRef idx="minor">
+                <a:schemeClr val="lt1"/>
+              </a:fontRef>
+            </p:style>
+            <p:txBody>
+              <a:bodyPr rtlCol="0" anchor="ctr"/>
+              <a:lstStyle/>
+              <a:p>
+                <a:pPr algn="ctr"/>
+                <a:endParaRPr lang="ko-KR" altLang="en-US"/>
+              </a:p>
+            </p:txBody>
+          </p:sp>
+          <p:sp>
+            <p:nvSpPr>
+              <p:cNvPr id="12" name="타원 11"/>
+              <p:cNvSpPr/>
+              <p:nvPr/>
+            </p:nvSpPr>
+            <p:spPr>
+              <a:xfrm>
+                <a:off x="5724128" y="3501008"/>
+                <a:ext cx="4320480" cy="4320480"/>
+              </a:xfrm>
+              <a:prstGeom prst="ellipse">
+                <a:avLst/>
+              </a:prstGeom>
+            </p:spPr>
+            <p:style>
+              <a:lnRef idx="1">
+                <a:schemeClr val="accent3"/>
+              </a:lnRef>
+              <a:fillRef idx="3">
+                <a:schemeClr val="accent3"/>
+              </a:fillRef>
+              <a:effectRef idx="2">
+                <a:schemeClr val="accent3"/>
+              </a:effectRef>
+              <a:fontRef idx="minor">
+                <a:schemeClr val="lt1"/>
+              </a:fontRef>
+            </p:style>
+            <p:txBody>
+              <a:bodyPr rtlCol="0" anchor="ctr"/>
+              <a:lstStyle/>
+              <a:p>
+                <a:pPr algn="ctr"/>
+                <a:endParaRPr lang="ko-KR" altLang="en-US"/>
+              </a:p>
+            </p:txBody>
+          </p:sp>
+        </p:grpSp>
+        <p:sp>
+          <p:nvSpPr>
+            <p:cNvPr id="13" name="TextBox 12"/>
+            <p:cNvSpPr txBox="1"/>
+            <p:nvPr/>
+          </p:nvSpPr>
+          <p:spPr>
+            <a:xfrm>
+              <a:off x="6058348" y="3789040"/>
+              <a:ext cx="2691763" cy="923330"/>
+            </a:xfrm>
+            <a:prstGeom prst="rect">
+              <a:avLst/>
+            </a:prstGeom>
+            <a:noFill/>
+          </p:spPr>
+          <p:txBody>
+            <a:bodyPr wrap="none" rtlCol="0">
+              <a:spAutoFit/>
+            </a:bodyPr>
+            <a:lstStyle/>
+            <a:p>
+              <a:r>
+                <a:rPr lang="en-US" altLang="ko-KR" dirty="0" err="1" smtClean="0">
+                  <a:latin typeface="배달의민족 도현" panose="020B0600000101010101" pitchFamily="50" charset="-127"/>
+                  <a:ea typeface="배달의민족 도현" panose="020B0600000101010101" pitchFamily="50" charset="-127"/>
+                </a:rPr>
+                <a:t>mySQL</a:t>
+              </a:r>
+              <a:r>
+                <a:rPr lang="ko-KR" altLang="en-US" dirty="0" smtClean="0">
+                  <a:latin typeface="배달의민족 도현" panose="020B0600000101010101" pitchFamily="50" charset="-127"/>
+                  <a:ea typeface="배달의민족 도현" panose="020B0600000101010101" pitchFamily="50" charset="-127"/>
+                </a:rPr>
+                <a:t>에 저장된 </a:t>
+              </a:r>
+              <a:r>
+                <a:rPr lang="en-US" altLang="ko-KR" dirty="0" smtClean="0">
+                  <a:latin typeface="배달의민족 도현" panose="020B0600000101010101" pitchFamily="50" charset="-127"/>
+                  <a:ea typeface="배달의민족 도현" panose="020B0600000101010101" pitchFamily="50" charset="-127"/>
+                </a:rPr>
+                <a:t>DB</a:t>
+              </a:r>
+              <a:r>
+                <a:rPr lang="ko-KR" altLang="en-US" dirty="0" smtClean="0">
+                  <a:latin typeface="배달의민족 도현" panose="020B0600000101010101" pitchFamily="50" charset="-127"/>
+                  <a:ea typeface="배달의민족 도현" panose="020B0600000101010101" pitchFamily="50" charset="-127"/>
+                </a:rPr>
+                <a:t>를 </a:t>
+              </a:r>
+              <a:endParaRPr lang="en-US" altLang="ko-KR" dirty="0" smtClean="0">
+                <a:latin typeface="배달의민족 도현" panose="020B0600000101010101" pitchFamily="50" charset="-127"/>
+                <a:ea typeface="배달의민족 도현" panose="020B0600000101010101" pitchFamily="50" charset="-127"/>
+              </a:endParaRPr>
+            </a:p>
+            <a:p>
+              <a:endParaRPr lang="en-US" altLang="ko-KR" dirty="0">
+                <a:latin typeface="배달의민족 도현" panose="020B0600000101010101" pitchFamily="50" charset="-127"/>
+                <a:ea typeface="배달의민족 도현" panose="020B0600000101010101" pitchFamily="50" charset="-127"/>
+              </a:endParaRPr>
+            </a:p>
+            <a:p>
+              <a:r>
+                <a:rPr lang="ko-KR" altLang="en-US" dirty="0">
+                  <a:latin typeface="배달의민족 도현" panose="020B0600000101010101" pitchFamily="50" charset="-127"/>
+                  <a:ea typeface="배달의민족 도현" panose="020B0600000101010101" pitchFamily="50" charset="-127"/>
+                </a:rPr>
+                <a:t>연결하여 </a:t>
+              </a:r>
+              <a:r>
+                <a:rPr lang="ko-KR" altLang="en-US" dirty="0" smtClean="0">
+                  <a:latin typeface="배달의민족 도현" panose="020B0600000101010101" pitchFamily="50" charset="-127"/>
+                  <a:ea typeface="배달의민족 도현" panose="020B0600000101010101" pitchFamily="50" charset="-127"/>
+                </a:rPr>
+                <a:t>전체 검색</a:t>
+              </a:r>
+              <a:endParaRPr lang="ko-KR" altLang="en-US" dirty="0">
+                <a:latin typeface="배달의민족 도현" panose="020B0600000101010101" pitchFamily="50" charset="-127"/>
+                <a:ea typeface="배달의민족 도현" panose="020B0600000101010101" pitchFamily="50" charset="-127"/>
+              </a:endParaRPr>
+            </a:p>
+          </p:txBody>
+        </p:sp>
+      </p:grpSp>
+    </p:spTree>
+    <p:extLst>
+      <p:ext uri="{BB962C8B-B14F-4D97-AF65-F5344CB8AC3E}">
+        <p14:creationId xmlns:p14="http://schemas.microsoft.com/office/powerpoint/2010/main" val="3489926221"/>
+      </p:ext>
+    </p:extLst>
+  </p:cSld>
+  <p:clrMapOvr>
+    <a:masterClrMapping/>
+  </p:clrMapOvr>
+  <p:timing>
+    <p:tnLst>
+      <p:par>
+        <p:cTn id="1" dur="indefinite" restart="never" nodeType="tmRoot">
+          <p:childTnLst>
+            <p:seq concurrent="1" nextAc="seek">
+              <p:cTn id="2" dur="indefinite" nodeType="mainSeq">
+                <p:childTnLst>
+                  <p:par>
+                    <p:cTn id="3" fill="hold">
+                      <p:stCondLst>
+                        <p:cond delay="indefinite"/>
+                        <p:cond evt="onBegin" delay="0">
+                          <p:tn val="2"/>
+                        </p:cond>
+                      </p:stCondLst>
+                      <p:childTnLst>
+                        <p:par>
+                          <p:cTn id="4" fill="hold">
+                            <p:stCondLst>
+                              <p:cond delay="0"/>
+                            </p:stCondLst>
+                            <p:childTnLst>
+                              <p:par>
+                                <p:cTn id="5" presetID="42" presetClass="entr" presetSubtype="0" fill="hold" nodeType="withEffect">
+                                  <p:stCondLst>
+                                    <p:cond delay="0"/>
+                                  </p:stCondLst>
+                                  <p:childTnLst>
+                                    <p:set>
+                                      <p:cBhvr>
+                                        <p:cTn id="6" dur="1" fill="hold">
+                                          <p:stCondLst>
+                                            <p:cond delay="0"/>
+                                          </p:stCondLst>
+                                        </p:cTn>
+                                        <p:tgtEl>
+                                          <p:spTgt spid="3"/>
+                                        </p:tgtEl>
+                                        <p:attrNameLst>
+                                          <p:attrName>style.visibility</p:attrName>
+                                        </p:attrNameLst>
+                                      </p:cBhvr>
+                                      <p:to>
+                                        <p:strVal val="visible"/>
+                                      </p:to>
+                                    </p:set>
+                                    <p:animEffect transition="in" filter="fade">
+                                      <p:cBhvr>
+                                        <p:cTn id="7" dur="1000"/>
+                                        <p:tgtEl>
+                                          <p:spTgt spid="3"/>
+                                        </p:tgtEl>
+                                      </p:cBhvr>
+                                    </p:animEffect>
+                                    <p:anim calcmode="lin" valueType="num">
+                                      <p:cBhvr>
+                                        <p:cTn id="8" dur="1000" fill="hold"/>
+                                        <p:tgtEl>
+                                          <p:spTgt spid="3"/>
+                                        </p:tgtEl>
+                                        <p:attrNameLst>
+                                          <p:attrName>ppt_x</p:attrName>
+                                        </p:attrNameLst>
+                                      </p:cBhvr>
+                                      <p:tavLst>
+                                        <p:tav tm="0">
+                                          <p:val>
+                                            <p:strVal val="#ppt_x"/>
+                                          </p:val>
+                                        </p:tav>
+                                        <p:tav tm="100000">
+                                          <p:val>
+                                            <p:strVal val="#ppt_x"/>
+                                          </p:val>
+                                        </p:tav>
+                                      </p:tavLst>
+                                    </p:anim>
+                                    <p:anim calcmode="lin" valueType="num">
+                                      <p:cBhvr>
+                                        <p:cTn id="9" dur="1000" fill="hold"/>
+                                        <p:tgtEl>
+                                          <p:spTgt spid="3"/>
+                                        </p:tgtEl>
+                                        <p:attrNameLst>
+                                          <p:attrName>ppt_y</p:attrName>
+                                        </p:attrNameLst>
+                                      </p:cBhvr>
+                                      <p:tavLst>
+                                        <p:tav tm="0">
+                                          <p:val>
+                                            <p:strVal val="#ppt_y+.1"/>
+                                          </p:val>
+                                        </p:tav>
+                                        <p:tav tm="100000">
+                                          <p:val>
+                                            <p:strVal val="#ppt_y"/>
+                                          </p:val>
+                                        </p:tav>
+                                      </p:tavLst>
+                                    </p:anim>
+                                  </p:childTnLst>
+                                </p:cTn>
+                              </p:par>
+                            </p:childTnLst>
+                          </p:cTn>
+                        </p:par>
+                      </p:childTnLst>
+                    </p:cTn>
+                  </p:par>
+                </p:childTnLst>
+              </p:cTn>
+              <p:prevCondLst>
+                <p:cond evt="onPrev" delay="0">
+                  <p:tgtEl>
+                    <p:sldTgt/>
+                  </p:tgtEl>
+                </p:cond>
+              </p:prevCondLst>
+              <p:nextCondLst>
+                <p:cond evt="onNext" delay="0">
+                  <p:tgtEl>
+                    <p:sldTgt/>
+                  </p:tgtEl>
+                </p:cond>
+              </p:nextCondLst>
+            </p:seq>
+          </p:childTnLst>
+        </p:cTn>
+      </p:par>
+    </p:tnLst>
+  </p:timing>
+</p:sld>
+</file>
+
+<file path=ppt/slides/slide5.xml><?xml version="1.0" encoding="utf-8"?>
+<p:sld xmlns:a="http://schemas.openxmlformats.org/drawingml/2006/main" xmlns:r="http://schemas.openxmlformats.org/officeDocument/2006/relationships" xmlns:p="http://schemas.openxmlformats.org/presentationml/2006/main">
+  <p:cSld>
+    <p:spTree>
+      <p:nvGrpSpPr>
+        <p:cNvPr id="1" name=""/>
+        <p:cNvGrpSpPr/>
+        <p:nvPr/>
+      </p:nvGrpSpPr>
+      <p:grpSpPr>
+        <a:xfrm>
+          <a:off x="0" y="0"/>
+          <a:ext cx="0" cy="0"/>
+          <a:chOff x="0" y="0"/>
+          <a:chExt cx="0" cy="0"/>
+        </a:xfrm>
+      </p:grpSpPr>
+      <p:sp>
+        <p:nvSpPr>
+          <p:cNvPr id="2" name="제목 1"/>
+          <p:cNvSpPr>
+            <a:spLocks noGrp="1"/>
+          </p:cNvSpPr>
+          <p:nvPr>
+            <p:ph type="title"/>
+          </p:nvPr>
+        </p:nvSpPr>
+        <p:spPr/>
+        <p:txBody>
+          <a:bodyPr/>
+          <a:lstStyle/>
+          <a:p>
+            <a:r>
+              <a:rPr lang="ko-KR" altLang="en-US" dirty="0">
+                <a:latin typeface="배달의민족 도현" panose="020B0600000101010101" pitchFamily="50" charset="-127"/>
+                <a:ea typeface="배달의민족 도현" panose="020B0600000101010101" pitchFamily="50" charset="-127"/>
+              </a:rPr>
+              <a:t>검색 </a:t>
+            </a:r>
+            <a:r>
+              <a:rPr lang="en-US" altLang="ko-KR" dirty="0" smtClean="0">
+                <a:latin typeface="배달의민족 도현" panose="020B0600000101010101" pitchFamily="50" charset="-127"/>
+                <a:ea typeface="배달의민족 도현" panose="020B0600000101010101" pitchFamily="50" charset="-127"/>
+              </a:rPr>
+              <a:t>(</a:t>
+            </a:r>
+            <a:r>
+              <a:rPr lang="ko-KR" altLang="en-US" dirty="0" smtClean="0">
+                <a:latin typeface="배달의민족 도현" panose="020B0600000101010101" pitchFamily="50" charset="-127"/>
+                <a:ea typeface="배달의민족 도현" panose="020B0600000101010101" pitchFamily="50" charset="-127"/>
+              </a:rPr>
+              <a:t>기업명 검색</a:t>
+            </a:r>
+            <a:r>
+              <a:rPr lang="en-US" altLang="ko-KR" dirty="0">
+                <a:latin typeface="배달의민족 도현" panose="020B0600000101010101" pitchFamily="50" charset="-127"/>
+                <a:ea typeface="배달의민족 도현" panose="020B0600000101010101" pitchFamily="50" charset="-127"/>
+              </a:rPr>
+              <a:t>)</a:t>
+            </a:r>
+            <a:endParaRPr lang="ko-KR" altLang="en-US" dirty="0">
+              <a:latin typeface="배달의민족 도현" panose="020B0600000101010101" pitchFamily="50" charset="-127"/>
+              <a:ea typeface="배달의민족 도현" panose="020B0600000101010101" pitchFamily="50" charset="-127"/>
+            </a:endParaRPr>
+          </a:p>
+        </p:txBody>
+      </p:sp>
+      <p:pic>
+        <p:nvPicPr>
+          <p:cNvPr id="3" name="Picture 3" descr="C:\work\julyProject\console\제목 없음1.png"/>
+          <p:cNvPicPr>
+            <a:picLocks noChangeAspect="1" noChangeArrowheads="1"/>
+          </p:cNvPicPr>
+          <p:nvPr/>
+        </p:nvPicPr>
+        <p:blipFill>
+          <a:blip r:embed="rId2">
+            <a:extLst>
+              <a:ext uri="{28A0092B-C50C-407E-A947-70E740481C1C}">
+                <a14:useLocalDpi xmlns:a14="http://schemas.microsoft.com/office/drawing/2010/main" val="0"/>
+              </a:ext>
+            </a:extLst>
+          </a:blip>
+          <a:srcRect/>
+          <a:stretch>
+            <a:fillRect/>
+          </a:stretch>
+        </p:blipFill>
+        <p:spPr bwMode="auto">
+          <a:xfrm>
+            <a:off x="1907704" y="1700808"/>
+            <a:ext cx="5697537" cy="1895475"/>
+          </a:xfrm>
+          <a:prstGeom prst="rect">
+            <a:avLst/>
+          </a:prstGeom>
+          <a:noFill/>
+          <a:extLst>
+            <a:ext uri="{909E8E84-426E-40DD-AFC4-6F175D3DCCD1}">
+              <a14:hiddenFill xmlns:a14="http://schemas.microsoft.com/office/drawing/2010/main">
+                <a:solidFill>
+                  <a:srgbClr val="FFFFFF"/>
+                </a:solidFill>
+              </a14:hiddenFill>
+            </a:ext>
+          </a:extLst>
+        </p:spPr>
+      </p:pic>
+      <p:grpSp>
+        <p:nvGrpSpPr>
+          <p:cNvPr id="4" name="그룹 3"/>
+          <p:cNvGrpSpPr/>
+          <p:nvPr/>
+        </p:nvGrpSpPr>
+        <p:grpSpPr>
+          <a:xfrm>
+            <a:off x="683568" y="3861048"/>
+            <a:ext cx="8136904" cy="4896544"/>
+            <a:chOff x="683568" y="3861048"/>
+            <a:chExt cx="8136904" cy="4896544"/>
+          </a:xfrm>
+        </p:grpSpPr>
+        <p:grpSp>
+          <p:nvGrpSpPr>
+            <p:cNvPr id="12" name="그룹 11"/>
+            <p:cNvGrpSpPr/>
+            <p:nvPr/>
+          </p:nvGrpSpPr>
+          <p:grpSpPr>
+            <a:xfrm>
+              <a:off x="683568" y="3861048"/>
+              <a:ext cx="8136904" cy="4896544"/>
+              <a:chOff x="683568" y="3861048"/>
+              <a:chExt cx="8136904" cy="4896544"/>
+            </a:xfrm>
+          </p:grpSpPr>
+          <p:sp>
+            <p:nvSpPr>
+              <p:cNvPr id="8" name="타원 7"/>
+              <p:cNvSpPr/>
+              <p:nvPr/>
+            </p:nvSpPr>
+            <p:spPr>
+              <a:xfrm>
+                <a:off x="4355976" y="3861048"/>
+                <a:ext cx="4464496" cy="4536504"/>
+              </a:xfrm>
+              <a:prstGeom prst="ellipse">
+                <a:avLst/>
+              </a:prstGeom>
+            </p:spPr>
+            <p:style>
+              <a:lnRef idx="1">
+                <a:schemeClr val="accent4"/>
+              </a:lnRef>
+              <a:fillRef idx="3">
+                <a:schemeClr val="accent4"/>
+              </a:fillRef>
+              <a:effectRef idx="2">
+                <a:schemeClr val="accent4"/>
+              </a:effectRef>
+              <a:fontRef idx="minor">
+                <a:schemeClr val="lt1"/>
+              </a:fontRef>
+            </p:style>
+            <p:txBody>
+              <a:bodyPr rtlCol="0" anchor="ctr"/>
+              <a:lstStyle/>
+              <a:p>
+                <a:pPr algn="ctr"/>
+                <a:endParaRPr lang="ko-KR" altLang="en-US" u="sng"/>
+              </a:p>
+            </p:txBody>
+          </p:sp>
+          <p:sp>
+            <p:nvSpPr>
+              <p:cNvPr id="10" name="타원 9"/>
+              <p:cNvSpPr/>
+              <p:nvPr/>
+            </p:nvSpPr>
+            <p:spPr>
+              <a:xfrm>
+                <a:off x="2627784" y="4221088"/>
+                <a:ext cx="4464496" cy="4536504"/>
+              </a:xfrm>
+              <a:prstGeom prst="ellipse">
+                <a:avLst/>
+              </a:prstGeom>
+            </p:spPr>
+            <p:style>
+              <a:lnRef idx="1">
+                <a:schemeClr val="accent4"/>
+              </a:lnRef>
+              <a:fillRef idx="3">
+                <a:schemeClr val="accent4"/>
+              </a:fillRef>
+              <a:effectRef idx="2">
+                <a:schemeClr val="accent4"/>
+              </a:effectRef>
+              <a:fontRef idx="minor">
+                <a:schemeClr val="lt1"/>
+              </a:fontRef>
+            </p:style>
+            <p:txBody>
+              <a:bodyPr rtlCol="0" anchor="ctr"/>
+              <a:lstStyle/>
+              <a:p>
+                <a:pPr algn="ctr"/>
+                <a:endParaRPr lang="ko-KR" altLang="en-US" u="sng"/>
+              </a:p>
+            </p:txBody>
+          </p:sp>
+          <p:sp>
+            <p:nvSpPr>
+              <p:cNvPr id="9" name="타원 8"/>
+              <p:cNvSpPr/>
+              <p:nvPr/>
+            </p:nvSpPr>
+            <p:spPr>
+              <a:xfrm>
+                <a:off x="683568" y="4077072"/>
+                <a:ext cx="4464496" cy="4536504"/>
+              </a:xfrm>
+              <a:prstGeom prst="ellipse">
+                <a:avLst/>
+              </a:prstGeom>
+            </p:spPr>
+            <p:style>
+              <a:lnRef idx="1">
+                <a:schemeClr val="accent4"/>
+              </a:lnRef>
+              <a:fillRef idx="3">
+                <a:schemeClr val="accent4"/>
+              </a:fillRef>
+              <a:effectRef idx="2">
+                <a:schemeClr val="accent4"/>
+              </a:effectRef>
+              <a:fontRef idx="minor">
+                <a:schemeClr val="lt1"/>
+              </a:fontRef>
+            </p:style>
+            <p:txBody>
+              <a:bodyPr rtlCol="0" anchor="ctr"/>
+              <a:lstStyle/>
+              <a:p>
+                <a:pPr algn="ctr"/>
+                <a:endParaRPr lang="ko-KR" altLang="en-US" u="sng"/>
+              </a:p>
+            </p:txBody>
+          </p:sp>
+        </p:grpSp>
+        <p:sp>
+          <p:nvSpPr>
+            <p:cNvPr id="13" name="TextBox 12"/>
+            <p:cNvSpPr txBox="1"/>
+            <p:nvPr/>
+          </p:nvSpPr>
+          <p:spPr>
+            <a:xfrm>
+              <a:off x="2915816" y="5157192"/>
+              <a:ext cx="3797835" cy="369332"/>
+            </a:xfrm>
+            <a:prstGeom prst="rect">
+              <a:avLst/>
+            </a:prstGeom>
+            <a:noFill/>
+          </p:spPr>
+          <p:txBody>
+            <a:bodyPr wrap="none" rtlCol="0">
+              <a:spAutoFit/>
+            </a:bodyPr>
+            <a:lstStyle/>
+            <a:p>
+              <a:r>
+                <a:rPr lang="ko-KR" altLang="en-US" dirty="0" smtClean="0">
+                  <a:latin typeface="배달의민족 도현" panose="020B0600000101010101" pitchFamily="50" charset="-127"/>
+                  <a:ea typeface="배달의민족 도현" panose="020B0600000101010101" pitchFamily="50" charset="-127"/>
+                </a:rPr>
+                <a:t>기업명 기준으로 검색하여 결과 출력</a:t>
+              </a:r>
+              <a:endParaRPr lang="ko-KR" altLang="en-US" dirty="0">
+                <a:latin typeface="배달의민족 도현" panose="020B0600000101010101" pitchFamily="50" charset="-127"/>
+                <a:ea typeface="배달의민족 도현" panose="020B0600000101010101" pitchFamily="50" charset="-127"/>
+              </a:endParaRPr>
+            </a:p>
+          </p:txBody>
+        </p:sp>
+      </p:grpSp>
+    </p:spTree>
+    <p:extLst>
+      <p:ext uri="{BB962C8B-B14F-4D97-AF65-F5344CB8AC3E}">
+        <p14:creationId xmlns:p14="http://schemas.microsoft.com/office/powerpoint/2010/main" val="3489926221"/>
+      </p:ext>
+    </p:extLst>
+  </p:cSld>
+  <p:clrMapOvr>
+    <a:masterClrMapping/>
+  </p:clrMapOvr>
+  <p:timing>
+    <p:tnLst>
+      <p:par>
+        <p:cTn id="1" dur="indefinite" restart="never" nodeType="tmRoot">
+          <p:childTnLst>
+            <p:seq concurrent="1" nextAc="seek">
+              <p:cTn id="2" dur="indefinite" nodeType="mainSeq">
+                <p:childTnLst>
+                  <p:par>
+                    <p:cTn id="3" fill="hold">
+                      <p:stCondLst>
+                        <p:cond delay="indefinite"/>
+                        <p:cond evt="onBegin" delay="0">
+                          <p:tn val="2"/>
+                        </p:cond>
+                      </p:stCondLst>
+                      <p:childTnLst>
+                        <p:par>
+                          <p:cTn id="4" fill="hold">
+                            <p:stCondLst>
+                              <p:cond delay="0"/>
+                            </p:stCondLst>
+                            <p:childTnLst>
+                              <p:par>
+                                <p:cTn id="5" presetID="42" presetClass="entr" presetSubtype="0" fill="hold" nodeType="withEffect">
+                                  <p:stCondLst>
+                                    <p:cond delay="0"/>
+                                  </p:stCondLst>
+                                  <p:childTnLst>
+                                    <p:set>
+                                      <p:cBhvr>
+                                        <p:cTn id="6" dur="1" fill="hold">
+                                          <p:stCondLst>
+                                            <p:cond delay="0"/>
+                                          </p:stCondLst>
+                                        </p:cTn>
+                                        <p:tgtEl>
+                                          <p:spTgt spid="4"/>
+                                        </p:tgtEl>
+                                        <p:attrNameLst>
+                                          <p:attrName>style.visibility</p:attrName>
+                                        </p:attrNameLst>
+                                      </p:cBhvr>
+                                      <p:to>
+                                        <p:strVal val="visible"/>
+                                      </p:to>
+                                    </p:set>
+                                    <p:animEffect transition="in" filter="fade">
+                                      <p:cBhvr>
+                                        <p:cTn id="7" dur="1000"/>
+                                        <p:tgtEl>
+                                          <p:spTgt spid="4"/>
+                                        </p:tgtEl>
+                                      </p:cBhvr>
+                                    </p:animEffect>
+                                    <p:anim calcmode="lin" valueType="num">
+                                      <p:cBhvr>
+                                        <p:cTn id="8" dur="1000" fill="hold"/>
+                                        <p:tgtEl>
+                                          <p:spTgt spid="4"/>
+                                        </p:tgtEl>
+                                        <p:attrNameLst>
+                                          <p:attrName>ppt_x</p:attrName>
+                                        </p:attrNameLst>
+                                      </p:cBhvr>
+                                      <p:tavLst>
+                                        <p:tav tm="0">
+                                          <p:val>
+                                            <p:strVal val="#ppt_x"/>
+                                          </p:val>
+                                        </p:tav>
+                                        <p:tav tm="100000">
+                                          <p:val>
+                                            <p:strVal val="#ppt_x"/>
+                                          </p:val>
+                                        </p:tav>
+                                      </p:tavLst>
+                                    </p:anim>
+                                    <p:anim calcmode="lin" valueType="num">
+                                      <p:cBhvr>
+                                        <p:cTn id="9" dur="1000" fill="hold"/>
+                                        <p:tgtEl>
+                                          <p:spTgt spid="4"/>
+                                        </p:tgtEl>
+                                        <p:attrNameLst>
+                                          <p:attrName>ppt_y</p:attrName>
+                                        </p:attrNameLst>
+                                      </p:cBhvr>
+                                      <p:tavLst>
+                                        <p:tav tm="0">
+                                          <p:val>
+                                            <p:strVal val="#ppt_y+.1"/>
+                                          </p:val>
+                                        </p:tav>
+                                        <p:tav tm="100000">
+                                          <p:val>
+                                            <p:strVal val="#ppt_y"/>
+                                          </p:val>
+                                        </p:tav>
+                                      </p:tavLst>
+                                    </p:anim>
+                                  </p:childTnLst>
+                                </p:cTn>
+                              </p:par>
+                            </p:childTnLst>
+                          </p:cTn>
+                        </p:par>
+                      </p:childTnLst>
+                    </p:cTn>
+                  </p:par>
+                </p:childTnLst>
+              </p:cTn>
+              <p:prevCondLst>
+                <p:cond evt="onPrev" delay="0">
+                  <p:tgtEl>
+                    <p:sldTgt/>
+                  </p:tgtEl>
+                </p:cond>
+              </p:prevCondLst>
+              <p:nextCondLst>
+                <p:cond evt="onNext" delay="0">
+                  <p:tgtEl>
+                    <p:sldTgt/>
+                  </p:tgtEl>
+                </p:cond>
+              </p:nextCondLst>
+            </p:seq>
+          </p:childTnLst>
+        </p:cTn>
+      </p:par>
+    </p:tnLst>
+  </p:timing>
+</p:sld>
+</file>
+
+<file path=ppt/slides/slide6.xml><?xml version="1.0" encoding="utf-8"?>
+<p:sld xmlns:a="http://schemas.openxmlformats.org/drawingml/2006/main" xmlns:r="http://schemas.openxmlformats.org/officeDocument/2006/relationships" xmlns:p="http://schemas.openxmlformats.org/presentationml/2006/main">
+  <p:cSld>
+    <p:spTree>
+      <p:nvGrpSpPr>
+        <p:cNvPr id="1" name=""/>
+        <p:cNvGrpSpPr/>
+        <p:nvPr/>
+      </p:nvGrpSpPr>
+      <p:grpSpPr>
+        <a:xfrm>
+          <a:off x="0" y="0"/>
+          <a:ext cx="0" cy="0"/>
+          <a:chOff x="0" y="0"/>
+          <a:chExt cx="0" cy="0"/>
+        </a:xfrm>
+      </p:grpSpPr>
+      <p:sp>
+        <p:nvSpPr>
+          <p:cNvPr id="2" name="제목 1"/>
+          <p:cNvSpPr>
+            <a:spLocks noGrp="1"/>
+          </p:cNvSpPr>
+          <p:nvPr>
+            <p:ph type="title"/>
+          </p:nvPr>
+        </p:nvSpPr>
+        <p:spPr/>
+        <p:txBody>
+          <a:bodyPr/>
+          <a:lstStyle/>
+          <a:p>
+            <a:r>
+              <a:rPr lang="ko-KR" altLang="en-US" dirty="0">
+                <a:latin typeface="배달의민족 도현" panose="020B0600000101010101" pitchFamily="50" charset="-127"/>
+                <a:ea typeface="배달의민족 도현" panose="020B0600000101010101" pitchFamily="50" charset="-127"/>
+              </a:rPr>
+              <a:t>검색 </a:t>
+            </a:r>
+            <a:r>
+              <a:rPr lang="en-US" altLang="ko-KR" dirty="0" smtClean="0">
+                <a:latin typeface="배달의민족 도현" panose="020B0600000101010101" pitchFamily="50" charset="-127"/>
+                <a:ea typeface="배달의민족 도현" panose="020B0600000101010101" pitchFamily="50" charset="-127"/>
+              </a:rPr>
+              <a:t>(</a:t>
+            </a:r>
+            <a:r>
+              <a:rPr lang="ko-KR" altLang="en-US" dirty="0" smtClean="0">
+                <a:latin typeface="배달의민족 도현" panose="020B0600000101010101" pitchFamily="50" charset="-127"/>
+                <a:ea typeface="배달의민족 도현" panose="020B0600000101010101" pitchFamily="50" charset="-127"/>
+              </a:rPr>
+              <a:t>위치 검색</a:t>
+            </a:r>
+            <a:r>
+              <a:rPr lang="en-US" altLang="ko-KR" dirty="0">
+                <a:latin typeface="배달의민족 도현" panose="020B0600000101010101" pitchFamily="50" charset="-127"/>
+                <a:ea typeface="배달의민족 도현" panose="020B0600000101010101" pitchFamily="50" charset="-127"/>
+              </a:rPr>
+              <a:t>)</a:t>
+            </a:r>
+            <a:endParaRPr lang="ko-KR" altLang="en-US" dirty="0">
+              <a:latin typeface="배달의민족 도현" panose="020B0600000101010101" pitchFamily="50" charset="-127"/>
+              <a:ea typeface="배달의민족 도현" panose="020B0600000101010101" pitchFamily="50" charset="-127"/>
+            </a:endParaRPr>
+          </a:p>
+        </p:txBody>
+      </p:sp>
+      <p:pic>
+        <p:nvPicPr>
+          <p:cNvPr id="3" name="Picture 4" descr="C:\work\julyProject\console\제목 없음2.png"/>
+          <p:cNvPicPr>
+            <a:picLocks noChangeAspect="1" noChangeArrowheads="1"/>
+          </p:cNvPicPr>
+          <p:nvPr/>
+        </p:nvPicPr>
+        <p:blipFill>
+          <a:blip r:embed="rId2">
+            <a:extLst>
+              <a:ext uri="{28A0092B-C50C-407E-A947-70E740481C1C}">
+                <a14:useLocalDpi xmlns:a14="http://schemas.microsoft.com/office/drawing/2010/main" val="0"/>
+              </a:ext>
+            </a:extLst>
+          </a:blip>
+          <a:srcRect/>
+          <a:stretch>
+            <a:fillRect/>
+          </a:stretch>
+        </p:blipFill>
+        <p:spPr bwMode="auto">
+          <a:xfrm>
+            <a:off x="611560" y="2060848"/>
+            <a:ext cx="5707063" cy="3190875"/>
+          </a:xfrm>
+          <a:prstGeom prst="rect">
+            <a:avLst/>
+          </a:prstGeom>
+          <a:noFill/>
+          <a:extLst>
+            <a:ext uri="{909E8E84-426E-40DD-AFC4-6F175D3DCCD1}">
+              <a14:hiddenFill xmlns:a14="http://schemas.microsoft.com/office/drawing/2010/main">
+                <a:solidFill>
+                  <a:srgbClr val="FFFFFF"/>
+                </a:solidFill>
+              </a14:hiddenFill>
+            </a:ext>
+          </a:extLst>
+        </p:spPr>
+      </p:pic>
+      <p:grpSp>
+        <p:nvGrpSpPr>
+          <p:cNvPr id="9" name="그룹 8"/>
+          <p:cNvGrpSpPr/>
+          <p:nvPr/>
+        </p:nvGrpSpPr>
+        <p:grpSpPr>
+          <a:xfrm>
+            <a:off x="5436096" y="1628800"/>
+            <a:ext cx="5725144" cy="6192688"/>
+            <a:chOff x="5436096" y="1628800"/>
+            <a:chExt cx="5725144" cy="6192688"/>
+          </a:xfrm>
+        </p:grpSpPr>
+        <p:grpSp>
+          <p:nvGrpSpPr>
+            <p:cNvPr id="4" name="그룹 3"/>
+            <p:cNvGrpSpPr/>
+            <p:nvPr/>
+          </p:nvGrpSpPr>
+          <p:grpSpPr>
+            <a:xfrm>
+              <a:off x="5436096" y="1628800"/>
+              <a:ext cx="5725144" cy="6192688"/>
+              <a:chOff x="5111552" y="1628800"/>
+              <a:chExt cx="5725144" cy="6192688"/>
+            </a:xfrm>
+          </p:grpSpPr>
+          <p:sp>
+            <p:nvSpPr>
+              <p:cNvPr id="5" name="타원 4"/>
+              <p:cNvSpPr/>
+              <p:nvPr/>
+            </p:nvSpPr>
+            <p:spPr>
+              <a:xfrm>
+                <a:off x="5111552" y="2564904"/>
+                <a:ext cx="4032448" cy="4032448"/>
+              </a:xfrm>
+              <a:prstGeom prst="ellipse">
+                <a:avLst/>
+              </a:prstGeom>
+            </p:spPr>
+            <p:style>
+              <a:lnRef idx="1">
+                <a:schemeClr val="accent1"/>
+              </a:lnRef>
+              <a:fillRef idx="3">
+                <a:schemeClr val="accent1"/>
+              </a:fillRef>
+              <a:effectRef idx="2">
+                <a:schemeClr val="accent1"/>
+              </a:effectRef>
+              <a:fontRef idx="minor">
+                <a:schemeClr val="lt1"/>
+              </a:fontRef>
+            </p:style>
+            <p:txBody>
+              <a:bodyPr rtlCol="0" anchor="ctr"/>
+              <a:lstStyle/>
+              <a:p>
+                <a:pPr algn="ctr"/>
+                <a:endParaRPr lang="ko-KR" altLang="en-US"/>
+              </a:p>
+            </p:txBody>
+          </p:sp>
+          <p:sp>
+            <p:nvSpPr>
+              <p:cNvPr id="6" name="타원 5"/>
+              <p:cNvSpPr/>
+              <p:nvPr/>
+            </p:nvSpPr>
+            <p:spPr>
+              <a:xfrm>
+                <a:off x="6804248" y="1628800"/>
+                <a:ext cx="4032448" cy="4032448"/>
+              </a:xfrm>
+              <a:prstGeom prst="ellipse">
+                <a:avLst/>
+              </a:prstGeom>
+            </p:spPr>
+            <p:style>
+              <a:lnRef idx="1">
+                <a:schemeClr val="accent1"/>
+              </a:lnRef>
+              <a:fillRef idx="3">
+                <a:schemeClr val="accent1"/>
+              </a:fillRef>
+              <a:effectRef idx="2">
+                <a:schemeClr val="accent1"/>
+              </a:effectRef>
+              <a:fontRef idx="minor">
+                <a:schemeClr val="lt1"/>
+              </a:fontRef>
+            </p:style>
+            <p:txBody>
+              <a:bodyPr rtlCol="0" anchor="ctr"/>
+              <a:lstStyle/>
+              <a:p>
+                <a:pPr algn="ctr"/>
+                <a:endParaRPr lang="ko-KR" altLang="en-US"/>
+              </a:p>
+            </p:txBody>
+          </p:sp>
+          <p:sp>
+            <p:nvSpPr>
+              <p:cNvPr id="7" name="타원 6"/>
+              <p:cNvSpPr/>
+              <p:nvPr/>
+            </p:nvSpPr>
+            <p:spPr>
+              <a:xfrm>
+                <a:off x="5724128" y="3501008"/>
+                <a:ext cx="4320480" cy="4320480"/>
+              </a:xfrm>
+              <a:prstGeom prst="ellipse">
+                <a:avLst/>
+              </a:prstGeom>
+            </p:spPr>
+            <p:style>
+              <a:lnRef idx="1">
+                <a:schemeClr val="accent1"/>
+              </a:lnRef>
+              <a:fillRef idx="3">
+                <a:schemeClr val="accent1"/>
+              </a:fillRef>
+              <a:effectRef idx="2">
+                <a:schemeClr val="accent1"/>
+              </a:effectRef>
+              <a:fontRef idx="minor">
+                <a:schemeClr val="lt1"/>
+              </a:fontRef>
+            </p:style>
+            <p:txBody>
+              <a:bodyPr rtlCol="0" anchor="ctr"/>
+              <a:lstStyle/>
+              <a:p>
+                <a:pPr algn="ctr"/>
+                <a:endParaRPr lang="ko-KR" altLang="en-US"/>
+              </a:p>
+            </p:txBody>
+          </p:sp>
+        </p:grpSp>
+        <p:sp>
+          <p:nvSpPr>
+            <p:cNvPr id="8" name="TextBox 7"/>
+            <p:cNvSpPr txBox="1"/>
+            <p:nvPr/>
+          </p:nvSpPr>
+          <p:spPr>
+            <a:xfrm>
+              <a:off x="6058348" y="3789040"/>
+              <a:ext cx="2618024" cy="923330"/>
+            </a:xfrm>
+            <a:prstGeom prst="rect">
+              <a:avLst/>
+            </a:prstGeom>
+            <a:noFill/>
+          </p:spPr>
+          <p:txBody>
+            <a:bodyPr wrap="none" rtlCol="0">
+              <a:spAutoFit/>
+            </a:bodyPr>
+            <a:lstStyle/>
+            <a:p>
+              <a:r>
+                <a:rPr lang="ko-KR" altLang="en-US" dirty="0" smtClean="0">
+                  <a:latin typeface="배달의민족 도현" panose="020B0600000101010101" pitchFamily="50" charset="-127"/>
+                  <a:ea typeface="배달의민족 도현" panose="020B0600000101010101" pitchFamily="50" charset="-127"/>
+                </a:rPr>
+                <a:t>위치 </a:t>
+              </a:r>
+              <a:r>
+                <a:rPr lang="ko-KR" altLang="en-US" dirty="0">
+                  <a:latin typeface="배달의민족 도현" panose="020B0600000101010101" pitchFamily="50" charset="-127"/>
+                  <a:ea typeface="배달의민족 도현" panose="020B0600000101010101" pitchFamily="50" charset="-127"/>
+                </a:rPr>
+                <a:t>기준으로 검색하여 </a:t>
+              </a:r>
+              <a:endParaRPr lang="en-US" altLang="ko-KR" dirty="0" smtClean="0">
+                <a:latin typeface="배달의민족 도현" panose="020B0600000101010101" pitchFamily="50" charset="-127"/>
+                <a:ea typeface="배달의민족 도현" panose="020B0600000101010101" pitchFamily="50" charset="-127"/>
+              </a:endParaRPr>
+            </a:p>
+            <a:p>
+              <a:endParaRPr lang="en-US" altLang="ko-KR" dirty="0" smtClean="0">
+                <a:latin typeface="배달의민족 도현" panose="020B0600000101010101" pitchFamily="50" charset="-127"/>
+                <a:ea typeface="배달의민족 도현" panose="020B0600000101010101" pitchFamily="50" charset="-127"/>
+              </a:endParaRPr>
+            </a:p>
+            <a:p>
+              <a:r>
+                <a:rPr lang="ko-KR" altLang="en-US" dirty="0" smtClean="0">
+                  <a:latin typeface="배달의민족 도현" panose="020B0600000101010101" pitchFamily="50" charset="-127"/>
+                  <a:ea typeface="배달의민족 도현" panose="020B0600000101010101" pitchFamily="50" charset="-127"/>
+                </a:rPr>
+                <a:t>결과 </a:t>
+              </a:r>
+              <a:r>
+                <a:rPr lang="ko-KR" altLang="en-US" dirty="0" smtClean="0">
+                  <a:latin typeface="배달의민족 도현" panose="020B0600000101010101" pitchFamily="50" charset="-127"/>
+                  <a:ea typeface="배달의민족 도현" panose="020B0600000101010101" pitchFamily="50" charset="-127"/>
+                </a:rPr>
+                <a:t>출력</a:t>
+              </a:r>
+              <a:endParaRPr lang="ko-KR" altLang="en-US" dirty="0">
+                <a:latin typeface="배달의민족 도현" panose="020B0600000101010101" pitchFamily="50" charset="-127"/>
+                <a:ea typeface="배달의민족 도현" panose="020B0600000101010101" pitchFamily="50" charset="-127"/>
+              </a:endParaRPr>
+            </a:p>
+          </p:txBody>
+        </p:sp>
+      </p:grpSp>
+    </p:spTree>
+    <p:extLst>
+      <p:ext uri="{BB962C8B-B14F-4D97-AF65-F5344CB8AC3E}">
+        <p14:creationId xmlns:p14="http://schemas.microsoft.com/office/powerpoint/2010/main" val="3489926221"/>
+      </p:ext>
+    </p:extLst>
+  </p:cSld>
+  <p:clrMapOvr>
+    <a:masterClrMapping/>
+  </p:clrMapOvr>
+  <p:timing>
+    <p:tnLst>
+      <p:par>
+        <p:cTn id="1" dur="indefinite" restart="never" nodeType="tmRoot">
+          <p:childTnLst>
+            <p:seq concurrent="1" nextAc="seek">
+              <p:cTn id="2" dur="indefinite" nodeType="mainSeq">
+                <p:childTnLst>
+                  <p:par>
+                    <p:cTn id="3" fill="hold">
+                      <p:stCondLst>
+                        <p:cond delay="indefinite"/>
+                        <p:cond evt="onBegin" delay="0">
+                          <p:tn val="2"/>
+                        </p:cond>
+                      </p:stCondLst>
+                      <p:childTnLst>
+                        <p:par>
+                          <p:cTn id="4" fill="hold">
+                            <p:stCondLst>
+                              <p:cond delay="0"/>
+                            </p:stCondLst>
+                            <p:childTnLst>
+                              <p:par>
+                                <p:cTn id="5" presetID="42" presetClass="entr" presetSubtype="0" fill="hold" nodeType="withEffect">
+                                  <p:stCondLst>
+                                    <p:cond delay="0"/>
+                                  </p:stCondLst>
+                                  <p:childTnLst>
+                                    <p:set>
+                                      <p:cBhvr>
+                                        <p:cTn id="6" dur="1" fill="hold">
+                                          <p:stCondLst>
+                                            <p:cond delay="0"/>
+                                          </p:stCondLst>
+                                        </p:cTn>
+                                        <p:tgtEl>
+                                          <p:spTgt spid="9"/>
+                                        </p:tgtEl>
+                                        <p:attrNameLst>
+                                          <p:attrName>style.visibility</p:attrName>
+                                        </p:attrNameLst>
+                                      </p:cBhvr>
+                                      <p:to>
+                                        <p:strVal val="visible"/>
+                                      </p:to>
+                                    </p:set>
+                                    <p:animEffect transition="in" filter="fade">
+                                      <p:cBhvr>
+                                        <p:cTn id="7" dur="1000"/>
+                                        <p:tgtEl>
+                                          <p:spTgt spid="9"/>
+                                        </p:tgtEl>
+                                      </p:cBhvr>
+                                    </p:animEffect>
+                                    <p:anim calcmode="lin" valueType="num">
+                                      <p:cBhvr>
+                                        <p:cTn id="8" dur="1000" fill="hold"/>
+                                        <p:tgtEl>
+                                          <p:spTgt spid="9"/>
+                                        </p:tgtEl>
+                                        <p:attrNameLst>
+                                          <p:attrName>ppt_x</p:attrName>
+                                        </p:attrNameLst>
+                                      </p:cBhvr>
+                                      <p:tavLst>
+                                        <p:tav tm="0">
+                                          <p:val>
+                                            <p:strVal val="#ppt_x"/>
+                                          </p:val>
+                                        </p:tav>
+                                        <p:tav tm="100000">
+                                          <p:val>
+                                            <p:strVal val="#ppt_x"/>
+                                          </p:val>
+                                        </p:tav>
+                                      </p:tavLst>
+                                    </p:anim>
+                                    <p:anim calcmode="lin" valueType="num">
+                                      <p:cBhvr>
+                                        <p:cTn id="9" dur="1000" fill="hold"/>
+                                        <p:tgtEl>
+                                          <p:spTgt spid="9"/>
+                                        </p:tgtEl>
+                                        <p:attrNameLst>
+                                          <p:attrName>ppt_y</p:attrName>
+                                        </p:attrNameLst>
+                                      </p:cBhvr>
+                                      <p:tavLst>
+                                        <p:tav tm="0">
+                                          <p:val>
+                                            <p:strVal val="#ppt_y+.1"/>
+                                          </p:val>
+                                        </p:tav>
+                                        <p:tav tm="100000">
+                                          <p:val>
+                                            <p:strVal val="#ppt_y"/>
+                                          </p:val>
+                                        </p:tav>
+                                      </p:tavLst>
+                                    </p:anim>
+                                  </p:childTnLst>
+                                </p:cTn>
+                              </p:par>
+                            </p:childTnLst>
+                          </p:cTn>
+                        </p:par>
+                      </p:childTnLst>
+                    </p:cTn>
+                  </p:par>
+                </p:childTnLst>
+              </p:cTn>
+              <p:prevCondLst>
+                <p:cond evt="onPrev" delay="0">
+                  <p:tgtEl>
+                    <p:sldTgt/>
+                  </p:tgtEl>
+                </p:cond>
+              </p:prevCondLst>
+              <p:nextCondLst>
+                <p:cond evt="onNext" delay="0">
+                  <p:tgtEl>
+                    <p:sldTgt/>
+                  </p:tgtEl>
+                </p:cond>
+              </p:nextCondLst>
+            </p:seq>
+          </p:childTnLst>
+        </p:cTn>
+      </p:par>
+    </p:tnLst>
+  </p:timing>
+</p:sld>
+</file>
+
+<file path=ppt/slides/slide7.xml><?xml version="1.0" encoding="utf-8"?>
+<p:sld xmlns:a="http://schemas.openxmlformats.org/drawingml/2006/main" xmlns:r="http://schemas.openxmlformats.org/officeDocument/2006/relationships" xmlns:p="http://schemas.openxmlformats.org/presentationml/2006/main">
+  <p:cSld>
+    <p:spTree>
+      <p:nvGrpSpPr>
+        <p:cNvPr id="1" name=""/>
+        <p:cNvGrpSpPr/>
+        <p:nvPr/>
+      </p:nvGrpSpPr>
+      <p:grpSpPr>
+        <a:xfrm>
+          <a:off x="0" y="0"/>
+          <a:ext cx="0" cy="0"/>
+          <a:chOff x="0" y="0"/>
+          <a:chExt cx="0" cy="0"/>
+        </a:xfrm>
+      </p:grpSpPr>
+      <p:sp>
+        <p:nvSpPr>
+          <p:cNvPr id="2" name="제목 1"/>
+          <p:cNvSpPr>
+            <a:spLocks noGrp="1"/>
+          </p:cNvSpPr>
+          <p:nvPr>
+            <p:ph type="title"/>
+          </p:nvPr>
+        </p:nvSpPr>
+        <p:spPr/>
+        <p:txBody>
+          <a:bodyPr/>
+          <a:lstStyle/>
+          <a:p>
+            <a:r>
+              <a:rPr lang="ko-KR" altLang="en-US" dirty="0">
+                <a:latin typeface="배달의민족 도현" panose="020B0600000101010101" pitchFamily="50" charset="-127"/>
+                <a:ea typeface="배달의민족 도현" panose="020B0600000101010101" pitchFamily="50" charset="-127"/>
+              </a:rPr>
+              <a:t>검색 </a:t>
+            </a:r>
+            <a:r>
+              <a:rPr lang="en-US" altLang="ko-KR" dirty="0" smtClean="0">
+                <a:latin typeface="배달의민족 도현" panose="020B0600000101010101" pitchFamily="50" charset="-127"/>
+                <a:ea typeface="배달의민족 도현" panose="020B0600000101010101" pitchFamily="50" charset="-127"/>
+              </a:rPr>
+              <a:t>(</a:t>
+            </a:r>
+            <a:r>
+              <a:rPr lang="ko-KR" altLang="en-US" dirty="0" err="1" smtClean="0">
+                <a:latin typeface="배달의민족 도현" panose="020B0600000101010101" pitchFamily="50" charset="-127"/>
+                <a:ea typeface="배달의민족 도현" panose="020B0600000101010101" pitchFamily="50" charset="-127"/>
+              </a:rPr>
+              <a:t>설립년도</a:t>
+            </a:r>
+            <a:r>
+              <a:rPr lang="ko-KR" altLang="en-US" dirty="0" smtClean="0">
+                <a:latin typeface="배달의민족 도현" panose="020B0600000101010101" pitchFamily="50" charset="-127"/>
+                <a:ea typeface="배달의민족 도현" panose="020B0600000101010101" pitchFamily="50" charset="-127"/>
+              </a:rPr>
+              <a:t> 검색</a:t>
+            </a:r>
+            <a:r>
+              <a:rPr lang="en-US" altLang="ko-KR" dirty="0">
+                <a:latin typeface="배달의민족 도현" panose="020B0600000101010101" pitchFamily="50" charset="-127"/>
+                <a:ea typeface="배달의민족 도현" panose="020B0600000101010101" pitchFamily="50" charset="-127"/>
+              </a:rPr>
+              <a:t>)</a:t>
+            </a:r>
+            <a:endParaRPr lang="ko-KR" altLang="en-US" dirty="0">
+              <a:latin typeface="배달의민족 도현" panose="020B0600000101010101" pitchFamily="50" charset="-127"/>
+              <a:ea typeface="배달의민족 도현" panose="020B0600000101010101" pitchFamily="50" charset="-127"/>
+            </a:endParaRPr>
+          </a:p>
+        </p:txBody>
+      </p:sp>
+      <p:pic>
+        <p:nvPicPr>
+          <p:cNvPr id="3" name="Picture 5" descr="C:\work\julyProject\console\제목 없음3.png"/>
+          <p:cNvPicPr>
+            <a:picLocks noChangeAspect="1" noChangeArrowheads="1"/>
+          </p:cNvPicPr>
+          <p:nvPr/>
+        </p:nvPicPr>
+        <p:blipFill>
+          <a:blip r:embed="rId2">
+            <a:extLst>
+              <a:ext uri="{28A0092B-C50C-407E-A947-70E740481C1C}">
+                <a14:useLocalDpi xmlns:a14="http://schemas.microsoft.com/office/drawing/2010/main" val="0"/>
+              </a:ext>
+            </a:extLst>
+          </a:blip>
+          <a:srcRect/>
+          <a:stretch>
+            <a:fillRect/>
+          </a:stretch>
+        </p:blipFill>
+        <p:spPr bwMode="auto">
+          <a:xfrm>
+            <a:off x="1835696" y="1772816"/>
+            <a:ext cx="5648325" cy="1866900"/>
+          </a:xfrm>
+          <a:prstGeom prst="rect">
+            <a:avLst/>
+          </a:prstGeom>
+          <a:noFill/>
+          <a:extLst>
+            <a:ext uri="{909E8E84-426E-40DD-AFC4-6F175D3DCCD1}">
+              <a14:hiddenFill xmlns:a14="http://schemas.microsoft.com/office/drawing/2010/main">
+                <a:solidFill>
+                  <a:srgbClr val="FFFFFF"/>
+                </a:solidFill>
+              </a14:hiddenFill>
+            </a:ext>
+          </a:extLst>
+        </p:spPr>
+      </p:pic>
+      <p:grpSp>
+        <p:nvGrpSpPr>
+          <p:cNvPr id="9" name="그룹 8"/>
+          <p:cNvGrpSpPr/>
+          <p:nvPr/>
+        </p:nvGrpSpPr>
+        <p:grpSpPr>
+          <a:xfrm>
+            <a:off x="683568" y="3861048"/>
+            <a:ext cx="8136904" cy="4896544"/>
+            <a:chOff x="683568" y="3861048"/>
+            <a:chExt cx="8136904" cy="4896544"/>
+          </a:xfrm>
+        </p:grpSpPr>
+        <p:grpSp>
+          <p:nvGrpSpPr>
+            <p:cNvPr id="4" name="그룹 3"/>
+            <p:cNvGrpSpPr/>
+            <p:nvPr/>
+          </p:nvGrpSpPr>
+          <p:grpSpPr>
+            <a:xfrm>
+              <a:off x="683568" y="3861048"/>
+              <a:ext cx="8136904" cy="4896544"/>
+              <a:chOff x="683568" y="3861048"/>
+              <a:chExt cx="8136904" cy="4896544"/>
+            </a:xfrm>
+          </p:grpSpPr>
+          <p:sp>
+            <p:nvSpPr>
+              <p:cNvPr id="5" name="타원 4"/>
+              <p:cNvSpPr/>
+              <p:nvPr/>
+            </p:nvSpPr>
+            <p:spPr>
+              <a:xfrm>
+                <a:off x="4355976" y="3861048"/>
+                <a:ext cx="4464496" cy="4536504"/>
+              </a:xfrm>
+              <a:prstGeom prst="ellipse">
+                <a:avLst/>
+              </a:prstGeom>
+            </p:spPr>
+            <p:style>
+              <a:lnRef idx="1">
+                <a:schemeClr val="accent6"/>
+              </a:lnRef>
+              <a:fillRef idx="3">
+                <a:schemeClr val="accent6"/>
+              </a:fillRef>
+              <a:effectRef idx="2">
+                <a:schemeClr val="accent6"/>
+              </a:effectRef>
+              <a:fontRef idx="minor">
+                <a:schemeClr val="lt1"/>
+              </a:fontRef>
+            </p:style>
+            <p:txBody>
+              <a:bodyPr rtlCol="0" anchor="ctr"/>
+              <a:lstStyle/>
+              <a:p>
+                <a:pPr algn="ctr"/>
+                <a:endParaRPr lang="ko-KR" altLang="en-US" u="sng"/>
+              </a:p>
+            </p:txBody>
+          </p:sp>
+          <p:sp>
+            <p:nvSpPr>
+              <p:cNvPr id="6" name="타원 5"/>
+              <p:cNvSpPr/>
+              <p:nvPr/>
+            </p:nvSpPr>
+            <p:spPr>
+              <a:xfrm>
+                <a:off x="2627784" y="4221088"/>
+                <a:ext cx="4464496" cy="4536504"/>
+              </a:xfrm>
+              <a:prstGeom prst="ellipse">
+                <a:avLst/>
+              </a:prstGeom>
+            </p:spPr>
+            <p:style>
+              <a:lnRef idx="1">
+                <a:schemeClr val="accent6"/>
+              </a:lnRef>
+              <a:fillRef idx="3">
+                <a:schemeClr val="accent6"/>
+              </a:fillRef>
+              <a:effectRef idx="2">
+                <a:schemeClr val="accent6"/>
+              </a:effectRef>
+              <a:fontRef idx="minor">
+                <a:schemeClr val="lt1"/>
+              </a:fontRef>
+            </p:style>
+            <p:txBody>
+              <a:bodyPr rtlCol="0" anchor="ctr"/>
+              <a:lstStyle/>
+              <a:p>
+                <a:pPr algn="ctr"/>
+                <a:endParaRPr lang="ko-KR" altLang="en-US" u="sng"/>
+              </a:p>
+            </p:txBody>
+          </p:sp>
+          <p:sp>
+            <p:nvSpPr>
+              <p:cNvPr id="7" name="타원 6"/>
+              <p:cNvSpPr/>
+              <p:nvPr/>
+            </p:nvSpPr>
+            <p:spPr>
+              <a:xfrm>
+                <a:off x="683568" y="4077072"/>
+                <a:ext cx="4464496" cy="4536504"/>
+              </a:xfrm>
+              <a:prstGeom prst="ellipse">
+                <a:avLst/>
+              </a:prstGeom>
+            </p:spPr>
+            <p:style>
+              <a:lnRef idx="1">
+                <a:schemeClr val="accent6"/>
+              </a:lnRef>
+              <a:fillRef idx="3">
+                <a:schemeClr val="accent6"/>
+              </a:fillRef>
+              <a:effectRef idx="2">
+                <a:schemeClr val="accent6"/>
+              </a:effectRef>
+              <a:fontRef idx="minor">
+                <a:schemeClr val="lt1"/>
+              </a:fontRef>
+            </p:style>
+            <p:txBody>
+              <a:bodyPr rtlCol="0" anchor="ctr"/>
+              <a:lstStyle/>
+              <a:p>
+                <a:pPr algn="ctr"/>
+                <a:endParaRPr lang="ko-KR" altLang="en-US" u="sng"/>
+              </a:p>
+            </p:txBody>
+          </p:sp>
+        </p:grpSp>
+        <p:sp>
+          <p:nvSpPr>
+            <p:cNvPr id="8" name="TextBox 7"/>
+            <p:cNvSpPr txBox="1"/>
+            <p:nvPr/>
+          </p:nvSpPr>
+          <p:spPr>
+            <a:xfrm>
+              <a:off x="2961114" y="5157192"/>
+              <a:ext cx="4019049" cy="369332"/>
+            </a:xfrm>
+            <a:prstGeom prst="rect">
+              <a:avLst/>
+            </a:prstGeom>
+            <a:noFill/>
+          </p:spPr>
+          <p:txBody>
+            <a:bodyPr wrap="none" rtlCol="0">
+              <a:spAutoFit/>
+            </a:bodyPr>
+            <a:lstStyle/>
+            <a:p>
+              <a:r>
+                <a:rPr lang="ko-KR" altLang="en-US" dirty="0" err="1" smtClean="0">
+                  <a:latin typeface="배달의민족 도현" panose="020B0600000101010101" pitchFamily="50" charset="-127"/>
+                  <a:ea typeface="배달의민족 도현" panose="020B0600000101010101" pitchFamily="50" charset="-127"/>
+                </a:rPr>
+                <a:t>설립년도</a:t>
+              </a:r>
+              <a:r>
+                <a:rPr lang="ko-KR" altLang="en-US" dirty="0" smtClean="0">
+                  <a:latin typeface="배달의민족 도현" panose="020B0600000101010101" pitchFamily="50" charset="-127"/>
+                  <a:ea typeface="배달의민족 도현" panose="020B0600000101010101" pitchFamily="50" charset="-127"/>
+                </a:rPr>
+                <a:t> 기준으로 </a:t>
+              </a:r>
+              <a:r>
+                <a:rPr lang="ko-KR" altLang="en-US" dirty="0">
+                  <a:latin typeface="배달의민족 도현" panose="020B0600000101010101" pitchFamily="50" charset="-127"/>
+                  <a:ea typeface="배달의민족 도현" panose="020B0600000101010101" pitchFamily="50" charset="-127"/>
+                </a:rPr>
+                <a:t>검색하여 결과 출력</a:t>
+              </a:r>
+            </a:p>
+          </p:txBody>
+        </p:sp>
+      </p:grpSp>
+    </p:spTree>
+    <p:extLst>
+      <p:ext uri="{BB962C8B-B14F-4D97-AF65-F5344CB8AC3E}">
+        <p14:creationId xmlns:p14="http://schemas.microsoft.com/office/powerpoint/2010/main" val="3489926221"/>
+      </p:ext>
+    </p:extLst>
+  </p:cSld>
+  <p:clrMapOvr>
+    <a:masterClrMapping/>
+  </p:clrMapOvr>
+  <p:timing>
+    <p:tnLst>
+      <p:par>
+        <p:cTn id="1" dur="indefinite" restart="never" nodeType="tmRoot">
+          <p:childTnLst>
+            <p:seq concurrent="1" nextAc="seek">
+              <p:cTn id="2" dur="indefinite" nodeType="mainSeq">
+                <p:childTnLst>
+                  <p:par>
+                    <p:cTn id="3" fill="hold">
+                      <p:stCondLst>
+                        <p:cond delay="indefinite"/>
+                        <p:cond evt="onBegin" delay="0">
+                          <p:tn val="2"/>
+                        </p:cond>
+                      </p:stCondLst>
+                      <p:childTnLst>
+                        <p:par>
+                          <p:cTn id="4" fill="hold">
+                            <p:stCondLst>
+                              <p:cond delay="0"/>
+                            </p:stCondLst>
+                            <p:childTnLst>
+                              <p:par>
+                                <p:cTn id="5" presetID="42" presetClass="entr" presetSubtype="0" fill="hold" nodeType="withEffect">
+                                  <p:stCondLst>
+                                    <p:cond delay="0"/>
+                                  </p:stCondLst>
+                                  <p:childTnLst>
+                                    <p:set>
+                                      <p:cBhvr>
+                                        <p:cTn id="6" dur="1" fill="hold">
+                                          <p:stCondLst>
+                                            <p:cond delay="0"/>
+                                          </p:stCondLst>
+                                        </p:cTn>
+                                        <p:tgtEl>
+                                          <p:spTgt spid="9"/>
+                                        </p:tgtEl>
+                                        <p:attrNameLst>
+                                          <p:attrName>style.visibility</p:attrName>
+                                        </p:attrNameLst>
+                                      </p:cBhvr>
+                                      <p:to>
+                                        <p:strVal val="visible"/>
+                                      </p:to>
+                                    </p:set>
+                                    <p:animEffect transition="in" filter="fade">
+                                      <p:cBhvr>
+                                        <p:cTn id="7" dur="1000"/>
+                                        <p:tgtEl>
+                                          <p:spTgt spid="9"/>
+                                        </p:tgtEl>
+                                      </p:cBhvr>
+                                    </p:animEffect>
+                                    <p:anim calcmode="lin" valueType="num">
+                                      <p:cBhvr>
+                                        <p:cTn id="8" dur="1000" fill="hold"/>
+                                        <p:tgtEl>
+                                          <p:spTgt spid="9"/>
+                                        </p:tgtEl>
+                                        <p:attrNameLst>
+                                          <p:attrName>ppt_x</p:attrName>
+                                        </p:attrNameLst>
+                                      </p:cBhvr>
+                                      <p:tavLst>
+                                        <p:tav tm="0">
+                                          <p:val>
+                                            <p:strVal val="#ppt_x"/>
+                                          </p:val>
+                                        </p:tav>
+                                        <p:tav tm="100000">
+                                          <p:val>
+                                            <p:strVal val="#ppt_x"/>
+                                          </p:val>
+                                        </p:tav>
+                                      </p:tavLst>
+                                    </p:anim>
+                                    <p:anim calcmode="lin" valueType="num">
+                                      <p:cBhvr>
+                                        <p:cTn id="9" dur="1000" fill="hold"/>
+                                        <p:tgtEl>
+                                          <p:spTgt spid="9"/>
+                                        </p:tgtEl>
+                                        <p:attrNameLst>
+                                          <p:attrName>ppt_y</p:attrName>
+                                        </p:attrNameLst>
+                                      </p:cBhvr>
+                                      <p:tavLst>
+                                        <p:tav tm="0">
+                                          <p:val>
+                                            <p:strVal val="#ppt_y+.1"/>
+                                          </p:val>
+                                        </p:tav>
+                                        <p:tav tm="100000">
+                                          <p:val>
+                                            <p:strVal val="#ppt_y"/>
+                                          </p:val>
+                                        </p:tav>
+                                      </p:tavLst>
+                                    </p:anim>
+                                  </p:childTnLst>
+                                </p:cTn>
+                              </p:par>
+                            </p:childTnLst>
+                          </p:cTn>
+                        </p:par>
+                      </p:childTnLst>
+                    </p:cTn>
+                  </p:par>
+                </p:childTnLst>
+              </p:cTn>
+              <p:prevCondLst>
+                <p:cond evt="onPrev" delay="0">
+                  <p:tgtEl>
+                    <p:sldTgt/>
+                  </p:tgtEl>
+                </p:cond>
+              </p:prevCondLst>
+              <p:nextCondLst>
+                <p:cond evt="onNext" delay="0">
+                  <p:tgtEl>
+                    <p:sldTgt/>
+                  </p:tgtEl>
+                </p:cond>
+              </p:nextCondLst>
+            </p:seq>
+          </p:childTnLst>
+        </p:cTn>
+      </p:par>
+    </p:tnLst>
+  </p:timing>
+</p:sld>
+</file>
+
+<file path=ppt/slides/slide8.xml><?xml version="1.0" encoding="utf-8"?>
+<p:sld xmlns:a="http://schemas.openxmlformats.org/drawingml/2006/main" xmlns:r="http://schemas.openxmlformats.org/officeDocument/2006/relationships" xmlns:p="http://schemas.openxmlformats.org/presentationml/2006/main">
+  <p:cSld>
+    <p:spTree>
+      <p:nvGrpSpPr>
+        <p:cNvPr id="1" name=""/>
+        <p:cNvGrpSpPr/>
+        <p:nvPr/>
+      </p:nvGrpSpPr>
+      <p:grpSpPr>
+        <a:xfrm>
+          <a:off x="0" y="0"/>
+          <a:ext cx="0" cy="0"/>
+          <a:chOff x="0" y="0"/>
+          <a:chExt cx="0" cy="0"/>
+        </a:xfrm>
+      </p:grpSpPr>
+      <p:sp>
+        <p:nvSpPr>
+          <p:cNvPr id="2" name="제목 1"/>
+          <p:cNvSpPr>
+            <a:spLocks noGrp="1"/>
+          </p:cNvSpPr>
+          <p:nvPr>
+            <p:ph type="title"/>
+          </p:nvPr>
+        </p:nvSpPr>
+        <p:spPr/>
+        <p:txBody>
+          <a:bodyPr/>
+          <a:lstStyle/>
+          <a:p>
+            <a:r>
+              <a:rPr lang="ko-KR" altLang="en-US" dirty="0" smtClean="0">
+                <a:latin typeface="배달의민족 도현" panose="020B0600000101010101" pitchFamily="50" charset="-127"/>
+                <a:ea typeface="배달의민족 도현" panose="020B0600000101010101" pitchFamily="50" charset="-127"/>
+              </a:rPr>
+              <a:t>잘못 입력했을 시</a:t>
+            </a:r>
+            <a:endParaRPr lang="ko-KR" altLang="en-US" dirty="0">
+              <a:latin typeface="배달의민족 도현" panose="020B0600000101010101" pitchFamily="50" charset="-127"/>
+              <a:ea typeface="배달의민족 도현" panose="020B0600000101010101" pitchFamily="50" charset="-127"/>
+            </a:endParaRPr>
+          </a:p>
+        </p:txBody>
+      </p:sp>
+      <p:pic>
+        <p:nvPicPr>
+          <p:cNvPr id="3" name="Picture 6" descr="C:\work\julyProject\console\제목 없음4.png"/>
+          <p:cNvPicPr>
+            <a:picLocks noChangeAspect="1" noChangeArrowheads="1"/>
+          </p:cNvPicPr>
+          <p:nvPr/>
+        </p:nvPicPr>
+        <p:blipFill>
+          <a:blip r:embed="rId2">
+            <a:extLst>
+              <a:ext uri="{28A0092B-C50C-407E-A947-70E740481C1C}">
+                <a14:useLocalDpi xmlns:a14="http://schemas.microsoft.com/office/drawing/2010/main" val="0"/>
+              </a:ext>
+            </a:extLst>
+          </a:blip>
+          <a:srcRect/>
+          <a:stretch>
+            <a:fillRect/>
+          </a:stretch>
+        </p:blipFill>
+        <p:spPr bwMode="auto">
+          <a:xfrm>
+            <a:off x="1115616" y="1988840"/>
+            <a:ext cx="5676900" cy="828675"/>
+          </a:xfrm>
+          <a:prstGeom prst="rect">
+            <a:avLst/>
+          </a:prstGeom>
+          <a:noFill/>
+          <a:extLst>
+            <a:ext uri="{909E8E84-426E-40DD-AFC4-6F175D3DCCD1}">
+              <a14:hiddenFill xmlns:a14="http://schemas.microsoft.com/office/drawing/2010/main">
+                <a:solidFill>
+                  <a:srgbClr val="FFFFFF"/>
+                </a:solidFill>
+              </a14:hiddenFill>
+            </a:ext>
+          </a:extLst>
+        </p:spPr>
+      </p:pic>
+      <p:grpSp>
+        <p:nvGrpSpPr>
+          <p:cNvPr id="9" name="그룹 8"/>
+          <p:cNvGrpSpPr/>
+          <p:nvPr/>
+        </p:nvGrpSpPr>
+        <p:grpSpPr>
+          <a:xfrm>
+            <a:off x="683568" y="3861048"/>
+            <a:ext cx="8136904" cy="4896544"/>
+            <a:chOff x="683568" y="3861048"/>
+            <a:chExt cx="8136904" cy="4896544"/>
+          </a:xfrm>
+        </p:grpSpPr>
+        <p:grpSp>
+          <p:nvGrpSpPr>
+            <p:cNvPr id="4" name="그룹 3"/>
+            <p:cNvGrpSpPr/>
+            <p:nvPr/>
+          </p:nvGrpSpPr>
+          <p:grpSpPr>
+            <a:xfrm>
+              <a:off x="683568" y="3861048"/>
+              <a:ext cx="8136904" cy="4896544"/>
+              <a:chOff x="683568" y="3861048"/>
+              <a:chExt cx="8136904" cy="4896544"/>
+            </a:xfrm>
+          </p:grpSpPr>
+          <p:sp>
+            <p:nvSpPr>
+              <p:cNvPr id="5" name="타원 4"/>
+              <p:cNvSpPr/>
+              <p:nvPr/>
+            </p:nvSpPr>
+            <p:spPr>
+              <a:xfrm>
+                <a:off x="4355976" y="3861048"/>
+                <a:ext cx="4464496" cy="4536504"/>
+              </a:xfrm>
+              <a:prstGeom prst="ellipse">
+                <a:avLst/>
+              </a:prstGeom>
+            </p:spPr>
+            <p:style>
+              <a:lnRef idx="1">
+                <a:schemeClr val="accent2"/>
+              </a:lnRef>
+              <a:fillRef idx="3">
+                <a:schemeClr val="accent2"/>
+              </a:fillRef>
+              <a:effectRef idx="2">
+                <a:schemeClr val="accent2"/>
+              </a:effectRef>
+              <a:fontRef idx="minor">
+                <a:schemeClr val="lt1"/>
+              </a:fontRef>
+            </p:style>
+            <p:txBody>
+              <a:bodyPr rtlCol="0" anchor="ctr"/>
+              <a:lstStyle/>
+              <a:p>
+                <a:pPr algn="ctr"/>
+                <a:endParaRPr lang="ko-KR" altLang="en-US" u="sng"/>
+              </a:p>
+            </p:txBody>
+          </p:sp>
+          <p:sp>
+            <p:nvSpPr>
+              <p:cNvPr id="6" name="타원 5"/>
+              <p:cNvSpPr/>
+              <p:nvPr/>
+            </p:nvSpPr>
+            <p:spPr>
+              <a:xfrm>
+                <a:off x="2627784" y="4221088"/>
+                <a:ext cx="4464496" cy="4536504"/>
+              </a:xfrm>
+              <a:prstGeom prst="ellipse">
+                <a:avLst/>
+              </a:prstGeom>
+            </p:spPr>
+            <p:style>
+              <a:lnRef idx="1">
+                <a:schemeClr val="accent2"/>
+              </a:lnRef>
+              <a:fillRef idx="3">
+                <a:schemeClr val="accent2"/>
+              </a:fillRef>
+              <a:effectRef idx="2">
+                <a:schemeClr val="accent2"/>
+              </a:effectRef>
+              <a:fontRef idx="minor">
+                <a:schemeClr val="lt1"/>
+              </a:fontRef>
+            </p:style>
+            <p:txBody>
+              <a:bodyPr rtlCol="0" anchor="ctr"/>
+              <a:lstStyle/>
+              <a:p>
+                <a:pPr algn="ctr"/>
+                <a:endParaRPr lang="ko-KR" altLang="en-US" u="sng"/>
+              </a:p>
+            </p:txBody>
+          </p:sp>
+          <p:sp>
+            <p:nvSpPr>
+              <p:cNvPr id="7" name="타원 6"/>
+              <p:cNvSpPr/>
+              <p:nvPr/>
+            </p:nvSpPr>
+            <p:spPr>
+              <a:xfrm>
+                <a:off x="683568" y="4077072"/>
+                <a:ext cx="4464496" cy="4536504"/>
+              </a:xfrm>
+              <a:prstGeom prst="ellipse">
+                <a:avLst/>
+              </a:prstGeom>
+            </p:spPr>
+            <p:style>
+              <a:lnRef idx="1">
+                <a:schemeClr val="accent2"/>
+              </a:lnRef>
+              <a:fillRef idx="3">
+                <a:schemeClr val="accent2"/>
+              </a:fillRef>
+              <a:effectRef idx="2">
+                <a:schemeClr val="accent2"/>
+              </a:effectRef>
+              <a:fontRef idx="minor">
+                <a:schemeClr val="lt1"/>
+              </a:fontRef>
+            </p:style>
+            <p:txBody>
+              <a:bodyPr rtlCol="0" anchor="ctr"/>
+              <a:lstStyle/>
+              <a:p>
+                <a:pPr algn="ctr"/>
+                <a:endParaRPr lang="ko-KR" altLang="en-US" u="sng"/>
+              </a:p>
+            </p:txBody>
+          </p:sp>
+        </p:grpSp>
+        <p:sp>
+          <p:nvSpPr>
+            <p:cNvPr id="8" name="TextBox 7"/>
+            <p:cNvSpPr txBox="1"/>
+            <p:nvPr/>
+          </p:nvSpPr>
+          <p:spPr>
+            <a:xfrm>
+              <a:off x="1475657" y="5157192"/>
+              <a:ext cx="6912768" cy="369332"/>
+            </a:xfrm>
+            <a:prstGeom prst="rect">
+              <a:avLst/>
+            </a:prstGeom>
+            <a:noFill/>
+          </p:spPr>
+          <p:txBody>
+            <a:bodyPr wrap="square" rtlCol="0">
+              <a:spAutoFit/>
+            </a:bodyPr>
+            <a:lstStyle/>
+            <a:p>
+              <a:r>
+                <a:rPr lang="en-US" altLang="ko-KR" dirty="0" smtClean="0">
+                  <a:latin typeface="배달의민족 도현" panose="020B0600000101010101" pitchFamily="50" charset="-127"/>
+                  <a:ea typeface="배달의민족 도현" panose="020B0600000101010101" pitchFamily="50" charset="-127"/>
+                </a:rPr>
+                <a:t>1, </a:t>
+              </a:r>
+              <a:r>
+                <a:rPr lang="ko-KR" altLang="en-US" dirty="0" smtClean="0">
+                  <a:latin typeface="배달의민족 도현" panose="020B0600000101010101" pitchFamily="50" charset="-127"/>
+                  <a:ea typeface="배달의민족 도현" panose="020B0600000101010101" pitchFamily="50" charset="-127"/>
+                </a:rPr>
+                <a:t>전체</a:t>
+              </a:r>
+              <a:r>
+                <a:rPr lang="en-US" altLang="ko-KR" dirty="0" smtClean="0">
+                  <a:latin typeface="배달의민족 도현" panose="020B0600000101010101" pitchFamily="50" charset="-127"/>
+                  <a:ea typeface="배달의민족 도현" panose="020B0600000101010101" pitchFamily="50" charset="-127"/>
+                </a:rPr>
+                <a:t>, 2. </a:t>
+              </a:r>
+              <a:r>
+                <a:rPr lang="ko-KR" altLang="en-US" dirty="0" smtClean="0">
+                  <a:latin typeface="배달의민족 도현" panose="020B0600000101010101" pitchFamily="50" charset="-127"/>
+                  <a:ea typeface="배달의민족 도현" panose="020B0600000101010101" pitchFamily="50" charset="-127"/>
+                </a:rPr>
+                <a:t>기업명</a:t>
+              </a:r>
+              <a:r>
+                <a:rPr lang="en-US" altLang="ko-KR" dirty="0" smtClean="0">
+                  <a:latin typeface="배달의민족 도현" panose="020B0600000101010101" pitchFamily="50" charset="-127"/>
+                  <a:ea typeface="배달의민족 도현" panose="020B0600000101010101" pitchFamily="50" charset="-127"/>
+                </a:rPr>
+                <a:t>, 3. </a:t>
+              </a:r>
+              <a:r>
+                <a:rPr lang="ko-KR" altLang="en-US" dirty="0" smtClean="0">
+                  <a:latin typeface="배달의민족 도현" panose="020B0600000101010101" pitchFamily="50" charset="-127"/>
+                  <a:ea typeface="배달의민족 도현" panose="020B0600000101010101" pitchFamily="50" charset="-127"/>
+                </a:rPr>
+                <a:t>위치</a:t>
+              </a:r>
+              <a:r>
+                <a:rPr lang="en-US" altLang="ko-KR" dirty="0" smtClean="0">
+                  <a:latin typeface="배달의민족 도현" panose="020B0600000101010101" pitchFamily="50" charset="-127"/>
+                  <a:ea typeface="배달의민족 도현" panose="020B0600000101010101" pitchFamily="50" charset="-127"/>
+                </a:rPr>
+                <a:t>, 4. </a:t>
+              </a:r>
+              <a:r>
+                <a:rPr lang="ko-KR" altLang="en-US" dirty="0" err="1" smtClean="0">
+                  <a:latin typeface="배달의민족 도현" panose="020B0600000101010101" pitchFamily="50" charset="-127"/>
+                  <a:ea typeface="배달의민족 도현" panose="020B0600000101010101" pitchFamily="50" charset="-127"/>
+                </a:rPr>
+                <a:t>설립년도</a:t>
+              </a:r>
+              <a:r>
+                <a:rPr lang="ko-KR" altLang="en-US" dirty="0" smtClean="0">
+                  <a:latin typeface="배달의민족 도현" panose="020B0600000101010101" pitchFamily="50" charset="-127"/>
+                  <a:ea typeface="배달의민족 도현" panose="020B0600000101010101" pitchFamily="50" charset="-127"/>
+                </a:rPr>
+                <a:t> 외 다른 숫자를 입력했을 시</a:t>
+              </a:r>
+              <a:endParaRPr lang="ko-KR" altLang="en-US" dirty="0">
+                <a:latin typeface="배달의민족 도현" panose="020B0600000101010101" pitchFamily="50" charset="-127"/>
+                <a:ea typeface="배달의민족 도현" panose="020B0600000101010101" pitchFamily="50" charset="-127"/>
+              </a:endParaRPr>
+            </a:p>
+          </p:txBody>
+        </p:sp>
+      </p:grpSp>
+    </p:spTree>
+    <p:extLst>
+      <p:ext uri="{BB962C8B-B14F-4D97-AF65-F5344CB8AC3E}">
+        <p14:creationId xmlns:p14="http://schemas.microsoft.com/office/powerpoint/2010/main" val="3489926221"/>
+      </p:ext>
+    </p:extLst>
+  </p:cSld>
+  <p:clrMapOvr>
+    <a:masterClrMapping/>
+  </p:clrMapOvr>
+  <p:timing>
+    <p:tnLst>
+      <p:par>
+        <p:cTn id="1" dur="indefinite" restart="never" nodeType="tmRoot">
+          <p:childTnLst>
+            <p:seq concurrent="1" nextAc="seek">
+              <p:cTn id="2" dur="indefinite" nodeType="mainSeq">
+                <p:childTnLst>
+                  <p:par>
+                    <p:cTn id="3" fill="hold">
+                      <p:stCondLst>
+                        <p:cond delay="indefinite"/>
+                        <p:cond evt="onBegin" delay="0">
+                          <p:tn val="2"/>
+                        </p:cond>
+                      </p:stCondLst>
+                      <p:childTnLst>
+                        <p:par>
+                          <p:cTn id="4" fill="hold">
+                            <p:stCondLst>
+                              <p:cond delay="0"/>
+                            </p:stCondLst>
+                            <p:childTnLst>
+                              <p:par>
+                                <p:cTn id="5" presetID="42" presetClass="entr" presetSubtype="0" fill="hold" nodeType="withEffect">
+                                  <p:stCondLst>
+                                    <p:cond delay="0"/>
+                                  </p:stCondLst>
+                                  <p:childTnLst>
+                                    <p:set>
+                                      <p:cBhvr>
+                                        <p:cTn id="6" dur="1" fill="hold">
+                                          <p:stCondLst>
+                                            <p:cond delay="0"/>
+                                          </p:stCondLst>
+                                        </p:cTn>
+                                        <p:tgtEl>
+                                          <p:spTgt spid="9"/>
+                                        </p:tgtEl>
+                                        <p:attrNameLst>
+                                          <p:attrName>style.visibility</p:attrName>
+                                        </p:attrNameLst>
+                                      </p:cBhvr>
+                                      <p:to>
+                                        <p:strVal val="visible"/>
+                                      </p:to>
+                                    </p:set>
+                                    <p:animEffect transition="in" filter="fade">
+                                      <p:cBhvr>
+                                        <p:cTn id="7" dur="1000"/>
+                                        <p:tgtEl>
+                                          <p:spTgt spid="9"/>
+                                        </p:tgtEl>
+                                      </p:cBhvr>
+                                    </p:animEffect>
+                                    <p:anim calcmode="lin" valueType="num">
+                                      <p:cBhvr>
+                                        <p:cTn id="8" dur="1000" fill="hold"/>
+                                        <p:tgtEl>
+                                          <p:spTgt spid="9"/>
+                                        </p:tgtEl>
+                                        <p:attrNameLst>
+                                          <p:attrName>ppt_x</p:attrName>
+                                        </p:attrNameLst>
+                                      </p:cBhvr>
+                                      <p:tavLst>
+                                        <p:tav tm="0">
+                                          <p:val>
+                                            <p:strVal val="#ppt_x"/>
+                                          </p:val>
+                                        </p:tav>
+                                        <p:tav tm="100000">
+                                          <p:val>
+                                            <p:strVal val="#ppt_x"/>
+                                          </p:val>
+                                        </p:tav>
+                                      </p:tavLst>
+                                    </p:anim>
+                                    <p:anim calcmode="lin" valueType="num">
+                                      <p:cBhvr>
+                                        <p:cTn id="9" dur="1000" fill="hold"/>
+                                        <p:tgtEl>
+                                          <p:spTgt spid="9"/>
+                                        </p:tgtEl>
+                                        <p:attrNameLst>
+                                          <p:attrName>ppt_y</p:attrName>
+                                        </p:attrNameLst>
+                                      </p:cBhvr>
+                                      <p:tavLst>
+                                        <p:tav tm="0">
+                                          <p:val>
+                                            <p:strVal val="#ppt_y+.1"/>
+                                          </p:val>
+                                        </p:tav>
+                                        <p:tav tm="100000">
+                                          <p:val>
+                                            <p:strVal val="#ppt_y"/>
+                                          </p:val>
+                                        </p:tav>
+                                      </p:tavLst>
+                                    </p:anim>
+                                  </p:childTnLst>
+                                </p:cTn>
+                              </p:par>
+                            </p:childTnLst>
+                          </p:cTn>
+                        </p:par>
+                      </p:childTnLst>
+                    </p:cTn>
+                  </p:par>
+                </p:childTnLst>
+              </p:cTn>
+              <p:prevCondLst>
+                <p:cond evt="onPrev" delay="0">
+                  <p:tgtEl>
+                    <p:sldTgt/>
+                  </p:tgtEl>
+                </p:cond>
+              </p:prevCondLst>
+              <p:nextCondLst>
+                <p:cond evt="onNext" delay="0">
+                  <p:tgtEl>
+                    <p:sldTgt/>
+                  </p:tgtEl>
+                </p:cond>
+              </p:nextCondLst>
+            </p:seq>
+          </p:childTnLst>
+        </p:cTn>
+      </p:par>
+    </p:tnLst>
+  </p:timing>
+</p:sld>
+</file>
+
+<file path=ppt/slides/slide9.xml><?xml version="1.0" encoding="utf-8"?>
+<p:sld xmlns:a="http://schemas.openxmlformats.org/drawingml/2006/main" xmlns:r="http://schemas.openxmlformats.org/officeDocument/2006/relationships" xmlns:p="http://schemas.openxmlformats.org/presentationml/2006/main">
+  <p:cSld>
+    <p:spTree>
+      <p:nvGrpSpPr>
+        <p:cNvPr id="1" name=""/>
+        <p:cNvGrpSpPr/>
+        <p:nvPr/>
+      </p:nvGrpSpPr>
+      <p:grpSpPr>
+        <a:xfrm>
+          <a:off x="0" y="0"/>
+          <a:ext cx="0" cy="0"/>
+          <a:chOff x="0" y="0"/>
+          <a:chExt cx="0" cy="0"/>
+        </a:xfrm>
+      </p:grpSpPr>
+      <p:sp>
+        <p:nvSpPr>
+          <p:cNvPr id="2" name="제목 1"/>
+          <p:cNvSpPr>
+            <a:spLocks noGrp="1"/>
+          </p:cNvSpPr>
+          <p:nvPr>
+            <p:ph type="title"/>
+          </p:nvPr>
+        </p:nvSpPr>
+        <p:spPr/>
+        <p:txBody>
+          <a:bodyPr/>
+          <a:lstStyle/>
+          <a:p>
+            <a:r>
+              <a:rPr lang="ko-KR" altLang="en-US" dirty="0" smtClean="0">
+                <a:latin typeface="배달의민족 도현" panose="020B0600000101010101" pitchFamily="50" charset="-127"/>
+                <a:ea typeface="배달의민족 도현" panose="020B0600000101010101" pitchFamily="50" charset="-127"/>
+              </a:rPr>
+              <a:t>순서도 </a:t>
+            </a:r>
+            <a:r>
+              <a:rPr lang="en-US" altLang="ko-KR" dirty="0" smtClean="0">
+                <a:latin typeface="배달의민족 도현" panose="020B0600000101010101" pitchFamily="50" charset="-127"/>
+                <a:ea typeface="배달의민족 도현" panose="020B0600000101010101" pitchFamily="50" charset="-127"/>
+              </a:rPr>
+              <a:t>(Flow Chart)</a:t>
+            </a:r>
+            <a:endParaRPr lang="ko-KR" altLang="en-US" dirty="0">
+              <a:latin typeface="배달의민족 도현" panose="020B0600000101010101" pitchFamily="50" charset="-127"/>
+              <a:ea typeface="배달의민족 도현" panose="020B0600000101010101" pitchFamily="50" charset="-127"/>
+            </a:endParaRPr>
+          </a:p>
+        </p:txBody>
+      </p:sp>
+      <p:grpSp>
+        <p:nvGrpSpPr>
+          <p:cNvPr id="3" name="그룹 2"/>
+          <p:cNvGrpSpPr/>
+          <p:nvPr/>
+        </p:nvGrpSpPr>
+        <p:grpSpPr>
+          <a:xfrm>
+            <a:off x="251520" y="1772816"/>
+            <a:ext cx="8568952" cy="4755408"/>
+            <a:chOff x="251520" y="1772816"/>
+            <a:chExt cx="8568952" cy="4755408"/>
+          </a:xfrm>
+        </p:grpSpPr>
+        <p:sp>
+          <p:nvSpPr>
+            <p:cNvPr id="4" name="모서리가 둥근 직사각형 3"/>
+            <p:cNvSpPr/>
+            <p:nvPr/>
+          </p:nvSpPr>
+          <p:spPr>
+            <a:xfrm>
+              <a:off x="3707904" y="1772816"/>
+              <a:ext cx="1656184" cy="794968"/>
+            </a:xfrm>
+            <a:prstGeom prst="roundRect">
+              <a:avLst/>
+            </a:prstGeom>
+          </p:spPr>
+          <p:style>
+            <a:lnRef idx="2">
+              <a:schemeClr val="dk1"/>
+            </a:lnRef>
+            <a:fillRef idx="1">
+              <a:schemeClr val="lt1"/>
+            </a:fillRef>
+            <a:effectRef idx="0">
+              <a:schemeClr val="dk1"/>
+            </a:effectRef>
+            <a:fontRef idx="minor">
+              <a:schemeClr val="dk1"/>
+            </a:fontRef>
+          </p:style>
+          <p:txBody>
+            <a:bodyPr rtlCol="0" anchor="ctr"/>
+            <a:lstStyle/>
+            <a:p>
+              <a:pPr algn="ctr"/>
+              <a:r>
+                <a:rPr lang="ko-KR" altLang="en-US" dirty="0" smtClean="0">
+                  <a:latin typeface="배달의민족 도현" panose="020B0600000101010101" pitchFamily="50" charset="-127"/>
+                  <a:ea typeface="배달의민족 도현" panose="020B0600000101010101" pitchFamily="50" charset="-127"/>
+                </a:rPr>
+                <a:t>실행</a:t>
+              </a:r>
+              <a:endParaRPr lang="ko-KR" altLang="en-US" dirty="0">
+                <a:latin typeface="배달의민족 도현" panose="020B0600000101010101" pitchFamily="50" charset="-127"/>
+                <a:ea typeface="배달의민족 도현" panose="020B0600000101010101" pitchFamily="50" charset="-127"/>
+              </a:endParaRPr>
+            </a:p>
+          </p:txBody>
+        </p:sp>
+        <p:sp>
+          <p:nvSpPr>
+            <p:cNvPr id="5" name="순서도: 판단 4"/>
+            <p:cNvSpPr/>
+            <p:nvPr/>
+          </p:nvSpPr>
+          <p:spPr>
+            <a:xfrm>
+              <a:off x="2726795" y="2924944"/>
+              <a:ext cx="3618402" cy="936104"/>
+            </a:xfrm>
+            <a:prstGeom prst="flowChartDecision">
+              <a:avLst/>
+            </a:prstGeom>
+          </p:spPr>
+          <p:style>
+            <a:lnRef idx="2">
+              <a:schemeClr val="dk1"/>
+            </a:lnRef>
+            <a:fillRef idx="1">
+              <a:schemeClr val="lt1"/>
+            </a:fillRef>
+            <a:effectRef idx="0">
+              <a:schemeClr val="dk1"/>
+            </a:effectRef>
+            <a:fontRef idx="minor">
+              <a:schemeClr val="dk1"/>
+            </a:fontRef>
+          </p:style>
+          <p:txBody>
+            <a:bodyPr rtlCol="0" anchor="ctr"/>
+            <a:lstStyle/>
+            <a:p>
+              <a:pPr algn="ctr"/>
+              <a:r>
+                <a:rPr lang="ko-KR" altLang="en-US" sz="1200" dirty="0" smtClean="0">
+                  <a:latin typeface="배달의민족 도현" panose="020B0600000101010101" pitchFamily="50" charset="-127"/>
+                  <a:ea typeface="배달의민족 도현" panose="020B0600000101010101" pitchFamily="50" charset="-127"/>
+                </a:rPr>
+                <a:t>카테고리 입력</a:t>
+              </a:r>
+              <a:endParaRPr lang="en-US" altLang="ko-KR" sz="1200" dirty="0" smtClean="0">
+                <a:latin typeface="배달의민족 도현" panose="020B0600000101010101" pitchFamily="50" charset="-127"/>
+                <a:ea typeface="배달의민족 도현" panose="020B0600000101010101" pitchFamily="50" charset="-127"/>
+              </a:endParaRPr>
+            </a:p>
+            <a:p>
+              <a:pPr algn="ctr"/>
+              <a:r>
+                <a:rPr lang="en-US" altLang="ko-KR" sz="1200" dirty="0" smtClean="0">
+                  <a:latin typeface="배달의민족 도현" panose="020B0600000101010101" pitchFamily="50" charset="-127"/>
+                  <a:ea typeface="배달의민족 도현" panose="020B0600000101010101" pitchFamily="50" charset="-127"/>
+                </a:rPr>
+                <a:t>1 (</a:t>
+              </a:r>
+              <a:r>
+                <a:rPr lang="ko-KR" altLang="en-US" sz="1200" dirty="0" smtClean="0">
+                  <a:latin typeface="배달의민족 도현" panose="020B0600000101010101" pitchFamily="50" charset="-127"/>
+                  <a:ea typeface="배달의민족 도현" panose="020B0600000101010101" pitchFamily="50" charset="-127"/>
+                </a:rPr>
+                <a:t>전체 검색</a:t>
+              </a:r>
+              <a:r>
+                <a:rPr lang="en-US" altLang="ko-KR" sz="1200" dirty="0" smtClean="0">
+                  <a:latin typeface="배달의민족 도현" panose="020B0600000101010101" pitchFamily="50" charset="-127"/>
+                  <a:ea typeface="배달의민족 도현" panose="020B0600000101010101" pitchFamily="50" charset="-127"/>
+                </a:rPr>
+                <a:t>)</a:t>
+              </a:r>
+              <a:r>
+                <a:rPr lang="ko-KR" altLang="en-US" sz="1200" dirty="0" smtClean="0">
+                  <a:latin typeface="배달의민족 도현" panose="020B0600000101010101" pitchFamily="50" charset="-127"/>
+                  <a:ea typeface="배달의민족 도현" panose="020B0600000101010101" pitchFamily="50" charset="-127"/>
+                </a:rPr>
+                <a:t>인가</a:t>
+              </a:r>
+              <a:endParaRPr lang="ko-KR" altLang="en-US" sz="1200" dirty="0">
+                <a:latin typeface="배달의민족 도현" panose="020B0600000101010101" pitchFamily="50" charset="-127"/>
+                <a:ea typeface="배달의민족 도현" panose="020B0600000101010101" pitchFamily="50" charset="-127"/>
+              </a:endParaRPr>
+            </a:p>
+          </p:txBody>
+        </p:sp>
+        <p:sp>
+          <p:nvSpPr>
+            <p:cNvPr id="6" name="순서도: 판단 5"/>
+            <p:cNvSpPr/>
+            <p:nvPr/>
+          </p:nvSpPr>
+          <p:spPr>
+            <a:xfrm>
+              <a:off x="2726795" y="4365104"/>
+              <a:ext cx="3618402" cy="936104"/>
+            </a:xfrm>
+            <a:prstGeom prst="flowChartDecision">
+              <a:avLst/>
+            </a:prstGeom>
+          </p:spPr>
+          <p:style>
+            <a:lnRef idx="2">
+              <a:schemeClr val="dk1"/>
+            </a:lnRef>
+            <a:fillRef idx="1">
+              <a:schemeClr val="lt1"/>
+            </a:fillRef>
+            <a:effectRef idx="0">
+              <a:schemeClr val="dk1"/>
+            </a:effectRef>
+            <a:fontRef idx="minor">
+              <a:schemeClr val="dk1"/>
+            </a:fontRef>
+          </p:style>
+          <p:txBody>
+            <a:bodyPr rtlCol="0" anchor="ctr"/>
+            <a:lstStyle/>
+            <a:p>
+              <a:pPr algn="ctr"/>
+              <a:r>
+                <a:rPr lang="ko-KR" altLang="en-US" sz="1200" dirty="0" smtClean="0">
+                  <a:latin typeface="배달의민족 도현" panose="020B0600000101010101" pitchFamily="50" charset="-127"/>
+                  <a:ea typeface="배달의민족 도현" panose="020B0600000101010101" pitchFamily="50" charset="-127"/>
+                </a:rPr>
+                <a:t>카테고리 입력</a:t>
+              </a:r>
+              <a:endParaRPr lang="en-US" altLang="ko-KR" sz="1200" dirty="0" smtClean="0">
+                <a:latin typeface="배달의민족 도현" panose="020B0600000101010101" pitchFamily="50" charset="-127"/>
+                <a:ea typeface="배달의민족 도현" panose="020B0600000101010101" pitchFamily="50" charset="-127"/>
+              </a:endParaRPr>
+            </a:p>
+            <a:p>
+              <a:pPr algn="ctr"/>
+              <a:r>
+                <a:rPr lang="en-US" altLang="ko-KR" sz="1200" dirty="0" smtClean="0">
+                  <a:latin typeface="배달의민족 도현" panose="020B0600000101010101" pitchFamily="50" charset="-127"/>
+                  <a:ea typeface="배달의민족 도현" panose="020B0600000101010101" pitchFamily="50" charset="-127"/>
+                </a:rPr>
+                <a:t>2 (</a:t>
+              </a:r>
+              <a:r>
+                <a:rPr lang="ko-KR" altLang="en-US" sz="1200" dirty="0" smtClean="0">
+                  <a:latin typeface="배달의민족 도현" panose="020B0600000101010101" pitchFamily="50" charset="-127"/>
+                  <a:ea typeface="배달의민족 도현" panose="020B0600000101010101" pitchFamily="50" charset="-127"/>
+                </a:rPr>
+                <a:t>기업명 입력</a:t>
+              </a:r>
+              <a:r>
+                <a:rPr lang="en-US" altLang="ko-KR" sz="1200" dirty="0" smtClean="0">
+                  <a:latin typeface="배달의민족 도현" panose="020B0600000101010101" pitchFamily="50" charset="-127"/>
+                  <a:ea typeface="배달의민족 도현" panose="020B0600000101010101" pitchFamily="50" charset="-127"/>
+                </a:rPr>
+                <a:t>), 3 (</a:t>
+              </a:r>
+              <a:r>
+                <a:rPr lang="ko-KR" altLang="en-US" sz="1200" dirty="0" smtClean="0">
+                  <a:latin typeface="배달의민족 도현" panose="020B0600000101010101" pitchFamily="50" charset="-127"/>
+                  <a:ea typeface="배달의민족 도현" panose="020B0600000101010101" pitchFamily="50" charset="-127"/>
+                </a:rPr>
+                <a:t>위치 입력</a:t>
+              </a:r>
+              <a:r>
+                <a:rPr lang="en-US" altLang="ko-KR" sz="1200" dirty="0" smtClean="0">
+                  <a:latin typeface="배달의민족 도현" panose="020B0600000101010101" pitchFamily="50" charset="-127"/>
+                  <a:ea typeface="배달의민족 도현" panose="020B0600000101010101" pitchFamily="50" charset="-127"/>
+                </a:rPr>
+                <a:t>), 4 (</a:t>
+              </a:r>
+              <a:r>
+                <a:rPr lang="ko-KR" altLang="en-US" sz="1200" dirty="0" err="1" smtClean="0">
+                  <a:latin typeface="배달의민족 도현" panose="020B0600000101010101" pitchFamily="50" charset="-127"/>
+                  <a:ea typeface="배달의민족 도현" panose="020B0600000101010101" pitchFamily="50" charset="-127"/>
+                </a:rPr>
+                <a:t>설립년도</a:t>
+              </a:r>
+              <a:r>
+                <a:rPr lang="ko-KR" altLang="en-US" sz="1200" dirty="0" smtClean="0">
+                  <a:latin typeface="배달의민족 도현" panose="020B0600000101010101" pitchFamily="50" charset="-127"/>
+                  <a:ea typeface="배달의민족 도현" panose="020B0600000101010101" pitchFamily="50" charset="-127"/>
+                </a:rPr>
+                <a:t> 입력</a:t>
+              </a:r>
+              <a:r>
+                <a:rPr lang="en-US" altLang="ko-KR" sz="1200" dirty="0" smtClean="0">
+                  <a:latin typeface="배달의민족 도현" panose="020B0600000101010101" pitchFamily="50" charset="-127"/>
+                  <a:ea typeface="배달의민족 도현" panose="020B0600000101010101" pitchFamily="50" charset="-127"/>
+                </a:rPr>
+                <a:t>)</a:t>
+              </a:r>
+              <a:endParaRPr lang="ko-KR" altLang="en-US" sz="1200" dirty="0">
+                <a:latin typeface="배달의민족 도현" panose="020B0600000101010101" pitchFamily="50" charset="-127"/>
+                <a:ea typeface="배달의민족 도현" panose="020B0600000101010101" pitchFamily="50" charset="-127"/>
+              </a:endParaRPr>
+            </a:p>
+          </p:txBody>
+        </p:sp>
+        <p:sp>
+          <p:nvSpPr>
+            <p:cNvPr id="7" name="모서리가 둥근 직사각형 6"/>
+            <p:cNvSpPr/>
+            <p:nvPr/>
+          </p:nvSpPr>
+          <p:spPr>
+            <a:xfrm>
+              <a:off x="251520" y="4434268"/>
+              <a:ext cx="1656184" cy="794968"/>
+            </a:xfrm>
+            <a:prstGeom prst="roundRect">
+              <a:avLst/>
+            </a:prstGeom>
+          </p:spPr>
+          <p:style>
+            <a:lnRef idx="2">
+              <a:schemeClr val="dk1"/>
+            </a:lnRef>
+            <a:fillRef idx="1">
+              <a:schemeClr val="lt1"/>
+            </a:fillRef>
+            <a:effectRef idx="0">
+              <a:schemeClr val="dk1"/>
+            </a:effectRef>
+            <a:fontRef idx="minor">
+              <a:schemeClr val="dk1"/>
+            </a:fontRef>
+          </p:style>
+          <p:txBody>
+            <a:bodyPr rtlCol="0" anchor="ctr"/>
+            <a:lstStyle/>
+            <a:p>
+              <a:pPr algn="ctr"/>
+              <a:r>
+                <a:rPr lang="ko-KR" altLang="en-US" dirty="0" smtClean="0">
+                  <a:latin typeface="배달의민족 도현" panose="020B0600000101010101" pitchFamily="50" charset="-127"/>
+                  <a:ea typeface="배달의민족 도현" panose="020B0600000101010101" pitchFamily="50" charset="-127"/>
+                </a:rPr>
+                <a:t>기업명 검색</a:t>
+              </a:r>
+              <a:endParaRPr lang="ko-KR" altLang="en-US" dirty="0">
+                <a:latin typeface="배달의민족 도현" panose="020B0600000101010101" pitchFamily="50" charset="-127"/>
+                <a:ea typeface="배달의민족 도현" panose="020B0600000101010101" pitchFamily="50" charset="-127"/>
+              </a:endParaRPr>
+            </a:p>
+          </p:txBody>
+        </p:sp>
+        <p:sp>
+          <p:nvSpPr>
+            <p:cNvPr id="8" name="모서리가 둥근 직사각형 7"/>
+            <p:cNvSpPr/>
+            <p:nvPr/>
+          </p:nvSpPr>
+          <p:spPr>
+            <a:xfrm>
+              <a:off x="3707904" y="5733256"/>
+              <a:ext cx="1656184" cy="794968"/>
+            </a:xfrm>
+            <a:prstGeom prst="roundRect">
+              <a:avLst/>
+            </a:prstGeom>
+          </p:spPr>
+          <p:style>
+            <a:lnRef idx="2">
+              <a:schemeClr val="dk1"/>
+            </a:lnRef>
+            <a:fillRef idx="1">
+              <a:schemeClr val="lt1"/>
+            </a:fillRef>
+            <a:effectRef idx="0">
+              <a:schemeClr val="dk1"/>
+            </a:effectRef>
+            <a:fontRef idx="minor">
+              <a:schemeClr val="dk1"/>
+            </a:fontRef>
+          </p:style>
+          <p:txBody>
+            <a:bodyPr rtlCol="0" anchor="ctr"/>
+            <a:lstStyle/>
+            <a:p>
+              <a:pPr algn="ctr"/>
+              <a:r>
+                <a:rPr lang="ko-KR" altLang="en-US" dirty="0" smtClean="0">
+                  <a:latin typeface="배달의민족 도현" panose="020B0600000101010101" pitchFamily="50" charset="-127"/>
+                  <a:ea typeface="배달의민족 도현" panose="020B0600000101010101" pitchFamily="50" charset="-127"/>
+                </a:rPr>
+                <a:t>위치검색</a:t>
+              </a:r>
+              <a:endParaRPr lang="ko-KR" altLang="en-US" dirty="0">
+                <a:latin typeface="배달의민족 도현" panose="020B0600000101010101" pitchFamily="50" charset="-127"/>
+                <a:ea typeface="배달의민족 도현" panose="020B0600000101010101" pitchFamily="50" charset="-127"/>
+              </a:endParaRPr>
+            </a:p>
+          </p:txBody>
+        </p:sp>
+        <p:sp>
+          <p:nvSpPr>
+            <p:cNvPr id="9" name="모서리가 둥근 직사각형 8"/>
+            <p:cNvSpPr/>
+            <p:nvPr/>
+          </p:nvSpPr>
+          <p:spPr>
+            <a:xfrm>
+              <a:off x="7164288" y="4434268"/>
+              <a:ext cx="1656184" cy="794968"/>
+            </a:xfrm>
+            <a:prstGeom prst="roundRect">
+              <a:avLst/>
+            </a:prstGeom>
+          </p:spPr>
+          <p:style>
+            <a:lnRef idx="2">
+              <a:schemeClr val="dk1"/>
+            </a:lnRef>
+            <a:fillRef idx="1">
+              <a:schemeClr val="lt1"/>
+            </a:fillRef>
+            <a:effectRef idx="0">
+              <a:schemeClr val="dk1"/>
+            </a:effectRef>
+            <a:fontRef idx="minor">
+              <a:schemeClr val="dk1"/>
+            </a:fontRef>
+          </p:style>
+          <p:txBody>
+            <a:bodyPr rtlCol="0" anchor="ctr"/>
+            <a:lstStyle/>
+            <a:p>
+              <a:pPr algn="ctr"/>
+              <a:r>
+                <a:rPr lang="ko-KR" altLang="en-US" dirty="0" err="1" smtClean="0">
+                  <a:latin typeface="배달의민족 도현" panose="020B0600000101010101" pitchFamily="50" charset="-127"/>
+                  <a:ea typeface="배달의민족 도현" panose="020B0600000101010101" pitchFamily="50" charset="-127"/>
+                </a:rPr>
+                <a:t>설립년도</a:t>
+              </a:r>
+              <a:r>
+                <a:rPr lang="ko-KR" altLang="en-US" dirty="0" smtClean="0">
+                  <a:latin typeface="배달의민족 도현" panose="020B0600000101010101" pitchFamily="50" charset="-127"/>
+                  <a:ea typeface="배달의민족 도현" panose="020B0600000101010101" pitchFamily="50" charset="-127"/>
+                </a:rPr>
+                <a:t> 검색</a:t>
+              </a:r>
+              <a:endParaRPr lang="ko-KR" altLang="en-US" dirty="0">
+                <a:latin typeface="배달의민족 도현" panose="020B0600000101010101" pitchFamily="50" charset="-127"/>
+                <a:ea typeface="배달의민족 도현" panose="020B0600000101010101" pitchFamily="50" charset="-127"/>
+              </a:endParaRPr>
+            </a:p>
+          </p:txBody>
+        </p:sp>
+        <p:cxnSp>
+          <p:nvCxnSpPr>
+            <p:cNvPr id="15" name="직선 화살표 연결선 14"/>
+            <p:cNvCxnSpPr>
+              <a:stCxn id="4" idx="2"/>
+              <a:endCxn id="5" idx="0"/>
+            </p:cNvCxnSpPr>
+            <p:nvPr/>
+          </p:nvCxnSpPr>
+          <p:spPr>
+            <a:xfrm>
+              <a:off x="4535996" y="2567784"/>
+              <a:ext cx="0" cy="357160"/>
+            </a:xfrm>
+            <a:prstGeom prst="straightConnector1">
+              <a:avLst/>
+            </a:prstGeom>
+            <a:ln>
+              <a:tailEnd type="arrow"/>
+            </a:ln>
+          </p:spPr>
+          <p:style>
+            <a:lnRef idx="2">
+              <a:schemeClr val="dk1"/>
+            </a:lnRef>
+            <a:fillRef idx="1">
+              <a:schemeClr val="lt1"/>
+            </a:fillRef>
+            <a:effectRef idx="0">
+              <a:schemeClr val="dk1"/>
+            </a:effectRef>
+            <a:fontRef idx="minor">
+              <a:schemeClr val="dk1"/>
+            </a:fontRef>
+          </p:style>
+        </p:cxnSp>
+        <p:cxnSp>
+          <p:nvCxnSpPr>
+            <p:cNvPr id="17" name="직선 화살표 연결선 16"/>
+            <p:cNvCxnSpPr>
+              <a:stCxn id="5" idx="2"/>
+              <a:endCxn id="6" idx="0"/>
+            </p:cNvCxnSpPr>
+            <p:nvPr/>
+          </p:nvCxnSpPr>
+          <p:spPr>
+            <a:xfrm>
+              <a:off x="4535996" y="3861048"/>
+              <a:ext cx="0" cy="504056"/>
+            </a:xfrm>
+            <a:prstGeom prst="straightConnector1">
+              <a:avLst/>
+            </a:prstGeom>
+            <a:ln>
+              <a:tailEnd type="arrow"/>
+            </a:ln>
+          </p:spPr>
+          <p:style>
+            <a:lnRef idx="2">
+              <a:schemeClr val="dk1"/>
+            </a:lnRef>
+            <a:fillRef idx="1">
+              <a:schemeClr val="lt1"/>
+            </a:fillRef>
+            <a:effectRef idx="0">
+              <a:schemeClr val="dk1"/>
+            </a:effectRef>
+            <a:fontRef idx="minor">
+              <a:schemeClr val="dk1"/>
+            </a:fontRef>
+          </p:style>
+        </p:cxnSp>
+        <p:cxnSp>
+          <p:nvCxnSpPr>
+            <p:cNvPr id="19" name="직선 화살표 연결선 18"/>
+            <p:cNvCxnSpPr>
+              <a:stCxn id="6" idx="3"/>
+              <a:endCxn id="9" idx="1"/>
+            </p:cNvCxnSpPr>
+            <p:nvPr/>
+          </p:nvCxnSpPr>
+          <p:spPr>
+            <a:xfrm flipV="1">
+              <a:off x="6345197" y="4831752"/>
+              <a:ext cx="819091" cy="1404"/>
+            </a:xfrm>
+            <a:prstGeom prst="straightConnector1">
+              <a:avLst/>
+            </a:prstGeom>
+            <a:ln>
+              <a:tailEnd type="arrow"/>
+            </a:ln>
+          </p:spPr>
+          <p:style>
+            <a:lnRef idx="2">
+              <a:schemeClr val="dk1"/>
+            </a:lnRef>
+            <a:fillRef idx="1">
+              <a:schemeClr val="lt1"/>
+            </a:fillRef>
+            <a:effectRef idx="0">
+              <a:schemeClr val="dk1"/>
+            </a:effectRef>
+            <a:fontRef idx="minor">
+              <a:schemeClr val="dk1"/>
+            </a:fontRef>
+          </p:style>
+        </p:cxnSp>
+        <p:cxnSp>
+          <p:nvCxnSpPr>
+            <p:cNvPr id="22" name="직선 화살표 연결선 21"/>
+            <p:cNvCxnSpPr>
+              <a:stCxn id="6" idx="1"/>
+              <a:endCxn id="7" idx="3"/>
+            </p:cNvCxnSpPr>
+            <p:nvPr/>
+          </p:nvCxnSpPr>
+          <p:spPr>
+            <a:xfrm flipH="1" flipV="1">
+              <a:off x="1907704" y="4831752"/>
+              <a:ext cx="819091" cy="1404"/>
+            </a:xfrm>
+            <a:prstGeom prst="straightConnector1">
+              <a:avLst/>
+            </a:prstGeom>
+            <a:ln>
+              <a:tailEnd type="arrow"/>
+            </a:ln>
+          </p:spPr>
+          <p:style>
+            <a:lnRef idx="2">
+              <a:schemeClr val="dk1"/>
+            </a:lnRef>
+            <a:fillRef idx="1">
+              <a:schemeClr val="lt1"/>
+            </a:fillRef>
+            <a:effectRef idx="0">
+              <a:schemeClr val="dk1"/>
+            </a:effectRef>
+            <a:fontRef idx="minor">
+              <a:schemeClr val="dk1"/>
+            </a:fontRef>
+          </p:style>
+        </p:cxnSp>
+        <p:cxnSp>
+          <p:nvCxnSpPr>
+            <p:cNvPr id="24" name="직선 화살표 연결선 23"/>
+            <p:cNvCxnSpPr>
+              <a:stCxn id="6" idx="2"/>
+              <a:endCxn id="8" idx="0"/>
+            </p:cNvCxnSpPr>
+            <p:nvPr/>
+          </p:nvCxnSpPr>
+          <p:spPr>
+            <a:xfrm>
+              <a:off x="4535996" y="5301208"/>
+              <a:ext cx="0" cy="432048"/>
+            </a:xfrm>
+            <a:prstGeom prst="straightConnector1">
+              <a:avLst/>
+            </a:prstGeom>
+            <a:ln>
+              <a:tailEnd type="arrow"/>
+            </a:ln>
+          </p:spPr>
+          <p:style>
+            <a:lnRef idx="2">
+              <a:schemeClr val="dk1"/>
+            </a:lnRef>
+            <a:fillRef idx="1">
+              <a:schemeClr val="lt1"/>
+            </a:fillRef>
+            <a:effectRef idx="0">
+              <a:schemeClr val="dk1"/>
+            </a:effectRef>
+            <a:fontRef idx="minor">
+              <a:schemeClr val="dk1"/>
+            </a:fontRef>
+          </p:style>
+        </p:cxnSp>
+        <p:sp>
+          <p:nvSpPr>
+            <p:cNvPr id="38" name="모서리가 둥근 직사각형 37"/>
+            <p:cNvSpPr/>
+            <p:nvPr/>
+          </p:nvSpPr>
+          <p:spPr>
+            <a:xfrm>
+              <a:off x="7159787" y="2994108"/>
+              <a:ext cx="1656184" cy="794968"/>
+            </a:xfrm>
+            <a:prstGeom prst="roundRect">
+              <a:avLst/>
+            </a:prstGeom>
+          </p:spPr>
+          <p:style>
+            <a:lnRef idx="2">
+              <a:schemeClr val="dk1"/>
+            </a:lnRef>
+            <a:fillRef idx="1">
+              <a:schemeClr val="lt1"/>
+            </a:fillRef>
+            <a:effectRef idx="0">
+              <a:schemeClr val="dk1"/>
+            </a:effectRef>
+            <a:fontRef idx="minor">
+              <a:schemeClr val="dk1"/>
+            </a:fontRef>
+          </p:style>
+          <p:txBody>
+            <a:bodyPr rtlCol="0" anchor="ctr"/>
+            <a:lstStyle/>
+            <a:p>
+              <a:pPr algn="ctr"/>
+              <a:r>
+                <a:rPr lang="ko-KR" altLang="en-US" dirty="0" smtClean="0">
+                  <a:latin typeface="배달의민족 도현" panose="020B0600000101010101" pitchFamily="50" charset="-127"/>
+                  <a:ea typeface="배달의민족 도현" panose="020B0600000101010101" pitchFamily="50" charset="-127"/>
+                </a:rPr>
+                <a:t>전체출력 검색</a:t>
+              </a:r>
+              <a:endParaRPr lang="ko-KR" altLang="en-US" dirty="0">
+                <a:latin typeface="배달의민족 도현" panose="020B0600000101010101" pitchFamily="50" charset="-127"/>
+                <a:ea typeface="배달의민족 도현" panose="020B0600000101010101" pitchFamily="50" charset="-127"/>
+              </a:endParaRPr>
+            </a:p>
+          </p:txBody>
+        </p:sp>
+        <p:cxnSp>
+          <p:nvCxnSpPr>
+            <p:cNvPr id="39" name="직선 화살표 연결선 38"/>
+            <p:cNvCxnSpPr>
+              <a:stCxn id="5" idx="3"/>
+              <a:endCxn id="38" idx="1"/>
+            </p:cNvCxnSpPr>
+            <p:nvPr/>
+          </p:nvCxnSpPr>
+          <p:spPr>
+            <a:xfrm flipV="1">
+              <a:off x="6345197" y="3391592"/>
+              <a:ext cx="814590" cy="1404"/>
+            </a:xfrm>
+            <a:prstGeom prst="straightConnector1">
+              <a:avLst/>
+            </a:prstGeom>
+            <a:ln>
+              <a:tailEnd type="arrow"/>
+            </a:ln>
+          </p:spPr>
+          <p:style>
+            <a:lnRef idx="2">
+              <a:schemeClr val="dk1"/>
+            </a:lnRef>
+            <a:fillRef idx="1">
+              <a:schemeClr val="lt1"/>
+            </a:fillRef>
+            <a:effectRef idx="0">
+              <a:schemeClr val="dk1"/>
+            </a:effectRef>
+            <a:fontRef idx="minor">
+              <a:schemeClr val="dk1"/>
+            </a:fontRef>
+          </p:style>
+        </p:cxnSp>
+        <p:sp>
+          <p:nvSpPr>
+            <p:cNvPr id="41" name="TextBox 40"/>
+            <p:cNvSpPr txBox="1"/>
+            <p:nvPr/>
+          </p:nvSpPr>
+          <p:spPr>
+            <a:xfrm>
+              <a:off x="6442150" y="3032148"/>
+              <a:ext cx="620683" cy="307777"/>
+            </a:xfrm>
+            <a:prstGeom prst="rect">
+              <a:avLst/>
+            </a:prstGeom>
+            <a:noFill/>
+          </p:spPr>
+          <p:txBody>
+            <a:bodyPr wrap="none" rtlCol="0">
+              <a:spAutoFit/>
+            </a:bodyPr>
+            <a:lstStyle/>
+            <a:p>
+              <a:r>
+                <a:rPr lang="en-US" altLang="ko-KR" sz="1400" dirty="0" smtClean="0">
+                  <a:solidFill>
+                    <a:srgbClr val="00B050"/>
+                  </a:solidFill>
+                  <a:latin typeface="배달의민족 도현" panose="020B0600000101010101" pitchFamily="50" charset="-127"/>
+                  <a:ea typeface="배달의민족 도현" panose="020B0600000101010101" pitchFamily="50" charset="-127"/>
+                </a:rPr>
+                <a:t>True</a:t>
+              </a:r>
+              <a:endParaRPr lang="ko-KR" altLang="en-US" sz="1400" dirty="0">
+                <a:solidFill>
+                  <a:srgbClr val="00B050"/>
+                </a:solidFill>
+                <a:latin typeface="배달의민족 도현" panose="020B0600000101010101" pitchFamily="50" charset="-127"/>
+                <a:ea typeface="배달의민족 도현" panose="020B0600000101010101" pitchFamily="50" charset="-127"/>
+              </a:endParaRPr>
+            </a:p>
+          </p:txBody>
+        </p:sp>
+        <p:sp>
+          <p:nvSpPr>
+            <p:cNvPr id="45" name="TextBox 44"/>
+            <p:cNvSpPr txBox="1"/>
+            <p:nvPr/>
+          </p:nvSpPr>
+          <p:spPr>
+            <a:xfrm>
+              <a:off x="3779912" y="3959187"/>
+              <a:ext cx="684803" cy="307777"/>
+            </a:xfrm>
+            <a:prstGeom prst="rect">
+              <a:avLst/>
+            </a:prstGeom>
+            <a:noFill/>
+          </p:spPr>
+          <p:txBody>
+            <a:bodyPr wrap="none" rtlCol="0">
+              <a:spAutoFit/>
+            </a:bodyPr>
+            <a:lstStyle/>
+            <a:p>
+              <a:r>
+                <a:rPr lang="en-US" altLang="ko-KR" sz="1400" dirty="0" smtClean="0">
+                  <a:solidFill>
+                    <a:srgbClr val="FF0000"/>
+                  </a:solidFill>
+                  <a:latin typeface="배달의민족 도현" panose="020B0600000101010101" pitchFamily="50" charset="-127"/>
+                  <a:ea typeface="배달의민족 도현" panose="020B0600000101010101" pitchFamily="50" charset="-127"/>
+                </a:rPr>
+                <a:t>False</a:t>
+              </a:r>
+              <a:endParaRPr lang="ko-KR" altLang="en-US" sz="1400" dirty="0">
+                <a:solidFill>
+                  <a:srgbClr val="FF0000"/>
+                </a:solidFill>
+                <a:latin typeface="배달의민족 도현" panose="020B0600000101010101" pitchFamily="50" charset="-127"/>
+                <a:ea typeface="배달의민족 도현" panose="020B0600000101010101" pitchFamily="50" charset="-127"/>
+              </a:endParaRPr>
+            </a:p>
+          </p:txBody>
+        </p:sp>
+        <p:sp>
+          <p:nvSpPr>
+            <p:cNvPr id="46" name="TextBox 45"/>
+            <p:cNvSpPr txBox="1"/>
+            <p:nvPr/>
+          </p:nvSpPr>
+          <p:spPr>
+            <a:xfrm>
+              <a:off x="6597641" y="4434268"/>
+              <a:ext cx="309700" cy="307777"/>
+            </a:xfrm>
+            <a:prstGeom prst="rect">
+              <a:avLst/>
+            </a:prstGeom>
+            <a:noFill/>
+          </p:spPr>
+          <p:txBody>
+            <a:bodyPr wrap="none" rtlCol="0">
+              <a:spAutoFit/>
+            </a:bodyPr>
+            <a:lstStyle/>
+            <a:p>
+              <a:r>
+                <a:rPr lang="en-US" altLang="ko-KR" sz="1400" dirty="0" smtClean="0">
+                  <a:latin typeface="배달의민족 도현" panose="020B0600000101010101" pitchFamily="50" charset="-127"/>
+                  <a:ea typeface="배달의민족 도현" panose="020B0600000101010101" pitchFamily="50" charset="-127"/>
+                </a:rPr>
+                <a:t>4</a:t>
+              </a:r>
+              <a:endParaRPr lang="ko-KR" altLang="en-US" sz="1400" dirty="0">
+                <a:latin typeface="배달의민족 도현" panose="020B0600000101010101" pitchFamily="50" charset="-127"/>
+                <a:ea typeface="배달의민족 도현" panose="020B0600000101010101" pitchFamily="50" charset="-127"/>
+              </a:endParaRPr>
+            </a:p>
+          </p:txBody>
+        </p:sp>
+        <p:sp>
+          <p:nvSpPr>
+            <p:cNvPr id="47" name="TextBox 46"/>
+            <p:cNvSpPr txBox="1"/>
+            <p:nvPr/>
+          </p:nvSpPr>
+          <p:spPr>
+            <a:xfrm>
+              <a:off x="4644008" y="5315978"/>
+              <a:ext cx="296876" cy="307777"/>
+            </a:xfrm>
+            <a:prstGeom prst="rect">
+              <a:avLst/>
+            </a:prstGeom>
+            <a:noFill/>
+          </p:spPr>
+          <p:txBody>
+            <a:bodyPr wrap="none" rtlCol="0">
+              <a:spAutoFit/>
+            </a:bodyPr>
+            <a:lstStyle/>
+            <a:p>
+              <a:r>
+                <a:rPr lang="en-US" altLang="ko-KR" sz="1400" dirty="0" smtClean="0">
+                  <a:latin typeface="배달의민족 도현" panose="020B0600000101010101" pitchFamily="50" charset="-127"/>
+                  <a:ea typeface="배달의민족 도현" panose="020B0600000101010101" pitchFamily="50" charset="-127"/>
+                </a:rPr>
+                <a:t>3</a:t>
+              </a:r>
+              <a:endParaRPr lang="ko-KR" altLang="en-US" sz="1400" dirty="0">
+                <a:latin typeface="배달의민족 도현" panose="020B0600000101010101" pitchFamily="50" charset="-127"/>
+                <a:ea typeface="배달의민족 도현" panose="020B0600000101010101" pitchFamily="50" charset="-127"/>
+              </a:endParaRPr>
+            </a:p>
+          </p:txBody>
+        </p:sp>
+        <p:sp>
+          <p:nvSpPr>
+            <p:cNvPr id="48" name="TextBox 47"/>
+            <p:cNvSpPr txBox="1"/>
+            <p:nvPr/>
+          </p:nvSpPr>
+          <p:spPr>
+            <a:xfrm>
+              <a:off x="2162399" y="4442227"/>
+              <a:ext cx="293670" cy="307777"/>
+            </a:xfrm>
+            <a:prstGeom prst="rect">
+              <a:avLst/>
+            </a:prstGeom>
+            <a:noFill/>
+          </p:spPr>
+          <p:txBody>
+            <a:bodyPr wrap="none" rtlCol="0">
+              <a:spAutoFit/>
+            </a:bodyPr>
+            <a:lstStyle/>
+            <a:p>
+              <a:r>
+                <a:rPr lang="en-US" altLang="ko-KR" sz="1400" dirty="0" smtClean="0">
+                  <a:latin typeface="배달의민족 도현" panose="020B0600000101010101" pitchFamily="50" charset="-127"/>
+                  <a:ea typeface="배달의민족 도현" panose="020B0600000101010101" pitchFamily="50" charset="-127"/>
+                </a:rPr>
+                <a:t>2</a:t>
+              </a:r>
+              <a:endParaRPr lang="ko-KR" altLang="en-US" sz="1400" dirty="0">
+                <a:latin typeface="배달의민족 도현" panose="020B0600000101010101" pitchFamily="50" charset="-127"/>
+                <a:ea typeface="배달의민족 도현" panose="020B0600000101010101" pitchFamily="50" charset="-127"/>
+              </a:endParaRPr>
+            </a:p>
+          </p:txBody>
+        </p:sp>
+      </p:grpSp>
+    </p:spTree>
+    <p:extLst>
+      <p:ext uri="{BB962C8B-B14F-4D97-AF65-F5344CB8AC3E}">
+        <p14:creationId xmlns:p14="http://schemas.microsoft.com/office/powerpoint/2010/main" val="387040596"/>
+      </p:ext>
+    </p:extLst>
+  </p:cSld>
+  <p:clrMapOvr>
+    <a:masterClrMapping/>
+  </p:clrMapOvr>
+  <p:timing>
+    <p:tnLst>
+      <p:par>
+        <p:cTn id="1" dur="indefinite" restart="never" nodeType="tmRoot">
+          <p:childTnLst>
+            <p:seq concurrent="1" nextAc="seek">
+              <p:cTn id="2" dur="indefinite" nodeType="mainSeq">
+                <p:childTnLst>
+                  <p:par>
+                    <p:cTn id="3" fill="hold">
+                      <p:stCondLst>
+                        <p:cond delay="indefinite"/>
+                        <p:cond evt="onBegin" delay="0">
+                          <p:tn val="2"/>
+                        </p:cond>
+                      </p:stCondLst>
+                      <p:childTnLst>
+                        <p:par>
+                          <p:cTn id="4" fill="hold">
+                            <p:stCondLst>
+                              <p:cond delay="0"/>
+                            </p:stCondLst>
+                            <p:childTnLst>
+                              <p:par>
+                                <p:cTn id="5" presetID="10" presetClass="entr" presetSubtype="0" fill="hold" nodeType="withEffect">
+                                  <p:stCondLst>
+                                    <p:cond delay="0"/>
+                                  </p:stCondLst>
+                                  <p:childTnLst>
+                                    <p:set>
+                                      <p:cBhvr>
+                                        <p:cTn id="6" dur="1" fill="hold">
+                                          <p:stCondLst>
+                                            <p:cond delay="0"/>
+                                          </p:stCondLst>
+                                        </p:cTn>
+                                        <p:tgtEl>
+                                          <p:spTgt spid="3"/>
+                                        </p:tgtEl>
+                                        <p:attrNameLst>
+                                          <p:attrName>style.visibility</p:attrName>
+                                        </p:attrNameLst>
+                                      </p:cBhvr>
+                                      <p:to>
+                                        <p:strVal val="visible"/>
+                                      </p:to>
+                                    </p:set>
+                                    <p:animEffect transition="in" filter="fade">
+                                      <p:cBhvr>
+                                        <p:cTn id="7" dur="500"/>
+                                        <p:tgtEl>
+                                          <p:spTgt spid="3"/>
+                                        </p:tgtEl>
+                                      </p:cBhvr>
+                                    </p:animEffect>
+                                  </p:childTnLst>
+                                </p:cTn>
+                              </p:par>
+                            </p:childTnLst>
+                          </p:cTn>
+                        </p:par>
+                      </p:childTnLst>
+                    </p:cTn>
+                  </p:par>
+                </p:childTnLst>
+              </p:cTn>
+              <p:prevCondLst>
+                <p:cond evt="onPrev" delay="0">
+                  <p:tgtEl>
+                    <p:sldTgt/>
+                  </p:tgtEl>
+                </p:cond>
+              </p:prevCondLst>
+              <p:nextCondLst>
+                <p:cond evt="onNext" delay="0">
+                  <p:tgtEl>
+                    <p:sldTgt/>
+                  </p:tgtEl>
+                </p:cond>
+              </p:nextCondLst>
+            </p:seq>
+          </p:childTnLst>
+        </p:cTn>
       </p:par>
     </p:tnLst>
   </p:timing>

--- a/julyProject/ppt.pptx
+++ b/julyProject/ppt.pptx
@@ -5,31 +5,32 @@
     <p:sldMasterId id="2147483648" r:id="rId1"/>
   </p:sldMasterIdLst>
   <p:notesMasterIdLst>
-    <p:notesMasterId r:id="rId12"/>
+    <p:notesMasterId r:id="rId13"/>
   </p:notesMasterIdLst>
   <p:sldIdLst>
     <p:sldId id="256" r:id="rId2"/>
-    <p:sldId id="264" r:id="rId3"/>
-    <p:sldId id="258" r:id="rId4"/>
-    <p:sldId id="259" r:id="rId5"/>
-    <p:sldId id="263" r:id="rId6"/>
-    <p:sldId id="262" r:id="rId7"/>
-    <p:sldId id="261" r:id="rId8"/>
-    <p:sldId id="260" r:id="rId9"/>
-    <p:sldId id="257" r:id="rId10"/>
-    <p:sldId id="265" r:id="rId11"/>
+    <p:sldId id="266" r:id="rId3"/>
+    <p:sldId id="264" r:id="rId4"/>
+    <p:sldId id="258" r:id="rId5"/>
+    <p:sldId id="259" r:id="rId6"/>
+    <p:sldId id="263" r:id="rId7"/>
+    <p:sldId id="262" r:id="rId8"/>
+    <p:sldId id="261" r:id="rId9"/>
+    <p:sldId id="260" r:id="rId10"/>
+    <p:sldId id="257" r:id="rId11"/>
+    <p:sldId id="265" r:id="rId12"/>
   </p:sldIdLst>
   <p:sldSz cx="9144000" cy="6858000" type="screen4x3"/>
   <p:notesSz cx="6858000" cy="9144000"/>
   <p:embeddedFontLst>
     <p:embeddedFont>
       <p:font typeface="맑은 고딕" panose="020B0503020000020004" pitchFamily="50" charset="-127"/>
-      <p:regular r:id="rId13"/>
-      <p:bold r:id="rId14"/>
+      <p:regular r:id="rId14"/>
+      <p:bold r:id="rId15"/>
     </p:embeddedFont>
     <p:embeddedFont>
       <p:font typeface="배달의민족 도현" panose="020B0600000101010101" pitchFamily="50" charset="-127"/>
-      <p:regular r:id="rId15"/>
+      <p:regular r:id="rId16"/>
     </p:embeddedFont>
   </p:embeddedFontLst>
   <p:defaultTextStyle>
@@ -3885,3735 +3886,6 @@
 </file>
 
 <file path=ppt/slides/slide10.xml><?xml version="1.0" encoding="utf-8"?>
-<p:sld xmlns:a="http://schemas.openxmlformats.org/drawingml/2006/main" xmlns:r="http://schemas.openxmlformats.org/officeDocument/2006/relationships" xmlns:p="http://schemas.openxmlformats.org/presentationml/2006/main">
-  <p:cSld>
-    <p:spTree>
-      <p:nvGrpSpPr>
-        <p:cNvPr id="1" name=""/>
-        <p:cNvGrpSpPr/>
-        <p:nvPr/>
-      </p:nvGrpSpPr>
-      <p:grpSpPr>
-        <a:xfrm>
-          <a:off x="0" y="0"/>
-          <a:ext cx="0" cy="0"/>
-          <a:chOff x="0" y="0"/>
-          <a:chExt cx="0" cy="0"/>
-        </a:xfrm>
-      </p:grpSpPr>
-      <p:sp>
-        <p:nvSpPr>
-          <p:cNvPr id="2" name="제목 1"/>
-          <p:cNvSpPr>
-            <a:spLocks noGrp="1"/>
-          </p:cNvSpPr>
-          <p:nvPr>
-            <p:ph type="title"/>
-          </p:nvPr>
-        </p:nvSpPr>
-        <p:spPr/>
-        <p:txBody>
-          <a:bodyPr>
-            <a:normAutofit/>
-          </a:bodyPr>
-          <a:lstStyle/>
-          <a:p>
-            <a:r>
-              <a:rPr lang="ko-KR" altLang="en-US" dirty="0" smtClean="0">
-                <a:latin typeface="배달의민족 도현" panose="020B0600000101010101" pitchFamily="50" charset="-127"/>
-                <a:ea typeface="배달의민족 도현" panose="020B0600000101010101" pitchFamily="50" charset="-127"/>
-              </a:rPr>
-              <a:t>질의 응답</a:t>
-            </a:r>
-            <a:endParaRPr lang="ko-KR" altLang="en-US" dirty="0">
-              <a:latin typeface="배달의민족 도현" panose="020B0600000101010101" pitchFamily="50" charset="-127"/>
-              <a:ea typeface="배달의민족 도현" panose="020B0600000101010101" pitchFamily="50" charset="-127"/>
-            </a:endParaRPr>
-          </a:p>
-        </p:txBody>
-      </p:sp>
-      <p:sp>
-        <p:nvSpPr>
-          <p:cNvPr id="5" name="TextBox 4"/>
-          <p:cNvSpPr txBox="1"/>
-          <p:nvPr/>
-        </p:nvSpPr>
-        <p:spPr>
-          <a:xfrm>
-            <a:off x="4211960" y="2996952"/>
-            <a:ext cx="904415" cy="1569660"/>
-          </a:xfrm>
-          <a:prstGeom prst="rect">
-            <a:avLst/>
-          </a:prstGeom>
-          <a:noFill/>
-        </p:spPr>
-        <p:txBody>
-          <a:bodyPr wrap="none" rtlCol="0">
-            <a:spAutoFit/>
-          </a:bodyPr>
-          <a:lstStyle/>
-          <a:p>
-            <a:r>
-              <a:rPr lang="en-US" altLang="ko-KR" sz="9600" dirty="0" smtClean="0">
-                <a:latin typeface="배달의민족 도현" panose="020B0600000101010101" pitchFamily="50" charset="-127"/>
-                <a:ea typeface="배달의민족 도현" panose="020B0600000101010101" pitchFamily="50" charset="-127"/>
-              </a:rPr>
-              <a:t>?</a:t>
-            </a:r>
-            <a:endParaRPr lang="ko-KR" altLang="en-US" sz="9600" dirty="0">
-              <a:latin typeface="배달의민족 도현" panose="020B0600000101010101" pitchFamily="50" charset="-127"/>
-              <a:ea typeface="배달의민족 도현" panose="020B0600000101010101" pitchFamily="50" charset="-127"/>
-            </a:endParaRPr>
-          </a:p>
-        </p:txBody>
-      </p:sp>
-    </p:spTree>
-    <p:extLst>
-      <p:ext uri="{BB962C8B-B14F-4D97-AF65-F5344CB8AC3E}">
-        <p14:creationId xmlns:p14="http://schemas.microsoft.com/office/powerpoint/2010/main" val="4284999666"/>
-      </p:ext>
-    </p:extLst>
-  </p:cSld>
-  <p:clrMapOvr>
-    <a:masterClrMapping/>
-  </p:clrMapOvr>
-  <p:timing>
-    <p:tnLst>
-      <p:par>
-        <p:cTn id="1" dur="indefinite" restart="never" nodeType="tmRoot">
-          <p:childTnLst>
-            <p:seq concurrent="1" nextAc="seek">
-              <p:cTn id="2" dur="indefinite" nodeType="mainSeq">
-                <p:childTnLst>
-                  <p:par>
-                    <p:cTn id="3" fill="hold">
-                      <p:stCondLst>
-                        <p:cond delay="indefinite"/>
-                        <p:cond evt="onBegin" delay="0">
-                          <p:tn val="2"/>
-                        </p:cond>
-                      </p:stCondLst>
-                      <p:childTnLst>
-                        <p:par>
-                          <p:cTn id="4" fill="hold">
-                            <p:stCondLst>
-                              <p:cond delay="0"/>
-                            </p:stCondLst>
-                            <p:childTnLst>
-                              <p:par>
-                                <p:cTn id="5" presetID="2" presetClass="entr" presetSubtype="4" fill="hold" grpId="0" nodeType="withEffect">
-                                  <p:stCondLst>
-                                    <p:cond delay="0"/>
-                                  </p:stCondLst>
-                                  <p:childTnLst>
-                                    <p:set>
-                                      <p:cBhvr>
-                                        <p:cTn id="6" dur="1" fill="hold">
-                                          <p:stCondLst>
-                                            <p:cond delay="0"/>
-                                          </p:stCondLst>
-                                        </p:cTn>
-                                        <p:tgtEl>
-                                          <p:spTgt spid="5"/>
-                                        </p:tgtEl>
-                                        <p:attrNameLst>
-                                          <p:attrName>style.visibility</p:attrName>
-                                        </p:attrNameLst>
-                                      </p:cBhvr>
-                                      <p:to>
-                                        <p:strVal val="visible"/>
-                                      </p:to>
-                                    </p:set>
-                                    <p:anim calcmode="lin" valueType="num">
-                                      <p:cBhvr additive="base">
-                                        <p:cTn id="7" dur="500" fill="hold"/>
-                                        <p:tgtEl>
-                                          <p:spTgt spid="5"/>
-                                        </p:tgtEl>
-                                        <p:attrNameLst>
-                                          <p:attrName>ppt_x</p:attrName>
-                                        </p:attrNameLst>
-                                      </p:cBhvr>
-                                      <p:tavLst>
-                                        <p:tav tm="0">
-                                          <p:val>
-                                            <p:strVal val="#ppt_x"/>
-                                          </p:val>
-                                        </p:tav>
-                                        <p:tav tm="100000">
-                                          <p:val>
-                                            <p:strVal val="#ppt_x"/>
-                                          </p:val>
-                                        </p:tav>
-                                      </p:tavLst>
-                                    </p:anim>
-                                    <p:anim calcmode="lin" valueType="num">
-                                      <p:cBhvr additive="base">
-                                        <p:cTn id="8" dur="500" fill="hold"/>
-                                        <p:tgtEl>
-                                          <p:spTgt spid="5"/>
-                                        </p:tgtEl>
-                                        <p:attrNameLst>
-                                          <p:attrName>ppt_y</p:attrName>
-                                        </p:attrNameLst>
-                                      </p:cBhvr>
-                                      <p:tavLst>
-                                        <p:tav tm="0">
-                                          <p:val>
-                                            <p:strVal val="1+#ppt_h/2"/>
-                                          </p:val>
-                                        </p:tav>
-                                        <p:tav tm="100000">
-                                          <p:val>
-                                            <p:strVal val="#ppt_y"/>
-                                          </p:val>
-                                        </p:tav>
-                                      </p:tavLst>
-                                    </p:anim>
-                                  </p:childTnLst>
-                                </p:cTn>
-                              </p:par>
-                            </p:childTnLst>
-                          </p:cTn>
-                        </p:par>
-                      </p:childTnLst>
-                    </p:cTn>
-                  </p:par>
-                </p:childTnLst>
-              </p:cTn>
-              <p:prevCondLst>
-                <p:cond evt="onPrev" delay="0">
-                  <p:tgtEl>
-                    <p:sldTgt/>
-                  </p:tgtEl>
-                </p:cond>
-              </p:prevCondLst>
-              <p:nextCondLst>
-                <p:cond evt="onNext" delay="0">
-                  <p:tgtEl>
-                    <p:sldTgt/>
-                  </p:tgtEl>
-                </p:cond>
-              </p:nextCondLst>
-            </p:seq>
-          </p:childTnLst>
-        </p:cTn>
-      </p:par>
-    </p:tnLst>
-    <p:bldLst>
-      <p:bldP spid="5" grpId="0"/>
-    </p:bldLst>
-  </p:timing>
-</p:sld>
-</file>
-
-<file path=ppt/slides/slide2.xml><?xml version="1.0" encoding="utf-8"?>
-<p:sld xmlns:a="http://schemas.openxmlformats.org/drawingml/2006/main" xmlns:r="http://schemas.openxmlformats.org/officeDocument/2006/relationships" xmlns:p="http://schemas.openxmlformats.org/presentationml/2006/main">
-  <p:cSld>
-    <p:spTree>
-      <p:nvGrpSpPr>
-        <p:cNvPr id="1" name=""/>
-        <p:cNvGrpSpPr/>
-        <p:nvPr/>
-      </p:nvGrpSpPr>
-      <p:grpSpPr>
-        <a:xfrm>
-          <a:off x="0" y="0"/>
-          <a:ext cx="0" cy="0"/>
-          <a:chOff x="0" y="0"/>
-          <a:chExt cx="0" cy="0"/>
-        </a:xfrm>
-      </p:grpSpPr>
-      <p:sp>
-        <p:nvSpPr>
-          <p:cNvPr id="2" name="제목 1"/>
-          <p:cNvSpPr>
-            <a:spLocks noGrp="1"/>
-          </p:cNvSpPr>
-          <p:nvPr>
-            <p:ph type="title"/>
-          </p:nvPr>
-        </p:nvSpPr>
-        <p:spPr/>
-        <p:txBody>
-          <a:bodyPr/>
-          <a:lstStyle/>
-          <a:p>
-            <a:r>
-              <a:rPr lang="en-US" altLang="ko-KR" dirty="0" smtClean="0">
-                <a:latin typeface="배달의민족 도현" panose="020B0600000101010101" pitchFamily="50" charset="-127"/>
-                <a:ea typeface="배달의민족 도현" panose="020B0600000101010101" pitchFamily="50" charset="-127"/>
-              </a:rPr>
-              <a:t>Project </a:t>
-            </a:r>
-            <a:r>
-              <a:rPr lang="ko-KR" altLang="en-US" dirty="0" smtClean="0">
-                <a:latin typeface="배달의민족 도현" panose="020B0600000101010101" pitchFamily="50" charset="-127"/>
-                <a:ea typeface="배달의민족 도현" panose="020B0600000101010101" pitchFamily="50" charset="-127"/>
-              </a:rPr>
-              <a:t>클래스 </a:t>
-            </a:r>
-            <a:r>
-              <a:rPr lang="ko-KR" altLang="en-US" dirty="0" smtClean="0">
-                <a:latin typeface="배달의민족 도현" panose="020B0600000101010101" pitchFamily="50" charset="-127"/>
-                <a:ea typeface="배달의민족 도현" panose="020B0600000101010101" pitchFamily="50" charset="-127"/>
-              </a:rPr>
-              <a:t>목록</a:t>
-            </a:r>
-            <a:endParaRPr lang="ko-KR" altLang="en-US" dirty="0">
-              <a:latin typeface="배달의민족 도현" panose="020B0600000101010101" pitchFamily="50" charset="-127"/>
-              <a:ea typeface="배달의민족 도현" panose="020B0600000101010101" pitchFamily="50" charset="-127"/>
-            </a:endParaRPr>
-          </a:p>
-        </p:txBody>
-      </p:sp>
-      <p:grpSp>
-        <p:nvGrpSpPr>
-          <p:cNvPr id="3" name="그룹 2"/>
-          <p:cNvGrpSpPr/>
-          <p:nvPr/>
-        </p:nvGrpSpPr>
-        <p:grpSpPr>
-          <a:xfrm>
-            <a:off x="5436096" y="1628800"/>
-            <a:ext cx="5725144" cy="6192688"/>
-            <a:chOff x="5436096" y="1628800"/>
-            <a:chExt cx="5725144" cy="6192688"/>
-          </a:xfrm>
-        </p:grpSpPr>
-        <p:grpSp>
-          <p:nvGrpSpPr>
-            <p:cNvPr id="7" name="그룹 6"/>
-            <p:cNvGrpSpPr/>
-            <p:nvPr/>
-          </p:nvGrpSpPr>
-          <p:grpSpPr>
-            <a:xfrm>
-              <a:off x="5436096" y="1628800"/>
-              <a:ext cx="5725144" cy="6192688"/>
-              <a:chOff x="5111552" y="1628800"/>
-              <a:chExt cx="5725144" cy="6192688"/>
-            </a:xfrm>
-          </p:grpSpPr>
-          <p:sp>
-            <p:nvSpPr>
-              <p:cNvPr id="9" name="타원 8"/>
-              <p:cNvSpPr/>
-              <p:nvPr/>
-            </p:nvSpPr>
-            <p:spPr>
-              <a:xfrm>
-                <a:off x="5111552" y="2564904"/>
-                <a:ext cx="4032448" cy="4032448"/>
-              </a:xfrm>
-              <a:prstGeom prst="ellipse">
-                <a:avLst/>
-              </a:prstGeom>
-            </p:spPr>
-            <p:style>
-              <a:lnRef idx="1">
-                <a:schemeClr val="accent4"/>
-              </a:lnRef>
-              <a:fillRef idx="3">
-                <a:schemeClr val="accent4"/>
-              </a:fillRef>
-              <a:effectRef idx="2">
-                <a:schemeClr val="accent4"/>
-              </a:effectRef>
-              <a:fontRef idx="minor">
-                <a:schemeClr val="lt1"/>
-              </a:fontRef>
-            </p:style>
-            <p:txBody>
-              <a:bodyPr rtlCol="0" anchor="ctr"/>
-              <a:lstStyle/>
-              <a:p>
-                <a:pPr algn="ctr"/>
-                <a:endParaRPr lang="ko-KR" altLang="en-US"/>
-              </a:p>
-            </p:txBody>
-          </p:sp>
-          <p:sp>
-            <p:nvSpPr>
-              <p:cNvPr id="6" name="타원 5"/>
-              <p:cNvSpPr/>
-              <p:nvPr/>
-            </p:nvSpPr>
-            <p:spPr>
-              <a:xfrm>
-                <a:off x="6804248" y="1628800"/>
-                <a:ext cx="4032448" cy="4032448"/>
-              </a:xfrm>
-              <a:prstGeom prst="ellipse">
-                <a:avLst/>
-              </a:prstGeom>
-            </p:spPr>
-            <p:style>
-              <a:lnRef idx="1">
-                <a:schemeClr val="accent4"/>
-              </a:lnRef>
-              <a:fillRef idx="3">
-                <a:schemeClr val="accent4"/>
-              </a:fillRef>
-              <a:effectRef idx="2">
-                <a:schemeClr val="accent4"/>
-              </a:effectRef>
-              <a:fontRef idx="minor">
-                <a:schemeClr val="lt1"/>
-              </a:fontRef>
-            </p:style>
-            <p:txBody>
-              <a:bodyPr rtlCol="0" anchor="ctr"/>
-              <a:lstStyle/>
-              <a:p>
-                <a:pPr algn="ctr"/>
-                <a:endParaRPr lang="ko-KR" altLang="en-US"/>
-              </a:p>
-            </p:txBody>
-          </p:sp>
-          <p:sp>
-            <p:nvSpPr>
-              <p:cNvPr id="5" name="타원 4"/>
-              <p:cNvSpPr/>
-              <p:nvPr/>
-            </p:nvSpPr>
-            <p:spPr>
-              <a:xfrm>
-                <a:off x="5724128" y="3501008"/>
-                <a:ext cx="4320480" cy="4320480"/>
-              </a:xfrm>
-              <a:prstGeom prst="ellipse">
-                <a:avLst/>
-              </a:prstGeom>
-            </p:spPr>
-            <p:style>
-              <a:lnRef idx="1">
-                <a:schemeClr val="accent4"/>
-              </a:lnRef>
-              <a:fillRef idx="3">
-                <a:schemeClr val="accent4"/>
-              </a:fillRef>
-              <a:effectRef idx="2">
-                <a:schemeClr val="accent4"/>
-              </a:effectRef>
-              <a:fontRef idx="minor">
-                <a:schemeClr val="lt1"/>
-              </a:fontRef>
-            </p:style>
-            <p:txBody>
-              <a:bodyPr rtlCol="0" anchor="ctr"/>
-              <a:lstStyle/>
-              <a:p>
-                <a:pPr algn="ctr"/>
-                <a:endParaRPr lang="ko-KR" altLang="en-US"/>
-              </a:p>
-            </p:txBody>
-          </p:sp>
-        </p:grpSp>
-        <p:sp>
-          <p:nvSpPr>
-            <p:cNvPr id="4" name="TextBox 3"/>
-            <p:cNvSpPr txBox="1"/>
-            <p:nvPr/>
-          </p:nvSpPr>
-          <p:spPr>
-            <a:xfrm>
-              <a:off x="5652120" y="3671153"/>
-              <a:ext cx="3405099" cy="2062103"/>
-            </a:xfrm>
-            <a:prstGeom prst="rect">
-              <a:avLst/>
-            </a:prstGeom>
-            <a:noFill/>
-          </p:spPr>
-          <p:txBody>
-            <a:bodyPr wrap="none" rtlCol="0">
-              <a:spAutoFit/>
-            </a:bodyPr>
-            <a:lstStyle/>
-            <a:p>
-              <a:r>
-                <a:rPr lang="en-US" altLang="ko-KR" sz="1600" dirty="0" err="1" smtClean="0">
-                  <a:latin typeface="배달의민족 도현" panose="020B0600000101010101" pitchFamily="50" charset="-127"/>
-                  <a:ea typeface="배달의민족 도현" panose="020B0600000101010101" pitchFamily="50" charset="-127"/>
-                </a:rPr>
-                <a:t>mySQL</a:t>
-              </a:r>
-              <a:r>
-                <a:rPr lang="ko-KR" altLang="en-US" sz="1600" dirty="0" smtClean="0">
-                  <a:latin typeface="배달의민족 도현" panose="020B0600000101010101" pitchFamily="50" charset="-127"/>
-                  <a:ea typeface="배달의민족 도현" panose="020B0600000101010101" pitchFamily="50" charset="-127"/>
-                </a:rPr>
-                <a:t>과 </a:t>
-              </a:r>
-              <a:r>
-                <a:rPr lang="en-US" altLang="ko-KR" sz="1600" dirty="0" smtClean="0">
-                  <a:latin typeface="배달의민족 도현" panose="020B0600000101010101" pitchFamily="50" charset="-127"/>
-                  <a:ea typeface="배달의민족 도현" panose="020B0600000101010101" pitchFamily="50" charset="-127"/>
-                </a:rPr>
-                <a:t>JAVA </a:t>
-              </a:r>
-              <a:r>
-                <a:rPr lang="ko-KR" altLang="en-US" sz="1600" dirty="0" smtClean="0">
-                  <a:latin typeface="배달의민족 도현" panose="020B0600000101010101" pitchFamily="50" charset="-127"/>
-                  <a:ea typeface="배달의민족 도현" panose="020B0600000101010101" pitchFamily="50" charset="-127"/>
-                </a:rPr>
-                <a:t>사이 </a:t>
-              </a:r>
-              <a:endParaRPr lang="en-US" altLang="ko-KR" sz="1600" dirty="0" smtClean="0">
-                <a:latin typeface="배달의민족 도현" panose="020B0600000101010101" pitchFamily="50" charset="-127"/>
-                <a:ea typeface="배달의민족 도현" panose="020B0600000101010101" pitchFamily="50" charset="-127"/>
-              </a:endParaRPr>
-            </a:p>
-            <a:p>
-              <a:r>
-                <a:rPr lang="ko-KR" altLang="en-US" sz="1600" dirty="0" smtClean="0">
-                  <a:latin typeface="배달의민족 도현" panose="020B0600000101010101" pitchFamily="50" charset="-127"/>
-                  <a:ea typeface="배달의민족 도현" panose="020B0600000101010101" pitchFamily="50" charset="-127"/>
-                </a:rPr>
-                <a:t>정보를 전달 할 때 사용</a:t>
-              </a:r>
-              <a:endParaRPr lang="en-US" altLang="ko-KR" sz="1600" dirty="0" smtClean="0">
-                <a:latin typeface="배달의민족 도현" panose="020B0600000101010101" pitchFamily="50" charset="-127"/>
-                <a:ea typeface="배달의민족 도현" panose="020B0600000101010101" pitchFamily="50" charset="-127"/>
-              </a:endParaRPr>
-            </a:p>
-            <a:p>
-              <a:endParaRPr lang="en-US" altLang="ko-KR" sz="1600" dirty="0">
-                <a:latin typeface="배달의민족 도현" panose="020B0600000101010101" pitchFamily="50" charset="-127"/>
-                <a:ea typeface="배달의민족 도현" panose="020B0600000101010101" pitchFamily="50" charset="-127"/>
-              </a:endParaRPr>
-            </a:p>
-            <a:p>
-              <a:r>
-                <a:rPr lang="en-US" altLang="ko-KR" sz="1600" dirty="0" err="1" smtClean="0">
-                  <a:latin typeface="배달의민족 도현" panose="020B0600000101010101" pitchFamily="50" charset="-127"/>
-                  <a:ea typeface="배달의민족 도현" panose="020B0600000101010101" pitchFamily="50" charset="-127"/>
-                </a:rPr>
-                <a:t>mySQL</a:t>
-              </a:r>
-              <a:r>
-                <a:rPr lang="ko-KR" altLang="en-US" sz="1600" dirty="0">
-                  <a:latin typeface="배달의민족 도현" panose="020B0600000101010101" pitchFamily="50" charset="-127"/>
-                  <a:ea typeface="배달의민족 도현" panose="020B0600000101010101" pitchFamily="50" charset="-127"/>
-                </a:rPr>
-                <a:t> </a:t>
-              </a:r>
-              <a:r>
-                <a:rPr lang="ko-KR" altLang="en-US" sz="1600" dirty="0" smtClean="0">
-                  <a:latin typeface="배달의민족 도현" panose="020B0600000101010101" pitchFamily="50" charset="-127"/>
-                  <a:ea typeface="배달의민족 도현" panose="020B0600000101010101" pitchFamily="50" charset="-127"/>
-                </a:rPr>
-                <a:t>연동 및 검색 </a:t>
-              </a:r>
-              <a:endParaRPr lang="en-US" altLang="ko-KR" sz="1600" dirty="0" smtClean="0">
-                <a:latin typeface="배달의민족 도현" panose="020B0600000101010101" pitchFamily="50" charset="-127"/>
-                <a:ea typeface="배달의민족 도현" panose="020B0600000101010101" pitchFamily="50" charset="-127"/>
-              </a:endParaRPr>
-            </a:p>
-            <a:p>
-              <a:r>
-                <a:rPr lang="ko-KR" altLang="en-US" sz="1600" dirty="0" smtClean="0">
-                  <a:latin typeface="배달의민족 도현" panose="020B0600000101010101" pitchFamily="50" charset="-127"/>
-                  <a:ea typeface="배달의민족 도현" panose="020B0600000101010101" pitchFamily="50" charset="-127"/>
-                </a:rPr>
-                <a:t>카테고리에 맞게 결과값을 </a:t>
-              </a:r>
-              <a:endParaRPr lang="en-US" altLang="ko-KR" sz="1600" dirty="0" smtClean="0">
-                <a:latin typeface="배달의민족 도현" panose="020B0600000101010101" pitchFamily="50" charset="-127"/>
-                <a:ea typeface="배달의민족 도현" panose="020B0600000101010101" pitchFamily="50" charset="-127"/>
-              </a:endParaRPr>
-            </a:p>
-            <a:p>
-              <a:r>
-                <a:rPr lang="ko-KR" altLang="en-US" sz="1600" dirty="0" smtClean="0">
-                  <a:latin typeface="배달의민족 도현" panose="020B0600000101010101" pitchFamily="50" charset="-127"/>
-                  <a:ea typeface="배달의민족 도현" panose="020B0600000101010101" pitchFamily="50" charset="-127"/>
-                </a:rPr>
-                <a:t>출력하게 만드는 </a:t>
-              </a:r>
-              <a:r>
-                <a:rPr lang="ko-KR" altLang="en-US" sz="1600" dirty="0" err="1" smtClean="0">
-                  <a:latin typeface="배달의민족 도현" panose="020B0600000101010101" pitchFamily="50" charset="-127"/>
-                  <a:ea typeface="배달의민족 도현" panose="020B0600000101010101" pitchFamily="50" charset="-127"/>
-                </a:rPr>
-                <a:t>메서드</a:t>
-              </a:r>
-              <a:r>
-                <a:rPr lang="ko-KR" altLang="en-US" sz="1600" dirty="0" smtClean="0">
-                  <a:latin typeface="배달의민족 도현" panose="020B0600000101010101" pitchFamily="50" charset="-127"/>
-                  <a:ea typeface="배달의민족 도현" panose="020B0600000101010101" pitchFamily="50" charset="-127"/>
-                </a:rPr>
-                <a:t> 저장 클래스</a:t>
-              </a:r>
-              <a:endParaRPr lang="en-US" altLang="ko-KR" sz="1600" dirty="0" smtClean="0">
-                <a:latin typeface="배달의민족 도현" panose="020B0600000101010101" pitchFamily="50" charset="-127"/>
-                <a:ea typeface="배달의민족 도현" panose="020B0600000101010101" pitchFamily="50" charset="-127"/>
-              </a:endParaRPr>
-            </a:p>
-            <a:p>
-              <a:endParaRPr lang="en-US" altLang="ko-KR" sz="1600" dirty="0">
-                <a:latin typeface="배달의민족 도현" panose="020B0600000101010101" pitchFamily="50" charset="-127"/>
-                <a:ea typeface="배달의민족 도현" panose="020B0600000101010101" pitchFamily="50" charset="-127"/>
-              </a:endParaRPr>
-            </a:p>
-            <a:p>
-              <a:r>
-                <a:rPr lang="ko-KR" altLang="en-US" sz="1600" dirty="0" smtClean="0">
-                  <a:latin typeface="배달의민족 도현" panose="020B0600000101010101" pitchFamily="50" charset="-127"/>
-                  <a:ea typeface="배달의민족 도현" panose="020B0600000101010101" pitchFamily="50" charset="-127"/>
-                </a:rPr>
-                <a:t>각 </a:t>
-              </a:r>
-              <a:r>
-                <a:rPr lang="ko-KR" altLang="en-US" sz="1600" dirty="0" err="1" smtClean="0">
-                  <a:latin typeface="배달의민족 도현" panose="020B0600000101010101" pitchFamily="50" charset="-127"/>
-                  <a:ea typeface="배달의민족 도현" panose="020B0600000101010101" pitchFamily="50" charset="-127"/>
-                </a:rPr>
-                <a:t>메서드를</a:t>
-              </a:r>
-              <a:r>
-                <a:rPr lang="ko-KR" altLang="en-US" sz="1600" dirty="0" smtClean="0">
-                  <a:latin typeface="배달의민족 도현" panose="020B0600000101010101" pitchFamily="50" charset="-127"/>
-                  <a:ea typeface="배달의민족 도현" panose="020B0600000101010101" pitchFamily="50" charset="-127"/>
-                </a:rPr>
-                <a:t> 받아 출력하는 클래스</a:t>
-              </a:r>
-              <a:endParaRPr lang="ko-KR" altLang="en-US" sz="1600" dirty="0">
-                <a:latin typeface="배달의민족 도현" panose="020B0600000101010101" pitchFamily="50" charset="-127"/>
-                <a:ea typeface="배달의민족 도현" panose="020B0600000101010101" pitchFamily="50" charset="-127"/>
-              </a:endParaRPr>
-            </a:p>
-          </p:txBody>
-        </p:sp>
-      </p:grpSp>
-      <p:pic>
-        <p:nvPicPr>
-          <p:cNvPr id="8" name="Picture 3"/>
-          <p:cNvPicPr>
-            <a:picLocks noChangeAspect="1" noChangeArrowheads="1"/>
-          </p:cNvPicPr>
-          <p:nvPr/>
-        </p:nvPicPr>
-        <p:blipFill>
-          <a:blip r:embed="rId2">
-            <a:extLst>
-              <a:ext uri="{28A0092B-C50C-407E-A947-70E740481C1C}">
-                <a14:useLocalDpi xmlns:a14="http://schemas.microsoft.com/office/drawing/2010/main" val="0"/>
-              </a:ext>
-            </a:extLst>
-          </a:blip>
-          <a:srcRect/>
-          <a:stretch>
-            <a:fillRect/>
-          </a:stretch>
-        </p:blipFill>
-        <p:spPr bwMode="auto">
-          <a:xfrm>
-            <a:off x="323528" y="2296108"/>
-            <a:ext cx="4742283" cy="2697832"/>
-          </a:xfrm>
-          <a:prstGeom prst="rect">
-            <a:avLst/>
-          </a:prstGeom>
-          <a:noFill/>
-          <a:ln>
-            <a:noFill/>
-          </a:ln>
-          <a:extLst>
-            <a:ext uri="{909E8E84-426E-40DD-AFC4-6F175D3DCCD1}">
-              <a14:hiddenFill xmlns:a14="http://schemas.microsoft.com/office/drawing/2010/main">
-                <a:solidFill>
-                  <a:schemeClr val="accent1"/>
-                </a:solidFill>
-              </a14:hiddenFill>
-            </a:ext>
-            <a:ext uri="{91240B29-F687-4F45-9708-019B960494DF}">
-              <a14:hiddenLine xmlns:a14="http://schemas.microsoft.com/office/drawing/2010/main" w="9525">
-                <a:solidFill>
-                  <a:schemeClr val="tx1"/>
-                </a:solidFill>
-                <a:miter lim="800000"/>
-                <a:headEnd/>
-                <a:tailEnd/>
-              </a14:hiddenLine>
-            </a:ext>
-          </a:extLst>
-        </p:spPr>
-      </p:pic>
-      <p:grpSp>
-        <p:nvGrpSpPr>
-          <p:cNvPr id="20" name="그룹 19"/>
-          <p:cNvGrpSpPr/>
-          <p:nvPr/>
-        </p:nvGrpSpPr>
-        <p:grpSpPr>
-          <a:xfrm>
-            <a:off x="4109170" y="3933056"/>
-            <a:ext cx="1542950" cy="1584176"/>
-            <a:chOff x="4109170" y="3933056"/>
-            <a:chExt cx="1542950" cy="1584176"/>
-          </a:xfrm>
-        </p:grpSpPr>
-        <p:cxnSp>
-          <p:nvCxnSpPr>
-            <p:cNvPr id="11" name="꺾인 연결선 10"/>
-            <p:cNvCxnSpPr/>
-            <p:nvPr/>
-          </p:nvCxnSpPr>
-          <p:spPr>
-            <a:xfrm flipV="1">
-              <a:off x="4860032" y="3933056"/>
-              <a:ext cx="792088" cy="144016"/>
-            </a:xfrm>
-            <a:prstGeom prst="bentConnector3">
-              <a:avLst/>
-            </a:prstGeom>
-            <a:ln w="19050">
-              <a:solidFill>
-                <a:schemeClr val="tx1"/>
-              </a:solidFill>
-              <a:tailEnd type="arrow"/>
-            </a:ln>
-          </p:spPr>
-          <p:style>
-            <a:lnRef idx="1">
-              <a:schemeClr val="accent1"/>
-            </a:lnRef>
-            <a:fillRef idx="0">
-              <a:schemeClr val="accent1"/>
-            </a:fillRef>
-            <a:effectRef idx="0">
-              <a:schemeClr val="accent1"/>
-            </a:effectRef>
-            <a:fontRef idx="minor">
-              <a:schemeClr val="tx1"/>
-            </a:fontRef>
-          </p:style>
-        </p:cxnSp>
-        <p:cxnSp>
-          <p:nvCxnSpPr>
-            <p:cNvPr id="14" name="꺾인 연결선 13"/>
-            <p:cNvCxnSpPr/>
-            <p:nvPr/>
-          </p:nvCxnSpPr>
-          <p:spPr>
-            <a:xfrm>
-              <a:off x="4325195" y="4447394"/>
-              <a:ext cx="1254917" cy="493774"/>
-            </a:xfrm>
-            <a:prstGeom prst="bentConnector3">
-              <a:avLst>
-                <a:gd name="adj1" fmla="val 58249"/>
-              </a:avLst>
-            </a:prstGeom>
-            <a:ln w="19050">
-              <a:solidFill>
-                <a:schemeClr val="tx1"/>
-              </a:solidFill>
-              <a:tailEnd type="arrow"/>
-            </a:ln>
-          </p:spPr>
-          <p:style>
-            <a:lnRef idx="1">
-              <a:schemeClr val="accent1"/>
-            </a:lnRef>
-            <a:fillRef idx="0">
-              <a:schemeClr val="accent1"/>
-            </a:fillRef>
-            <a:effectRef idx="0">
-              <a:schemeClr val="accent1"/>
-            </a:effectRef>
-            <a:fontRef idx="minor">
-              <a:schemeClr val="tx1"/>
-            </a:fontRef>
-          </p:style>
-        </p:cxnSp>
-        <p:cxnSp>
-          <p:nvCxnSpPr>
-            <p:cNvPr id="16" name="꺾인 연결선 15"/>
-            <p:cNvCxnSpPr/>
-            <p:nvPr/>
-          </p:nvCxnSpPr>
-          <p:spPr>
-            <a:xfrm>
-              <a:off x="4109170" y="4782384"/>
-              <a:ext cx="1542950" cy="734848"/>
-            </a:xfrm>
-            <a:prstGeom prst="bentConnector3">
-              <a:avLst/>
-            </a:prstGeom>
-            <a:ln w="19050">
-              <a:solidFill>
-                <a:schemeClr val="tx1"/>
-              </a:solidFill>
-              <a:tailEnd type="arrow"/>
-            </a:ln>
-          </p:spPr>
-          <p:style>
-            <a:lnRef idx="1">
-              <a:schemeClr val="accent1"/>
-            </a:lnRef>
-            <a:fillRef idx="0">
-              <a:schemeClr val="accent1"/>
-            </a:fillRef>
-            <a:effectRef idx="0">
-              <a:schemeClr val="accent1"/>
-            </a:effectRef>
-            <a:fontRef idx="minor">
-              <a:schemeClr val="tx1"/>
-            </a:fontRef>
-          </p:style>
-        </p:cxnSp>
-      </p:grpSp>
-    </p:spTree>
-    <p:extLst>
-      <p:ext uri="{BB962C8B-B14F-4D97-AF65-F5344CB8AC3E}">
-        <p14:creationId xmlns:p14="http://schemas.microsoft.com/office/powerpoint/2010/main" val="2299534663"/>
-      </p:ext>
-    </p:extLst>
-  </p:cSld>
-  <p:clrMapOvr>
-    <a:masterClrMapping/>
-  </p:clrMapOvr>
-  <p:timing>
-    <p:tnLst>
-      <p:par>
-        <p:cTn id="1" dur="indefinite" restart="never" nodeType="tmRoot">
-          <p:childTnLst>
-            <p:seq concurrent="1" nextAc="seek">
-              <p:cTn id="2" dur="indefinite" nodeType="mainSeq">
-                <p:childTnLst>
-                  <p:par>
-                    <p:cTn id="3" fill="hold">
-                      <p:stCondLst>
-                        <p:cond delay="indefinite"/>
-                        <p:cond evt="onBegin" delay="0">
-                          <p:tn val="2"/>
-                        </p:cond>
-                      </p:stCondLst>
-                      <p:childTnLst>
-                        <p:par>
-                          <p:cTn id="4" fill="hold">
-                            <p:stCondLst>
-                              <p:cond delay="0"/>
-                            </p:stCondLst>
-                            <p:childTnLst>
-                              <p:par>
-                                <p:cTn id="5" presetID="42" presetClass="entr" presetSubtype="0" fill="hold" nodeType="withEffect">
-                                  <p:stCondLst>
-                                    <p:cond delay="0"/>
-                                  </p:stCondLst>
-                                  <p:childTnLst>
-                                    <p:set>
-                                      <p:cBhvr>
-                                        <p:cTn id="6" dur="1" fill="hold">
-                                          <p:stCondLst>
-                                            <p:cond delay="0"/>
-                                          </p:stCondLst>
-                                        </p:cTn>
-                                        <p:tgtEl>
-                                          <p:spTgt spid="3"/>
-                                        </p:tgtEl>
-                                        <p:attrNameLst>
-                                          <p:attrName>style.visibility</p:attrName>
-                                        </p:attrNameLst>
-                                      </p:cBhvr>
-                                      <p:to>
-                                        <p:strVal val="visible"/>
-                                      </p:to>
-                                    </p:set>
-                                    <p:animEffect transition="in" filter="fade">
-                                      <p:cBhvr>
-                                        <p:cTn id="7" dur="1000"/>
-                                        <p:tgtEl>
-                                          <p:spTgt spid="3"/>
-                                        </p:tgtEl>
-                                      </p:cBhvr>
-                                    </p:animEffect>
-                                    <p:anim calcmode="lin" valueType="num">
-                                      <p:cBhvr>
-                                        <p:cTn id="8" dur="1000" fill="hold"/>
-                                        <p:tgtEl>
-                                          <p:spTgt spid="3"/>
-                                        </p:tgtEl>
-                                        <p:attrNameLst>
-                                          <p:attrName>ppt_x</p:attrName>
-                                        </p:attrNameLst>
-                                      </p:cBhvr>
-                                      <p:tavLst>
-                                        <p:tav tm="0">
-                                          <p:val>
-                                            <p:strVal val="#ppt_x"/>
-                                          </p:val>
-                                        </p:tav>
-                                        <p:tav tm="100000">
-                                          <p:val>
-                                            <p:strVal val="#ppt_x"/>
-                                          </p:val>
-                                        </p:tav>
-                                      </p:tavLst>
-                                    </p:anim>
-                                    <p:anim calcmode="lin" valueType="num">
-                                      <p:cBhvr>
-                                        <p:cTn id="9" dur="1000" fill="hold"/>
-                                        <p:tgtEl>
-                                          <p:spTgt spid="3"/>
-                                        </p:tgtEl>
-                                        <p:attrNameLst>
-                                          <p:attrName>ppt_y</p:attrName>
-                                        </p:attrNameLst>
-                                      </p:cBhvr>
-                                      <p:tavLst>
-                                        <p:tav tm="0">
-                                          <p:val>
-                                            <p:strVal val="#ppt_y+.1"/>
-                                          </p:val>
-                                        </p:tav>
-                                        <p:tav tm="100000">
-                                          <p:val>
-                                            <p:strVal val="#ppt_y"/>
-                                          </p:val>
-                                        </p:tav>
-                                      </p:tavLst>
-                                    </p:anim>
-                                  </p:childTnLst>
-                                </p:cTn>
-                              </p:par>
-                            </p:childTnLst>
-                          </p:cTn>
-                        </p:par>
-                        <p:par>
-                          <p:cTn id="10" fill="hold">
-                            <p:stCondLst>
-                              <p:cond delay="1000"/>
-                            </p:stCondLst>
-                            <p:childTnLst>
-                              <p:par>
-                                <p:cTn id="11" presetID="10" presetClass="entr" presetSubtype="0" fill="hold" nodeType="afterEffect">
-                                  <p:stCondLst>
-                                    <p:cond delay="0"/>
-                                  </p:stCondLst>
-                                  <p:childTnLst>
-                                    <p:set>
-                                      <p:cBhvr>
-                                        <p:cTn id="12" dur="1" fill="hold">
-                                          <p:stCondLst>
-                                            <p:cond delay="0"/>
-                                          </p:stCondLst>
-                                        </p:cTn>
-                                        <p:tgtEl>
-                                          <p:spTgt spid="20"/>
-                                        </p:tgtEl>
-                                        <p:attrNameLst>
-                                          <p:attrName>style.visibility</p:attrName>
-                                        </p:attrNameLst>
-                                      </p:cBhvr>
-                                      <p:to>
-                                        <p:strVal val="visible"/>
-                                      </p:to>
-                                    </p:set>
-                                    <p:animEffect transition="in" filter="fade">
-                                      <p:cBhvr>
-                                        <p:cTn id="13" dur="500"/>
-                                        <p:tgtEl>
-                                          <p:spTgt spid="20"/>
-                                        </p:tgtEl>
-                                      </p:cBhvr>
-                                    </p:animEffect>
-                                  </p:childTnLst>
-                                </p:cTn>
-                              </p:par>
-                            </p:childTnLst>
-                          </p:cTn>
-                        </p:par>
-                      </p:childTnLst>
-                    </p:cTn>
-                  </p:par>
-                </p:childTnLst>
-              </p:cTn>
-              <p:prevCondLst>
-                <p:cond evt="onPrev" delay="0">
-                  <p:tgtEl>
-                    <p:sldTgt/>
-                  </p:tgtEl>
-                </p:cond>
-              </p:prevCondLst>
-              <p:nextCondLst>
-                <p:cond evt="onNext" delay="0">
-                  <p:tgtEl>
-                    <p:sldTgt/>
-                  </p:tgtEl>
-                </p:cond>
-              </p:nextCondLst>
-            </p:seq>
-          </p:childTnLst>
-        </p:cTn>
-      </p:par>
-    </p:tnLst>
-  </p:timing>
-</p:sld>
-</file>
-
-<file path=ppt/slides/slide3.xml><?xml version="1.0" encoding="utf-8"?>
-<p:sld xmlns:a="http://schemas.openxmlformats.org/drawingml/2006/main" xmlns:r="http://schemas.openxmlformats.org/officeDocument/2006/relationships" xmlns:p="http://schemas.openxmlformats.org/presentationml/2006/main">
-  <p:cSld>
-    <p:spTree>
-      <p:nvGrpSpPr>
-        <p:cNvPr id="1" name=""/>
-        <p:cNvGrpSpPr/>
-        <p:nvPr/>
-      </p:nvGrpSpPr>
-      <p:grpSpPr>
-        <a:xfrm>
-          <a:off x="0" y="0"/>
-          <a:ext cx="0" cy="0"/>
-          <a:chOff x="0" y="0"/>
-          <a:chExt cx="0" cy="0"/>
-        </a:xfrm>
-      </p:grpSpPr>
-      <p:sp>
-        <p:nvSpPr>
-          <p:cNvPr id="2" name="제목 1"/>
-          <p:cNvSpPr>
-            <a:spLocks noGrp="1"/>
-          </p:cNvSpPr>
-          <p:nvPr>
-            <p:ph type="title"/>
-          </p:nvPr>
-        </p:nvSpPr>
-        <p:spPr/>
-        <p:txBody>
-          <a:bodyPr/>
-          <a:lstStyle/>
-          <a:p>
-            <a:r>
-              <a:rPr lang="en-US" altLang="ko-KR" dirty="0" err="1" smtClean="0">
-                <a:latin typeface="배달의민족 도현" panose="020B0600000101010101" pitchFamily="50" charset="-127"/>
-                <a:ea typeface="배달의민족 도현" panose="020B0600000101010101" pitchFamily="50" charset="-127"/>
-              </a:rPr>
-              <a:t>mySQL</a:t>
-            </a:r>
-            <a:r>
-              <a:rPr lang="en-US" altLang="ko-KR" dirty="0" smtClean="0">
-                <a:latin typeface="배달의민족 도현" panose="020B0600000101010101" pitchFamily="50" charset="-127"/>
-                <a:ea typeface="배달의민족 도현" panose="020B0600000101010101" pitchFamily="50" charset="-127"/>
-              </a:rPr>
-              <a:t> DB</a:t>
-            </a:r>
-            <a:r>
-              <a:rPr lang="ko-KR" altLang="en-US" dirty="0" smtClean="0">
-                <a:latin typeface="배달의민족 도현" panose="020B0600000101010101" pitchFamily="50" charset="-127"/>
-                <a:ea typeface="배달의민족 도현" panose="020B0600000101010101" pitchFamily="50" charset="-127"/>
-              </a:rPr>
-              <a:t>목록</a:t>
-            </a:r>
-            <a:endParaRPr lang="ko-KR" altLang="en-US" dirty="0">
-              <a:latin typeface="배달의민족 도현" panose="020B0600000101010101" pitchFamily="50" charset="-127"/>
-              <a:ea typeface="배달의민족 도현" panose="020B0600000101010101" pitchFamily="50" charset="-127"/>
-            </a:endParaRPr>
-          </a:p>
-        </p:txBody>
-      </p:sp>
-      <p:pic>
-        <p:nvPicPr>
-          <p:cNvPr id="1027" name="Picture 3"/>
-          <p:cNvPicPr>
-            <a:picLocks noChangeAspect="1" noChangeArrowheads="1"/>
-          </p:cNvPicPr>
-          <p:nvPr/>
-        </p:nvPicPr>
-        <p:blipFill>
-          <a:blip r:embed="rId2">
-            <a:extLst>
-              <a:ext uri="{28A0092B-C50C-407E-A947-70E740481C1C}">
-                <a14:useLocalDpi xmlns:a14="http://schemas.microsoft.com/office/drawing/2010/main" val="0"/>
-              </a:ext>
-            </a:extLst>
-          </a:blip>
-          <a:srcRect/>
-          <a:stretch>
-            <a:fillRect/>
-          </a:stretch>
-        </p:blipFill>
-        <p:spPr bwMode="auto">
-          <a:xfrm>
-            <a:off x="611560" y="2370810"/>
-            <a:ext cx="4552950" cy="2981325"/>
-          </a:xfrm>
-          <a:prstGeom prst="rect">
-            <a:avLst/>
-          </a:prstGeom>
-          <a:noFill/>
-          <a:ln>
-            <a:noFill/>
-          </a:ln>
-          <a:extLst>
-            <a:ext uri="{909E8E84-426E-40DD-AFC4-6F175D3DCCD1}">
-              <a14:hiddenFill xmlns:a14="http://schemas.microsoft.com/office/drawing/2010/main">
-                <a:solidFill>
-                  <a:schemeClr val="accent1"/>
-                </a:solidFill>
-              </a14:hiddenFill>
-            </a:ext>
-            <a:ext uri="{91240B29-F687-4F45-9708-019B960494DF}">
-              <a14:hiddenLine xmlns:a14="http://schemas.microsoft.com/office/drawing/2010/main" w="9525">
-                <a:solidFill>
-                  <a:schemeClr val="tx1"/>
-                </a:solidFill>
-                <a:miter lim="800000"/>
-                <a:headEnd/>
-                <a:tailEnd/>
-              </a14:hiddenLine>
-            </a:ext>
-          </a:extLst>
-        </p:spPr>
-      </p:pic>
-      <p:grpSp>
-        <p:nvGrpSpPr>
-          <p:cNvPr id="3" name="그룹 2"/>
-          <p:cNvGrpSpPr/>
-          <p:nvPr/>
-        </p:nvGrpSpPr>
-        <p:grpSpPr>
-          <a:xfrm>
-            <a:off x="5436096" y="1628800"/>
-            <a:ext cx="5725144" cy="6192688"/>
-            <a:chOff x="5436096" y="1628800"/>
-            <a:chExt cx="5725144" cy="6192688"/>
-          </a:xfrm>
-        </p:grpSpPr>
-        <p:grpSp>
-          <p:nvGrpSpPr>
-            <p:cNvPr id="7" name="그룹 6"/>
-            <p:cNvGrpSpPr/>
-            <p:nvPr/>
-          </p:nvGrpSpPr>
-          <p:grpSpPr>
-            <a:xfrm>
-              <a:off x="5436096" y="1628800"/>
-              <a:ext cx="5725144" cy="6192688"/>
-              <a:chOff x="5111552" y="1628800"/>
-              <a:chExt cx="5725144" cy="6192688"/>
-            </a:xfrm>
-          </p:grpSpPr>
-          <p:sp>
-            <p:nvSpPr>
-              <p:cNvPr id="9" name="타원 8"/>
-              <p:cNvSpPr/>
-              <p:nvPr/>
-            </p:nvSpPr>
-            <p:spPr>
-              <a:xfrm>
-                <a:off x="5111552" y="2564904"/>
-                <a:ext cx="4032448" cy="4032448"/>
-              </a:xfrm>
-              <a:prstGeom prst="ellipse">
-                <a:avLst/>
-              </a:prstGeom>
-            </p:spPr>
-            <p:style>
-              <a:lnRef idx="1">
-                <a:schemeClr val="accent5"/>
-              </a:lnRef>
-              <a:fillRef idx="3">
-                <a:schemeClr val="accent5"/>
-              </a:fillRef>
-              <a:effectRef idx="2">
-                <a:schemeClr val="accent5"/>
-              </a:effectRef>
-              <a:fontRef idx="minor">
-                <a:schemeClr val="lt1"/>
-              </a:fontRef>
-            </p:style>
-            <p:txBody>
-              <a:bodyPr rtlCol="0" anchor="ctr"/>
-              <a:lstStyle/>
-              <a:p>
-                <a:pPr algn="ctr"/>
-                <a:endParaRPr lang="ko-KR" altLang="en-US"/>
-              </a:p>
-            </p:txBody>
-          </p:sp>
-          <p:sp>
-            <p:nvSpPr>
-              <p:cNvPr id="6" name="타원 5"/>
-              <p:cNvSpPr/>
-              <p:nvPr/>
-            </p:nvSpPr>
-            <p:spPr>
-              <a:xfrm>
-                <a:off x="6804248" y="1628800"/>
-                <a:ext cx="4032448" cy="4032448"/>
-              </a:xfrm>
-              <a:prstGeom prst="ellipse">
-                <a:avLst/>
-              </a:prstGeom>
-            </p:spPr>
-            <p:style>
-              <a:lnRef idx="1">
-                <a:schemeClr val="accent5"/>
-              </a:lnRef>
-              <a:fillRef idx="3">
-                <a:schemeClr val="accent5"/>
-              </a:fillRef>
-              <a:effectRef idx="2">
-                <a:schemeClr val="accent5"/>
-              </a:effectRef>
-              <a:fontRef idx="minor">
-                <a:schemeClr val="lt1"/>
-              </a:fontRef>
-            </p:style>
-            <p:txBody>
-              <a:bodyPr rtlCol="0" anchor="ctr"/>
-              <a:lstStyle/>
-              <a:p>
-                <a:pPr algn="ctr"/>
-                <a:endParaRPr lang="ko-KR" altLang="en-US"/>
-              </a:p>
-            </p:txBody>
-          </p:sp>
-          <p:sp>
-            <p:nvSpPr>
-              <p:cNvPr id="5" name="타원 4"/>
-              <p:cNvSpPr/>
-              <p:nvPr/>
-            </p:nvSpPr>
-            <p:spPr>
-              <a:xfrm>
-                <a:off x="5724128" y="3501008"/>
-                <a:ext cx="4320480" cy="4320480"/>
-              </a:xfrm>
-              <a:prstGeom prst="ellipse">
-                <a:avLst/>
-              </a:prstGeom>
-            </p:spPr>
-            <p:style>
-              <a:lnRef idx="1">
-                <a:schemeClr val="accent5"/>
-              </a:lnRef>
-              <a:fillRef idx="3">
-                <a:schemeClr val="accent5"/>
-              </a:fillRef>
-              <a:effectRef idx="2">
-                <a:schemeClr val="accent5"/>
-              </a:effectRef>
-              <a:fontRef idx="minor">
-                <a:schemeClr val="lt1"/>
-              </a:fontRef>
-            </p:style>
-            <p:txBody>
-              <a:bodyPr rtlCol="0" anchor="ctr"/>
-              <a:lstStyle/>
-              <a:p>
-                <a:pPr algn="ctr"/>
-                <a:endParaRPr lang="ko-KR" altLang="en-US"/>
-              </a:p>
-            </p:txBody>
-          </p:sp>
-        </p:grpSp>
-        <p:sp>
-          <p:nvSpPr>
-            <p:cNvPr id="4" name="TextBox 3"/>
-            <p:cNvSpPr txBox="1"/>
-            <p:nvPr/>
-          </p:nvSpPr>
-          <p:spPr>
-            <a:xfrm>
-              <a:off x="6058348" y="3789040"/>
-              <a:ext cx="2912977" cy="369332"/>
-            </a:xfrm>
-            <a:prstGeom prst="rect">
-              <a:avLst/>
-            </a:prstGeom>
-            <a:noFill/>
-          </p:spPr>
-          <p:txBody>
-            <a:bodyPr wrap="none" rtlCol="0">
-              <a:spAutoFit/>
-            </a:bodyPr>
-            <a:lstStyle/>
-            <a:p>
-              <a:r>
-                <a:rPr lang="en-US" altLang="ko-KR" dirty="0" err="1" smtClean="0">
-                  <a:latin typeface="배달의민족 도현" panose="020B0600000101010101" pitchFamily="50" charset="-127"/>
-                  <a:ea typeface="배달의민족 도현" panose="020B0600000101010101" pitchFamily="50" charset="-127"/>
-                </a:rPr>
-                <a:t>mySQL</a:t>
-              </a:r>
-              <a:r>
-                <a:rPr lang="ko-KR" altLang="en-US" dirty="0" smtClean="0">
-                  <a:latin typeface="배달의민족 도현" panose="020B0600000101010101" pitchFamily="50" charset="-127"/>
-                  <a:ea typeface="배달의민족 도현" panose="020B0600000101010101" pitchFamily="50" charset="-127"/>
-                </a:rPr>
-                <a:t>을 이용한 </a:t>
-              </a:r>
-              <a:r>
-                <a:rPr lang="en-US" altLang="ko-KR" dirty="0" smtClean="0">
-                  <a:latin typeface="배달의민족 도현" panose="020B0600000101010101" pitchFamily="50" charset="-127"/>
-                  <a:ea typeface="배달의민족 도현" panose="020B0600000101010101" pitchFamily="50" charset="-127"/>
-                </a:rPr>
-                <a:t>DB </a:t>
-              </a:r>
-              <a:r>
-                <a:rPr lang="ko-KR" altLang="en-US" dirty="0" smtClean="0">
-                  <a:latin typeface="배달의민족 도현" panose="020B0600000101010101" pitchFamily="50" charset="-127"/>
-                  <a:ea typeface="배달의민족 도현" panose="020B0600000101010101" pitchFamily="50" charset="-127"/>
-                </a:rPr>
-                <a:t>저장</a:t>
-              </a:r>
-              <a:endParaRPr lang="ko-KR" altLang="en-US" dirty="0">
-                <a:latin typeface="배달의민족 도현" panose="020B0600000101010101" pitchFamily="50" charset="-127"/>
-                <a:ea typeface="배달의민족 도현" panose="020B0600000101010101" pitchFamily="50" charset="-127"/>
-              </a:endParaRPr>
-            </a:p>
-          </p:txBody>
-        </p:sp>
-      </p:grpSp>
-    </p:spTree>
-    <p:extLst>
-      <p:ext uri="{BB962C8B-B14F-4D97-AF65-F5344CB8AC3E}">
-        <p14:creationId xmlns:p14="http://schemas.microsoft.com/office/powerpoint/2010/main" val="724182749"/>
-      </p:ext>
-    </p:extLst>
-  </p:cSld>
-  <p:clrMapOvr>
-    <a:masterClrMapping/>
-  </p:clrMapOvr>
-  <p:timing>
-    <p:tnLst>
-      <p:par>
-        <p:cTn id="1" dur="indefinite" restart="never" nodeType="tmRoot">
-          <p:childTnLst>
-            <p:seq concurrent="1" nextAc="seek">
-              <p:cTn id="2" dur="indefinite" nodeType="mainSeq">
-                <p:childTnLst>
-                  <p:par>
-                    <p:cTn id="3" fill="hold">
-                      <p:stCondLst>
-                        <p:cond delay="indefinite"/>
-                        <p:cond evt="onBegin" delay="0">
-                          <p:tn val="2"/>
-                        </p:cond>
-                      </p:stCondLst>
-                      <p:childTnLst>
-                        <p:par>
-                          <p:cTn id="4" fill="hold">
-                            <p:stCondLst>
-                              <p:cond delay="0"/>
-                            </p:stCondLst>
-                            <p:childTnLst>
-                              <p:par>
-                                <p:cTn id="5" presetID="42" presetClass="entr" presetSubtype="0" fill="hold" nodeType="withEffect">
-                                  <p:stCondLst>
-                                    <p:cond delay="0"/>
-                                  </p:stCondLst>
-                                  <p:childTnLst>
-                                    <p:set>
-                                      <p:cBhvr>
-                                        <p:cTn id="6" dur="1" fill="hold">
-                                          <p:stCondLst>
-                                            <p:cond delay="0"/>
-                                          </p:stCondLst>
-                                        </p:cTn>
-                                        <p:tgtEl>
-                                          <p:spTgt spid="3"/>
-                                        </p:tgtEl>
-                                        <p:attrNameLst>
-                                          <p:attrName>style.visibility</p:attrName>
-                                        </p:attrNameLst>
-                                      </p:cBhvr>
-                                      <p:to>
-                                        <p:strVal val="visible"/>
-                                      </p:to>
-                                    </p:set>
-                                    <p:animEffect transition="in" filter="fade">
-                                      <p:cBhvr>
-                                        <p:cTn id="7" dur="1000"/>
-                                        <p:tgtEl>
-                                          <p:spTgt spid="3"/>
-                                        </p:tgtEl>
-                                      </p:cBhvr>
-                                    </p:animEffect>
-                                    <p:anim calcmode="lin" valueType="num">
-                                      <p:cBhvr>
-                                        <p:cTn id="8" dur="1000" fill="hold"/>
-                                        <p:tgtEl>
-                                          <p:spTgt spid="3"/>
-                                        </p:tgtEl>
-                                        <p:attrNameLst>
-                                          <p:attrName>ppt_x</p:attrName>
-                                        </p:attrNameLst>
-                                      </p:cBhvr>
-                                      <p:tavLst>
-                                        <p:tav tm="0">
-                                          <p:val>
-                                            <p:strVal val="#ppt_x"/>
-                                          </p:val>
-                                        </p:tav>
-                                        <p:tav tm="100000">
-                                          <p:val>
-                                            <p:strVal val="#ppt_x"/>
-                                          </p:val>
-                                        </p:tav>
-                                      </p:tavLst>
-                                    </p:anim>
-                                    <p:anim calcmode="lin" valueType="num">
-                                      <p:cBhvr>
-                                        <p:cTn id="9" dur="1000" fill="hold"/>
-                                        <p:tgtEl>
-                                          <p:spTgt spid="3"/>
-                                        </p:tgtEl>
-                                        <p:attrNameLst>
-                                          <p:attrName>ppt_y</p:attrName>
-                                        </p:attrNameLst>
-                                      </p:cBhvr>
-                                      <p:tavLst>
-                                        <p:tav tm="0">
-                                          <p:val>
-                                            <p:strVal val="#ppt_y+.1"/>
-                                          </p:val>
-                                        </p:tav>
-                                        <p:tav tm="100000">
-                                          <p:val>
-                                            <p:strVal val="#ppt_y"/>
-                                          </p:val>
-                                        </p:tav>
-                                      </p:tavLst>
-                                    </p:anim>
-                                  </p:childTnLst>
-                                </p:cTn>
-                              </p:par>
-                            </p:childTnLst>
-                          </p:cTn>
-                        </p:par>
-                      </p:childTnLst>
-                    </p:cTn>
-                  </p:par>
-                </p:childTnLst>
-              </p:cTn>
-              <p:prevCondLst>
-                <p:cond evt="onPrev" delay="0">
-                  <p:tgtEl>
-                    <p:sldTgt/>
-                  </p:tgtEl>
-                </p:cond>
-              </p:prevCondLst>
-              <p:nextCondLst>
-                <p:cond evt="onNext" delay="0">
-                  <p:tgtEl>
-                    <p:sldTgt/>
-                  </p:tgtEl>
-                </p:cond>
-              </p:nextCondLst>
-            </p:seq>
-          </p:childTnLst>
-        </p:cTn>
-      </p:par>
-    </p:tnLst>
-  </p:timing>
-</p:sld>
-</file>
-
-<file path=ppt/slides/slide4.xml><?xml version="1.0" encoding="utf-8"?>
-<p:sld xmlns:a="http://schemas.openxmlformats.org/drawingml/2006/main" xmlns:r="http://schemas.openxmlformats.org/officeDocument/2006/relationships" xmlns:p="http://schemas.openxmlformats.org/presentationml/2006/main">
-  <p:cSld>
-    <p:spTree>
-      <p:nvGrpSpPr>
-        <p:cNvPr id="1" name=""/>
-        <p:cNvGrpSpPr/>
-        <p:nvPr/>
-      </p:nvGrpSpPr>
-      <p:grpSpPr>
-        <a:xfrm>
-          <a:off x="0" y="0"/>
-          <a:ext cx="0" cy="0"/>
-          <a:chOff x="0" y="0"/>
-          <a:chExt cx="0" cy="0"/>
-        </a:xfrm>
-      </p:grpSpPr>
-      <p:sp>
-        <p:nvSpPr>
-          <p:cNvPr id="2" name="제목 1"/>
-          <p:cNvSpPr>
-            <a:spLocks noGrp="1"/>
-          </p:cNvSpPr>
-          <p:nvPr>
-            <p:ph type="title"/>
-          </p:nvPr>
-        </p:nvSpPr>
-        <p:spPr/>
-        <p:txBody>
-          <a:bodyPr/>
-          <a:lstStyle/>
-          <a:p>
-            <a:r>
-              <a:rPr lang="ko-KR" altLang="en-US" dirty="0" smtClean="0">
-                <a:latin typeface="배달의민족 도현" panose="020B0600000101010101" pitchFamily="50" charset="-127"/>
-                <a:ea typeface="배달의민족 도현" panose="020B0600000101010101" pitchFamily="50" charset="-127"/>
-              </a:rPr>
-              <a:t> 검색 </a:t>
-            </a:r>
-            <a:r>
-              <a:rPr lang="en-US" altLang="ko-KR" dirty="0" smtClean="0">
-                <a:latin typeface="배달의민족 도현" panose="020B0600000101010101" pitchFamily="50" charset="-127"/>
-                <a:ea typeface="배달의민족 도현" panose="020B0600000101010101" pitchFamily="50" charset="-127"/>
-              </a:rPr>
-              <a:t>(</a:t>
-            </a:r>
-            <a:r>
-              <a:rPr lang="ko-KR" altLang="en-US" dirty="0" smtClean="0">
-                <a:latin typeface="배달의민족 도현" panose="020B0600000101010101" pitchFamily="50" charset="-127"/>
-                <a:ea typeface="배달의민족 도현" panose="020B0600000101010101" pitchFamily="50" charset="-127"/>
-              </a:rPr>
-              <a:t>전체 검색</a:t>
-            </a:r>
-            <a:r>
-              <a:rPr lang="en-US" altLang="ko-KR" dirty="0" smtClean="0">
-                <a:latin typeface="배달의민족 도현" panose="020B0600000101010101" pitchFamily="50" charset="-127"/>
-                <a:ea typeface="배달의민족 도현" panose="020B0600000101010101" pitchFamily="50" charset="-127"/>
-              </a:rPr>
-              <a:t>)</a:t>
-            </a:r>
-            <a:endParaRPr lang="ko-KR" altLang="en-US" dirty="0">
-              <a:latin typeface="배달의민족 도현" panose="020B0600000101010101" pitchFamily="50" charset="-127"/>
-              <a:ea typeface="배달의민족 도현" panose="020B0600000101010101" pitchFamily="50" charset="-127"/>
-            </a:endParaRPr>
-          </a:p>
-        </p:txBody>
-      </p:sp>
-      <p:pic>
-        <p:nvPicPr>
-          <p:cNvPr id="2050" name="Picture 2" descr="C:\work\julyProject\console\제목 없음.png"/>
-          <p:cNvPicPr>
-            <a:picLocks noChangeAspect="1" noChangeArrowheads="1"/>
-          </p:cNvPicPr>
-          <p:nvPr/>
-        </p:nvPicPr>
-        <p:blipFill>
-          <a:blip r:embed="rId2">
-            <a:extLst>
-              <a:ext uri="{28A0092B-C50C-407E-A947-70E740481C1C}">
-                <a14:useLocalDpi xmlns:a14="http://schemas.microsoft.com/office/drawing/2010/main" val="0"/>
-              </a:ext>
-            </a:extLst>
-          </a:blip>
-          <a:srcRect/>
-          <a:stretch>
-            <a:fillRect/>
-          </a:stretch>
-        </p:blipFill>
-        <p:spPr bwMode="auto">
-          <a:xfrm>
-            <a:off x="899592" y="1700808"/>
-            <a:ext cx="4566708" cy="4520580"/>
-          </a:xfrm>
-          <a:prstGeom prst="rect">
-            <a:avLst/>
-          </a:prstGeom>
-          <a:noFill/>
-          <a:extLst>
-            <a:ext uri="{909E8E84-426E-40DD-AFC4-6F175D3DCCD1}">
-              <a14:hiddenFill xmlns:a14="http://schemas.microsoft.com/office/drawing/2010/main">
-                <a:solidFill>
-                  <a:srgbClr val="FFFFFF"/>
-                </a:solidFill>
-              </a14:hiddenFill>
-            </a:ext>
-          </a:extLst>
-        </p:spPr>
-      </p:pic>
-      <p:grpSp>
-        <p:nvGrpSpPr>
-          <p:cNvPr id="3" name="그룹 2"/>
-          <p:cNvGrpSpPr/>
-          <p:nvPr/>
-        </p:nvGrpSpPr>
-        <p:grpSpPr>
-          <a:xfrm>
-            <a:off x="5436096" y="1628800"/>
-            <a:ext cx="5725144" cy="6192688"/>
-            <a:chOff x="5436096" y="1628800"/>
-            <a:chExt cx="5725144" cy="6192688"/>
-          </a:xfrm>
-        </p:grpSpPr>
-        <p:grpSp>
-          <p:nvGrpSpPr>
-            <p:cNvPr id="9" name="그룹 8"/>
-            <p:cNvGrpSpPr/>
-            <p:nvPr/>
-          </p:nvGrpSpPr>
-          <p:grpSpPr>
-            <a:xfrm>
-              <a:off x="5436096" y="1628800"/>
-              <a:ext cx="5725144" cy="6192688"/>
-              <a:chOff x="5111552" y="1628800"/>
-              <a:chExt cx="5725144" cy="6192688"/>
-            </a:xfrm>
-          </p:grpSpPr>
-          <p:sp>
-            <p:nvSpPr>
-              <p:cNvPr id="10" name="타원 9"/>
-              <p:cNvSpPr/>
-              <p:nvPr/>
-            </p:nvSpPr>
-            <p:spPr>
-              <a:xfrm>
-                <a:off x="5111552" y="2564904"/>
-                <a:ext cx="4032448" cy="4032448"/>
-              </a:xfrm>
-              <a:prstGeom prst="ellipse">
-                <a:avLst/>
-              </a:prstGeom>
-            </p:spPr>
-            <p:style>
-              <a:lnRef idx="1">
-                <a:schemeClr val="accent3"/>
-              </a:lnRef>
-              <a:fillRef idx="3">
-                <a:schemeClr val="accent3"/>
-              </a:fillRef>
-              <a:effectRef idx="2">
-                <a:schemeClr val="accent3"/>
-              </a:effectRef>
-              <a:fontRef idx="minor">
-                <a:schemeClr val="lt1"/>
-              </a:fontRef>
-            </p:style>
-            <p:txBody>
-              <a:bodyPr rtlCol="0" anchor="ctr"/>
-              <a:lstStyle/>
-              <a:p>
-                <a:pPr algn="ctr"/>
-                <a:endParaRPr lang="ko-KR" altLang="en-US"/>
-              </a:p>
-            </p:txBody>
-          </p:sp>
-          <p:sp>
-            <p:nvSpPr>
-              <p:cNvPr id="11" name="타원 10"/>
-              <p:cNvSpPr/>
-              <p:nvPr/>
-            </p:nvSpPr>
-            <p:spPr>
-              <a:xfrm>
-                <a:off x="6804248" y="1628800"/>
-                <a:ext cx="4032448" cy="4032448"/>
-              </a:xfrm>
-              <a:prstGeom prst="ellipse">
-                <a:avLst/>
-              </a:prstGeom>
-            </p:spPr>
-            <p:style>
-              <a:lnRef idx="1">
-                <a:schemeClr val="accent3"/>
-              </a:lnRef>
-              <a:fillRef idx="3">
-                <a:schemeClr val="accent3"/>
-              </a:fillRef>
-              <a:effectRef idx="2">
-                <a:schemeClr val="accent3"/>
-              </a:effectRef>
-              <a:fontRef idx="minor">
-                <a:schemeClr val="lt1"/>
-              </a:fontRef>
-            </p:style>
-            <p:txBody>
-              <a:bodyPr rtlCol="0" anchor="ctr"/>
-              <a:lstStyle/>
-              <a:p>
-                <a:pPr algn="ctr"/>
-                <a:endParaRPr lang="ko-KR" altLang="en-US"/>
-              </a:p>
-            </p:txBody>
-          </p:sp>
-          <p:sp>
-            <p:nvSpPr>
-              <p:cNvPr id="12" name="타원 11"/>
-              <p:cNvSpPr/>
-              <p:nvPr/>
-            </p:nvSpPr>
-            <p:spPr>
-              <a:xfrm>
-                <a:off x="5724128" y="3501008"/>
-                <a:ext cx="4320480" cy="4320480"/>
-              </a:xfrm>
-              <a:prstGeom prst="ellipse">
-                <a:avLst/>
-              </a:prstGeom>
-            </p:spPr>
-            <p:style>
-              <a:lnRef idx="1">
-                <a:schemeClr val="accent3"/>
-              </a:lnRef>
-              <a:fillRef idx="3">
-                <a:schemeClr val="accent3"/>
-              </a:fillRef>
-              <a:effectRef idx="2">
-                <a:schemeClr val="accent3"/>
-              </a:effectRef>
-              <a:fontRef idx="minor">
-                <a:schemeClr val="lt1"/>
-              </a:fontRef>
-            </p:style>
-            <p:txBody>
-              <a:bodyPr rtlCol="0" anchor="ctr"/>
-              <a:lstStyle/>
-              <a:p>
-                <a:pPr algn="ctr"/>
-                <a:endParaRPr lang="ko-KR" altLang="en-US"/>
-              </a:p>
-            </p:txBody>
-          </p:sp>
-        </p:grpSp>
-        <p:sp>
-          <p:nvSpPr>
-            <p:cNvPr id="13" name="TextBox 12"/>
-            <p:cNvSpPr txBox="1"/>
-            <p:nvPr/>
-          </p:nvSpPr>
-          <p:spPr>
-            <a:xfrm>
-              <a:off x="6058348" y="3789040"/>
-              <a:ext cx="2691763" cy="923330"/>
-            </a:xfrm>
-            <a:prstGeom prst="rect">
-              <a:avLst/>
-            </a:prstGeom>
-            <a:noFill/>
-          </p:spPr>
-          <p:txBody>
-            <a:bodyPr wrap="none" rtlCol="0">
-              <a:spAutoFit/>
-            </a:bodyPr>
-            <a:lstStyle/>
-            <a:p>
-              <a:r>
-                <a:rPr lang="en-US" altLang="ko-KR" dirty="0" err="1" smtClean="0">
-                  <a:latin typeface="배달의민족 도현" panose="020B0600000101010101" pitchFamily="50" charset="-127"/>
-                  <a:ea typeface="배달의민족 도현" panose="020B0600000101010101" pitchFamily="50" charset="-127"/>
-                </a:rPr>
-                <a:t>mySQL</a:t>
-              </a:r>
-              <a:r>
-                <a:rPr lang="ko-KR" altLang="en-US" dirty="0" smtClean="0">
-                  <a:latin typeface="배달의민족 도현" panose="020B0600000101010101" pitchFamily="50" charset="-127"/>
-                  <a:ea typeface="배달의민족 도현" panose="020B0600000101010101" pitchFamily="50" charset="-127"/>
-                </a:rPr>
-                <a:t>에 저장된 </a:t>
-              </a:r>
-              <a:r>
-                <a:rPr lang="en-US" altLang="ko-KR" dirty="0" smtClean="0">
-                  <a:latin typeface="배달의민족 도현" panose="020B0600000101010101" pitchFamily="50" charset="-127"/>
-                  <a:ea typeface="배달의민족 도현" panose="020B0600000101010101" pitchFamily="50" charset="-127"/>
-                </a:rPr>
-                <a:t>DB</a:t>
-              </a:r>
-              <a:r>
-                <a:rPr lang="ko-KR" altLang="en-US" dirty="0" smtClean="0">
-                  <a:latin typeface="배달의민족 도현" panose="020B0600000101010101" pitchFamily="50" charset="-127"/>
-                  <a:ea typeface="배달의민족 도현" panose="020B0600000101010101" pitchFamily="50" charset="-127"/>
-                </a:rPr>
-                <a:t>를 </a:t>
-              </a:r>
-              <a:endParaRPr lang="en-US" altLang="ko-KR" dirty="0" smtClean="0">
-                <a:latin typeface="배달의민족 도현" panose="020B0600000101010101" pitchFamily="50" charset="-127"/>
-                <a:ea typeface="배달의민족 도현" panose="020B0600000101010101" pitchFamily="50" charset="-127"/>
-              </a:endParaRPr>
-            </a:p>
-            <a:p>
-              <a:endParaRPr lang="en-US" altLang="ko-KR" dirty="0">
-                <a:latin typeface="배달의민족 도현" panose="020B0600000101010101" pitchFamily="50" charset="-127"/>
-                <a:ea typeface="배달의민족 도현" panose="020B0600000101010101" pitchFamily="50" charset="-127"/>
-              </a:endParaRPr>
-            </a:p>
-            <a:p>
-              <a:r>
-                <a:rPr lang="ko-KR" altLang="en-US" dirty="0">
-                  <a:latin typeface="배달의민족 도현" panose="020B0600000101010101" pitchFamily="50" charset="-127"/>
-                  <a:ea typeface="배달의민족 도현" panose="020B0600000101010101" pitchFamily="50" charset="-127"/>
-                </a:rPr>
-                <a:t>연결하여 </a:t>
-              </a:r>
-              <a:r>
-                <a:rPr lang="ko-KR" altLang="en-US" dirty="0" smtClean="0">
-                  <a:latin typeface="배달의민족 도현" panose="020B0600000101010101" pitchFamily="50" charset="-127"/>
-                  <a:ea typeface="배달의민족 도현" panose="020B0600000101010101" pitchFamily="50" charset="-127"/>
-                </a:rPr>
-                <a:t>전체 검색</a:t>
-              </a:r>
-              <a:endParaRPr lang="ko-KR" altLang="en-US" dirty="0">
-                <a:latin typeface="배달의민족 도현" panose="020B0600000101010101" pitchFamily="50" charset="-127"/>
-                <a:ea typeface="배달의민족 도현" panose="020B0600000101010101" pitchFamily="50" charset="-127"/>
-              </a:endParaRPr>
-            </a:p>
-          </p:txBody>
-        </p:sp>
-      </p:grpSp>
-    </p:spTree>
-    <p:extLst>
-      <p:ext uri="{BB962C8B-B14F-4D97-AF65-F5344CB8AC3E}">
-        <p14:creationId xmlns:p14="http://schemas.microsoft.com/office/powerpoint/2010/main" val="3489926221"/>
-      </p:ext>
-    </p:extLst>
-  </p:cSld>
-  <p:clrMapOvr>
-    <a:masterClrMapping/>
-  </p:clrMapOvr>
-  <p:timing>
-    <p:tnLst>
-      <p:par>
-        <p:cTn id="1" dur="indefinite" restart="never" nodeType="tmRoot">
-          <p:childTnLst>
-            <p:seq concurrent="1" nextAc="seek">
-              <p:cTn id="2" dur="indefinite" nodeType="mainSeq">
-                <p:childTnLst>
-                  <p:par>
-                    <p:cTn id="3" fill="hold">
-                      <p:stCondLst>
-                        <p:cond delay="indefinite"/>
-                        <p:cond evt="onBegin" delay="0">
-                          <p:tn val="2"/>
-                        </p:cond>
-                      </p:stCondLst>
-                      <p:childTnLst>
-                        <p:par>
-                          <p:cTn id="4" fill="hold">
-                            <p:stCondLst>
-                              <p:cond delay="0"/>
-                            </p:stCondLst>
-                            <p:childTnLst>
-                              <p:par>
-                                <p:cTn id="5" presetID="42" presetClass="entr" presetSubtype="0" fill="hold" nodeType="withEffect">
-                                  <p:stCondLst>
-                                    <p:cond delay="0"/>
-                                  </p:stCondLst>
-                                  <p:childTnLst>
-                                    <p:set>
-                                      <p:cBhvr>
-                                        <p:cTn id="6" dur="1" fill="hold">
-                                          <p:stCondLst>
-                                            <p:cond delay="0"/>
-                                          </p:stCondLst>
-                                        </p:cTn>
-                                        <p:tgtEl>
-                                          <p:spTgt spid="3"/>
-                                        </p:tgtEl>
-                                        <p:attrNameLst>
-                                          <p:attrName>style.visibility</p:attrName>
-                                        </p:attrNameLst>
-                                      </p:cBhvr>
-                                      <p:to>
-                                        <p:strVal val="visible"/>
-                                      </p:to>
-                                    </p:set>
-                                    <p:animEffect transition="in" filter="fade">
-                                      <p:cBhvr>
-                                        <p:cTn id="7" dur="1000"/>
-                                        <p:tgtEl>
-                                          <p:spTgt spid="3"/>
-                                        </p:tgtEl>
-                                      </p:cBhvr>
-                                    </p:animEffect>
-                                    <p:anim calcmode="lin" valueType="num">
-                                      <p:cBhvr>
-                                        <p:cTn id="8" dur="1000" fill="hold"/>
-                                        <p:tgtEl>
-                                          <p:spTgt spid="3"/>
-                                        </p:tgtEl>
-                                        <p:attrNameLst>
-                                          <p:attrName>ppt_x</p:attrName>
-                                        </p:attrNameLst>
-                                      </p:cBhvr>
-                                      <p:tavLst>
-                                        <p:tav tm="0">
-                                          <p:val>
-                                            <p:strVal val="#ppt_x"/>
-                                          </p:val>
-                                        </p:tav>
-                                        <p:tav tm="100000">
-                                          <p:val>
-                                            <p:strVal val="#ppt_x"/>
-                                          </p:val>
-                                        </p:tav>
-                                      </p:tavLst>
-                                    </p:anim>
-                                    <p:anim calcmode="lin" valueType="num">
-                                      <p:cBhvr>
-                                        <p:cTn id="9" dur="1000" fill="hold"/>
-                                        <p:tgtEl>
-                                          <p:spTgt spid="3"/>
-                                        </p:tgtEl>
-                                        <p:attrNameLst>
-                                          <p:attrName>ppt_y</p:attrName>
-                                        </p:attrNameLst>
-                                      </p:cBhvr>
-                                      <p:tavLst>
-                                        <p:tav tm="0">
-                                          <p:val>
-                                            <p:strVal val="#ppt_y+.1"/>
-                                          </p:val>
-                                        </p:tav>
-                                        <p:tav tm="100000">
-                                          <p:val>
-                                            <p:strVal val="#ppt_y"/>
-                                          </p:val>
-                                        </p:tav>
-                                      </p:tavLst>
-                                    </p:anim>
-                                  </p:childTnLst>
-                                </p:cTn>
-                              </p:par>
-                            </p:childTnLst>
-                          </p:cTn>
-                        </p:par>
-                      </p:childTnLst>
-                    </p:cTn>
-                  </p:par>
-                </p:childTnLst>
-              </p:cTn>
-              <p:prevCondLst>
-                <p:cond evt="onPrev" delay="0">
-                  <p:tgtEl>
-                    <p:sldTgt/>
-                  </p:tgtEl>
-                </p:cond>
-              </p:prevCondLst>
-              <p:nextCondLst>
-                <p:cond evt="onNext" delay="0">
-                  <p:tgtEl>
-                    <p:sldTgt/>
-                  </p:tgtEl>
-                </p:cond>
-              </p:nextCondLst>
-            </p:seq>
-          </p:childTnLst>
-        </p:cTn>
-      </p:par>
-    </p:tnLst>
-  </p:timing>
-</p:sld>
-</file>
-
-<file path=ppt/slides/slide5.xml><?xml version="1.0" encoding="utf-8"?>
-<p:sld xmlns:a="http://schemas.openxmlformats.org/drawingml/2006/main" xmlns:r="http://schemas.openxmlformats.org/officeDocument/2006/relationships" xmlns:p="http://schemas.openxmlformats.org/presentationml/2006/main">
-  <p:cSld>
-    <p:spTree>
-      <p:nvGrpSpPr>
-        <p:cNvPr id="1" name=""/>
-        <p:cNvGrpSpPr/>
-        <p:nvPr/>
-      </p:nvGrpSpPr>
-      <p:grpSpPr>
-        <a:xfrm>
-          <a:off x="0" y="0"/>
-          <a:ext cx="0" cy="0"/>
-          <a:chOff x="0" y="0"/>
-          <a:chExt cx="0" cy="0"/>
-        </a:xfrm>
-      </p:grpSpPr>
-      <p:sp>
-        <p:nvSpPr>
-          <p:cNvPr id="2" name="제목 1"/>
-          <p:cNvSpPr>
-            <a:spLocks noGrp="1"/>
-          </p:cNvSpPr>
-          <p:nvPr>
-            <p:ph type="title"/>
-          </p:nvPr>
-        </p:nvSpPr>
-        <p:spPr/>
-        <p:txBody>
-          <a:bodyPr/>
-          <a:lstStyle/>
-          <a:p>
-            <a:r>
-              <a:rPr lang="ko-KR" altLang="en-US" dirty="0">
-                <a:latin typeface="배달의민족 도현" panose="020B0600000101010101" pitchFamily="50" charset="-127"/>
-                <a:ea typeface="배달의민족 도현" panose="020B0600000101010101" pitchFamily="50" charset="-127"/>
-              </a:rPr>
-              <a:t>검색 </a:t>
-            </a:r>
-            <a:r>
-              <a:rPr lang="en-US" altLang="ko-KR" dirty="0" smtClean="0">
-                <a:latin typeface="배달의민족 도현" panose="020B0600000101010101" pitchFamily="50" charset="-127"/>
-                <a:ea typeface="배달의민족 도현" panose="020B0600000101010101" pitchFamily="50" charset="-127"/>
-              </a:rPr>
-              <a:t>(</a:t>
-            </a:r>
-            <a:r>
-              <a:rPr lang="ko-KR" altLang="en-US" dirty="0" smtClean="0">
-                <a:latin typeface="배달의민족 도현" panose="020B0600000101010101" pitchFamily="50" charset="-127"/>
-                <a:ea typeface="배달의민족 도현" panose="020B0600000101010101" pitchFamily="50" charset="-127"/>
-              </a:rPr>
-              <a:t>기업명 검색</a:t>
-            </a:r>
-            <a:r>
-              <a:rPr lang="en-US" altLang="ko-KR" dirty="0">
-                <a:latin typeface="배달의민족 도현" panose="020B0600000101010101" pitchFamily="50" charset="-127"/>
-                <a:ea typeface="배달의민족 도현" panose="020B0600000101010101" pitchFamily="50" charset="-127"/>
-              </a:rPr>
-              <a:t>)</a:t>
-            </a:r>
-            <a:endParaRPr lang="ko-KR" altLang="en-US" dirty="0">
-              <a:latin typeface="배달의민족 도현" panose="020B0600000101010101" pitchFamily="50" charset="-127"/>
-              <a:ea typeface="배달의민족 도현" panose="020B0600000101010101" pitchFamily="50" charset="-127"/>
-            </a:endParaRPr>
-          </a:p>
-        </p:txBody>
-      </p:sp>
-      <p:pic>
-        <p:nvPicPr>
-          <p:cNvPr id="3" name="Picture 3" descr="C:\work\julyProject\console\제목 없음1.png"/>
-          <p:cNvPicPr>
-            <a:picLocks noChangeAspect="1" noChangeArrowheads="1"/>
-          </p:cNvPicPr>
-          <p:nvPr/>
-        </p:nvPicPr>
-        <p:blipFill>
-          <a:blip r:embed="rId2">
-            <a:extLst>
-              <a:ext uri="{28A0092B-C50C-407E-A947-70E740481C1C}">
-                <a14:useLocalDpi xmlns:a14="http://schemas.microsoft.com/office/drawing/2010/main" val="0"/>
-              </a:ext>
-            </a:extLst>
-          </a:blip>
-          <a:srcRect/>
-          <a:stretch>
-            <a:fillRect/>
-          </a:stretch>
-        </p:blipFill>
-        <p:spPr bwMode="auto">
-          <a:xfrm>
-            <a:off x="1907704" y="1700808"/>
-            <a:ext cx="5697537" cy="1895475"/>
-          </a:xfrm>
-          <a:prstGeom prst="rect">
-            <a:avLst/>
-          </a:prstGeom>
-          <a:noFill/>
-          <a:extLst>
-            <a:ext uri="{909E8E84-426E-40DD-AFC4-6F175D3DCCD1}">
-              <a14:hiddenFill xmlns:a14="http://schemas.microsoft.com/office/drawing/2010/main">
-                <a:solidFill>
-                  <a:srgbClr val="FFFFFF"/>
-                </a:solidFill>
-              </a14:hiddenFill>
-            </a:ext>
-          </a:extLst>
-        </p:spPr>
-      </p:pic>
-      <p:grpSp>
-        <p:nvGrpSpPr>
-          <p:cNvPr id="4" name="그룹 3"/>
-          <p:cNvGrpSpPr/>
-          <p:nvPr/>
-        </p:nvGrpSpPr>
-        <p:grpSpPr>
-          <a:xfrm>
-            <a:off x="683568" y="3861048"/>
-            <a:ext cx="8136904" cy="4896544"/>
-            <a:chOff x="683568" y="3861048"/>
-            <a:chExt cx="8136904" cy="4896544"/>
-          </a:xfrm>
-        </p:grpSpPr>
-        <p:grpSp>
-          <p:nvGrpSpPr>
-            <p:cNvPr id="12" name="그룹 11"/>
-            <p:cNvGrpSpPr/>
-            <p:nvPr/>
-          </p:nvGrpSpPr>
-          <p:grpSpPr>
-            <a:xfrm>
-              <a:off x="683568" y="3861048"/>
-              <a:ext cx="8136904" cy="4896544"/>
-              <a:chOff x="683568" y="3861048"/>
-              <a:chExt cx="8136904" cy="4896544"/>
-            </a:xfrm>
-          </p:grpSpPr>
-          <p:sp>
-            <p:nvSpPr>
-              <p:cNvPr id="8" name="타원 7"/>
-              <p:cNvSpPr/>
-              <p:nvPr/>
-            </p:nvSpPr>
-            <p:spPr>
-              <a:xfrm>
-                <a:off x="4355976" y="3861048"/>
-                <a:ext cx="4464496" cy="4536504"/>
-              </a:xfrm>
-              <a:prstGeom prst="ellipse">
-                <a:avLst/>
-              </a:prstGeom>
-            </p:spPr>
-            <p:style>
-              <a:lnRef idx="1">
-                <a:schemeClr val="accent4"/>
-              </a:lnRef>
-              <a:fillRef idx="3">
-                <a:schemeClr val="accent4"/>
-              </a:fillRef>
-              <a:effectRef idx="2">
-                <a:schemeClr val="accent4"/>
-              </a:effectRef>
-              <a:fontRef idx="minor">
-                <a:schemeClr val="lt1"/>
-              </a:fontRef>
-            </p:style>
-            <p:txBody>
-              <a:bodyPr rtlCol="0" anchor="ctr"/>
-              <a:lstStyle/>
-              <a:p>
-                <a:pPr algn="ctr"/>
-                <a:endParaRPr lang="ko-KR" altLang="en-US" u="sng"/>
-              </a:p>
-            </p:txBody>
-          </p:sp>
-          <p:sp>
-            <p:nvSpPr>
-              <p:cNvPr id="10" name="타원 9"/>
-              <p:cNvSpPr/>
-              <p:nvPr/>
-            </p:nvSpPr>
-            <p:spPr>
-              <a:xfrm>
-                <a:off x="2627784" y="4221088"/>
-                <a:ext cx="4464496" cy="4536504"/>
-              </a:xfrm>
-              <a:prstGeom prst="ellipse">
-                <a:avLst/>
-              </a:prstGeom>
-            </p:spPr>
-            <p:style>
-              <a:lnRef idx="1">
-                <a:schemeClr val="accent4"/>
-              </a:lnRef>
-              <a:fillRef idx="3">
-                <a:schemeClr val="accent4"/>
-              </a:fillRef>
-              <a:effectRef idx="2">
-                <a:schemeClr val="accent4"/>
-              </a:effectRef>
-              <a:fontRef idx="minor">
-                <a:schemeClr val="lt1"/>
-              </a:fontRef>
-            </p:style>
-            <p:txBody>
-              <a:bodyPr rtlCol="0" anchor="ctr"/>
-              <a:lstStyle/>
-              <a:p>
-                <a:pPr algn="ctr"/>
-                <a:endParaRPr lang="ko-KR" altLang="en-US" u="sng"/>
-              </a:p>
-            </p:txBody>
-          </p:sp>
-          <p:sp>
-            <p:nvSpPr>
-              <p:cNvPr id="9" name="타원 8"/>
-              <p:cNvSpPr/>
-              <p:nvPr/>
-            </p:nvSpPr>
-            <p:spPr>
-              <a:xfrm>
-                <a:off x="683568" y="4077072"/>
-                <a:ext cx="4464496" cy="4536504"/>
-              </a:xfrm>
-              <a:prstGeom prst="ellipse">
-                <a:avLst/>
-              </a:prstGeom>
-            </p:spPr>
-            <p:style>
-              <a:lnRef idx="1">
-                <a:schemeClr val="accent4"/>
-              </a:lnRef>
-              <a:fillRef idx="3">
-                <a:schemeClr val="accent4"/>
-              </a:fillRef>
-              <a:effectRef idx="2">
-                <a:schemeClr val="accent4"/>
-              </a:effectRef>
-              <a:fontRef idx="minor">
-                <a:schemeClr val="lt1"/>
-              </a:fontRef>
-            </p:style>
-            <p:txBody>
-              <a:bodyPr rtlCol="0" anchor="ctr"/>
-              <a:lstStyle/>
-              <a:p>
-                <a:pPr algn="ctr"/>
-                <a:endParaRPr lang="ko-KR" altLang="en-US" u="sng"/>
-              </a:p>
-            </p:txBody>
-          </p:sp>
-        </p:grpSp>
-        <p:sp>
-          <p:nvSpPr>
-            <p:cNvPr id="13" name="TextBox 12"/>
-            <p:cNvSpPr txBox="1"/>
-            <p:nvPr/>
-          </p:nvSpPr>
-          <p:spPr>
-            <a:xfrm>
-              <a:off x="2915816" y="5157192"/>
-              <a:ext cx="3797835" cy="369332"/>
-            </a:xfrm>
-            <a:prstGeom prst="rect">
-              <a:avLst/>
-            </a:prstGeom>
-            <a:noFill/>
-          </p:spPr>
-          <p:txBody>
-            <a:bodyPr wrap="none" rtlCol="0">
-              <a:spAutoFit/>
-            </a:bodyPr>
-            <a:lstStyle/>
-            <a:p>
-              <a:r>
-                <a:rPr lang="ko-KR" altLang="en-US" dirty="0" smtClean="0">
-                  <a:latin typeface="배달의민족 도현" panose="020B0600000101010101" pitchFamily="50" charset="-127"/>
-                  <a:ea typeface="배달의민족 도현" panose="020B0600000101010101" pitchFamily="50" charset="-127"/>
-                </a:rPr>
-                <a:t>기업명 기준으로 검색하여 결과 출력</a:t>
-              </a:r>
-              <a:endParaRPr lang="ko-KR" altLang="en-US" dirty="0">
-                <a:latin typeface="배달의민족 도현" panose="020B0600000101010101" pitchFamily="50" charset="-127"/>
-                <a:ea typeface="배달의민족 도현" panose="020B0600000101010101" pitchFamily="50" charset="-127"/>
-              </a:endParaRPr>
-            </a:p>
-          </p:txBody>
-        </p:sp>
-      </p:grpSp>
-    </p:spTree>
-    <p:extLst>
-      <p:ext uri="{BB962C8B-B14F-4D97-AF65-F5344CB8AC3E}">
-        <p14:creationId xmlns:p14="http://schemas.microsoft.com/office/powerpoint/2010/main" val="3489926221"/>
-      </p:ext>
-    </p:extLst>
-  </p:cSld>
-  <p:clrMapOvr>
-    <a:masterClrMapping/>
-  </p:clrMapOvr>
-  <p:timing>
-    <p:tnLst>
-      <p:par>
-        <p:cTn id="1" dur="indefinite" restart="never" nodeType="tmRoot">
-          <p:childTnLst>
-            <p:seq concurrent="1" nextAc="seek">
-              <p:cTn id="2" dur="indefinite" nodeType="mainSeq">
-                <p:childTnLst>
-                  <p:par>
-                    <p:cTn id="3" fill="hold">
-                      <p:stCondLst>
-                        <p:cond delay="indefinite"/>
-                        <p:cond evt="onBegin" delay="0">
-                          <p:tn val="2"/>
-                        </p:cond>
-                      </p:stCondLst>
-                      <p:childTnLst>
-                        <p:par>
-                          <p:cTn id="4" fill="hold">
-                            <p:stCondLst>
-                              <p:cond delay="0"/>
-                            </p:stCondLst>
-                            <p:childTnLst>
-                              <p:par>
-                                <p:cTn id="5" presetID="42" presetClass="entr" presetSubtype="0" fill="hold" nodeType="withEffect">
-                                  <p:stCondLst>
-                                    <p:cond delay="0"/>
-                                  </p:stCondLst>
-                                  <p:childTnLst>
-                                    <p:set>
-                                      <p:cBhvr>
-                                        <p:cTn id="6" dur="1" fill="hold">
-                                          <p:stCondLst>
-                                            <p:cond delay="0"/>
-                                          </p:stCondLst>
-                                        </p:cTn>
-                                        <p:tgtEl>
-                                          <p:spTgt spid="4"/>
-                                        </p:tgtEl>
-                                        <p:attrNameLst>
-                                          <p:attrName>style.visibility</p:attrName>
-                                        </p:attrNameLst>
-                                      </p:cBhvr>
-                                      <p:to>
-                                        <p:strVal val="visible"/>
-                                      </p:to>
-                                    </p:set>
-                                    <p:animEffect transition="in" filter="fade">
-                                      <p:cBhvr>
-                                        <p:cTn id="7" dur="1000"/>
-                                        <p:tgtEl>
-                                          <p:spTgt spid="4"/>
-                                        </p:tgtEl>
-                                      </p:cBhvr>
-                                    </p:animEffect>
-                                    <p:anim calcmode="lin" valueType="num">
-                                      <p:cBhvr>
-                                        <p:cTn id="8" dur="1000" fill="hold"/>
-                                        <p:tgtEl>
-                                          <p:spTgt spid="4"/>
-                                        </p:tgtEl>
-                                        <p:attrNameLst>
-                                          <p:attrName>ppt_x</p:attrName>
-                                        </p:attrNameLst>
-                                      </p:cBhvr>
-                                      <p:tavLst>
-                                        <p:tav tm="0">
-                                          <p:val>
-                                            <p:strVal val="#ppt_x"/>
-                                          </p:val>
-                                        </p:tav>
-                                        <p:tav tm="100000">
-                                          <p:val>
-                                            <p:strVal val="#ppt_x"/>
-                                          </p:val>
-                                        </p:tav>
-                                      </p:tavLst>
-                                    </p:anim>
-                                    <p:anim calcmode="lin" valueType="num">
-                                      <p:cBhvr>
-                                        <p:cTn id="9" dur="1000" fill="hold"/>
-                                        <p:tgtEl>
-                                          <p:spTgt spid="4"/>
-                                        </p:tgtEl>
-                                        <p:attrNameLst>
-                                          <p:attrName>ppt_y</p:attrName>
-                                        </p:attrNameLst>
-                                      </p:cBhvr>
-                                      <p:tavLst>
-                                        <p:tav tm="0">
-                                          <p:val>
-                                            <p:strVal val="#ppt_y+.1"/>
-                                          </p:val>
-                                        </p:tav>
-                                        <p:tav tm="100000">
-                                          <p:val>
-                                            <p:strVal val="#ppt_y"/>
-                                          </p:val>
-                                        </p:tav>
-                                      </p:tavLst>
-                                    </p:anim>
-                                  </p:childTnLst>
-                                </p:cTn>
-                              </p:par>
-                            </p:childTnLst>
-                          </p:cTn>
-                        </p:par>
-                      </p:childTnLst>
-                    </p:cTn>
-                  </p:par>
-                </p:childTnLst>
-              </p:cTn>
-              <p:prevCondLst>
-                <p:cond evt="onPrev" delay="0">
-                  <p:tgtEl>
-                    <p:sldTgt/>
-                  </p:tgtEl>
-                </p:cond>
-              </p:prevCondLst>
-              <p:nextCondLst>
-                <p:cond evt="onNext" delay="0">
-                  <p:tgtEl>
-                    <p:sldTgt/>
-                  </p:tgtEl>
-                </p:cond>
-              </p:nextCondLst>
-            </p:seq>
-          </p:childTnLst>
-        </p:cTn>
-      </p:par>
-    </p:tnLst>
-  </p:timing>
-</p:sld>
-</file>
-
-<file path=ppt/slides/slide6.xml><?xml version="1.0" encoding="utf-8"?>
-<p:sld xmlns:a="http://schemas.openxmlformats.org/drawingml/2006/main" xmlns:r="http://schemas.openxmlformats.org/officeDocument/2006/relationships" xmlns:p="http://schemas.openxmlformats.org/presentationml/2006/main">
-  <p:cSld>
-    <p:spTree>
-      <p:nvGrpSpPr>
-        <p:cNvPr id="1" name=""/>
-        <p:cNvGrpSpPr/>
-        <p:nvPr/>
-      </p:nvGrpSpPr>
-      <p:grpSpPr>
-        <a:xfrm>
-          <a:off x="0" y="0"/>
-          <a:ext cx="0" cy="0"/>
-          <a:chOff x="0" y="0"/>
-          <a:chExt cx="0" cy="0"/>
-        </a:xfrm>
-      </p:grpSpPr>
-      <p:sp>
-        <p:nvSpPr>
-          <p:cNvPr id="2" name="제목 1"/>
-          <p:cNvSpPr>
-            <a:spLocks noGrp="1"/>
-          </p:cNvSpPr>
-          <p:nvPr>
-            <p:ph type="title"/>
-          </p:nvPr>
-        </p:nvSpPr>
-        <p:spPr/>
-        <p:txBody>
-          <a:bodyPr/>
-          <a:lstStyle/>
-          <a:p>
-            <a:r>
-              <a:rPr lang="ko-KR" altLang="en-US" dirty="0">
-                <a:latin typeface="배달의민족 도현" panose="020B0600000101010101" pitchFamily="50" charset="-127"/>
-                <a:ea typeface="배달의민족 도현" panose="020B0600000101010101" pitchFamily="50" charset="-127"/>
-              </a:rPr>
-              <a:t>검색 </a:t>
-            </a:r>
-            <a:r>
-              <a:rPr lang="en-US" altLang="ko-KR" dirty="0" smtClean="0">
-                <a:latin typeface="배달의민족 도현" panose="020B0600000101010101" pitchFamily="50" charset="-127"/>
-                <a:ea typeface="배달의민족 도현" panose="020B0600000101010101" pitchFamily="50" charset="-127"/>
-              </a:rPr>
-              <a:t>(</a:t>
-            </a:r>
-            <a:r>
-              <a:rPr lang="ko-KR" altLang="en-US" dirty="0" smtClean="0">
-                <a:latin typeface="배달의민족 도현" panose="020B0600000101010101" pitchFamily="50" charset="-127"/>
-                <a:ea typeface="배달의민족 도현" panose="020B0600000101010101" pitchFamily="50" charset="-127"/>
-              </a:rPr>
-              <a:t>위치 검색</a:t>
-            </a:r>
-            <a:r>
-              <a:rPr lang="en-US" altLang="ko-KR" dirty="0">
-                <a:latin typeface="배달의민족 도현" panose="020B0600000101010101" pitchFamily="50" charset="-127"/>
-                <a:ea typeface="배달의민족 도현" panose="020B0600000101010101" pitchFamily="50" charset="-127"/>
-              </a:rPr>
-              <a:t>)</a:t>
-            </a:r>
-            <a:endParaRPr lang="ko-KR" altLang="en-US" dirty="0">
-              <a:latin typeface="배달의민족 도현" panose="020B0600000101010101" pitchFamily="50" charset="-127"/>
-              <a:ea typeface="배달의민족 도현" panose="020B0600000101010101" pitchFamily="50" charset="-127"/>
-            </a:endParaRPr>
-          </a:p>
-        </p:txBody>
-      </p:sp>
-      <p:pic>
-        <p:nvPicPr>
-          <p:cNvPr id="3" name="Picture 4" descr="C:\work\julyProject\console\제목 없음2.png"/>
-          <p:cNvPicPr>
-            <a:picLocks noChangeAspect="1" noChangeArrowheads="1"/>
-          </p:cNvPicPr>
-          <p:nvPr/>
-        </p:nvPicPr>
-        <p:blipFill>
-          <a:blip r:embed="rId2">
-            <a:extLst>
-              <a:ext uri="{28A0092B-C50C-407E-A947-70E740481C1C}">
-                <a14:useLocalDpi xmlns:a14="http://schemas.microsoft.com/office/drawing/2010/main" val="0"/>
-              </a:ext>
-            </a:extLst>
-          </a:blip>
-          <a:srcRect/>
-          <a:stretch>
-            <a:fillRect/>
-          </a:stretch>
-        </p:blipFill>
-        <p:spPr bwMode="auto">
-          <a:xfrm>
-            <a:off x="611560" y="2060848"/>
-            <a:ext cx="5707063" cy="3190875"/>
-          </a:xfrm>
-          <a:prstGeom prst="rect">
-            <a:avLst/>
-          </a:prstGeom>
-          <a:noFill/>
-          <a:extLst>
-            <a:ext uri="{909E8E84-426E-40DD-AFC4-6F175D3DCCD1}">
-              <a14:hiddenFill xmlns:a14="http://schemas.microsoft.com/office/drawing/2010/main">
-                <a:solidFill>
-                  <a:srgbClr val="FFFFFF"/>
-                </a:solidFill>
-              </a14:hiddenFill>
-            </a:ext>
-          </a:extLst>
-        </p:spPr>
-      </p:pic>
-      <p:grpSp>
-        <p:nvGrpSpPr>
-          <p:cNvPr id="9" name="그룹 8"/>
-          <p:cNvGrpSpPr/>
-          <p:nvPr/>
-        </p:nvGrpSpPr>
-        <p:grpSpPr>
-          <a:xfrm>
-            <a:off x="5436096" y="1628800"/>
-            <a:ext cx="5725144" cy="6192688"/>
-            <a:chOff x="5436096" y="1628800"/>
-            <a:chExt cx="5725144" cy="6192688"/>
-          </a:xfrm>
-        </p:grpSpPr>
-        <p:grpSp>
-          <p:nvGrpSpPr>
-            <p:cNvPr id="4" name="그룹 3"/>
-            <p:cNvGrpSpPr/>
-            <p:nvPr/>
-          </p:nvGrpSpPr>
-          <p:grpSpPr>
-            <a:xfrm>
-              <a:off x="5436096" y="1628800"/>
-              <a:ext cx="5725144" cy="6192688"/>
-              <a:chOff x="5111552" y="1628800"/>
-              <a:chExt cx="5725144" cy="6192688"/>
-            </a:xfrm>
-          </p:grpSpPr>
-          <p:sp>
-            <p:nvSpPr>
-              <p:cNvPr id="5" name="타원 4"/>
-              <p:cNvSpPr/>
-              <p:nvPr/>
-            </p:nvSpPr>
-            <p:spPr>
-              <a:xfrm>
-                <a:off x="5111552" y="2564904"/>
-                <a:ext cx="4032448" cy="4032448"/>
-              </a:xfrm>
-              <a:prstGeom prst="ellipse">
-                <a:avLst/>
-              </a:prstGeom>
-            </p:spPr>
-            <p:style>
-              <a:lnRef idx="1">
-                <a:schemeClr val="accent1"/>
-              </a:lnRef>
-              <a:fillRef idx="3">
-                <a:schemeClr val="accent1"/>
-              </a:fillRef>
-              <a:effectRef idx="2">
-                <a:schemeClr val="accent1"/>
-              </a:effectRef>
-              <a:fontRef idx="minor">
-                <a:schemeClr val="lt1"/>
-              </a:fontRef>
-            </p:style>
-            <p:txBody>
-              <a:bodyPr rtlCol="0" anchor="ctr"/>
-              <a:lstStyle/>
-              <a:p>
-                <a:pPr algn="ctr"/>
-                <a:endParaRPr lang="ko-KR" altLang="en-US"/>
-              </a:p>
-            </p:txBody>
-          </p:sp>
-          <p:sp>
-            <p:nvSpPr>
-              <p:cNvPr id="6" name="타원 5"/>
-              <p:cNvSpPr/>
-              <p:nvPr/>
-            </p:nvSpPr>
-            <p:spPr>
-              <a:xfrm>
-                <a:off x="6804248" y="1628800"/>
-                <a:ext cx="4032448" cy="4032448"/>
-              </a:xfrm>
-              <a:prstGeom prst="ellipse">
-                <a:avLst/>
-              </a:prstGeom>
-            </p:spPr>
-            <p:style>
-              <a:lnRef idx="1">
-                <a:schemeClr val="accent1"/>
-              </a:lnRef>
-              <a:fillRef idx="3">
-                <a:schemeClr val="accent1"/>
-              </a:fillRef>
-              <a:effectRef idx="2">
-                <a:schemeClr val="accent1"/>
-              </a:effectRef>
-              <a:fontRef idx="minor">
-                <a:schemeClr val="lt1"/>
-              </a:fontRef>
-            </p:style>
-            <p:txBody>
-              <a:bodyPr rtlCol="0" anchor="ctr"/>
-              <a:lstStyle/>
-              <a:p>
-                <a:pPr algn="ctr"/>
-                <a:endParaRPr lang="ko-KR" altLang="en-US"/>
-              </a:p>
-            </p:txBody>
-          </p:sp>
-          <p:sp>
-            <p:nvSpPr>
-              <p:cNvPr id="7" name="타원 6"/>
-              <p:cNvSpPr/>
-              <p:nvPr/>
-            </p:nvSpPr>
-            <p:spPr>
-              <a:xfrm>
-                <a:off x="5724128" y="3501008"/>
-                <a:ext cx="4320480" cy="4320480"/>
-              </a:xfrm>
-              <a:prstGeom prst="ellipse">
-                <a:avLst/>
-              </a:prstGeom>
-            </p:spPr>
-            <p:style>
-              <a:lnRef idx="1">
-                <a:schemeClr val="accent1"/>
-              </a:lnRef>
-              <a:fillRef idx="3">
-                <a:schemeClr val="accent1"/>
-              </a:fillRef>
-              <a:effectRef idx="2">
-                <a:schemeClr val="accent1"/>
-              </a:effectRef>
-              <a:fontRef idx="minor">
-                <a:schemeClr val="lt1"/>
-              </a:fontRef>
-            </p:style>
-            <p:txBody>
-              <a:bodyPr rtlCol="0" anchor="ctr"/>
-              <a:lstStyle/>
-              <a:p>
-                <a:pPr algn="ctr"/>
-                <a:endParaRPr lang="ko-KR" altLang="en-US"/>
-              </a:p>
-            </p:txBody>
-          </p:sp>
-        </p:grpSp>
-        <p:sp>
-          <p:nvSpPr>
-            <p:cNvPr id="8" name="TextBox 7"/>
-            <p:cNvSpPr txBox="1"/>
-            <p:nvPr/>
-          </p:nvSpPr>
-          <p:spPr>
-            <a:xfrm>
-              <a:off x="6058348" y="3789040"/>
-              <a:ext cx="2618024" cy="923330"/>
-            </a:xfrm>
-            <a:prstGeom prst="rect">
-              <a:avLst/>
-            </a:prstGeom>
-            <a:noFill/>
-          </p:spPr>
-          <p:txBody>
-            <a:bodyPr wrap="none" rtlCol="0">
-              <a:spAutoFit/>
-            </a:bodyPr>
-            <a:lstStyle/>
-            <a:p>
-              <a:r>
-                <a:rPr lang="ko-KR" altLang="en-US" dirty="0" smtClean="0">
-                  <a:latin typeface="배달의민족 도현" panose="020B0600000101010101" pitchFamily="50" charset="-127"/>
-                  <a:ea typeface="배달의민족 도현" panose="020B0600000101010101" pitchFamily="50" charset="-127"/>
-                </a:rPr>
-                <a:t>위치 </a:t>
-              </a:r>
-              <a:r>
-                <a:rPr lang="ko-KR" altLang="en-US" dirty="0">
-                  <a:latin typeface="배달의민족 도현" panose="020B0600000101010101" pitchFamily="50" charset="-127"/>
-                  <a:ea typeface="배달의민족 도현" panose="020B0600000101010101" pitchFamily="50" charset="-127"/>
-                </a:rPr>
-                <a:t>기준으로 검색하여 </a:t>
-              </a:r>
-              <a:endParaRPr lang="en-US" altLang="ko-KR" dirty="0" smtClean="0">
-                <a:latin typeface="배달의민족 도현" panose="020B0600000101010101" pitchFamily="50" charset="-127"/>
-                <a:ea typeface="배달의민족 도현" panose="020B0600000101010101" pitchFamily="50" charset="-127"/>
-              </a:endParaRPr>
-            </a:p>
-            <a:p>
-              <a:endParaRPr lang="en-US" altLang="ko-KR" dirty="0" smtClean="0">
-                <a:latin typeface="배달의민족 도현" panose="020B0600000101010101" pitchFamily="50" charset="-127"/>
-                <a:ea typeface="배달의민족 도현" panose="020B0600000101010101" pitchFamily="50" charset="-127"/>
-              </a:endParaRPr>
-            </a:p>
-            <a:p>
-              <a:r>
-                <a:rPr lang="ko-KR" altLang="en-US" dirty="0" smtClean="0">
-                  <a:latin typeface="배달의민족 도현" panose="020B0600000101010101" pitchFamily="50" charset="-127"/>
-                  <a:ea typeface="배달의민족 도현" panose="020B0600000101010101" pitchFamily="50" charset="-127"/>
-                </a:rPr>
-                <a:t>결과 </a:t>
-              </a:r>
-              <a:r>
-                <a:rPr lang="ko-KR" altLang="en-US" dirty="0" smtClean="0">
-                  <a:latin typeface="배달의민족 도현" panose="020B0600000101010101" pitchFamily="50" charset="-127"/>
-                  <a:ea typeface="배달의민족 도현" panose="020B0600000101010101" pitchFamily="50" charset="-127"/>
-                </a:rPr>
-                <a:t>출력</a:t>
-              </a:r>
-              <a:endParaRPr lang="ko-KR" altLang="en-US" dirty="0">
-                <a:latin typeface="배달의민족 도현" panose="020B0600000101010101" pitchFamily="50" charset="-127"/>
-                <a:ea typeface="배달의민족 도현" panose="020B0600000101010101" pitchFamily="50" charset="-127"/>
-              </a:endParaRPr>
-            </a:p>
-          </p:txBody>
-        </p:sp>
-      </p:grpSp>
-    </p:spTree>
-    <p:extLst>
-      <p:ext uri="{BB962C8B-B14F-4D97-AF65-F5344CB8AC3E}">
-        <p14:creationId xmlns:p14="http://schemas.microsoft.com/office/powerpoint/2010/main" val="3489926221"/>
-      </p:ext>
-    </p:extLst>
-  </p:cSld>
-  <p:clrMapOvr>
-    <a:masterClrMapping/>
-  </p:clrMapOvr>
-  <p:timing>
-    <p:tnLst>
-      <p:par>
-        <p:cTn id="1" dur="indefinite" restart="never" nodeType="tmRoot">
-          <p:childTnLst>
-            <p:seq concurrent="1" nextAc="seek">
-              <p:cTn id="2" dur="indefinite" nodeType="mainSeq">
-                <p:childTnLst>
-                  <p:par>
-                    <p:cTn id="3" fill="hold">
-                      <p:stCondLst>
-                        <p:cond delay="indefinite"/>
-                        <p:cond evt="onBegin" delay="0">
-                          <p:tn val="2"/>
-                        </p:cond>
-                      </p:stCondLst>
-                      <p:childTnLst>
-                        <p:par>
-                          <p:cTn id="4" fill="hold">
-                            <p:stCondLst>
-                              <p:cond delay="0"/>
-                            </p:stCondLst>
-                            <p:childTnLst>
-                              <p:par>
-                                <p:cTn id="5" presetID="42" presetClass="entr" presetSubtype="0" fill="hold" nodeType="withEffect">
-                                  <p:stCondLst>
-                                    <p:cond delay="0"/>
-                                  </p:stCondLst>
-                                  <p:childTnLst>
-                                    <p:set>
-                                      <p:cBhvr>
-                                        <p:cTn id="6" dur="1" fill="hold">
-                                          <p:stCondLst>
-                                            <p:cond delay="0"/>
-                                          </p:stCondLst>
-                                        </p:cTn>
-                                        <p:tgtEl>
-                                          <p:spTgt spid="9"/>
-                                        </p:tgtEl>
-                                        <p:attrNameLst>
-                                          <p:attrName>style.visibility</p:attrName>
-                                        </p:attrNameLst>
-                                      </p:cBhvr>
-                                      <p:to>
-                                        <p:strVal val="visible"/>
-                                      </p:to>
-                                    </p:set>
-                                    <p:animEffect transition="in" filter="fade">
-                                      <p:cBhvr>
-                                        <p:cTn id="7" dur="1000"/>
-                                        <p:tgtEl>
-                                          <p:spTgt spid="9"/>
-                                        </p:tgtEl>
-                                      </p:cBhvr>
-                                    </p:animEffect>
-                                    <p:anim calcmode="lin" valueType="num">
-                                      <p:cBhvr>
-                                        <p:cTn id="8" dur="1000" fill="hold"/>
-                                        <p:tgtEl>
-                                          <p:spTgt spid="9"/>
-                                        </p:tgtEl>
-                                        <p:attrNameLst>
-                                          <p:attrName>ppt_x</p:attrName>
-                                        </p:attrNameLst>
-                                      </p:cBhvr>
-                                      <p:tavLst>
-                                        <p:tav tm="0">
-                                          <p:val>
-                                            <p:strVal val="#ppt_x"/>
-                                          </p:val>
-                                        </p:tav>
-                                        <p:tav tm="100000">
-                                          <p:val>
-                                            <p:strVal val="#ppt_x"/>
-                                          </p:val>
-                                        </p:tav>
-                                      </p:tavLst>
-                                    </p:anim>
-                                    <p:anim calcmode="lin" valueType="num">
-                                      <p:cBhvr>
-                                        <p:cTn id="9" dur="1000" fill="hold"/>
-                                        <p:tgtEl>
-                                          <p:spTgt spid="9"/>
-                                        </p:tgtEl>
-                                        <p:attrNameLst>
-                                          <p:attrName>ppt_y</p:attrName>
-                                        </p:attrNameLst>
-                                      </p:cBhvr>
-                                      <p:tavLst>
-                                        <p:tav tm="0">
-                                          <p:val>
-                                            <p:strVal val="#ppt_y+.1"/>
-                                          </p:val>
-                                        </p:tav>
-                                        <p:tav tm="100000">
-                                          <p:val>
-                                            <p:strVal val="#ppt_y"/>
-                                          </p:val>
-                                        </p:tav>
-                                      </p:tavLst>
-                                    </p:anim>
-                                  </p:childTnLst>
-                                </p:cTn>
-                              </p:par>
-                            </p:childTnLst>
-                          </p:cTn>
-                        </p:par>
-                      </p:childTnLst>
-                    </p:cTn>
-                  </p:par>
-                </p:childTnLst>
-              </p:cTn>
-              <p:prevCondLst>
-                <p:cond evt="onPrev" delay="0">
-                  <p:tgtEl>
-                    <p:sldTgt/>
-                  </p:tgtEl>
-                </p:cond>
-              </p:prevCondLst>
-              <p:nextCondLst>
-                <p:cond evt="onNext" delay="0">
-                  <p:tgtEl>
-                    <p:sldTgt/>
-                  </p:tgtEl>
-                </p:cond>
-              </p:nextCondLst>
-            </p:seq>
-          </p:childTnLst>
-        </p:cTn>
-      </p:par>
-    </p:tnLst>
-  </p:timing>
-</p:sld>
-</file>
-
-<file path=ppt/slides/slide7.xml><?xml version="1.0" encoding="utf-8"?>
-<p:sld xmlns:a="http://schemas.openxmlformats.org/drawingml/2006/main" xmlns:r="http://schemas.openxmlformats.org/officeDocument/2006/relationships" xmlns:p="http://schemas.openxmlformats.org/presentationml/2006/main">
-  <p:cSld>
-    <p:spTree>
-      <p:nvGrpSpPr>
-        <p:cNvPr id="1" name=""/>
-        <p:cNvGrpSpPr/>
-        <p:nvPr/>
-      </p:nvGrpSpPr>
-      <p:grpSpPr>
-        <a:xfrm>
-          <a:off x="0" y="0"/>
-          <a:ext cx="0" cy="0"/>
-          <a:chOff x="0" y="0"/>
-          <a:chExt cx="0" cy="0"/>
-        </a:xfrm>
-      </p:grpSpPr>
-      <p:sp>
-        <p:nvSpPr>
-          <p:cNvPr id="2" name="제목 1"/>
-          <p:cNvSpPr>
-            <a:spLocks noGrp="1"/>
-          </p:cNvSpPr>
-          <p:nvPr>
-            <p:ph type="title"/>
-          </p:nvPr>
-        </p:nvSpPr>
-        <p:spPr/>
-        <p:txBody>
-          <a:bodyPr/>
-          <a:lstStyle/>
-          <a:p>
-            <a:r>
-              <a:rPr lang="ko-KR" altLang="en-US" dirty="0">
-                <a:latin typeface="배달의민족 도현" panose="020B0600000101010101" pitchFamily="50" charset="-127"/>
-                <a:ea typeface="배달의민족 도현" panose="020B0600000101010101" pitchFamily="50" charset="-127"/>
-              </a:rPr>
-              <a:t>검색 </a:t>
-            </a:r>
-            <a:r>
-              <a:rPr lang="en-US" altLang="ko-KR" dirty="0" smtClean="0">
-                <a:latin typeface="배달의민족 도현" panose="020B0600000101010101" pitchFamily="50" charset="-127"/>
-                <a:ea typeface="배달의민족 도현" panose="020B0600000101010101" pitchFamily="50" charset="-127"/>
-              </a:rPr>
-              <a:t>(</a:t>
-            </a:r>
-            <a:r>
-              <a:rPr lang="ko-KR" altLang="en-US" dirty="0" err="1" smtClean="0">
-                <a:latin typeface="배달의민족 도현" panose="020B0600000101010101" pitchFamily="50" charset="-127"/>
-                <a:ea typeface="배달의민족 도현" panose="020B0600000101010101" pitchFamily="50" charset="-127"/>
-              </a:rPr>
-              <a:t>설립년도</a:t>
-            </a:r>
-            <a:r>
-              <a:rPr lang="ko-KR" altLang="en-US" dirty="0" smtClean="0">
-                <a:latin typeface="배달의민족 도현" panose="020B0600000101010101" pitchFamily="50" charset="-127"/>
-                <a:ea typeface="배달의민족 도현" panose="020B0600000101010101" pitchFamily="50" charset="-127"/>
-              </a:rPr>
-              <a:t> 검색</a:t>
-            </a:r>
-            <a:r>
-              <a:rPr lang="en-US" altLang="ko-KR" dirty="0">
-                <a:latin typeface="배달의민족 도현" panose="020B0600000101010101" pitchFamily="50" charset="-127"/>
-                <a:ea typeface="배달의민족 도현" panose="020B0600000101010101" pitchFamily="50" charset="-127"/>
-              </a:rPr>
-              <a:t>)</a:t>
-            </a:r>
-            <a:endParaRPr lang="ko-KR" altLang="en-US" dirty="0">
-              <a:latin typeface="배달의민족 도현" panose="020B0600000101010101" pitchFamily="50" charset="-127"/>
-              <a:ea typeface="배달의민족 도현" panose="020B0600000101010101" pitchFamily="50" charset="-127"/>
-            </a:endParaRPr>
-          </a:p>
-        </p:txBody>
-      </p:sp>
-      <p:pic>
-        <p:nvPicPr>
-          <p:cNvPr id="3" name="Picture 5" descr="C:\work\julyProject\console\제목 없음3.png"/>
-          <p:cNvPicPr>
-            <a:picLocks noChangeAspect="1" noChangeArrowheads="1"/>
-          </p:cNvPicPr>
-          <p:nvPr/>
-        </p:nvPicPr>
-        <p:blipFill>
-          <a:blip r:embed="rId2">
-            <a:extLst>
-              <a:ext uri="{28A0092B-C50C-407E-A947-70E740481C1C}">
-                <a14:useLocalDpi xmlns:a14="http://schemas.microsoft.com/office/drawing/2010/main" val="0"/>
-              </a:ext>
-            </a:extLst>
-          </a:blip>
-          <a:srcRect/>
-          <a:stretch>
-            <a:fillRect/>
-          </a:stretch>
-        </p:blipFill>
-        <p:spPr bwMode="auto">
-          <a:xfrm>
-            <a:off x="1835696" y="1772816"/>
-            <a:ext cx="5648325" cy="1866900"/>
-          </a:xfrm>
-          <a:prstGeom prst="rect">
-            <a:avLst/>
-          </a:prstGeom>
-          <a:noFill/>
-          <a:extLst>
-            <a:ext uri="{909E8E84-426E-40DD-AFC4-6F175D3DCCD1}">
-              <a14:hiddenFill xmlns:a14="http://schemas.microsoft.com/office/drawing/2010/main">
-                <a:solidFill>
-                  <a:srgbClr val="FFFFFF"/>
-                </a:solidFill>
-              </a14:hiddenFill>
-            </a:ext>
-          </a:extLst>
-        </p:spPr>
-      </p:pic>
-      <p:grpSp>
-        <p:nvGrpSpPr>
-          <p:cNvPr id="9" name="그룹 8"/>
-          <p:cNvGrpSpPr/>
-          <p:nvPr/>
-        </p:nvGrpSpPr>
-        <p:grpSpPr>
-          <a:xfrm>
-            <a:off x="683568" y="3861048"/>
-            <a:ext cx="8136904" cy="4896544"/>
-            <a:chOff x="683568" y="3861048"/>
-            <a:chExt cx="8136904" cy="4896544"/>
-          </a:xfrm>
-        </p:grpSpPr>
-        <p:grpSp>
-          <p:nvGrpSpPr>
-            <p:cNvPr id="4" name="그룹 3"/>
-            <p:cNvGrpSpPr/>
-            <p:nvPr/>
-          </p:nvGrpSpPr>
-          <p:grpSpPr>
-            <a:xfrm>
-              <a:off x="683568" y="3861048"/>
-              <a:ext cx="8136904" cy="4896544"/>
-              <a:chOff x="683568" y="3861048"/>
-              <a:chExt cx="8136904" cy="4896544"/>
-            </a:xfrm>
-          </p:grpSpPr>
-          <p:sp>
-            <p:nvSpPr>
-              <p:cNvPr id="5" name="타원 4"/>
-              <p:cNvSpPr/>
-              <p:nvPr/>
-            </p:nvSpPr>
-            <p:spPr>
-              <a:xfrm>
-                <a:off x="4355976" y="3861048"/>
-                <a:ext cx="4464496" cy="4536504"/>
-              </a:xfrm>
-              <a:prstGeom prst="ellipse">
-                <a:avLst/>
-              </a:prstGeom>
-            </p:spPr>
-            <p:style>
-              <a:lnRef idx="1">
-                <a:schemeClr val="accent6"/>
-              </a:lnRef>
-              <a:fillRef idx="3">
-                <a:schemeClr val="accent6"/>
-              </a:fillRef>
-              <a:effectRef idx="2">
-                <a:schemeClr val="accent6"/>
-              </a:effectRef>
-              <a:fontRef idx="minor">
-                <a:schemeClr val="lt1"/>
-              </a:fontRef>
-            </p:style>
-            <p:txBody>
-              <a:bodyPr rtlCol="0" anchor="ctr"/>
-              <a:lstStyle/>
-              <a:p>
-                <a:pPr algn="ctr"/>
-                <a:endParaRPr lang="ko-KR" altLang="en-US" u="sng"/>
-              </a:p>
-            </p:txBody>
-          </p:sp>
-          <p:sp>
-            <p:nvSpPr>
-              <p:cNvPr id="6" name="타원 5"/>
-              <p:cNvSpPr/>
-              <p:nvPr/>
-            </p:nvSpPr>
-            <p:spPr>
-              <a:xfrm>
-                <a:off x="2627784" y="4221088"/>
-                <a:ext cx="4464496" cy="4536504"/>
-              </a:xfrm>
-              <a:prstGeom prst="ellipse">
-                <a:avLst/>
-              </a:prstGeom>
-            </p:spPr>
-            <p:style>
-              <a:lnRef idx="1">
-                <a:schemeClr val="accent6"/>
-              </a:lnRef>
-              <a:fillRef idx="3">
-                <a:schemeClr val="accent6"/>
-              </a:fillRef>
-              <a:effectRef idx="2">
-                <a:schemeClr val="accent6"/>
-              </a:effectRef>
-              <a:fontRef idx="minor">
-                <a:schemeClr val="lt1"/>
-              </a:fontRef>
-            </p:style>
-            <p:txBody>
-              <a:bodyPr rtlCol="0" anchor="ctr"/>
-              <a:lstStyle/>
-              <a:p>
-                <a:pPr algn="ctr"/>
-                <a:endParaRPr lang="ko-KR" altLang="en-US" u="sng"/>
-              </a:p>
-            </p:txBody>
-          </p:sp>
-          <p:sp>
-            <p:nvSpPr>
-              <p:cNvPr id="7" name="타원 6"/>
-              <p:cNvSpPr/>
-              <p:nvPr/>
-            </p:nvSpPr>
-            <p:spPr>
-              <a:xfrm>
-                <a:off x="683568" y="4077072"/>
-                <a:ext cx="4464496" cy="4536504"/>
-              </a:xfrm>
-              <a:prstGeom prst="ellipse">
-                <a:avLst/>
-              </a:prstGeom>
-            </p:spPr>
-            <p:style>
-              <a:lnRef idx="1">
-                <a:schemeClr val="accent6"/>
-              </a:lnRef>
-              <a:fillRef idx="3">
-                <a:schemeClr val="accent6"/>
-              </a:fillRef>
-              <a:effectRef idx="2">
-                <a:schemeClr val="accent6"/>
-              </a:effectRef>
-              <a:fontRef idx="minor">
-                <a:schemeClr val="lt1"/>
-              </a:fontRef>
-            </p:style>
-            <p:txBody>
-              <a:bodyPr rtlCol="0" anchor="ctr"/>
-              <a:lstStyle/>
-              <a:p>
-                <a:pPr algn="ctr"/>
-                <a:endParaRPr lang="ko-KR" altLang="en-US" u="sng"/>
-              </a:p>
-            </p:txBody>
-          </p:sp>
-        </p:grpSp>
-        <p:sp>
-          <p:nvSpPr>
-            <p:cNvPr id="8" name="TextBox 7"/>
-            <p:cNvSpPr txBox="1"/>
-            <p:nvPr/>
-          </p:nvSpPr>
-          <p:spPr>
-            <a:xfrm>
-              <a:off x="2961114" y="5157192"/>
-              <a:ext cx="4019049" cy="369332"/>
-            </a:xfrm>
-            <a:prstGeom prst="rect">
-              <a:avLst/>
-            </a:prstGeom>
-            <a:noFill/>
-          </p:spPr>
-          <p:txBody>
-            <a:bodyPr wrap="none" rtlCol="0">
-              <a:spAutoFit/>
-            </a:bodyPr>
-            <a:lstStyle/>
-            <a:p>
-              <a:r>
-                <a:rPr lang="ko-KR" altLang="en-US" dirty="0" err="1" smtClean="0">
-                  <a:latin typeface="배달의민족 도현" panose="020B0600000101010101" pitchFamily="50" charset="-127"/>
-                  <a:ea typeface="배달의민족 도현" panose="020B0600000101010101" pitchFamily="50" charset="-127"/>
-                </a:rPr>
-                <a:t>설립년도</a:t>
-              </a:r>
-              <a:r>
-                <a:rPr lang="ko-KR" altLang="en-US" dirty="0" smtClean="0">
-                  <a:latin typeface="배달의민족 도현" panose="020B0600000101010101" pitchFamily="50" charset="-127"/>
-                  <a:ea typeface="배달의민족 도현" panose="020B0600000101010101" pitchFamily="50" charset="-127"/>
-                </a:rPr>
-                <a:t> 기준으로 </a:t>
-              </a:r>
-              <a:r>
-                <a:rPr lang="ko-KR" altLang="en-US" dirty="0">
-                  <a:latin typeface="배달의민족 도현" panose="020B0600000101010101" pitchFamily="50" charset="-127"/>
-                  <a:ea typeface="배달의민족 도현" panose="020B0600000101010101" pitchFamily="50" charset="-127"/>
-                </a:rPr>
-                <a:t>검색하여 결과 출력</a:t>
-              </a:r>
-            </a:p>
-          </p:txBody>
-        </p:sp>
-      </p:grpSp>
-    </p:spTree>
-    <p:extLst>
-      <p:ext uri="{BB962C8B-B14F-4D97-AF65-F5344CB8AC3E}">
-        <p14:creationId xmlns:p14="http://schemas.microsoft.com/office/powerpoint/2010/main" val="3489926221"/>
-      </p:ext>
-    </p:extLst>
-  </p:cSld>
-  <p:clrMapOvr>
-    <a:masterClrMapping/>
-  </p:clrMapOvr>
-  <p:timing>
-    <p:tnLst>
-      <p:par>
-        <p:cTn id="1" dur="indefinite" restart="never" nodeType="tmRoot">
-          <p:childTnLst>
-            <p:seq concurrent="1" nextAc="seek">
-              <p:cTn id="2" dur="indefinite" nodeType="mainSeq">
-                <p:childTnLst>
-                  <p:par>
-                    <p:cTn id="3" fill="hold">
-                      <p:stCondLst>
-                        <p:cond delay="indefinite"/>
-                        <p:cond evt="onBegin" delay="0">
-                          <p:tn val="2"/>
-                        </p:cond>
-                      </p:stCondLst>
-                      <p:childTnLst>
-                        <p:par>
-                          <p:cTn id="4" fill="hold">
-                            <p:stCondLst>
-                              <p:cond delay="0"/>
-                            </p:stCondLst>
-                            <p:childTnLst>
-                              <p:par>
-                                <p:cTn id="5" presetID="42" presetClass="entr" presetSubtype="0" fill="hold" nodeType="withEffect">
-                                  <p:stCondLst>
-                                    <p:cond delay="0"/>
-                                  </p:stCondLst>
-                                  <p:childTnLst>
-                                    <p:set>
-                                      <p:cBhvr>
-                                        <p:cTn id="6" dur="1" fill="hold">
-                                          <p:stCondLst>
-                                            <p:cond delay="0"/>
-                                          </p:stCondLst>
-                                        </p:cTn>
-                                        <p:tgtEl>
-                                          <p:spTgt spid="9"/>
-                                        </p:tgtEl>
-                                        <p:attrNameLst>
-                                          <p:attrName>style.visibility</p:attrName>
-                                        </p:attrNameLst>
-                                      </p:cBhvr>
-                                      <p:to>
-                                        <p:strVal val="visible"/>
-                                      </p:to>
-                                    </p:set>
-                                    <p:animEffect transition="in" filter="fade">
-                                      <p:cBhvr>
-                                        <p:cTn id="7" dur="1000"/>
-                                        <p:tgtEl>
-                                          <p:spTgt spid="9"/>
-                                        </p:tgtEl>
-                                      </p:cBhvr>
-                                    </p:animEffect>
-                                    <p:anim calcmode="lin" valueType="num">
-                                      <p:cBhvr>
-                                        <p:cTn id="8" dur="1000" fill="hold"/>
-                                        <p:tgtEl>
-                                          <p:spTgt spid="9"/>
-                                        </p:tgtEl>
-                                        <p:attrNameLst>
-                                          <p:attrName>ppt_x</p:attrName>
-                                        </p:attrNameLst>
-                                      </p:cBhvr>
-                                      <p:tavLst>
-                                        <p:tav tm="0">
-                                          <p:val>
-                                            <p:strVal val="#ppt_x"/>
-                                          </p:val>
-                                        </p:tav>
-                                        <p:tav tm="100000">
-                                          <p:val>
-                                            <p:strVal val="#ppt_x"/>
-                                          </p:val>
-                                        </p:tav>
-                                      </p:tavLst>
-                                    </p:anim>
-                                    <p:anim calcmode="lin" valueType="num">
-                                      <p:cBhvr>
-                                        <p:cTn id="9" dur="1000" fill="hold"/>
-                                        <p:tgtEl>
-                                          <p:spTgt spid="9"/>
-                                        </p:tgtEl>
-                                        <p:attrNameLst>
-                                          <p:attrName>ppt_y</p:attrName>
-                                        </p:attrNameLst>
-                                      </p:cBhvr>
-                                      <p:tavLst>
-                                        <p:tav tm="0">
-                                          <p:val>
-                                            <p:strVal val="#ppt_y+.1"/>
-                                          </p:val>
-                                        </p:tav>
-                                        <p:tav tm="100000">
-                                          <p:val>
-                                            <p:strVal val="#ppt_y"/>
-                                          </p:val>
-                                        </p:tav>
-                                      </p:tavLst>
-                                    </p:anim>
-                                  </p:childTnLst>
-                                </p:cTn>
-                              </p:par>
-                            </p:childTnLst>
-                          </p:cTn>
-                        </p:par>
-                      </p:childTnLst>
-                    </p:cTn>
-                  </p:par>
-                </p:childTnLst>
-              </p:cTn>
-              <p:prevCondLst>
-                <p:cond evt="onPrev" delay="0">
-                  <p:tgtEl>
-                    <p:sldTgt/>
-                  </p:tgtEl>
-                </p:cond>
-              </p:prevCondLst>
-              <p:nextCondLst>
-                <p:cond evt="onNext" delay="0">
-                  <p:tgtEl>
-                    <p:sldTgt/>
-                  </p:tgtEl>
-                </p:cond>
-              </p:nextCondLst>
-            </p:seq>
-          </p:childTnLst>
-        </p:cTn>
-      </p:par>
-    </p:tnLst>
-  </p:timing>
-</p:sld>
-</file>
-
-<file path=ppt/slides/slide8.xml><?xml version="1.0" encoding="utf-8"?>
-<p:sld xmlns:a="http://schemas.openxmlformats.org/drawingml/2006/main" xmlns:r="http://schemas.openxmlformats.org/officeDocument/2006/relationships" xmlns:p="http://schemas.openxmlformats.org/presentationml/2006/main">
-  <p:cSld>
-    <p:spTree>
-      <p:nvGrpSpPr>
-        <p:cNvPr id="1" name=""/>
-        <p:cNvGrpSpPr/>
-        <p:nvPr/>
-      </p:nvGrpSpPr>
-      <p:grpSpPr>
-        <a:xfrm>
-          <a:off x="0" y="0"/>
-          <a:ext cx="0" cy="0"/>
-          <a:chOff x="0" y="0"/>
-          <a:chExt cx="0" cy="0"/>
-        </a:xfrm>
-      </p:grpSpPr>
-      <p:sp>
-        <p:nvSpPr>
-          <p:cNvPr id="2" name="제목 1"/>
-          <p:cNvSpPr>
-            <a:spLocks noGrp="1"/>
-          </p:cNvSpPr>
-          <p:nvPr>
-            <p:ph type="title"/>
-          </p:nvPr>
-        </p:nvSpPr>
-        <p:spPr/>
-        <p:txBody>
-          <a:bodyPr/>
-          <a:lstStyle/>
-          <a:p>
-            <a:r>
-              <a:rPr lang="ko-KR" altLang="en-US" dirty="0" smtClean="0">
-                <a:latin typeface="배달의민족 도현" panose="020B0600000101010101" pitchFamily="50" charset="-127"/>
-                <a:ea typeface="배달의민족 도현" panose="020B0600000101010101" pitchFamily="50" charset="-127"/>
-              </a:rPr>
-              <a:t>잘못 입력했을 시</a:t>
-            </a:r>
-            <a:endParaRPr lang="ko-KR" altLang="en-US" dirty="0">
-              <a:latin typeface="배달의민족 도현" panose="020B0600000101010101" pitchFamily="50" charset="-127"/>
-              <a:ea typeface="배달의민족 도현" panose="020B0600000101010101" pitchFamily="50" charset="-127"/>
-            </a:endParaRPr>
-          </a:p>
-        </p:txBody>
-      </p:sp>
-      <p:pic>
-        <p:nvPicPr>
-          <p:cNvPr id="3" name="Picture 6" descr="C:\work\julyProject\console\제목 없음4.png"/>
-          <p:cNvPicPr>
-            <a:picLocks noChangeAspect="1" noChangeArrowheads="1"/>
-          </p:cNvPicPr>
-          <p:nvPr/>
-        </p:nvPicPr>
-        <p:blipFill>
-          <a:blip r:embed="rId2">
-            <a:extLst>
-              <a:ext uri="{28A0092B-C50C-407E-A947-70E740481C1C}">
-                <a14:useLocalDpi xmlns:a14="http://schemas.microsoft.com/office/drawing/2010/main" val="0"/>
-              </a:ext>
-            </a:extLst>
-          </a:blip>
-          <a:srcRect/>
-          <a:stretch>
-            <a:fillRect/>
-          </a:stretch>
-        </p:blipFill>
-        <p:spPr bwMode="auto">
-          <a:xfrm>
-            <a:off x="1115616" y="1988840"/>
-            <a:ext cx="5676900" cy="828675"/>
-          </a:xfrm>
-          <a:prstGeom prst="rect">
-            <a:avLst/>
-          </a:prstGeom>
-          <a:noFill/>
-          <a:extLst>
-            <a:ext uri="{909E8E84-426E-40DD-AFC4-6F175D3DCCD1}">
-              <a14:hiddenFill xmlns:a14="http://schemas.microsoft.com/office/drawing/2010/main">
-                <a:solidFill>
-                  <a:srgbClr val="FFFFFF"/>
-                </a:solidFill>
-              </a14:hiddenFill>
-            </a:ext>
-          </a:extLst>
-        </p:spPr>
-      </p:pic>
-      <p:grpSp>
-        <p:nvGrpSpPr>
-          <p:cNvPr id="9" name="그룹 8"/>
-          <p:cNvGrpSpPr/>
-          <p:nvPr/>
-        </p:nvGrpSpPr>
-        <p:grpSpPr>
-          <a:xfrm>
-            <a:off x="683568" y="3861048"/>
-            <a:ext cx="8136904" cy="4896544"/>
-            <a:chOff x="683568" y="3861048"/>
-            <a:chExt cx="8136904" cy="4896544"/>
-          </a:xfrm>
-        </p:grpSpPr>
-        <p:grpSp>
-          <p:nvGrpSpPr>
-            <p:cNvPr id="4" name="그룹 3"/>
-            <p:cNvGrpSpPr/>
-            <p:nvPr/>
-          </p:nvGrpSpPr>
-          <p:grpSpPr>
-            <a:xfrm>
-              <a:off x="683568" y="3861048"/>
-              <a:ext cx="8136904" cy="4896544"/>
-              <a:chOff x="683568" y="3861048"/>
-              <a:chExt cx="8136904" cy="4896544"/>
-            </a:xfrm>
-          </p:grpSpPr>
-          <p:sp>
-            <p:nvSpPr>
-              <p:cNvPr id="5" name="타원 4"/>
-              <p:cNvSpPr/>
-              <p:nvPr/>
-            </p:nvSpPr>
-            <p:spPr>
-              <a:xfrm>
-                <a:off x="4355976" y="3861048"/>
-                <a:ext cx="4464496" cy="4536504"/>
-              </a:xfrm>
-              <a:prstGeom prst="ellipse">
-                <a:avLst/>
-              </a:prstGeom>
-            </p:spPr>
-            <p:style>
-              <a:lnRef idx="1">
-                <a:schemeClr val="accent2"/>
-              </a:lnRef>
-              <a:fillRef idx="3">
-                <a:schemeClr val="accent2"/>
-              </a:fillRef>
-              <a:effectRef idx="2">
-                <a:schemeClr val="accent2"/>
-              </a:effectRef>
-              <a:fontRef idx="minor">
-                <a:schemeClr val="lt1"/>
-              </a:fontRef>
-            </p:style>
-            <p:txBody>
-              <a:bodyPr rtlCol="0" anchor="ctr"/>
-              <a:lstStyle/>
-              <a:p>
-                <a:pPr algn="ctr"/>
-                <a:endParaRPr lang="ko-KR" altLang="en-US" u="sng"/>
-              </a:p>
-            </p:txBody>
-          </p:sp>
-          <p:sp>
-            <p:nvSpPr>
-              <p:cNvPr id="6" name="타원 5"/>
-              <p:cNvSpPr/>
-              <p:nvPr/>
-            </p:nvSpPr>
-            <p:spPr>
-              <a:xfrm>
-                <a:off x="2627784" y="4221088"/>
-                <a:ext cx="4464496" cy="4536504"/>
-              </a:xfrm>
-              <a:prstGeom prst="ellipse">
-                <a:avLst/>
-              </a:prstGeom>
-            </p:spPr>
-            <p:style>
-              <a:lnRef idx="1">
-                <a:schemeClr val="accent2"/>
-              </a:lnRef>
-              <a:fillRef idx="3">
-                <a:schemeClr val="accent2"/>
-              </a:fillRef>
-              <a:effectRef idx="2">
-                <a:schemeClr val="accent2"/>
-              </a:effectRef>
-              <a:fontRef idx="minor">
-                <a:schemeClr val="lt1"/>
-              </a:fontRef>
-            </p:style>
-            <p:txBody>
-              <a:bodyPr rtlCol="0" anchor="ctr"/>
-              <a:lstStyle/>
-              <a:p>
-                <a:pPr algn="ctr"/>
-                <a:endParaRPr lang="ko-KR" altLang="en-US" u="sng"/>
-              </a:p>
-            </p:txBody>
-          </p:sp>
-          <p:sp>
-            <p:nvSpPr>
-              <p:cNvPr id="7" name="타원 6"/>
-              <p:cNvSpPr/>
-              <p:nvPr/>
-            </p:nvSpPr>
-            <p:spPr>
-              <a:xfrm>
-                <a:off x="683568" y="4077072"/>
-                <a:ext cx="4464496" cy="4536504"/>
-              </a:xfrm>
-              <a:prstGeom prst="ellipse">
-                <a:avLst/>
-              </a:prstGeom>
-            </p:spPr>
-            <p:style>
-              <a:lnRef idx="1">
-                <a:schemeClr val="accent2"/>
-              </a:lnRef>
-              <a:fillRef idx="3">
-                <a:schemeClr val="accent2"/>
-              </a:fillRef>
-              <a:effectRef idx="2">
-                <a:schemeClr val="accent2"/>
-              </a:effectRef>
-              <a:fontRef idx="minor">
-                <a:schemeClr val="lt1"/>
-              </a:fontRef>
-            </p:style>
-            <p:txBody>
-              <a:bodyPr rtlCol="0" anchor="ctr"/>
-              <a:lstStyle/>
-              <a:p>
-                <a:pPr algn="ctr"/>
-                <a:endParaRPr lang="ko-KR" altLang="en-US" u="sng"/>
-              </a:p>
-            </p:txBody>
-          </p:sp>
-        </p:grpSp>
-        <p:sp>
-          <p:nvSpPr>
-            <p:cNvPr id="8" name="TextBox 7"/>
-            <p:cNvSpPr txBox="1"/>
-            <p:nvPr/>
-          </p:nvSpPr>
-          <p:spPr>
-            <a:xfrm>
-              <a:off x="1475657" y="5157192"/>
-              <a:ext cx="6912768" cy="369332"/>
-            </a:xfrm>
-            <a:prstGeom prst="rect">
-              <a:avLst/>
-            </a:prstGeom>
-            <a:noFill/>
-          </p:spPr>
-          <p:txBody>
-            <a:bodyPr wrap="square" rtlCol="0">
-              <a:spAutoFit/>
-            </a:bodyPr>
-            <a:lstStyle/>
-            <a:p>
-              <a:r>
-                <a:rPr lang="en-US" altLang="ko-KR" dirty="0" smtClean="0">
-                  <a:latin typeface="배달의민족 도현" panose="020B0600000101010101" pitchFamily="50" charset="-127"/>
-                  <a:ea typeface="배달의민족 도현" panose="020B0600000101010101" pitchFamily="50" charset="-127"/>
-                </a:rPr>
-                <a:t>1, </a:t>
-              </a:r>
-              <a:r>
-                <a:rPr lang="ko-KR" altLang="en-US" dirty="0" smtClean="0">
-                  <a:latin typeface="배달의민족 도현" panose="020B0600000101010101" pitchFamily="50" charset="-127"/>
-                  <a:ea typeface="배달의민족 도현" panose="020B0600000101010101" pitchFamily="50" charset="-127"/>
-                </a:rPr>
-                <a:t>전체</a:t>
-              </a:r>
-              <a:r>
-                <a:rPr lang="en-US" altLang="ko-KR" dirty="0" smtClean="0">
-                  <a:latin typeface="배달의민족 도현" panose="020B0600000101010101" pitchFamily="50" charset="-127"/>
-                  <a:ea typeface="배달의민족 도현" panose="020B0600000101010101" pitchFamily="50" charset="-127"/>
-                </a:rPr>
-                <a:t>, 2. </a:t>
-              </a:r>
-              <a:r>
-                <a:rPr lang="ko-KR" altLang="en-US" dirty="0" smtClean="0">
-                  <a:latin typeface="배달의민족 도현" panose="020B0600000101010101" pitchFamily="50" charset="-127"/>
-                  <a:ea typeface="배달의민족 도현" panose="020B0600000101010101" pitchFamily="50" charset="-127"/>
-                </a:rPr>
-                <a:t>기업명</a:t>
-              </a:r>
-              <a:r>
-                <a:rPr lang="en-US" altLang="ko-KR" dirty="0" smtClean="0">
-                  <a:latin typeface="배달의민족 도현" panose="020B0600000101010101" pitchFamily="50" charset="-127"/>
-                  <a:ea typeface="배달의민족 도현" panose="020B0600000101010101" pitchFamily="50" charset="-127"/>
-                </a:rPr>
-                <a:t>, 3. </a:t>
-              </a:r>
-              <a:r>
-                <a:rPr lang="ko-KR" altLang="en-US" dirty="0" smtClean="0">
-                  <a:latin typeface="배달의민족 도현" panose="020B0600000101010101" pitchFamily="50" charset="-127"/>
-                  <a:ea typeface="배달의민족 도현" panose="020B0600000101010101" pitchFamily="50" charset="-127"/>
-                </a:rPr>
-                <a:t>위치</a:t>
-              </a:r>
-              <a:r>
-                <a:rPr lang="en-US" altLang="ko-KR" dirty="0" smtClean="0">
-                  <a:latin typeface="배달의민족 도현" panose="020B0600000101010101" pitchFamily="50" charset="-127"/>
-                  <a:ea typeface="배달의민족 도현" panose="020B0600000101010101" pitchFamily="50" charset="-127"/>
-                </a:rPr>
-                <a:t>, 4. </a:t>
-              </a:r>
-              <a:r>
-                <a:rPr lang="ko-KR" altLang="en-US" dirty="0" err="1" smtClean="0">
-                  <a:latin typeface="배달의민족 도현" panose="020B0600000101010101" pitchFamily="50" charset="-127"/>
-                  <a:ea typeface="배달의민족 도현" panose="020B0600000101010101" pitchFamily="50" charset="-127"/>
-                </a:rPr>
-                <a:t>설립년도</a:t>
-              </a:r>
-              <a:r>
-                <a:rPr lang="ko-KR" altLang="en-US" dirty="0" smtClean="0">
-                  <a:latin typeface="배달의민족 도현" panose="020B0600000101010101" pitchFamily="50" charset="-127"/>
-                  <a:ea typeface="배달의민족 도현" panose="020B0600000101010101" pitchFamily="50" charset="-127"/>
-                </a:rPr>
-                <a:t> 외 다른 숫자를 입력했을 시</a:t>
-              </a:r>
-              <a:endParaRPr lang="ko-KR" altLang="en-US" dirty="0">
-                <a:latin typeface="배달의민족 도현" panose="020B0600000101010101" pitchFamily="50" charset="-127"/>
-                <a:ea typeface="배달의민족 도현" panose="020B0600000101010101" pitchFamily="50" charset="-127"/>
-              </a:endParaRPr>
-            </a:p>
-          </p:txBody>
-        </p:sp>
-      </p:grpSp>
-    </p:spTree>
-    <p:extLst>
-      <p:ext uri="{BB962C8B-B14F-4D97-AF65-F5344CB8AC3E}">
-        <p14:creationId xmlns:p14="http://schemas.microsoft.com/office/powerpoint/2010/main" val="3489926221"/>
-      </p:ext>
-    </p:extLst>
-  </p:cSld>
-  <p:clrMapOvr>
-    <a:masterClrMapping/>
-  </p:clrMapOvr>
-  <p:timing>
-    <p:tnLst>
-      <p:par>
-        <p:cTn id="1" dur="indefinite" restart="never" nodeType="tmRoot">
-          <p:childTnLst>
-            <p:seq concurrent="1" nextAc="seek">
-              <p:cTn id="2" dur="indefinite" nodeType="mainSeq">
-                <p:childTnLst>
-                  <p:par>
-                    <p:cTn id="3" fill="hold">
-                      <p:stCondLst>
-                        <p:cond delay="indefinite"/>
-                        <p:cond evt="onBegin" delay="0">
-                          <p:tn val="2"/>
-                        </p:cond>
-                      </p:stCondLst>
-                      <p:childTnLst>
-                        <p:par>
-                          <p:cTn id="4" fill="hold">
-                            <p:stCondLst>
-                              <p:cond delay="0"/>
-                            </p:stCondLst>
-                            <p:childTnLst>
-                              <p:par>
-                                <p:cTn id="5" presetID="42" presetClass="entr" presetSubtype="0" fill="hold" nodeType="withEffect">
-                                  <p:stCondLst>
-                                    <p:cond delay="0"/>
-                                  </p:stCondLst>
-                                  <p:childTnLst>
-                                    <p:set>
-                                      <p:cBhvr>
-                                        <p:cTn id="6" dur="1" fill="hold">
-                                          <p:stCondLst>
-                                            <p:cond delay="0"/>
-                                          </p:stCondLst>
-                                        </p:cTn>
-                                        <p:tgtEl>
-                                          <p:spTgt spid="9"/>
-                                        </p:tgtEl>
-                                        <p:attrNameLst>
-                                          <p:attrName>style.visibility</p:attrName>
-                                        </p:attrNameLst>
-                                      </p:cBhvr>
-                                      <p:to>
-                                        <p:strVal val="visible"/>
-                                      </p:to>
-                                    </p:set>
-                                    <p:animEffect transition="in" filter="fade">
-                                      <p:cBhvr>
-                                        <p:cTn id="7" dur="1000"/>
-                                        <p:tgtEl>
-                                          <p:spTgt spid="9"/>
-                                        </p:tgtEl>
-                                      </p:cBhvr>
-                                    </p:animEffect>
-                                    <p:anim calcmode="lin" valueType="num">
-                                      <p:cBhvr>
-                                        <p:cTn id="8" dur="1000" fill="hold"/>
-                                        <p:tgtEl>
-                                          <p:spTgt spid="9"/>
-                                        </p:tgtEl>
-                                        <p:attrNameLst>
-                                          <p:attrName>ppt_x</p:attrName>
-                                        </p:attrNameLst>
-                                      </p:cBhvr>
-                                      <p:tavLst>
-                                        <p:tav tm="0">
-                                          <p:val>
-                                            <p:strVal val="#ppt_x"/>
-                                          </p:val>
-                                        </p:tav>
-                                        <p:tav tm="100000">
-                                          <p:val>
-                                            <p:strVal val="#ppt_x"/>
-                                          </p:val>
-                                        </p:tav>
-                                      </p:tavLst>
-                                    </p:anim>
-                                    <p:anim calcmode="lin" valueType="num">
-                                      <p:cBhvr>
-                                        <p:cTn id="9" dur="1000" fill="hold"/>
-                                        <p:tgtEl>
-                                          <p:spTgt spid="9"/>
-                                        </p:tgtEl>
-                                        <p:attrNameLst>
-                                          <p:attrName>ppt_y</p:attrName>
-                                        </p:attrNameLst>
-                                      </p:cBhvr>
-                                      <p:tavLst>
-                                        <p:tav tm="0">
-                                          <p:val>
-                                            <p:strVal val="#ppt_y+.1"/>
-                                          </p:val>
-                                        </p:tav>
-                                        <p:tav tm="100000">
-                                          <p:val>
-                                            <p:strVal val="#ppt_y"/>
-                                          </p:val>
-                                        </p:tav>
-                                      </p:tavLst>
-                                    </p:anim>
-                                  </p:childTnLst>
-                                </p:cTn>
-                              </p:par>
-                            </p:childTnLst>
-                          </p:cTn>
-                        </p:par>
-                      </p:childTnLst>
-                    </p:cTn>
-                  </p:par>
-                </p:childTnLst>
-              </p:cTn>
-              <p:prevCondLst>
-                <p:cond evt="onPrev" delay="0">
-                  <p:tgtEl>
-                    <p:sldTgt/>
-                  </p:tgtEl>
-                </p:cond>
-              </p:prevCondLst>
-              <p:nextCondLst>
-                <p:cond evt="onNext" delay="0">
-                  <p:tgtEl>
-                    <p:sldTgt/>
-                  </p:tgtEl>
-                </p:cond>
-              </p:nextCondLst>
-            </p:seq>
-          </p:childTnLst>
-        </p:cTn>
-      </p:par>
-    </p:tnLst>
-  </p:timing>
-</p:sld>
-</file>
-
-<file path=ppt/slides/slide9.xml><?xml version="1.0" encoding="utf-8"?>
 <p:sld xmlns:a="http://schemas.openxmlformats.org/drawingml/2006/main" xmlns:r="http://schemas.openxmlformats.org/officeDocument/2006/relationships" xmlns:p="http://schemas.openxmlformats.org/presentationml/2006/main">
   <p:cSld>
     <p:spTree>
@@ -8629,6 +4901,4732 @@
 </p:sld>
 </file>
 
+<file path=ppt/slides/slide11.xml><?xml version="1.0" encoding="utf-8"?>
+<p:sld xmlns:a="http://schemas.openxmlformats.org/drawingml/2006/main" xmlns:r="http://schemas.openxmlformats.org/officeDocument/2006/relationships" xmlns:p="http://schemas.openxmlformats.org/presentationml/2006/main">
+  <p:cSld>
+    <p:spTree>
+      <p:nvGrpSpPr>
+        <p:cNvPr id="1" name=""/>
+        <p:cNvGrpSpPr/>
+        <p:nvPr/>
+      </p:nvGrpSpPr>
+      <p:grpSpPr>
+        <a:xfrm>
+          <a:off x="0" y="0"/>
+          <a:ext cx="0" cy="0"/>
+          <a:chOff x="0" y="0"/>
+          <a:chExt cx="0" cy="0"/>
+        </a:xfrm>
+      </p:grpSpPr>
+      <p:sp>
+        <p:nvSpPr>
+          <p:cNvPr id="2" name="제목 1"/>
+          <p:cNvSpPr>
+            <a:spLocks noGrp="1"/>
+          </p:cNvSpPr>
+          <p:nvPr>
+            <p:ph type="title"/>
+          </p:nvPr>
+        </p:nvSpPr>
+        <p:spPr/>
+        <p:txBody>
+          <a:bodyPr>
+            <a:normAutofit/>
+          </a:bodyPr>
+          <a:lstStyle/>
+          <a:p>
+            <a:r>
+              <a:rPr lang="ko-KR" altLang="en-US" dirty="0" smtClean="0">
+                <a:latin typeface="배달의민족 도현" panose="020B0600000101010101" pitchFamily="50" charset="-127"/>
+                <a:ea typeface="배달의민족 도현" panose="020B0600000101010101" pitchFamily="50" charset="-127"/>
+              </a:rPr>
+              <a:t>질의 응답</a:t>
+            </a:r>
+            <a:endParaRPr lang="ko-KR" altLang="en-US" dirty="0">
+              <a:latin typeface="배달의민족 도현" panose="020B0600000101010101" pitchFamily="50" charset="-127"/>
+              <a:ea typeface="배달의민족 도현" panose="020B0600000101010101" pitchFamily="50" charset="-127"/>
+            </a:endParaRPr>
+          </a:p>
+        </p:txBody>
+      </p:sp>
+      <p:sp>
+        <p:nvSpPr>
+          <p:cNvPr id="5" name="TextBox 4"/>
+          <p:cNvSpPr txBox="1"/>
+          <p:nvPr/>
+        </p:nvSpPr>
+        <p:spPr>
+          <a:xfrm>
+            <a:off x="4211960" y="2996952"/>
+            <a:ext cx="904415" cy="1569660"/>
+          </a:xfrm>
+          <a:prstGeom prst="rect">
+            <a:avLst/>
+          </a:prstGeom>
+          <a:noFill/>
+        </p:spPr>
+        <p:txBody>
+          <a:bodyPr wrap="none" rtlCol="0">
+            <a:spAutoFit/>
+          </a:bodyPr>
+          <a:lstStyle/>
+          <a:p>
+            <a:r>
+              <a:rPr lang="en-US" altLang="ko-KR" sz="9600" dirty="0" smtClean="0">
+                <a:latin typeface="배달의민족 도현" panose="020B0600000101010101" pitchFamily="50" charset="-127"/>
+                <a:ea typeface="배달의민족 도현" panose="020B0600000101010101" pitchFamily="50" charset="-127"/>
+              </a:rPr>
+              <a:t>?</a:t>
+            </a:r>
+            <a:endParaRPr lang="ko-KR" altLang="en-US" sz="9600" dirty="0">
+              <a:latin typeface="배달의민족 도현" panose="020B0600000101010101" pitchFamily="50" charset="-127"/>
+              <a:ea typeface="배달의민족 도현" panose="020B0600000101010101" pitchFamily="50" charset="-127"/>
+            </a:endParaRPr>
+          </a:p>
+        </p:txBody>
+      </p:sp>
+    </p:spTree>
+    <p:extLst>
+      <p:ext uri="{BB962C8B-B14F-4D97-AF65-F5344CB8AC3E}">
+        <p14:creationId xmlns:p14="http://schemas.microsoft.com/office/powerpoint/2010/main" val="4284999666"/>
+      </p:ext>
+    </p:extLst>
+  </p:cSld>
+  <p:clrMapOvr>
+    <a:masterClrMapping/>
+  </p:clrMapOvr>
+  <p:timing>
+    <p:tnLst>
+      <p:par>
+        <p:cTn id="1" dur="indefinite" restart="never" nodeType="tmRoot">
+          <p:childTnLst>
+            <p:seq concurrent="1" nextAc="seek">
+              <p:cTn id="2" dur="indefinite" nodeType="mainSeq">
+                <p:childTnLst>
+                  <p:par>
+                    <p:cTn id="3" fill="hold">
+                      <p:stCondLst>
+                        <p:cond delay="indefinite"/>
+                        <p:cond evt="onBegin" delay="0">
+                          <p:tn val="2"/>
+                        </p:cond>
+                      </p:stCondLst>
+                      <p:childTnLst>
+                        <p:par>
+                          <p:cTn id="4" fill="hold">
+                            <p:stCondLst>
+                              <p:cond delay="0"/>
+                            </p:stCondLst>
+                            <p:childTnLst>
+                              <p:par>
+                                <p:cTn id="5" presetID="2" presetClass="entr" presetSubtype="4" fill="hold" grpId="0" nodeType="withEffect">
+                                  <p:stCondLst>
+                                    <p:cond delay="0"/>
+                                  </p:stCondLst>
+                                  <p:childTnLst>
+                                    <p:set>
+                                      <p:cBhvr>
+                                        <p:cTn id="6" dur="1" fill="hold">
+                                          <p:stCondLst>
+                                            <p:cond delay="0"/>
+                                          </p:stCondLst>
+                                        </p:cTn>
+                                        <p:tgtEl>
+                                          <p:spTgt spid="5"/>
+                                        </p:tgtEl>
+                                        <p:attrNameLst>
+                                          <p:attrName>style.visibility</p:attrName>
+                                        </p:attrNameLst>
+                                      </p:cBhvr>
+                                      <p:to>
+                                        <p:strVal val="visible"/>
+                                      </p:to>
+                                    </p:set>
+                                    <p:anim calcmode="lin" valueType="num">
+                                      <p:cBhvr additive="base">
+                                        <p:cTn id="7" dur="500" fill="hold"/>
+                                        <p:tgtEl>
+                                          <p:spTgt spid="5"/>
+                                        </p:tgtEl>
+                                        <p:attrNameLst>
+                                          <p:attrName>ppt_x</p:attrName>
+                                        </p:attrNameLst>
+                                      </p:cBhvr>
+                                      <p:tavLst>
+                                        <p:tav tm="0">
+                                          <p:val>
+                                            <p:strVal val="#ppt_x"/>
+                                          </p:val>
+                                        </p:tav>
+                                        <p:tav tm="100000">
+                                          <p:val>
+                                            <p:strVal val="#ppt_x"/>
+                                          </p:val>
+                                        </p:tav>
+                                      </p:tavLst>
+                                    </p:anim>
+                                    <p:anim calcmode="lin" valueType="num">
+                                      <p:cBhvr additive="base">
+                                        <p:cTn id="8" dur="500" fill="hold"/>
+                                        <p:tgtEl>
+                                          <p:spTgt spid="5"/>
+                                        </p:tgtEl>
+                                        <p:attrNameLst>
+                                          <p:attrName>ppt_y</p:attrName>
+                                        </p:attrNameLst>
+                                      </p:cBhvr>
+                                      <p:tavLst>
+                                        <p:tav tm="0">
+                                          <p:val>
+                                            <p:strVal val="1+#ppt_h/2"/>
+                                          </p:val>
+                                        </p:tav>
+                                        <p:tav tm="100000">
+                                          <p:val>
+                                            <p:strVal val="#ppt_y"/>
+                                          </p:val>
+                                        </p:tav>
+                                      </p:tavLst>
+                                    </p:anim>
+                                  </p:childTnLst>
+                                </p:cTn>
+                              </p:par>
+                            </p:childTnLst>
+                          </p:cTn>
+                        </p:par>
+                      </p:childTnLst>
+                    </p:cTn>
+                  </p:par>
+                </p:childTnLst>
+              </p:cTn>
+              <p:prevCondLst>
+                <p:cond evt="onPrev" delay="0">
+                  <p:tgtEl>
+                    <p:sldTgt/>
+                  </p:tgtEl>
+                </p:cond>
+              </p:prevCondLst>
+              <p:nextCondLst>
+                <p:cond evt="onNext" delay="0">
+                  <p:tgtEl>
+                    <p:sldTgt/>
+                  </p:tgtEl>
+                </p:cond>
+              </p:nextCondLst>
+            </p:seq>
+          </p:childTnLst>
+        </p:cTn>
+      </p:par>
+    </p:tnLst>
+    <p:bldLst>
+      <p:bldP spid="5" grpId="0"/>
+    </p:bldLst>
+  </p:timing>
+</p:sld>
+</file>
+
+<file path=ppt/slides/slide2.xml><?xml version="1.0" encoding="utf-8"?>
+<p:sld xmlns:a="http://schemas.openxmlformats.org/drawingml/2006/main" xmlns:r="http://schemas.openxmlformats.org/officeDocument/2006/relationships" xmlns:p="http://schemas.openxmlformats.org/presentationml/2006/main">
+  <p:cSld>
+    <p:spTree>
+      <p:nvGrpSpPr>
+        <p:cNvPr id="1" name=""/>
+        <p:cNvGrpSpPr/>
+        <p:nvPr/>
+      </p:nvGrpSpPr>
+      <p:grpSpPr>
+        <a:xfrm>
+          <a:off x="0" y="0"/>
+          <a:ext cx="0" cy="0"/>
+          <a:chOff x="0" y="0"/>
+          <a:chExt cx="0" cy="0"/>
+        </a:xfrm>
+      </p:grpSpPr>
+      <p:grpSp>
+        <p:nvGrpSpPr>
+          <p:cNvPr id="17" name="그룹 16"/>
+          <p:cNvGrpSpPr/>
+          <p:nvPr/>
+        </p:nvGrpSpPr>
+        <p:grpSpPr>
+          <a:xfrm>
+            <a:off x="-1332656" y="-1323528"/>
+            <a:ext cx="6560602" cy="5192450"/>
+            <a:chOff x="-1332656" y="-1323528"/>
+            <a:chExt cx="6560602" cy="5192450"/>
+          </a:xfrm>
+        </p:grpSpPr>
+        <p:sp>
+          <p:nvSpPr>
+            <p:cNvPr id="18" name="타원 17"/>
+            <p:cNvSpPr/>
+            <p:nvPr/>
+          </p:nvSpPr>
+          <p:spPr>
+            <a:xfrm>
+              <a:off x="-1332656" y="-318134"/>
+              <a:ext cx="3824298" cy="3824298"/>
+            </a:xfrm>
+            <a:prstGeom prst="ellipse">
+              <a:avLst/>
+            </a:prstGeom>
+          </p:spPr>
+          <p:style>
+            <a:lnRef idx="1">
+              <a:schemeClr val="accent6"/>
+            </a:lnRef>
+            <a:fillRef idx="3">
+              <a:schemeClr val="accent6"/>
+            </a:fillRef>
+            <a:effectRef idx="2">
+              <a:schemeClr val="accent6"/>
+            </a:effectRef>
+            <a:fontRef idx="minor">
+              <a:schemeClr val="lt1"/>
+            </a:fontRef>
+          </p:style>
+          <p:txBody>
+            <a:bodyPr rtlCol="0" anchor="ctr"/>
+            <a:lstStyle/>
+            <a:p>
+              <a:pPr algn="ctr"/>
+              <a:endParaRPr lang="ko-KR" altLang="en-US"/>
+            </a:p>
+          </p:txBody>
+        </p:sp>
+        <p:sp>
+          <p:nvSpPr>
+            <p:cNvPr id="19" name="타원 18"/>
+            <p:cNvSpPr/>
+            <p:nvPr/>
+          </p:nvSpPr>
+          <p:spPr>
+            <a:xfrm>
+              <a:off x="648072" y="44624"/>
+              <a:ext cx="3824298" cy="3824298"/>
+            </a:xfrm>
+            <a:prstGeom prst="ellipse">
+              <a:avLst/>
+            </a:prstGeom>
+          </p:spPr>
+          <p:style>
+            <a:lnRef idx="1">
+              <a:schemeClr val="accent6"/>
+            </a:lnRef>
+            <a:fillRef idx="3">
+              <a:schemeClr val="accent6"/>
+            </a:fillRef>
+            <a:effectRef idx="2">
+              <a:schemeClr val="accent6"/>
+            </a:effectRef>
+            <a:fontRef idx="minor">
+              <a:schemeClr val="lt1"/>
+            </a:fontRef>
+          </p:style>
+          <p:txBody>
+            <a:bodyPr rtlCol="0" anchor="ctr"/>
+            <a:lstStyle/>
+            <a:p>
+              <a:pPr algn="ctr"/>
+              <a:endParaRPr lang="ko-KR" altLang="en-US"/>
+            </a:p>
+          </p:txBody>
+        </p:sp>
+        <p:sp>
+          <p:nvSpPr>
+            <p:cNvPr id="21" name="타원 20"/>
+            <p:cNvSpPr/>
+            <p:nvPr/>
+          </p:nvSpPr>
+          <p:spPr>
+            <a:xfrm>
+              <a:off x="1403648" y="-1323528"/>
+              <a:ext cx="3824298" cy="3824298"/>
+            </a:xfrm>
+            <a:prstGeom prst="ellipse">
+              <a:avLst/>
+            </a:prstGeom>
+          </p:spPr>
+          <p:style>
+            <a:lnRef idx="1">
+              <a:schemeClr val="accent6"/>
+            </a:lnRef>
+            <a:fillRef idx="3">
+              <a:schemeClr val="accent6"/>
+            </a:fillRef>
+            <a:effectRef idx="2">
+              <a:schemeClr val="accent6"/>
+            </a:effectRef>
+            <a:fontRef idx="minor">
+              <a:schemeClr val="lt1"/>
+            </a:fontRef>
+          </p:style>
+          <p:txBody>
+            <a:bodyPr rtlCol="0" anchor="ctr"/>
+            <a:lstStyle/>
+            <a:p>
+              <a:pPr algn="ctr"/>
+              <a:endParaRPr lang="ko-KR" altLang="en-US"/>
+            </a:p>
+          </p:txBody>
+        </p:sp>
+      </p:grpSp>
+      <p:sp>
+        <p:nvSpPr>
+          <p:cNvPr id="2" name="제목 1"/>
+          <p:cNvSpPr>
+            <a:spLocks noGrp="1"/>
+          </p:cNvSpPr>
+          <p:nvPr>
+            <p:ph type="title"/>
+          </p:nvPr>
+        </p:nvSpPr>
+        <p:spPr/>
+        <p:txBody>
+          <a:bodyPr/>
+          <a:lstStyle/>
+          <a:p>
+            <a:r>
+              <a:rPr lang="ko-KR" altLang="en-US" dirty="0" smtClean="0">
+                <a:latin typeface="배달의민족 도현" panose="020B0600000101010101" pitchFamily="50" charset="-127"/>
+                <a:ea typeface="배달의민족 도현" panose="020B0600000101010101" pitchFamily="50" charset="-127"/>
+              </a:rPr>
+              <a:t>목차</a:t>
+            </a:r>
+            <a:endParaRPr lang="ko-KR" altLang="en-US" dirty="0">
+              <a:latin typeface="배달의민족 도현" panose="020B0600000101010101" pitchFamily="50" charset="-127"/>
+              <a:ea typeface="배달의민족 도현" panose="020B0600000101010101" pitchFamily="50" charset="-127"/>
+            </a:endParaRPr>
+          </a:p>
+        </p:txBody>
+      </p:sp>
+      <p:sp>
+        <p:nvSpPr>
+          <p:cNvPr id="12" name="내용 개체 틀 11"/>
+          <p:cNvSpPr>
+            <a:spLocks noGrp="1"/>
+          </p:cNvSpPr>
+          <p:nvPr>
+            <p:ph idx="1"/>
+          </p:nvPr>
+        </p:nvSpPr>
+        <p:spPr/>
+        <p:txBody>
+          <a:bodyPr>
+            <a:normAutofit lnSpcReduction="10000"/>
+          </a:bodyPr>
+          <a:lstStyle/>
+          <a:p>
+            <a:r>
+              <a:rPr lang="en-US" altLang="ko-KR" dirty="0" smtClean="0">
+                <a:latin typeface="배달의민족 도현" panose="020B0600000101010101" pitchFamily="50" charset="-127"/>
+                <a:ea typeface="배달의민족 도현" panose="020B0600000101010101" pitchFamily="50" charset="-127"/>
+              </a:rPr>
+              <a:t>Project </a:t>
+            </a:r>
+            <a:r>
+              <a:rPr lang="ko-KR" altLang="en-US" dirty="0" smtClean="0">
+                <a:latin typeface="배달의민족 도현" panose="020B0600000101010101" pitchFamily="50" charset="-127"/>
+                <a:ea typeface="배달의민족 도현" panose="020B0600000101010101" pitchFamily="50" charset="-127"/>
+              </a:rPr>
+              <a:t>클래스 목록</a:t>
+            </a:r>
+            <a:endParaRPr lang="en-US" altLang="ko-KR" dirty="0">
+              <a:latin typeface="배달의민족 도현" panose="020B0600000101010101" pitchFamily="50" charset="-127"/>
+              <a:ea typeface="배달의민족 도현" panose="020B0600000101010101" pitchFamily="50" charset="-127"/>
+            </a:endParaRPr>
+          </a:p>
+          <a:p>
+            <a:r>
+              <a:rPr lang="en-US" altLang="ko-KR" dirty="0" err="1" smtClean="0">
+                <a:latin typeface="배달의민족 도현" panose="020B0600000101010101" pitchFamily="50" charset="-127"/>
+                <a:ea typeface="배달의민족 도현" panose="020B0600000101010101" pitchFamily="50" charset="-127"/>
+              </a:rPr>
+              <a:t>mySQL</a:t>
+            </a:r>
+            <a:r>
+              <a:rPr lang="en-US" altLang="ko-KR" dirty="0" smtClean="0">
+                <a:latin typeface="배달의민족 도현" panose="020B0600000101010101" pitchFamily="50" charset="-127"/>
+                <a:ea typeface="배달의민족 도현" panose="020B0600000101010101" pitchFamily="50" charset="-127"/>
+              </a:rPr>
+              <a:t> DB </a:t>
+            </a:r>
+            <a:r>
+              <a:rPr lang="ko-KR" altLang="en-US" dirty="0" smtClean="0">
+                <a:latin typeface="배달의민족 도현" panose="020B0600000101010101" pitchFamily="50" charset="-127"/>
+                <a:ea typeface="배달의민족 도현" panose="020B0600000101010101" pitchFamily="50" charset="-127"/>
+              </a:rPr>
+              <a:t>목록</a:t>
+            </a:r>
+            <a:endParaRPr lang="en-US" altLang="ko-KR" dirty="0">
+              <a:latin typeface="배달의민족 도현" panose="020B0600000101010101" pitchFamily="50" charset="-127"/>
+              <a:ea typeface="배달의민족 도현" panose="020B0600000101010101" pitchFamily="50" charset="-127"/>
+            </a:endParaRPr>
+          </a:p>
+          <a:p>
+            <a:r>
+              <a:rPr lang="ko-KR" altLang="en-US" dirty="0">
+                <a:latin typeface="배달의민족 도현" panose="020B0600000101010101" pitchFamily="50" charset="-127"/>
+                <a:ea typeface="배달의민족 도현" panose="020B0600000101010101" pitchFamily="50" charset="-127"/>
+              </a:rPr>
+              <a:t>검색 </a:t>
+            </a:r>
+            <a:r>
+              <a:rPr lang="en-US" altLang="ko-KR" dirty="0">
+                <a:latin typeface="배달의민족 도현" panose="020B0600000101010101" pitchFamily="50" charset="-127"/>
+                <a:ea typeface="배달의민족 도현" panose="020B0600000101010101" pitchFamily="50" charset="-127"/>
+              </a:rPr>
+              <a:t>(</a:t>
+            </a:r>
+            <a:r>
+              <a:rPr lang="ko-KR" altLang="en-US" dirty="0">
+                <a:latin typeface="배달의민족 도현" panose="020B0600000101010101" pitchFamily="50" charset="-127"/>
+                <a:ea typeface="배달의민족 도현" panose="020B0600000101010101" pitchFamily="50" charset="-127"/>
+              </a:rPr>
+              <a:t>전체 검색</a:t>
+            </a:r>
+            <a:r>
+              <a:rPr lang="en-US" altLang="ko-KR" dirty="0" smtClean="0">
+                <a:latin typeface="배달의민족 도현" panose="020B0600000101010101" pitchFamily="50" charset="-127"/>
+                <a:ea typeface="배달의민족 도현" panose="020B0600000101010101" pitchFamily="50" charset="-127"/>
+              </a:rPr>
+              <a:t>)</a:t>
+            </a:r>
+            <a:endParaRPr lang="en-US" altLang="ko-KR" dirty="0">
+              <a:latin typeface="배달의민족 도현" panose="020B0600000101010101" pitchFamily="50" charset="-127"/>
+              <a:ea typeface="배달의민족 도현" panose="020B0600000101010101" pitchFamily="50" charset="-127"/>
+            </a:endParaRPr>
+          </a:p>
+          <a:p>
+            <a:r>
+              <a:rPr lang="ko-KR" altLang="en-US" dirty="0">
+                <a:latin typeface="배달의민족 도현" panose="020B0600000101010101" pitchFamily="50" charset="-127"/>
+                <a:ea typeface="배달의민족 도현" panose="020B0600000101010101" pitchFamily="50" charset="-127"/>
+              </a:rPr>
+              <a:t>검색 </a:t>
+            </a:r>
+            <a:r>
+              <a:rPr lang="en-US" altLang="ko-KR" dirty="0" smtClean="0">
+                <a:latin typeface="배달의민족 도현" panose="020B0600000101010101" pitchFamily="50" charset="-127"/>
+                <a:ea typeface="배달의민족 도현" panose="020B0600000101010101" pitchFamily="50" charset="-127"/>
+              </a:rPr>
+              <a:t>(</a:t>
+            </a:r>
+            <a:r>
+              <a:rPr lang="ko-KR" altLang="en-US" dirty="0" smtClean="0">
+                <a:latin typeface="배달의민족 도현" panose="020B0600000101010101" pitchFamily="50" charset="-127"/>
+                <a:ea typeface="배달의민족 도현" panose="020B0600000101010101" pitchFamily="50" charset="-127"/>
+              </a:rPr>
+              <a:t>기업명 검색</a:t>
+            </a:r>
+            <a:r>
+              <a:rPr lang="en-US" altLang="ko-KR" dirty="0" smtClean="0">
+                <a:latin typeface="배달의민족 도현" panose="020B0600000101010101" pitchFamily="50" charset="-127"/>
+                <a:ea typeface="배달의민족 도현" panose="020B0600000101010101" pitchFamily="50" charset="-127"/>
+              </a:rPr>
+              <a:t>)</a:t>
+            </a:r>
+            <a:endParaRPr lang="en-US" altLang="ko-KR" dirty="0">
+              <a:latin typeface="배달의민족 도현" panose="020B0600000101010101" pitchFamily="50" charset="-127"/>
+              <a:ea typeface="배달의민족 도현" panose="020B0600000101010101" pitchFamily="50" charset="-127"/>
+            </a:endParaRPr>
+          </a:p>
+          <a:p>
+            <a:r>
+              <a:rPr lang="ko-KR" altLang="en-US" dirty="0">
+                <a:latin typeface="배달의민족 도현" panose="020B0600000101010101" pitchFamily="50" charset="-127"/>
+                <a:ea typeface="배달의민족 도현" panose="020B0600000101010101" pitchFamily="50" charset="-127"/>
+              </a:rPr>
+              <a:t>검색 </a:t>
+            </a:r>
+            <a:r>
+              <a:rPr lang="en-US" altLang="ko-KR" dirty="0" smtClean="0">
+                <a:latin typeface="배달의민족 도현" panose="020B0600000101010101" pitchFamily="50" charset="-127"/>
+                <a:ea typeface="배달의민족 도현" panose="020B0600000101010101" pitchFamily="50" charset="-127"/>
+              </a:rPr>
+              <a:t>(</a:t>
+            </a:r>
+            <a:r>
+              <a:rPr lang="ko-KR" altLang="en-US" dirty="0" smtClean="0">
+                <a:latin typeface="배달의민족 도현" panose="020B0600000101010101" pitchFamily="50" charset="-127"/>
+                <a:ea typeface="배달의민족 도현" panose="020B0600000101010101" pitchFamily="50" charset="-127"/>
+              </a:rPr>
+              <a:t>위치 </a:t>
+            </a:r>
+            <a:r>
+              <a:rPr lang="ko-KR" altLang="en-US" dirty="0">
+                <a:latin typeface="배달의민족 도현" panose="020B0600000101010101" pitchFamily="50" charset="-127"/>
+                <a:ea typeface="배달의민족 도현" panose="020B0600000101010101" pitchFamily="50" charset="-127"/>
+              </a:rPr>
+              <a:t>검색</a:t>
+            </a:r>
+            <a:r>
+              <a:rPr lang="en-US" altLang="ko-KR" dirty="0" smtClean="0">
+                <a:latin typeface="배달의민족 도현" panose="020B0600000101010101" pitchFamily="50" charset="-127"/>
+                <a:ea typeface="배달의민족 도현" panose="020B0600000101010101" pitchFamily="50" charset="-127"/>
+              </a:rPr>
+              <a:t>)</a:t>
+            </a:r>
+            <a:endParaRPr lang="en-US" altLang="ko-KR" dirty="0">
+              <a:latin typeface="배달의민족 도현" panose="020B0600000101010101" pitchFamily="50" charset="-127"/>
+              <a:ea typeface="배달의민족 도현" panose="020B0600000101010101" pitchFamily="50" charset="-127"/>
+            </a:endParaRPr>
+          </a:p>
+          <a:p>
+            <a:r>
+              <a:rPr lang="ko-KR" altLang="en-US" dirty="0">
+                <a:latin typeface="배달의민족 도현" panose="020B0600000101010101" pitchFamily="50" charset="-127"/>
+                <a:ea typeface="배달의민족 도현" panose="020B0600000101010101" pitchFamily="50" charset="-127"/>
+              </a:rPr>
+              <a:t>검색 </a:t>
+            </a:r>
+            <a:r>
+              <a:rPr lang="en-US" altLang="ko-KR" dirty="0" smtClean="0">
+                <a:latin typeface="배달의민족 도현" panose="020B0600000101010101" pitchFamily="50" charset="-127"/>
+                <a:ea typeface="배달의민족 도현" panose="020B0600000101010101" pitchFamily="50" charset="-127"/>
+              </a:rPr>
+              <a:t>(</a:t>
+            </a:r>
+            <a:r>
+              <a:rPr lang="ko-KR" altLang="en-US" dirty="0" err="1" smtClean="0">
+                <a:latin typeface="배달의민족 도현" panose="020B0600000101010101" pitchFamily="50" charset="-127"/>
+                <a:ea typeface="배달의민족 도현" panose="020B0600000101010101" pitchFamily="50" charset="-127"/>
+              </a:rPr>
+              <a:t>설립년</a:t>
+            </a:r>
+            <a:r>
+              <a:rPr lang="ko-KR" altLang="en-US" dirty="0" err="1">
+                <a:latin typeface="배달의민족 도현" panose="020B0600000101010101" pitchFamily="50" charset="-127"/>
+                <a:ea typeface="배달의민족 도현" panose="020B0600000101010101" pitchFamily="50" charset="-127"/>
+              </a:rPr>
+              <a:t>도</a:t>
+            </a:r>
+            <a:r>
+              <a:rPr lang="ko-KR" altLang="en-US" dirty="0" smtClean="0">
+                <a:latin typeface="배달의민족 도현" panose="020B0600000101010101" pitchFamily="50" charset="-127"/>
+                <a:ea typeface="배달의민족 도현" panose="020B0600000101010101" pitchFamily="50" charset="-127"/>
+              </a:rPr>
+              <a:t> </a:t>
+            </a:r>
+            <a:r>
+              <a:rPr lang="ko-KR" altLang="en-US" dirty="0">
+                <a:latin typeface="배달의민족 도현" panose="020B0600000101010101" pitchFamily="50" charset="-127"/>
+                <a:ea typeface="배달의민족 도현" panose="020B0600000101010101" pitchFamily="50" charset="-127"/>
+              </a:rPr>
+              <a:t>검색</a:t>
+            </a:r>
+            <a:r>
+              <a:rPr lang="en-US" altLang="ko-KR" dirty="0" smtClean="0">
+                <a:latin typeface="배달의민족 도현" panose="020B0600000101010101" pitchFamily="50" charset="-127"/>
+                <a:ea typeface="배달의민족 도현" panose="020B0600000101010101" pitchFamily="50" charset="-127"/>
+              </a:rPr>
+              <a:t>)</a:t>
+            </a:r>
+          </a:p>
+          <a:p>
+            <a:r>
+              <a:rPr lang="ko-KR" altLang="en-US" dirty="0">
+                <a:latin typeface="배달의민족 도현" panose="020B0600000101010101" pitchFamily="50" charset="-127"/>
+                <a:ea typeface="배달의민족 도현" panose="020B0600000101010101" pitchFamily="50" charset="-127"/>
+              </a:rPr>
+              <a:t>잘못 입력했을 </a:t>
+            </a:r>
+            <a:r>
+              <a:rPr lang="ko-KR" altLang="en-US" dirty="0" smtClean="0">
+                <a:latin typeface="배달의민족 도현" panose="020B0600000101010101" pitchFamily="50" charset="-127"/>
+                <a:ea typeface="배달의민족 도현" panose="020B0600000101010101" pitchFamily="50" charset="-127"/>
+              </a:rPr>
+              <a:t>시</a:t>
+            </a:r>
+            <a:endParaRPr lang="en-US" altLang="ko-KR" dirty="0">
+              <a:latin typeface="배달의민족 도현" panose="020B0600000101010101" pitchFamily="50" charset="-127"/>
+              <a:ea typeface="배달의민족 도현" panose="020B0600000101010101" pitchFamily="50" charset="-127"/>
+            </a:endParaRPr>
+          </a:p>
+          <a:p>
+            <a:r>
+              <a:rPr lang="ko-KR" altLang="en-US" dirty="0">
+                <a:latin typeface="배달의민족 도현" panose="020B0600000101010101" pitchFamily="50" charset="-127"/>
+                <a:ea typeface="배달의민족 도현" panose="020B0600000101010101" pitchFamily="50" charset="-127"/>
+              </a:rPr>
+              <a:t>순서도 </a:t>
+            </a:r>
+            <a:r>
+              <a:rPr lang="en-US" altLang="ko-KR" dirty="0">
+                <a:latin typeface="배달의민족 도현" panose="020B0600000101010101" pitchFamily="50" charset="-127"/>
+                <a:ea typeface="배달의민족 도현" panose="020B0600000101010101" pitchFamily="50" charset="-127"/>
+              </a:rPr>
+              <a:t>(Flow Chart</a:t>
+            </a:r>
+            <a:r>
+              <a:rPr lang="en-US" altLang="ko-KR" dirty="0" smtClean="0">
+                <a:latin typeface="배달의민족 도현" panose="020B0600000101010101" pitchFamily="50" charset="-127"/>
+                <a:ea typeface="배달의민족 도현" panose="020B0600000101010101" pitchFamily="50" charset="-127"/>
+              </a:rPr>
+              <a:t>)</a:t>
+            </a:r>
+            <a:endParaRPr lang="en-US" altLang="ko-KR" dirty="0">
+              <a:latin typeface="배달의민족 도현" panose="020B0600000101010101" pitchFamily="50" charset="-127"/>
+              <a:ea typeface="배달의민족 도현" panose="020B0600000101010101" pitchFamily="50" charset="-127"/>
+            </a:endParaRPr>
+          </a:p>
+        </p:txBody>
+      </p:sp>
+    </p:spTree>
+    <p:extLst>
+      <p:ext uri="{BB962C8B-B14F-4D97-AF65-F5344CB8AC3E}">
+        <p14:creationId xmlns:p14="http://schemas.microsoft.com/office/powerpoint/2010/main" val="1190446139"/>
+      </p:ext>
+    </p:extLst>
+  </p:cSld>
+  <p:clrMapOvr>
+    <a:masterClrMapping/>
+  </p:clrMapOvr>
+  <p:timing>
+    <p:tnLst>
+      <p:par>
+        <p:cTn id="1" dur="indefinite" restart="never" nodeType="tmRoot">
+          <p:childTnLst>
+            <p:seq concurrent="1" nextAc="seek">
+              <p:cTn id="2" dur="indefinite" nodeType="mainSeq">
+                <p:childTnLst>
+                  <p:par>
+                    <p:cTn id="3" fill="hold">
+                      <p:stCondLst>
+                        <p:cond delay="indefinite"/>
+                        <p:cond evt="onBegin" delay="0">
+                          <p:tn val="2"/>
+                        </p:cond>
+                      </p:stCondLst>
+                      <p:childTnLst>
+                        <p:par>
+                          <p:cTn id="4" fill="hold">
+                            <p:stCondLst>
+                              <p:cond delay="0"/>
+                            </p:stCondLst>
+                            <p:childTnLst>
+                              <p:par>
+                                <p:cTn id="5" presetID="47" presetClass="entr" presetSubtype="0" fill="hold" nodeType="withEffect">
+                                  <p:stCondLst>
+                                    <p:cond delay="0"/>
+                                  </p:stCondLst>
+                                  <p:childTnLst>
+                                    <p:set>
+                                      <p:cBhvr>
+                                        <p:cTn id="6" dur="1" fill="hold">
+                                          <p:stCondLst>
+                                            <p:cond delay="0"/>
+                                          </p:stCondLst>
+                                        </p:cTn>
+                                        <p:tgtEl>
+                                          <p:spTgt spid="17"/>
+                                        </p:tgtEl>
+                                        <p:attrNameLst>
+                                          <p:attrName>style.visibility</p:attrName>
+                                        </p:attrNameLst>
+                                      </p:cBhvr>
+                                      <p:to>
+                                        <p:strVal val="visible"/>
+                                      </p:to>
+                                    </p:set>
+                                    <p:animEffect transition="in" filter="fade">
+                                      <p:cBhvr>
+                                        <p:cTn id="7" dur="1000"/>
+                                        <p:tgtEl>
+                                          <p:spTgt spid="17"/>
+                                        </p:tgtEl>
+                                      </p:cBhvr>
+                                    </p:animEffect>
+                                    <p:anim calcmode="lin" valueType="num">
+                                      <p:cBhvr>
+                                        <p:cTn id="8" dur="1000" fill="hold"/>
+                                        <p:tgtEl>
+                                          <p:spTgt spid="17"/>
+                                        </p:tgtEl>
+                                        <p:attrNameLst>
+                                          <p:attrName>ppt_x</p:attrName>
+                                        </p:attrNameLst>
+                                      </p:cBhvr>
+                                      <p:tavLst>
+                                        <p:tav tm="0">
+                                          <p:val>
+                                            <p:strVal val="#ppt_x"/>
+                                          </p:val>
+                                        </p:tav>
+                                        <p:tav tm="100000">
+                                          <p:val>
+                                            <p:strVal val="#ppt_x"/>
+                                          </p:val>
+                                        </p:tav>
+                                      </p:tavLst>
+                                    </p:anim>
+                                    <p:anim calcmode="lin" valueType="num">
+                                      <p:cBhvr>
+                                        <p:cTn id="9" dur="1000" fill="hold"/>
+                                        <p:tgtEl>
+                                          <p:spTgt spid="17"/>
+                                        </p:tgtEl>
+                                        <p:attrNameLst>
+                                          <p:attrName>ppt_y</p:attrName>
+                                        </p:attrNameLst>
+                                      </p:cBhvr>
+                                      <p:tavLst>
+                                        <p:tav tm="0">
+                                          <p:val>
+                                            <p:strVal val="#ppt_y-.1"/>
+                                          </p:val>
+                                        </p:tav>
+                                        <p:tav tm="100000">
+                                          <p:val>
+                                            <p:strVal val="#ppt_y"/>
+                                          </p:val>
+                                        </p:tav>
+                                      </p:tavLst>
+                                    </p:anim>
+                                  </p:childTnLst>
+                                </p:cTn>
+                              </p:par>
+                            </p:childTnLst>
+                          </p:cTn>
+                        </p:par>
+                        <p:par>
+                          <p:cTn id="10" fill="hold">
+                            <p:stCondLst>
+                              <p:cond delay="1000"/>
+                            </p:stCondLst>
+                            <p:childTnLst>
+                              <p:par>
+                                <p:cTn id="11" presetID="10" presetClass="entr" presetSubtype="0" fill="hold" grpId="0" nodeType="afterEffect">
+                                  <p:stCondLst>
+                                    <p:cond delay="0"/>
+                                  </p:stCondLst>
+                                  <p:childTnLst>
+                                    <p:set>
+                                      <p:cBhvr>
+                                        <p:cTn id="12" dur="1" fill="hold">
+                                          <p:stCondLst>
+                                            <p:cond delay="0"/>
+                                          </p:stCondLst>
+                                        </p:cTn>
+                                        <p:tgtEl>
+                                          <p:spTgt spid="12">
+                                            <p:txEl>
+                                              <p:pRg st="0" end="0"/>
+                                            </p:txEl>
+                                          </p:spTgt>
+                                        </p:tgtEl>
+                                        <p:attrNameLst>
+                                          <p:attrName>style.visibility</p:attrName>
+                                        </p:attrNameLst>
+                                      </p:cBhvr>
+                                      <p:to>
+                                        <p:strVal val="visible"/>
+                                      </p:to>
+                                    </p:set>
+                                    <p:animEffect transition="in" filter="fade">
+                                      <p:cBhvr>
+                                        <p:cTn id="13" dur="500"/>
+                                        <p:tgtEl>
+                                          <p:spTgt spid="12">
+                                            <p:txEl>
+                                              <p:pRg st="0" end="0"/>
+                                            </p:txEl>
+                                          </p:spTgt>
+                                        </p:tgtEl>
+                                      </p:cBhvr>
+                                    </p:animEffect>
+                                  </p:childTnLst>
+                                </p:cTn>
+                              </p:par>
+                            </p:childTnLst>
+                          </p:cTn>
+                        </p:par>
+                        <p:par>
+                          <p:cTn id="14" fill="hold">
+                            <p:stCondLst>
+                              <p:cond delay="1500"/>
+                            </p:stCondLst>
+                            <p:childTnLst>
+                              <p:par>
+                                <p:cTn id="15" presetID="10" presetClass="entr" presetSubtype="0" fill="hold" grpId="0" nodeType="afterEffect">
+                                  <p:stCondLst>
+                                    <p:cond delay="0"/>
+                                  </p:stCondLst>
+                                  <p:childTnLst>
+                                    <p:set>
+                                      <p:cBhvr>
+                                        <p:cTn id="16" dur="1" fill="hold">
+                                          <p:stCondLst>
+                                            <p:cond delay="0"/>
+                                          </p:stCondLst>
+                                        </p:cTn>
+                                        <p:tgtEl>
+                                          <p:spTgt spid="12">
+                                            <p:txEl>
+                                              <p:pRg st="1" end="1"/>
+                                            </p:txEl>
+                                          </p:spTgt>
+                                        </p:tgtEl>
+                                        <p:attrNameLst>
+                                          <p:attrName>style.visibility</p:attrName>
+                                        </p:attrNameLst>
+                                      </p:cBhvr>
+                                      <p:to>
+                                        <p:strVal val="visible"/>
+                                      </p:to>
+                                    </p:set>
+                                    <p:animEffect transition="in" filter="fade">
+                                      <p:cBhvr>
+                                        <p:cTn id="17" dur="500"/>
+                                        <p:tgtEl>
+                                          <p:spTgt spid="12">
+                                            <p:txEl>
+                                              <p:pRg st="1" end="1"/>
+                                            </p:txEl>
+                                          </p:spTgt>
+                                        </p:tgtEl>
+                                      </p:cBhvr>
+                                    </p:animEffect>
+                                  </p:childTnLst>
+                                </p:cTn>
+                              </p:par>
+                            </p:childTnLst>
+                          </p:cTn>
+                        </p:par>
+                        <p:par>
+                          <p:cTn id="18" fill="hold">
+                            <p:stCondLst>
+                              <p:cond delay="2000"/>
+                            </p:stCondLst>
+                            <p:childTnLst>
+                              <p:par>
+                                <p:cTn id="19" presetID="10" presetClass="entr" presetSubtype="0" fill="hold" grpId="0" nodeType="afterEffect">
+                                  <p:stCondLst>
+                                    <p:cond delay="0"/>
+                                  </p:stCondLst>
+                                  <p:childTnLst>
+                                    <p:set>
+                                      <p:cBhvr>
+                                        <p:cTn id="20" dur="1" fill="hold">
+                                          <p:stCondLst>
+                                            <p:cond delay="0"/>
+                                          </p:stCondLst>
+                                        </p:cTn>
+                                        <p:tgtEl>
+                                          <p:spTgt spid="12">
+                                            <p:txEl>
+                                              <p:pRg st="2" end="2"/>
+                                            </p:txEl>
+                                          </p:spTgt>
+                                        </p:tgtEl>
+                                        <p:attrNameLst>
+                                          <p:attrName>style.visibility</p:attrName>
+                                        </p:attrNameLst>
+                                      </p:cBhvr>
+                                      <p:to>
+                                        <p:strVal val="visible"/>
+                                      </p:to>
+                                    </p:set>
+                                    <p:animEffect transition="in" filter="fade">
+                                      <p:cBhvr>
+                                        <p:cTn id="21" dur="500"/>
+                                        <p:tgtEl>
+                                          <p:spTgt spid="12">
+                                            <p:txEl>
+                                              <p:pRg st="2" end="2"/>
+                                            </p:txEl>
+                                          </p:spTgt>
+                                        </p:tgtEl>
+                                      </p:cBhvr>
+                                    </p:animEffect>
+                                  </p:childTnLst>
+                                </p:cTn>
+                              </p:par>
+                            </p:childTnLst>
+                          </p:cTn>
+                        </p:par>
+                        <p:par>
+                          <p:cTn id="22" fill="hold">
+                            <p:stCondLst>
+                              <p:cond delay="2500"/>
+                            </p:stCondLst>
+                            <p:childTnLst>
+                              <p:par>
+                                <p:cTn id="23" presetID="10" presetClass="entr" presetSubtype="0" fill="hold" grpId="0" nodeType="afterEffect">
+                                  <p:stCondLst>
+                                    <p:cond delay="0"/>
+                                  </p:stCondLst>
+                                  <p:childTnLst>
+                                    <p:set>
+                                      <p:cBhvr>
+                                        <p:cTn id="24" dur="1" fill="hold">
+                                          <p:stCondLst>
+                                            <p:cond delay="0"/>
+                                          </p:stCondLst>
+                                        </p:cTn>
+                                        <p:tgtEl>
+                                          <p:spTgt spid="12">
+                                            <p:txEl>
+                                              <p:pRg st="3" end="3"/>
+                                            </p:txEl>
+                                          </p:spTgt>
+                                        </p:tgtEl>
+                                        <p:attrNameLst>
+                                          <p:attrName>style.visibility</p:attrName>
+                                        </p:attrNameLst>
+                                      </p:cBhvr>
+                                      <p:to>
+                                        <p:strVal val="visible"/>
+                                      </p:to>
+                                    </p:set>
+                                    <p:animEffect transition="in" filter="fade">
+                                      <p:cBhvr>
+                                        <p:cTn id="25" dur="500"/>
+                                        <p:tgtEl>
+                                          <p:spTgt spid="12">
+                                            <p:txEl>
+                                              <p:pRg st="3" end="3"/>
+                                            </p:txEl>
+                                          </p:spTgt>
+                                        </p:tgtEl>
+                                      </p:cBhvr>
+                                    </p:animEffect>
+                                  </p:childTnLst>
+                                </p:cTn>
+                              </p:par>
+                            </p:childTnLst>
+                          </p:cTn>
+                        </p:par>
+                        <p:par>
+                          <p:cTn id="26" fill="hold">
+                            <p:stCondLst>
+                              <p:cond delay="3000"/>
+                            </p:stCondLst>
+                            <p:childTnLst>
+                              <p:par>
+                                <p:cTn id="27" presetID="10" presetClass="entr" presetSubtype="0" fill="hold" grpId="0" nodeType="afterEffect">
+                                  <p:stCondLst>
+                                    <p:cond delay="0"/>
+                                  </p:stCondLst>
+                                  <p:childTnLst>
+                                    <p:set>
+                                      <p:cBhvr>
+                                        <p:cTn id="28" dur="1" fill="hold">
+                                          <p:stCondLst>
+                                            <p:cond delay="0"/>
+                                          </p:stCondLst>
+                                        </p:cTn>
+                                        <p:tgtEl>
+                                          <p:spTgt spid="12">
+                                            <p:txEl>
+                                              <p:pRg st="4" end="4"/>
+                                            </p:txEl>
+                                          </p:spTgt>
+                                        </p:tgtEl>
+                                        <p:attrNameLst>
+                                          <p:attrName>style.visibility</p:attrName>
+                                        </p:attrNameLst>
+                                      </p:cBhvr>
+                                      <p:to>
+                                        <p:strVal val="visible"/>
+                                      </p:to>
+                                    </p:set>
+                                    <p:animEffect transition="in" filter="fade">
+                                      <p:cBhvr>
+                                        <p:cTn id="29" dur="500"/>
+                                        <p:tgtEl>
+                                          <p:spTgt spid="12">
+                                            <p:txEl>
+                                              <p:pRg st="4" end="4"/>
+                                            </p:txEl>
+                                          </p:spTgt>
+                                        </p:tgtEl>
+                                      </p:cBhvr>
+                                    </p:animEffect>
+                                  </p:childTnLst>
+                                </p:cTn>
+                              </p:par>
+                            </p:childTnLst>
+                          </p:cTn>
+                        </p:par>
+                        <p:par>
+                          <p:cTn id="30" fill="hold">
+                            <p:stCondLst>
+                              <p:cond delay="3500"/>
+                            </p:stCondLst>
+                            <p:childTnLst>
+                              <p:par>
+                                <p:cTn id="31" presetID="10" presetClass="entr" presetSubtype="0" fill="hold" grpId="0" nodeType="afterEffect">
+                                  <p:stCondLst>
+                                    <p:cond delay="0"/>
+                                  </p:stCondLst>
+                                  <p:childTnLst>
+                                    <p:set>
+                                      <p:cBhvr>
+                                        <p:cTn id="32" dur="1" fill="hold">
+                                          <p:stCondLst>
+                                            <p:cond delay="0"/>
+                                          </p:stCondLst>
+                                        </p:cTn>
+                                        <p:tgtEl>
+                                          <p:spTgt spid="12">
+                                            <p:txEl>
+                                              <p:pRg st="5" end="5"/>
+                                            </p:txEl>
+                                          </p:spTgt>
+                                        </p:tgtEl>
+                                        <p:attrNameLst>
+                                          <p:attrName>style.visibility</p:attrName>
+                                        </p:attrNameLst>
+                                      </p:cBhvr>
+                                      <p:to>
+                                        <p:strVal val="visible"/>
+                                      </p:to>
+                                    </p:set>
+                                    <p:animEffect transition="in" filter="fade">
+                                      <p:cBhvr>
+                                        <p:cTn id="33" dur="500"/>
+                                        <p:tgtEl>
+                                          <p:spTgt spid="12">
+                                            <p:txEl>
+                                              <p:pRg st="5" end="5"/>
+                                            </p:txEl>
+                                          </p:spTgt>
+                                        </p:tgtEl>
+                                      </p:cBhvr>
+                                    </p:animEffect>
+                                  </p:childTnLst>
+                                </p:cTn>
+                              </p:par>
+                            </p:childTnLst>
+                          </p:cTn>
+                        </p:par>
+                        <p:par>
+                          <p:cTn id="34" fill="hold">
+                            <p:stCondLst>
+                              <p:cond delay="4000"/>
+                            </p:stCondLst>
+                            <p:childTnLst>
+                              <p:par>
+                                <p:cTn id="35" presetID="10" presetClass="entr" presetSubtype="0" fill="hold" grpId="0" nodeType="afterEffect">
+                                  <p:stCondLst>
+                                    <p:cond delay="0"/>
+                                  </p:stCondLst>
+                                  <p:childTnLst>
+                                    <p:set>
+                                      <p:cBhvr>
+                                        <p:cTn id="36" dur="1" fill="hold">
+                                          <p:stCondLst>
+                                            <p:cond delay="0"/>
+                                          </p:stCondLst>
+                                        </p:cTn>
+                                        <p:tgtEl>
+                                          <p:spTgt spid="12">
+                                            <p:txEl>
+                                              <p:pRg st="6" end="6"/>
+                                            </p:txEl>
+                                          </p:spTgt>
+                                        </p:tgtEl>
+                                        <p:attrNameLst>
+                                          <p:attrName>style.visibility</p:attrName>
+                                        </p:attrNameLst>
+                                      </p:cBhvr>
+                                      <p:to>
+                                        <p:strVal val="visible"/>
+                                      </p:to>
+                                    </p:set>
+                                    <p:animEffect transition="in" filter="fade">
+                                      <p:cBhvr>
+                                        <p:cTn id="37" dur="500"/>
+                                        <p:tgtEl>
+                                          <p:spTgt spid="12">
+                                            <p:txEl>
+                                              <p:pRg st="6" end="6"/>
+                                            </p:txEl>
+                                          </p:spTgt>
+                                        </p:tgtEl>
+                                      </p:cBhvr>
+                                    </p:animEffect>
+                                  </p:childTnLst>
+                                </p:cTn>
+                              </p:par>
+                            </p:childTnLst>
+                          </p:cTn>
+                        </p:par>
+                        <p:par>
+                          <p:cTn id="38" fill="hold">
+                            <p:stCondLst>
+                              <p:cond delay="4500"/>
+                            </p:stCondLst>
+                            <p:childTnLst>
+                              <p:par>
+                                <p:cTn id="39" presetID="10" presetClass="entr" presetSubtype="0" fill="hold" grpId="0" nodeType="afterEffect">
+                                  <p:stCondLst>
+                                    <p:cond delay="0"/>
+                                  </p:stCondLst>
+                                  <p:childTnLst>
+                                    <p:set>
+                                      <p:cBhvr>
+                                        <p:cTn id="40" dur="1" fill="hold">
+                                          <p:stCondLst>
+                                            <p:cond delay="0"/>
+                                          </p:stCondLst>
+                                        </p:cTn>
+                                        <p:tgtEl>
+                                          <p:spTgt spid="12">
+                                            <p:txEl>
+                                              <p:pRg st="7" end="7"/>
+                                            </p:txEl>
+                                          </p:spTgt>
+                                        </p:tgtEl>
+                                        <p:attrNameLst>
+                                          <p:attrName>style.visibility</p:attrName>
+                                        </p:attrNameLst>
+                                      </p:cBhvr>
+                                      <p:to>
+                                        <p:strVal val="visible"/>
+                                      </p:to>
+                                    </p:set>
+                                    <p:animEffect transition="in" filter="fade">
+                                      <p:cBhvr>
+                                        <p:cTn id="41" dur="500"/>
+                                        <p:tgtEl>
+                                          <p:spTgt spid="12">
+                                            <p:txEl>
+                                              <p:pRg st="7" end="7"/>
+                                            </p:txEl>
+                                          </p:spTgt>
+                                        </p:tgtEl>
+                                      </p:cBhvr>
+                                    </p:animEffect>
+                                  </p:childTnLst>
+                                </p:cTn>
+                              </p:par>
+                            </p:childTnLst>
+                          </p:cTn>
+                        </p:par>
+                      </p:childTnLst>
+                    </p:cTn>
+                  </p:par>
+                </p:childTnLst>
+              </p:cTn>
+              <p:prevCondLst>
+                <p:cond evt="onPrev" delay="0">
+                  <p:tgtEl>
+                    <p:sldTgt/>
+                  </p:tgtEl>
+                </p:cond>
+              </p:prevCondLst>
+              <p:nextCondLst>
+                <p:cond evt="onNext" delay="0">
+                  <p:tgtEl>
+                    <p:sldTgt/>
+                  </p:tgtEl>
+                </p:cond>
+              </p:nextCondLst>
+            </p:seq>
+          </p:childTnLst>
+        </p:cTn>
+      </p:par>
+    </p:tnLst>
+    <p:bldLst>
+      <p:bldP spid="12" grpId="0" build="p"/>
+    </p:bldLst>
+  </p:timing>
+</p:sld>
+</file>
+
+<file path=ppt/slides/slide3.xml><?xml version="1.0" encoding="utf-8"?>
+<p:sld xmlns:a="http://schemas.openxmlformats.org/drawingml/2006/main" xmlns:r="http://schemas.openxmlformats.org/officeDocument/2006/relationships" xmlns:p="http://schemas.openxmlformats.org/presentationml/2006/main">
+  <p:cSld>
+    <p:spTree>
+      <p:nvGrpSpPr>
+        <p:cNvPr id="1" name=""/>
+        <p:cNvGrpSpPr/>
+        <p:nvPr/>
+      </p:nvGrpSpPr>
+      <p:grpSpPr>
+        <a:xfrm>
+          <a:off x="0" y="0"/>
+          <a:ext cx="0" cy="0"/>
+          <a:chOff x="0" y="0"/>
+          <a:chExt cx="0" cy="0"/>
+        </a:xfrm>
+      </p:grpSpPr>
+      <p:sp>
+        <p:nvSpPr>
+          <p:cNvPr id="2" name="제목 1"/>
+          <p:cNvSpPr>
+            <a:spLocks noGrp="1"/>
+          </p:cNvSpPr>
+          <p:nvPr>
+            <p:ph type="title"/>
+          </p:nvPr>
+        </p:nvSpPr>
+        <p:spPr/>
+        <p:txBody>
+          <a:bodyPr/>
+          <a:lstStyle/>
+          <a:p>
+            <a:r>
+              <a:rPr lang="en-US" altLang="ko-KR" dirty="0" smtClean="0">
+                <a:latin typeface="배달의민족 도현" panose="020B0600000101010101" pitchFamily="50" charset="-127"/>
+                <a:ea typeface="배달의민족 도현" panose="020B0600000101010101" pitchFamily="50" charset="-127"/>
+              </a:rPr>
+              <a:t>Project </a:t>
+            </a:r>
+            <a:r>
+              <a:rPr lang="ko-KR" altLang="en-US" dirty="0" smtClean="0">
+                <a:latin typeface="배달의민족 도현" panose="020B0600000101010101" pitchFamily="50" charset="-127"/>
+                <a:ea typeface="배달의민족 도현" panose="020B0600000101010101" pitchFamily="50" charset="-127"/>
+              </a:rPr>
+              <a:t>클래스 목록</a:t>
+            </a:r>
+            <a:endParaRPr lang="ko-KR" altLang="en-US" dirty="0">
+              <a:latin typeface="배달의민족 도현" panose="020B0600000101010101" pitchFamily="50" charset="-127"/>
+              <a:ea typeface="배달의민족 도현" panose="020B0600000101010101" pitchFamily="50" charset="-127"/>
+            </a:endParaRPr>
+          </a:p>
+        </p:txBody>
+      </p:sp>
+      <p:grpSp>
+        <p:nvGrpSpPr>
+          <p:cNvPr id="3" name="그룹 2"/>
+          <p:cNvGrpSpPr/>
+          <p:nvPr/>
+        </p:nvGrpSpPr>
+        <p:grpSpPr>
+          <a:xfrm>
+            <a:off x="5436096" y="1628800"/>
+            <a:ext cx="5725144" cy="6192688"/>
+            <a:chOff x="5436096" y="1628800"/>
+            <a:chExt cx="5725144" cy="6192688"/>
+          </a:xfrm>
+        </p:grpSpPr>
+        <p:grpSp>
+          <p:nvGrpSpPr>
+            <p:cNvPr id="7" name="그룹 6"/>
+            <p:cNvGrpSpPr/>
+            <p:nvPr/>
+          </p:nvGrpSpPr>
+          <p:grpSpPr>
+            <a:xfrm>
+              <a:off x="5436096" y="1628800"/>
+              <a:ext cx="5725144" cy="6192688"/>
+              <a:chOff x="5111552" y="1628800"/>
+              <a:chExt cx="5725144" cy="6192688"/>
+            </a:xfrm>
+          </p:grpSpPr>
+          <p:sp>
+            <p:nvSpPr>
+              <p:cNvPr id="9" name="타원 8"/>
+              <p:cNvSpPr/>
+              <p:nvPr/>
+            </p:nvSpPr>
+            <p:spPr>
+              <a:xfrm>
+                <a:off x="5111552" y="2564904"/>
+                <a:ext cx="4032448" cy="4032448"/>
+              </a:xfrm>
+              <a:prstGeom prst="ellipse">
+                <a:avLst/>
+              </a:prstGeom>
+            </p:spPr>
+            <p:style>
+              <a:lnRef idx="1">
+                <a:schemeClr val="accent4"/>
+              </a:lnRef>
+              <a:fillRef idx="3">
+                <a:schemeClr val="accent4"/>
+              </a:fillRef>
+              <a:effectRef idx="2">
+                <a:schemeClr val="accent4"/>
+              </a:effectRef>
+              <a:fontRef idx="minor">
+                <a:schemeClr val="lt1"/>
+              </a:fontRef>
+            </p:style>
+            <p:txBody>
+              <a:bodyPr rtlCol="0" anchor="ctr"/>
+              <a:lstStyle/>
+              <a:p>
+                <a:pPr algn="ctr"/>
+                <a:endParaRPr lang="ko-KR" altLang="en-US"/>
+              </a:p>
+            </p:txBody>
+          </p:sp>
+          <p:sp>
+            <p:nvSpPr>
+              <p:cNvPr id="6" name="타원 5"/>
+              <p:cNvSpPr/>
+              <p:nvPr/>
+            </p:nvSpPr>
+            <p:spPr>
+              <a:xfrm>
+                <a:off x="6804248" y="1628800"/>
+                <a:ext cx="4032448" cy="4032448"/>
+              </a:xfrm>
+              <a:prstGeom prst="ellipse">
+                <a:avLst/>
+              </a:prstGeom>
+            </p:spPr>
+            <p:style>
+              <a:lnRef idx="1">
+                <a:schemeClr val="accent4"/>
+              </a:lnRef>
+              <a:fillRef idx="3">
+                <a:schemeClr val="accent4"/>
+              </a:fillRef>
+              <a:effectRef idx="2">
+                <a:schemeClr val="accent4"/>
+              </a:effectRef>
+              <a:fontRef idx="minor">
+                <a:schemeClr val="lt1"/>
+              </a:fontRef>
+            </p:style>
+            <p:txBody>
+              <a:bodyPr rtlCol="0" anchor="ctr"/>
+              <a:lstStyle/>
+              <a:p>
+                <a:pPr algn="ctr"/>
+                <a:endParaRPr lang="ko-KR" altLang="en-US"/>
+              </a:p>
+            </p:txBody>
+          </p:sp>
+          <p:sp>
+            <p:nvSpPr>
+              <p:cNvPr id="5" name="타원 4"/>
+              <p:cNvSpPr/>
+              <p:nvPr/>
+            </p:nvSpPr>
+            <p:spPr>
+              <a:xfrm>
+                <a:off x="5724128" y="3501008"/>
+                <a:ext cx="4320480" cy="4320480"/>
+              </a:xfrm>
+              <a:prstGeom prst="ellipse">
+                <a:avLst/>
+              </a:prstGeom>
+            </p:spPr>
+            <p:style>
+              <a:lnRef idx="1">
+                <a:schemeClr val="accent4"/>
+              </a:lnRef>
+              <a:fillRef idx="3">
+                <a:schemeClr val="accent4"/>
+              </a:fillRef>
+              <a:effectRef idx="2">
+                <a:schemeClr val="accent4"/>
+              </a:effectRef>
+              <a:fontRef idx="minor">
+                <a:schemeClr val="lt1"/>
+              </a:fontRef>
+            </p:style>
+            <p:txBody>
+              <a:bodyPr rtlCol="0" anchor="ctr"/>
+              <a:lstStyle/>
+              <a:p>
+                <a:pPr algn="ctr"/>
+                <a:endParaRPr lang="ko-KR" altLang="en-US"/>
+              </a:p>
+            </p:txBody>
+          </p:sp>
+        </p:grpSp>
+        <p:sp>
+          <p:nvSpPr>
+            <p:cNvPr id="4" name="TextBox 3"/>
+            <p:cNvSpPr txBox="1"/>
+            <p:nvPr/>
+          </p:nvSpPr>
+          <p:spPr>
+            <a:xfrm>
+              <a:off x="5652120" y="3671153"/>
+              <a:ext cx="3405099" cy="2062103"/>
+            </a:xfrm>
+            <a:prstGeom prst="rect">
+              <a:avLst/>
+            </a:prstGeom>
+            <a:noFill/>
+          </p:spPr>
+          <p:txBody>
+            <a:bodyPr wrap="none" rtlCol="0">
+              <a:spAutoFit/>
+            </a:bodyPr>
+            <a:lstStyle/>
+            <a:p>
+              <a:r>
+                <a:rPr lang="en-US" altLang="ko-KR" sz="1600" dirty="0" err="1" smtClean="0">
+                  <a:latin typeface="배달의민족 도현" panose="020B0600000101010101" pitchFamily="50" charset="-127"/>
+                  <a:ea typeface="배달의민족 도현" panose="020B0600000101010101" pitchFamily="50" charset="-127"/>
+                </a:rPr>
+                <a:t>mySQL</a:t>
+              </a:r>
+              <a:r>
+                <a:rPr lang="ko-KR" altLang="en-US" sz="1600" dirty="0" smtClean="0">
+                  <a:latin typeface="배달의민족 도현" panose="020B0600000101010101" pitchFamily="50" charset="-127"/>
+                  <a:ea typeface="배달의민족 도현" panose="020B0600000101010101" pitchFamily="50" charset="-127"/>
+                </a:rPr>
+                <a:t>과 </a:t>
+              </a:r>
+              <a:r>
+                <a:rPr lang="en-US" altLang="ko-KR" sz="1600" dirty="0" smtClean="0">
+                  <a:latin typeface="배달의민족 도현" panose="020B0600000101010101" pitchFamily="50" charset="-127"/>
+                  <a:ea typeface="배달의민족 도현" panose="020B0600000101010101" pitchFamily="50" charset="-127"/>
+                </a:rPr>
+                <a:t>JAVA </a:t>
+              </a:r>
+              <a:r>
+                <a:rPr lang="ko-KR" altLang="en-US" sz="1600" dirty="0" smtClean="0">
+                  <a:latin typeface="배달의민족 도현" panose="020B0600000101010101" pitchFamily="50" charset="-127"/>
+                  <a:ea typeface="배달의민족 도현" panose="020B0600000101010101" pitchFamily="50" charset="-127"/>
+                </a:rPr>
+                <a:t>사이 </a:t>
+              </a:r>
+              <a:endParaRPr lang="en-US" altLang="ko-KR" sz="1600" dirty="0" smtClean="0">
+                <a:latin typeface="배달의민족 도현" panose="020B0600000101010101" pitchFamily="50" charset="-127"/>
+                <a:ea typeface="배달의민족 도현" panose="020B0600000101010101" pitchFamily="50" charset="-127"/>
+              </a:endParaRPr>
+            </a:p>
+            <a:p>
+              <a:r>
+                <a:rPr lang="ko-KR" altLang="en-US" sz="1600" dirty="0" smtClean="0">
+                  <a:latin typeface="배달의민족 도현" panose="020B0600000101010101" pitchFamily="50" charset="-127"/>
+                  <a:ea typeface="배달의민족 도현" panose="020B0600000101010101" pitchFamily="50" charset="-127"/>
+                </a:rPr>
+                <a:t>정보를 전달 할 때 사용</a:t>
+              </a:r>
+              <a:endParaRPr lang="en-US" altLang="ko-KR" sz="1600" dirty="0" smtClean="0">
+                <a:latin typeface="배달의민족 도현" panose="020B0600000101010101" pitchFamily="50" charset="-127"/>
+                <a:ea typeface="배달의민족 도현" panose="020B0600000101010101" pitchFamily="50" charset="-127"/>
+              </a:endParaRPr>
+            </a:p>
+            <a:p>
+              <a:endParaRPr lang="en-US" altLang="ko-KR" sz="1600" dirty="0">
+                <a:latin typeface="배달의민족 도현" panose="020B0600000101010101" pitchFamily="50" charset="-127"/>
+                <a:ea typeface="배달의민족 도현" panose="020B0600000101010101" pitchFamily="50" charset="-127"/>
+              </a:endParaRPr>
+            </a:p>
+            <a:p>
+              <a:r>
+                <a:rPr lang="en-US" altLang="ko-KR" sz="1600" dirty="0" err="1" smtClean="0">
+                  <a:latin typeface="배달의민족 도현" panose="020B0600000101010101" pitchFamily="50" charset="-127"/>
+                  <a:ea typeface="배달의민족 도현" panose="020B0600000101010101" pitchFamily="50" charset="-127"/>
+                </a:rPr>
+                <a:t>mySQL</a:t>
+              </a:r>
+              <a:r>
+                <a:rPr lang="ko-KR" altLang="en-US" sz="1600" dirty="0">
+                  <a:latin typeface="배달의민족 도현" panose="020B0600000101010101" pitchFamily="50" charset="-127"/>
+                  <a:ea typeface="배달의민족 도현" panose="020B0600000101010101" pitchFamily="50" charset="-127"/>
+                </a:rPr>
+                <a:t> </a:t>
+              </a:r>
+              <a:r>
+                <a:rPr lang="ko-KR" altLang="en-US" sz="1600" dirty="0" smtClean="0">
+                  <a:latin typeface="배달의민족 도현" panose="020B0600000101010101" pitchFamily="50" charset="-127"/>
+                  <a:ea typeface="배달의민족 도현" panose="020B0600000101010101" pitchFamily="50" charset="-127"/>
+                </a:rPr>
+                <a:t>연동 및 검색 </a:t>
+              </a:r>
+              <a:endParaRPr lang="en-US" altLang="ko-KR" sz="1600" dirty="0" smtClean="0">
+                <a:latin typeface="배달의민족 도현" panose="020B0600000101010101" pitchFamily="50" charset="-127"/>
+                <a:ea typeface="배달의민족 도현" panose="020B0600000101010101" pitchFamily="50" charset="-127"/>
+              </a:endParaRPr>
+            </a:p>
+            <a:p>
+              <a:r>
+                <a:rPr lang="ko-KR" altLang="en-US" sz="1600" dirty="0" smtClean="0">
+                  <a:latin typeface="배달의민족 도현" panose="020B0600000101010101" pitchFamily="50" charset="-127"/>
+                  <a:ea typeface="배달의민족 도현" panose="020B0600000101010101" pitchFamily="50" charset="-127"/>
+                </a:rPr>
+                <a:t>카테고리에 맞게 결과값을 </a:t>
+              </a:r>
+              <a:endParaRPr lang="en-US" altLang="ko-KR" sz="1600" dirty="0" smtClean="0">
+                <a:latin typeface="배달의민족 도현" panose="020B0600000101010101" pitchFamily="50" charset="-127"/>
+                <a:ea typeface="배달의민족 도현" panose="020B0600000101010101" pitchFamily="50" charset="-127"/>
+              </a:endParaRPr>
+            </a:p>
+            <a:p>
+              <a:r>
+                <a:rPr lang="ko-KR" altLang="en-US" sz="1600" dirty="0" smtClean="0">
+                  <a:latin typeface="배달의민족 도현" panose="020B0600000101010101" pitchFamily="50" charset="-127"/>
+                  <a:ea typeface="배달의민족 도현" panose="020B0600000101010101" pitchFamily="50" charset="-127"/>
+                </a:rPr>
+                <a:t>출력하게 만드는 </a:t>
+              </a:r>
+              <a:r>
+                <a:rPr lang="ko-KR" altLang="en-US" sz="1600" dirty="0" err="1" smtClean="0">
+                  <a:latin typeface="배달의민족 도현" panose="020B0600000101010101" pitchFamily="50" charset="-127"/>
+                  <a:ea typeface="배달의민족 도현" panose="020B0600000101010101" pitchFamily="50" charset="-127"/>
+                </a:rPr>
+                <a:t>메서드</a:t>
+              </a:r>
+              <a:r>
+                <a:rPr lang="ko-KR" altLang="en-US" sz="1600" dirty="0" smtClean="0">
+                  <a:latin typeface="배달의민족 도현" panose="020B0600000101010101" pitchFamily="50" charset="-127"/>
+                  <a:ea typeface="배달의민족 도현" panose="020B0600000101010101" pitchFamily="50" charset="-127"/>
+                </a:rPr>
+                <a:t> 저장 클래스</a:t>
+              </a:r>
+              <a:endParaRPr lang="en-US" altLang="ko-KR" sz="1600" dirty="0" smtClean="0">
+                <a:latin typeface="배달의민족 도현" panose="020B0600000101010101" pitchFamily="50" charset="-127"/>
+                <a:ea typeface="배달의민족 도현" panose="020B0600000101010101" pitchFamily="50" charset="-127"/>
+              </a:endParaRPr>
+            </a:p>
+            <a:p>
+              <a:endParaRPr lang="en-US" altLang="ko-KR" sz="1600" dirty="0">
+                <a:latin typeface="배달의민족 도현" panose="020B0600000101010101" pitchFamily="50" charset="-127"/>
+                <a:ea typeface="배달의민족 도현" panose="020B0600000101010101" pitchFamily="50" charset="-127"/>
+              </a:endParaRPr>
+            </a:p>
+            <a:p>
+              <a:r>
+                <a:rPr lang="ko-KR" altLang="en-US" sz="1600" dirty="0" smtClean="0">
+                  <a:latin typeface="배달의민족 도현" panose="020B0600000101010101" pitchFamily="50" charset="-127"/>
+                  <a:ea typeface="배달의민족 도현" panose="020B0600000101010101" pitchFamily="50" charset="-127"/>
+                </a:rPr>
+                <a:t>각 </a:t>
+              </a:r>
+              <a:r>
+                <a:rPr lang="ko-KR" altLang="en-US" sz="1600" dirty="0" err="1" smtClean="0">
+                  <a:latin typeface="배달의민족 도현" panose="020B0600000101010101" pitchFamily="50" charset="-127"/>
+                  <a:ea typeface="배달의민족 도현" panose="020B0600000101010101" pitchFamily="50" charset="-127"/>
+                </a:rPr>
+                <a:t>메서드를</a:t>
+              </a:r>
+              <a:r>
+                <a:rPr lang="ko-KR" altLang="en-US" sz="1600" dirty="0" smtClean="0">
+                  <a:latin typeface="배달의민족 도현" panose="020B0600000101010101" pitchFamily="50" charset="-127"/>
+                  <a:ea typeface="배달의민족 도현" panose="020B0600000101010101" pitchFamily="50" charset="-127"/>
+                </a:rPr>
+                <a:t> 받아 출력하는 클래스</a:t>
+              </a:r>
+              <a:endParaRPr lang="ko-KR" altLang="en-US" sz="1600" dirty="0">
+                <a:latin typeface="배달의민족 도현" panose="020B0600000101010101" pitchFamily="50" charset="-127"/>
+                <a:ea typeface="배달의민족 도현" panose="020B0600000101010101" pitchFamily="50" charset="-127"/>
+              </a:endParaRPr>
+            </a:p>
+          </p:txBody>
+        </p:sp>
+      </p:grpSp>
+      <p:pic>
+        <p:nvPicPr>
+          <p:cNvPr id="8" name="Picture 3"/>
+          <p:cNvPicPr>
+            <a:picLocks noChangeAspect="1" noChangeArrowheads="1"/>
+          </p:cNvPicPr>
+          <p:nvPr/>
+        </p:nvPicPr>
+        <p:blipFill>
+          <a:blip r:embed="rId2">
+            <a:extLst>
+              <a:ext uri="{28A0092B-C50C-407E-A947-70E740481C1C}">
+                <a14:useLocalDpi xmlns:a14="http://schemas.microsoft.com/office/drawing/2010/main" val="0"/>
+              </a:ext>
+            </a:extLst>
+          </a:blip>
+          <a:srcRect/>
+          <a:stretch>
+            <a:fillRect/>
+          </a:stretch>
+        </p:blipFill>
+        <p:spPr bwMode="auto">
+          <a:xfrm>
+            <a:off x="323528" y="2296108"/>
+            <a:ext cx="4742283" cy="2697832"/>
+          </a:xfrm>
+          <a:prstGeom prst="rect">
+            <a:avLst/>
+          </a:prstGeom>
+          <a:noFill/>
+          <a:ln>
+            <a:noFill/>
+          </a:ln>
+          <a:extLst>
+            <a:ext uri="{909E8E84-426E-40DD-AFC4-6F175D3DCCD1}">
+              <a14:hiddenFill xmlns:a14="http://schemas.microsoft.com/office/drawing/2010/main">
+                <a:solidFill>
+                  <a:schemeClr val="accent1"/>
+                </a:solidFill>
+              </a14:hiddenFill>
+            </a:ext>
+            <a:ext uri="{91240B29-F687-4F45-9708-019B960494DF}">
+              <a14:hiddenLine xmlns:a14="http://schemas.microsoft.com/office/drawing/2010/main" w="9525">
+                <a:solidFill>
+                  <a:schemeClr val="tx1"/>
+                </a:solidFill>
+                <a:miter lim="800000"/>
+                <a:headEnd/>
+                <a:tailEnd/>
+              </a14:hiddenLine>
+            </a:ext>
+          </a:extLst>
+        </p:spPr>
+      </p:pic>
+      <p:grpSp>
+        <p:nvGrpSpPr>
+          <p:cNvPr id="20" name="그룹 19"/>
+          <p:cNvGrpSpPr/>
+          <p:nvPr/>
+        </p:nvGrpSpPr>
+        <p:grpSpPr>
+          <a:xfrm>
+            <a:off x="4109170" y="3933056"/>
+            <a:ext cx="1542950" cy="1584176"/>
+            <a:chOff x="4109170" y="3933056"/>
+            <a:chExt cx="1542950" cy="1584176"/>
+          </a:xfrm>
+        </p:grpSpPr>
+        <p:cxnSp>
+          <p:nvCxnSpPr>
+            <p:cNvPr id="11" name="꺾인 연결선 10"/>
+            <p:cNvCxnSpPr/>
+            <p:nvPr/>
+          </p:nvCxnSpPr>
+          <p:spPr>
+            <a:xfrm flipV="1">
+              <a:off x="4860032" y="3933056"/>
+              <a:ext cx="792088" cy="144016"/>
+            </a:xfrm>
+            <a:prstGeom prst="bentConnector3">
+              <a:avLst/>
+            </a:prstGeom>
+            <a:ln w="19050">
+              <a:solidFill>
+                <a:schemeClr val="tx1"/>
+              </a:solidFill>
+              <a:tailEnd type="arrow"/>
+            </a:ln>
+          </p:spPr>
+          <p:style>
+            <a:lnRef idx="1">
+              <a:schemeClr val="accent1"/>
+            </a:lnRef>
+            <a:fillRef idx="0">
+              <a:schemeClr val="accent1"/>
+            </a:fillRef>
+            <a:effectRef idx="0">
+              <a:schemeClr val="accent1"/>
+            </a:effectRef>
+            <a:fontRef idx="minor">
+              <a:schemeClr val="tx1"/>
+            </a:fontRef>
+          </p:style>
+        </p:cxnSp>
+        <p:cxnSp>
+          <p:nvCxnSpPr>
+            <p:cNvPr id="14" name="꺾인 연결선 13"/>
+            <p:cNvCxnSpPr/>
+            <p:nvPr/>
+          </p:nvCxnSpPr>
+          <p:spPr>
+            <a:xfrm>
+              <a:off x="4325195" y="4447394"/>
+              <a:ext cx="1254917" cy="493774"/>
+            </a:xfrm>
+            <a:prstGeom prst="bentConnector3">
+              <a:avLst>
+                <a:gd name="adj1" fmla="val 58249"/>
+              </a:avLst>
+            </a:prstGeom>
+            <a:ln w="19050">
+              <a:solidFill>
+                <a:schemeClr val="tx1"/>
+              </a:solidFill>
+              <a:tailEnd type="arrow"/>
+            </a:ln>
+          </p:spPr>
+          <p:style>
+            <a:lnRef idx="1">
+              <a:schemeClr val="accent1"/>
+            </a:lnRef>
+            <a:fillRef idx="0">
+              <a:schemeClr val="accent1"/>
+            </a:fillRef>
+            <a:effectRef idx="0">
+              <a:schemeClr val="accent1"/>
+            </a:effectRef>
+            <a:fontRef idx="minor">
+              <a:schemeClr val="tx1"/>
+            </a:fontRef>
+          </p:style>
+        </p:cxnSp>
+        <p:cxnSp>
+          <p:nvCxnSpPr>
+            <p:cNvPr id="16" name="꺾인 연결선 15"/>
+            <p:cNvCxnSpPr/>
+            <p:nvPr/>
+          </p:nvCxnSpPr>
+          <p:spPr>
+            <a:xfrm>
+              <a:off x="4109170" y="4782384"/>
+              <a:ext cx="1542950" cy="734848"/>
+            </a:xfrm>
+            <a:prstGeom prst="bentConnector3">
+              <a:avLst/>
+            </a:prstGeom>
+            <a:ln w="19050">
+              <a:solidFill>
+                <a:schemeClr val="tx1"/>
+              </a:solidFill>
+              <a:tailEnd type="arrow"/>
+            </a:ln>
+          </p:spPr>
+          <p:style>
+            <a:lnRef idx="1">
+              <a:schemeClr val="accent1"/>
+            </a:lnRef>
+            <a:fillRef idx="0">
+              <a:schemeClr val="accent1"/>
+            </a:fillRef>
+            <a:effectRef idx="0">
+              <a:schemeClr val="accent1"/>
+            </a:effectRef>
+            <a:fontRef idx="minor">
+              <a:schemeClr val="tx1"/>
+            </a:fontRef>
+          </p:style>
+        </p:cxnSp>
+      </p:grpSp>
+    </p:spTree>
+    <p:extLst>
+      <p:ext uri="{BB962C8B-B14F-4D97-AF65-F5344CB8AC3E}">
+        <p14:creationId xmlns:p14="http://schemas.microsoft.com/office/powerpoint/2010/main" val="2299534663"/>
+      </p:ext>
+    </p:extLst>
+  </p:cSld>
+  <p:clrMapOvr>
+    <a:masterClrMapping/>
+  </p:clrMapOvr>
+  <p:timing>
+    <p:tnLst>
+      <p:par>
+        <p:cTn id="1" dur="indefinite" restart="never" nodeType="tmRoot">
+          <p:childTnLst>
+            <p:seq concurrent="1" nextAc="seek">
+              <p:cTn id="2" dur="indefinite" nodeType="mainSeq">
+                <p:childTnLst>
+                  <p:par>
+                    <p:cTn id="3" fill="hold">
+                      <p:stCondLst>
+                        <p:cond delay="indefinite"/>
+                        <p:cond evt="onBegin" delay="0">
+                          <p:tn val="2"/>
+                        </p:cond>
+                      </p:stCondLst>
+                      <p:childTnLst>
+                        <p:par>
+                          <p:cTn id="4" fill="hold">
+                            <p:stCondLst>
+                              <p:cond delay="0"/>
+                            </p:stCondLst>
+                            <p:childTnLst>
+                              <p:par>
+                                <p:cTn id="5" presetID="42" presetClass="entr" presetSubtype="0" fill="hold" nodeType="withEffect">
+                                  <p:stCondLst>
+                                    <p:cond delay="0"/>
+                                  </p:stCondLst>
+                                  <p:childTnLst>
+                                    <p:set>
+                                      <p:cBhvr>
+                                        <p:cTn id="6" dur="1" fill="hold">
+                                          <p:stCondLst>
+                                            <p:cond delay="0"/>
+                                          </p:stCondLst>
+                                        </p:cTn>
+                                        <p:tgtEl>
+                                          <p:spTgt spid="3"/>
+                                        </p:tgtEl>
+                                        <p:attrNameLst>
+                                          <p:attrName>style.visibility</p:attrName>
+                                        </p:attrNameLst>
+                                      </p:cBhvr>
+                                      <p:to>
+                                        <p:strVal val="visible"/>
+                                      </p:to>
+                                    </p:set>
+                                    <p:animEffect transition="in" filter="fade">
+                                      <p:cBhvr>
+                                        <p:cTn id="7" dur="1000"/>
+                                        <p:tgtEl>
+                                          <p:spTgt spid="3"/>
+                                        </p:tgtEl>
+                                      </p:cBhvr>
+                                    </p:animEffect>
+                                    <p:anim calcmode="lin" valueType="num">
+                                      <p:cBhvr>
+                                        <p:cTn id="8" dur="1000" fill="hold"/>
+                                        <p:tgtEl>
+                                          <p:spTgt spid="3"/>
+                                        </p:tgtEl>
+                                        <p:attrNameLst>
+                                          <p:attrName>ppt_x</p:attrName>
+                                        </p:attrNameLst>
+                                      </p:cBhvr>
+                                      <p:tavLst>
+                                        <p:tav tm="0">
+                                          <p:val>
+                                            <p:strVal val="#ppt_x"/>
+                                          </p:val>
+                                        </p:tav>
+                                        <p:tav tm="100000">
+                                          <p:val>
+                                            <p:strVal val="#ppt_x"/>
+                                          </p:val>
+                                        </p:tav>
+                                      </p:tavLst>
+                                    </p:anim>
+                                    <p:anim calcmode="lin" valueType="num">
+                                      <p:cBhvr>
+                                        <p:cTn id="9" dur="1000" fill="hold"/>
+                                        <p:tgtEl>
+                                          <p:spTgt spid="3"/>
+                                        </p:tgtEl>
+                                        <p:attrNameLst>
+                                          <p:attrName>ppt_y</p:attrName>
+                                        </p:attrNameLst>
+                                      </p:cBhvr>
+                                      <p:tavLst>
+                                        <p:tav tm="0">
+                                          <p:val>
+                                            <p:strVal val="#ppt_y+.1"/>
+                                          </p:val>
+                                        </p:tav>
+                                        <p:tav tm="100000">
+                                          <p:val>
+                                            <p:strVal val="#ppt_y"/>
+                                          </p:val>
+                                        </p:tav>
+                                      </p:tavLst>
+                                    </p:anim>
+                                  </p:childTnLst>
+                                </p:cTn>
+                              </p:par>
+                            </p:childTnLst>
+                          </p:cTn>
+                        </p:par>
+                        <p:par>
+                          <p:cTn id="10" fill="hold">
+                            <p:stCondLst>
+                              <p:cond delay="1000"/>
+                            </p:stCondLst>
+                            <p:childTnLst>
+                              <p:par>
+                                <p:cTn id="11" presetID="10" presetClass="entr" presetSubtype="0" fill="hold" nodeType="afterEffect">
+                                  <p:stCondLst>
+                                    <p:cond delay="0"/>
+                                  </p:stCondLst>
+                                  <p:childTnLst>
+                                    <p:set>
+                                      <p:cBhvr>
+                                        <p:cTn id="12" dur="1" fill="hold">
+                                          <p:stCondLst>
+                                            <p:cond delay="0"/>
+                                          </p:stCondLst>
+                                        </p:cTn>
+                                        <p:tgtEl>
+                                          <p:spTgt spid="20"/>
+                                        </p:tgtEl>
+                                        <p:attrNameLst>
+                                          <p:attrName>style.visibility</p:attrName>
+                                        </p:attrNameLst>
+                                      </p:cBhvr>
+                                      <p:to>
+                                        <p:strVal val="visible"/>
+                                      </p:to>
+                                    </p:set>
+                                    <p:animEffect transition="in" filter="fade">
+                                      <p:cBhvr>
+                                        <p:cTn id="13" dur="500"/>
+                                        <p:tgtEl>
+                                          <p:spTgt spid="20"/>
+                                        </p:tgtEl>
+                                      </p:cBhvr>
+                                    </p:animEffect>
+                                  </p:childTnLst>
+                                </p:cTn>
+                              </p:par>
+                            </p:childTnLst>
+                          </p:cTn>
+                        </p:par>
+                      </p:childTnLst>
+                    </p:cTn>
+                  </p:par>
+                </p:childTnLst>
+              </p:cTn>
+              <p:prevCondLst>
+                <p:cond evt="onPrev" delay="0">
+                  <p:tgtEl>
+                    <p:sldTgt/>
+                  </p:tgtEl>
+                </p:cond>
+              </p:prevCondLst>
+              <p:nextCondLst>
+                <p:cond evt="onNext" delay="0">
+                  <p:tgtEl>
+                    <p:sldTgt/>
+                  </p:tgtEl>
+                </p:cond>
+              </p:nextCondLst>
+            </p:seq>
+          </p:childTnLst>
+        </p:cTn>
+      </p:par>
+    </p:tnLst>
+  </p:timing>
+</p:sld>
+</file>
+
+<file path=ppt/slides/slide4.xml><?xml version="1.0" encoding="utf-8"?>
+<p:sld xmlns:a="http://schemas.openxmlformats.org/drawingml/2006/main" xmlns:r="http://schemas.openxmlformats.org/officeDocument/2006/relationships" xmlns:p="http://schemas.openxmlformats.org/presentationml/2006/main">
+  <p:cSld>
+    <p:spTree>
+      <p:nvGrpSpPr>
+        <p:cNvPr id="1" name=""/>
+        <p:cNvGrpSpPr/>
+        <p:nvPr/>
+      </p:nvGrpSpPr>
+      <p:grpSpPr>
+        <a:xfrm>
+          <a:off x="0" y="0"/>
+          <a:ext cx="0" cy="0"/>
+          <a:chOff x="0" y="0"/>
+          <a:chExt cx="0" cy="0"/>
+        </a:xfrm>
+      </p:grpSpPr>
+      <p:sp>
+        <p:nvSpPr>
+          <p:cNvPr id="2" name="제목 1"/>
+          <p:cNvSpPr>
+            <a:spLocks noGrp="1"/>
+          </p:cNvSpPr>
+          <p:nvPr>
+            <p:ph type="title"/>
+          </p:nvPr>
+        </p:nvSpPr>
+        <p:spPr/>
+        <p:txBody>
+          <a:bodyPr/>
+          <a:lstStyle/>
+          <a:p>
+            <a:r>
+              <a:rPr lang="en-US" altLang="ko-KR" dirty="0" err="1" smtClean="0">
+                <a:latin typeface="배달의민족 도현" panose="020B0600000101010101" pitchFamily="50" charset="-127"/>
+                <a:ea typeface="배달의민족 도현" panose="020B0600000101010101" pitchFamily="50" charset="-127"/>
+              </a:rPr>
+              <a:t>mySQL</a:t>
+            </a:r>
+            <a:r>
+              <a:rPr lang="en-US" altLang="ko-KR" dirty="0" smtClean="0">
+                <a:latin typeface="배달의민족 도현" panose="020B0600000101010101" pitchFamily="50" charset="-127"/>
+                <a:ea typeface="배달의민족 도현" panose="020B0600000101010101" pitchFamily="50" charset="-127"/>
+              </a:rPr>
+              <a:t> DB</a:t>
+            </a:r>
+            <a:r>
+              <a:rPr lang="ko-KR" altLang="en-US" dirty="0" smtClean="0">
+                <a:latin typeface="배달의민족 도현" panose="020B0600000101010101" pitchFamily="50" charset="-127"/>
+                <a:ea typeface="배달의민족 도현" panose="020B0600000101010101" pitchFamily="50" charset="-127"/>
+              </a:rPr>
+              <a:t>목록</a:t>
+            </a:r>
+            <a:endParaRPr lang="ko-KR" altLang="en-US" dirty="0">
+              <a:latin typeface="배달의민족 도현" panose="020B0600000101010101" pitchFamily="50" charset="-127"/>
+              <a:ea typeface="배달의민족 도현" panose="020B0600000101010101" pitchFamily="50" charset="-127"/>
+            </a:endParaRPr>
+          </a:p>
+        </p:txBody>
+      </p:sp>
+      <p:pic>
+        <p:nvPicPr>
+          <p:cNvPr id="1027" name="Picture 3"/>
+          <p:cNvPicPr>
+            <a:picLocks noChangeAspect="1" noChangeArrowheads="1"/>
+          </p:cNvPicPr>
+          <p:nvPr/>
+        </p:nvPicPr>
+        <p:blipFill>
+          <a:blip r:embed="rId2">
+            <a:extLst>
+              <a:ext uri="{28A0092B-C50C-407E-A947-70E740481C1C}">
+                <a14:useLocalDpi xmlns:a14="http://schemas.microsoft.com/office/drawing/2010/main" val="0"/>
+              </a:ext>
+            </a:extLst>
+          </a:blip>
+          <a:srcRect/>
+          <a:stretch>
+            <a:fillRect/>
+          </a:stretch>
+        </p:blipFill>
+        <p:spPr bwMode="auto">
+          <a:xfrm>
+            <a:off x="611560" y="2370810"/>
+            <a:ext cx="4552950" cy="2981325"/>
+          </a:xfrm>
+          <a:prstGeom prst="rect">
+            <a:avLst/>
+          </a:prstGeom>
+          <a:noFill/>
+          <a:ln>
+            <a:noFill/>
+          </a:ln>
+          <a:extLst>
+            <a:ext uri="{909E8E84-426E-40DD-AFC4-6F175D3DCCD1}">
+              <a14:hiddenFill xmlns:a14="http://schemas.microsoft.com/office/drawing/2010/main">
+                <a:solidFill>
+                  <a:schemeClr val="accent1"/>
+                </a:solidFill>
+              </a14:hiddenFill>
+            </a:ext>
+            <a:ext uri="{91240B29-F687-4F45-9708-019B960494DF}">
+              <a14:hiddenLine xmlns:a14="http://schemas.microsoft.com/office/drawing/2010/main" w="9525">
+                <a:solidFill>
+                  <a:schemeClr val="tx1"/>
+                </a:solidFill>
+                <a:miter lim="800000"/>
+                <a:headEnd/>
+                <a:tailEnd/>
+              </a14:hiddenLine>
+            </a:ext>
+          </a:extLst>
+        </p:spPr>
+      </p:pic>
+      <p:grpSp>
+        <p:nvGrpSpPr>
+          <p:cNvPr id="3" name="그룹 2"/>
+          <p:cNvGrpSpPr/>
+          <p:nvPr/>
+        </p:nvGrpSpPr>
+        <p:grpSpPr>
+          <a:xfrm>
+            <a:off x="5436096" y="1628800"/>
+            <a:ext cx="5725144" cy="6192688"/>
+            <a:chOff x="5436096" y="1628800"/>
+            <a:chExt cx="5725144" cy="6192688"/>
+          </a:xfrm>
+        </p:grpSpPr>
+        <p:grpSp>
+          <p:nvGrpSpPr>
+            <p:cNvPr id="7" name="그룹 6"/>
+            <p:cNvGrpSpPr/>
+            <p:nvPr/>
+          </p:nvGrpSpPr>
+          <p:grpSpPr>
+            <a:xfrm>
+              <a:off x="5436096" y="1628800"/>
+              <a:ext cx="5725144" cy="6192688"/>
+              <a:chOff x="5111552" y="1628800"/>
+              <a:chExt cx="5725144" cy="6192688"/>
+            </a:xfrm>
+          </p:grpSpPr>
+          <p:sp>
+            <p:nvSpPr>
+              <p:cNvPr id="9" name="타원 8"/>
+              <p:cNvSpPr/>
+              <p:nvPr/>
+            </p:nvSpPr>
+            <p:spPr>
+              <a:xfrm>
+                <a:off x="5111552" y="2564904"/>
+                <a:ext cx="4032448" cy="4032448"/>
+              </a:xfrm>
+              <a:prstGeom prst="ellipse">
+                <a:avLst/>
+              </a:prstGeom>
+            </p:spPr>
+            <p:style>
+              <a:lnRef idx="1">
+                <a:schemeClr val="accent5"/>
+              </a:lnRef>
+              <a:fillRef idx="3">
+                <a:schemeClr val="accent5"/>
+              </a:fillRef>
+              <a:effectRef idx="2">
+                <a:schemeClr val="accent5"/>
+              </a:effectRef>
+              <a:fontRef idx="minor">
+                <a:schemeClr val="lt1"/>
+              </a:fontRef>
+            </p:style>
+            <p:txBody>
+              <a:bodyPr rtlCol="0" anchor="ctr"/>
+              <a:lstStyle/>
+              <a:p>
+                <a:pPr algn="ctr"/>
+                <a:endParaRPr lang="ko-KR" altLang="en-US"/>
+              </a:p>
+            </p:txBody>
+          </p:sp>
+          <p:sp>
+            <p:nvSpPr>
+              <p:cNvPr id="6" name="타원 5"/>
+              <p:cNvSpPr/>
+              <p:nvPr/>
+            </p:nvSpPr>
+            <p:spPr>
+              <a:xfrm>
+                <a:off x="6804248" y="1628800"/>
+                <a:ext cx="4032448" cy="4032448"/>
+              </a:xfrm>
+              <a:prstGeom prst="ellipse">
+                <a:avLst/>
+              </a:prstGeom>
+            </p:spPr>
+            <p:style>
+              <a:lnRef idx="1">
+                <a:schemeClr val="accent5"/>
+              </a:lnRef>
+              <a:fillRef idx="3">
+                <a:schemeClr val="accent5"/>
+              </a:fillRef>
+              <a:effectRef idx="2">
+                <a:schemeClr val="accent5"/>
+              </a:effectRef>
+              <a:fontRef idx="minor">
+                <a:schemeClr val="lt1"/>
+              </a:fontRef>
+            </p:style>
+            <p:txBody>
+              <a:bodyPr rtlCol="0" anchor="ctr"/>
+              <a:lstStyle/>
+              <a:p>
+                <a:pPr algn="ctr"/>
+                <a:endParaRPr lang="ko-KR" altLang="en-US"/>
+              </a:p>
+            </p:txBody>
+          </p:sp>
+          <p:sp>
+            <p:nvSpPr>
+              <p:cNvPr id="5" name="타원 4"/>
+              <p:cNvSpPr/>
+              <p:nvPr/>
+            </p:nvSpPr>
+            <p:spPr>
+              <a:xfrm>
+                <a:off x="5724128" y="3501008"/>
+                <a:ext cx="4320480" cy="4320480"/>
+              </a:xfrm>
+              <a:prstGeom prst="ellipse">
+                <a:avLst/>
+              </a:prstGeom>
+            </p:spPr>
+            <p:style>
+              <a:lnRef idx="1">
+                <a:schemeClr val="accent5"/>
+              </a:lnRef>
+              <a:fillRef idx="3">
+                <a:schemeClr val="accent5"/>
+              </a:fillRef>
+              <a:effectRef idx="2">
+                <a:schemeClr val="accent5"/>
+              </a:effectRef>
+              <a:fontRef idx="minor">
+                <a:schemeClr val="lt1"/>
+              </a:fontRef>
+            </p:style>
+            <p:txBody>
+              <a:bodyPr rtlCol="0" anchor="ctr"/>
+              <a:lstStyle/>
+              <a:p>
+                <a:pPr algn="ctr"/>
+                <a:endParaRPr lang="ko-KR" altLang="en-US"/>
+              </a:p>
+            </p:txBody>
+          </p:sp>
+        </p:grpSp>
+        <p:sp>
+          <p:nvSpPr>
+            <p:cNvPr id="4" name="TextBox 3"/>
+            <p:cNvSpPr txBox="1"/>
+            <p:nvPr/>
+          </p:nvSpPr>
+          <p:spPr>
+            <a:xfrm>
+              <a:off x="6058348" y="3789040"/>
+              <a:ext cx="2912977" cy="369332"/>
+            </a:xfrm>
+            <a:prstGeom prst="rect">
+              <a:avLst/>
+            </a:prstGeom>
+            <a:noFill/>
+          </p:spPr>
+          <p:txBody>
+            <a:bodyPr wrap="none" rtlCol="0">
+              <a:spAutoFit/>
+            </a:bodyPr>
+            <a:lstStyle/>
+            <a:p>
+              <a:r>
+                <a:rPr lang="en-US" altLang="ko-KR" dirty="0" err="1" smtClean="0">
+                  <a:latin typeface="배달의민족 도현" panose="020B0600000101010101" pitchFamily="50" charset="-127"/>
+                  <a:ea typeface="배달의민족 도현" panose="020B0600000101010101" pitchFamily="50" charset="-127"/>
+                </a:rPr>
+                <a:t>mySQL</a:t>
+              </a:r>
+              <a:r>
+                <a:rPr lang="ko-KR" altLang="en-US" dirty="0" smtClean="0">
+                  <a:latin typeface="배달의민족 도현" panose="020B0600000101010101" pitchFamily="50" charset="-127"/>
+                  <a:ea typeface="배달의민족 도현" panose="020B0600000101010101" pitchFamily="50" charset="-127"/>
+                </a:rPr>
+                <a:t>을 이용한 </a:t>
+              </a:r>
+              <a:r>
+                <a:rPr lang="en-US" altLang="ko-KR" dirty="0" smtClean="0">
+                  <a:latin typeface="배달의민족 도현" panose="020B0600000101010101" pitchFamily="50" charset="-127"/>
+                  <a:ea typeface="배달의민족 도현" panose="020B0600000101010101" pitchFamily="50" charset="-127"/>
+                </a:rPr>
+                <a:t>DB </a:t>
+              </a:r>
+              <a:r>
+                <a:rPr lang="ko-KR" altLang="en-US" dirty="0" smtClean="0">
+                  <a:latin typeface="배달의민족 도현" panose="020B0600000101010101" pitchFamily="50" charset="-127"/>
+                  <a:ea typeface="배달의민족 도현" panose="020B0600000101010101" pitchFamily="50" charset="-127"/>
+                </a:rPr>
+                <a:t>저장</a:t>
+              </a:r>
+              <a:endParaRPr lang="ko-KR" altLang="en-US" dirty="0">
+                <a:latin typeface="배달의민족 도현" panose="020B0600000101010101" pitchFamily="50" charset="-127"/>
+                <a:ea typeface="배달의민족 도현" panose="020B0600000101010101" pitchFamily="50" charset="-127"/>
+              </a:endParaRPr>
+            </a:p>
+          </p:txBody>
+        </p:sp>
+      </p:grpSp>
+    </p:spTree>
+    <p:extLst>
+      <p:ext uri="{BB962C8B-B14F-4D97-AF65-F5344CB8AC3E}">
+        <p14:creationId xmlns:p14="http://schemas.microsoft.com/office/powerpoint/2010/main" val="724182749"/>
+      </p:ext>
+    </p:extLst>
+  </p:cSld>
+  <p:clrMapOvr>
+    <a:masterClrMapping/>
+  </p:clrMapOvr>
+  <p:timing>
+    <p:tnLst>
+      <p:par>
+        <p:cTn id="1" dur="indefinite" restart="never" nodeType="tmRoot">
+          <p:childTnLst>
+            <p:seq concurrent="1" nextAc="seek">
+              <p:cTn id="2" dur="indefinite" nodeType="mainSeq">
+                <p:childTnLst>
+                  <p:par>
+                    <p:cTn id="3" fill="hold">
+                      <p:stCondLst>
+                        <p:cond delay="indefinite"/>
+                        <p:cond evt="onBegin" delay="0">
+                          <p:tn val="2"/>
+                        </p:cond>
+                      </p:stCondLst>
+                      <p:childTnLst>
+                        <p:par>
+                          <p:cTn id="4" fill="hold">
+                            <p:stCondLst>
+                              <p:cond delay="0"/>
+                            </p:stCondLst>
+                            <p:childTnLst>
+                              <p:par>
+                                <p:cTn id="5" presetID="42" presetClass="entr" presetSubtype="0" fill="hold" nodeType="withEffect">
+                                  <p:stCondLst>
+                                    <p:cond delay="0"/>
+                                  </p:stCondLst>
+                                  <p:childTnLst>
+                                    <p:set>
+                                      <p:cBhvr>
+                                        <p:cTn id="6" dur="1" fill="hold">
+                                          <p:stCondLst>
+                                            <p:cond delay="0"/>
+                                          </p:stCondLst>
+                                        </p:cTn>
+                                        <p:tgtEl>
+                                          <p:spTgt spid="3"/>
+                                        </p:tgtEl>
+                                        <p:attrNameLst>
+                                          <p:attrName>style.visibility</p:attrName>
+                                        </p:attrNameLst>
+                                      </p:cBhvr>
+                                      <p:to>
+                                        <p:strVal val="visible"/>
+                                      </p:to>
+                                    </p:set>
+                                    <p:animEffect transition="in" filter="fade">
+                                      <p:cBhvr>
+                                        <p:cTn id="7" dur="1000"/>
+                                        <p:tgtEl>
+                                          <p:spTgt spid="3"/>
+                                        </p:tgtEl>
+                                      </p:cBhvr>
+                                    </p:animEffect>
+                                    <p:anim calcmode="lin" valueType="num">
+                                      <p:cBhvr>
+                                        <p:cTn id="8" dur="1000" fill="hold"/>
+                                        <p:tgtEl>
+                                          <p:spTgt spid="3"/>
+                                        </p:tgtEl>
+                                        <p:attrNameLst>
+                                          <p:attrName>ppt_x</p:attrName>
+                                        </p:attrNameLst>
+                                      </p:cBhvr>
+                                      <p:tavLst>
+                                        <p:tav tm="0">
+                                          <p:val>
+                                            <p:strVal val="#ppt_x"/>
+                                          </p:val>
+                                        </p:tav>
+                                        <p:tav tm="100000">
+                                          <p:val>
+                                            <p:strVal val="#ppt_x"/>
+                                          </p:val>
+                                        </p:tav>
+                                      </p:tavLst>
+                                    </p:anim>
+                                    <p:anim calcmode="lin" valueType="num">
+                                      <p:cBhvr>
+                                        <p:cTn id="9" dur="1000" fill="hold"/>
+                                        <p:tgtEl>
+                                          <p:spTgt spid="3"/>
+                                        </p:tgtEl>
+                                        <p:attrNameLst>
+                                          <p:attrName>ppt_y</p:attrName>
+                                        </p:attrNameLst>
+                                      </p:cBhvr>
+                                      <p:tavLst>
+                                        <p:tav tm="0">
+                                          <p:val>
+                                            <p:strVal val="#ppt_y+.1"/>
+                                          </p:val>
+                                        </p:tav>
+                                        <p:tav tm="100000">
+                                          <p:val>
+                                            <p:strVal val="#ppt_y"/>
+                                          </p:val>
+                                        </p:tav>
+                                      </p:tavLst>
+                                    </p:anim>
+                                  </p:childTnLst>
+                                </p:cTn>
+                              </p:par>
+                            </p:childTnLst>
+                          </p:cTn>
+                        </p:par>
+                      </p:childTnLst>
+                    </p:cTn>
+                  </p:par>
+                </p:childTnLst>
+              </p:cTn>
+              <p:prevCondLst>
+                <p:cond evt="onPrev" delay="0">
+                  <p:tgtEl>
+                    <p:sldTgt/>
+                  </p:tgtEl>
+                </p:cond>
+              </p:prevCondLst>
+              <p:nextCondLst>
+                <p:cond evt="onNext" delay="0">
+                  <p:tgtEl>
+                    <p:sldTgt/>
+                  </p:tgtEl>
+                </p:cond>
+              </p:nextCondLst>
+            </p:seq>
+          </p:childTnLst>
+        </p:cTn>
+      </p:par>
+    </p:tnLst>
+  </p:timing>
+</p:sld>
+</file>
+
+<file path=ppt/slides/slide5.xml><?xml version="1.0" encoding="utf-8"?>
+<p:sld xmlns:a="http://schemas.openxmlformats.org/drawingml/2006/main" xmlns:r="http://schemas.openxmlformats.org/officeDocument/2006/relationships" xmlns:p="http://schemas.openxmlformats.org/presentationml/2006/main">
+  <p:cSld>
+    <p:spTree>
+      <p:nvGrpSpPr>
+        <p:cNvPr id="1" name=""/>
+        <p:cNvGrpSpPr/>
+        <p:nvPr/>
+      </p:nvGrpSpPr>
+      <p:grpSpPr>
+        <a:xfrm>
+          <a:off x="0" y="0"/>
+          <a:ext cx="0" cy="0"/>
+          <a:chOff x="0" y="0"/>
+          <a:chExt cx="0" cy="0"/>
+        </a:xfrm>
+      </p:grpSpPr>
+      <p:sp>
+        <p:nvSpPr>
+          <p:cNvPr id="2" name="제목 1"/>
+          <p:cNvSpPr>
+            <a:spLocks noGrp="1"/>
+          </p:cNvSpPr>
+          <p:nvPr>
+            <p:ph type="title"/>
+          </p:nvPr>
+        </p:nvSpPr>
+        <p:spPr/>
+        <p:txBody>
+          <a:bodyPr/>
+          <a:lstStyle/>
+          <a:p>
+            <a:r>
+              <a:rPr lang="ko-KR" altLang="en-US" dirty="0" smtClean="0">
+                <a:latin typeface="배달의민족 도현" panose="020B0600000101010101" pitchFamily="50" charset="-127"/>
+                <a:ea typeface="배달의민족 도현" panose="020B0600000101010101" pitchFamily="50" charset="-127"/>
+              </a:rPr>
+              <a:t> 검색 </a:t>
+            </a:r>
+            <a:r>
+              <a:rPr lang="en-US" altLang="ko-KR" dirty="0" smtClean="0">
+                <a:latin typeface="배달의민족 도현" panose="020B0600000101010101" pitchFamily="50" charset="-127"/>
+                <a:ea typeface="배달의민족 도현" panose="020B0600000101010101" pitchFamily="50" charset="-127"/>
+              </a:rPr>
+              <a:t>(</a:t>
+            </a:r>
+            <a:r>
+              <a:rPr lang="ko-KR" altLang="en-US" dirty="0" smtClean="0">
+                <a:latin typeface="배달의민족 도현" panose="020B0600000101010101" pitchFamily="50" charset="-127"/>
+                <a:ea typeface="배달의민족 도현" panose="020B0600000101010101" pitchFamily="50" charset="-127"/>
+              </a:rPr>
+              <a:t>전체 검색</a:t>
+            </a:r>
+            <a:r>
+              <a:rPr lang="en-US" altLang="ko-KR" dirty="0" smtClean="0">
+                <a:latin typeface="배달의민족 도현" panose="020B0600000101010101" pitchFamily="50" charset="-127"/>
+                <a:ea typeface="배달의민족 도현" panose="020B0600000101010101" pitchFamily="50" charset="-127"/>
+              </a:rPr>
+              <a:t>)</a:t>
+            </a:r>
+            <a:endParaRPr lang="ko-KR" altLang="en-US" dirty="0">
+              <a:latin typeface="배달의민족 도현" panose="020B0600000101010101" pitchFamily="50" charset="-127"/>
+              <a:ea typeface="배달의민족 도현" panose="020B0600000101010101" pitchFamily="50" charset="-127"/>
+            </a:endParaRPr>
+          </a:p>
+        </p:txBody>
+      </p:sp>
+      <p:pic>
+        <p:nvPicPr>
+          <p:cNvPr id="2050" name="Picture 2" descr="C:\work\julyProject\console\제목 없음.png"/>
+          <p:cNvPicPr>
+            <a:picLocks noChangeAspect="1" noChangeArrowheads="1"/>
+          </p:cNvPicPr>
+          <p:nvPr/>
+        </p:nvPicPr>
+        <p:blipFill>
+          <a:blip r:embed="rId2">
+            <a:extLst>
+              <a:ext uri="{28A0092B-C50C-407E-A947-70E740481C1C}">
+                <a14:useLocalDpi xmlns:a14="http://schemas.microsoft.com/office/drawing/2010/main" val="0"/>
+              </a:ext>
+            </a:extLst>
+          </a:blip>
+          <a:srcRect/>
+          <a:stretch>
+            <a:fillRect/>
+          </a:stretch>
+        </p:blipFill>
+        <p:spPr bwMode="auto">
+          <a:xfrm>
+            <a:off x="899592" y="1700808"/>
+            <a:ext cx="4566708" cy="4520580"/>
+          </a:xfrm>
+          <a:prstGeom prst="rect">
+            <a:avLst/>
+          </a:prstGeom>
+          <a:noFill/>
+          <a:extLst>
+            <a:ext uri="{909E8E84-426E-40DD-AFC4-6F175D3DCCD1}">
+              <a14:hiddenFill xmlns:a14="http://schemas.microsoft.com/office/drawing/2010/main">
+                <a:solidFill>
+                  <a:srgbClr val="FFFFFF"/>
+                </a:solidFill>
+              </a14:hiddenFill>
+            </a:ext>
+          </a:extLst>
+        </p:spPr>
+      </p:pic>
+      <p:grpSp>
+        <p:nvGrpSpPr>
+          <p:cNvPr id="3" name="그룹 2"/>
+          <p:cNvGrpSpPr/>
+          <p:nvPr/>
+        </p:nvGrpSpPr>
+        <p:grpSpPr>
+          <a:xfrm>
+            <a:off x="5436096" y="1628800"/>
+            <a:ext cx="5725144" cy="6192688"/>
+            <a:chOff x="5436096" y="1628800"/>
+            <a:chExt cx="5725144" cy="6192688"/>
+          </a:xfrm>
+        </p:grpSpPr>
+        <p:grpSp>
+          <p:nvGrpSpPr>
+            <p:cNvPr id="9" name="그룹 8"/>
+            <p:cNvGrpSpPr/>
+            <p:nvPr/>
+          </p:nvGrpSpPr>
+          <p:grpSpPr>
+            <a:xfrm>
+              <a:off x="5436096" y="1628800"/>
+              <a:ext cx="5725144" cy="6192688"/>
+              <a:chOff x="5111552" y="1628800"/>
+              <a:chExt cx="5725144" cy="6192688"/>
+            </a:xfrm>
+          </p:grpSpPr>
+          <p:sp>
+            <p:nvSpPr>
+              <p:cNvPr id="10" name="타원 9"/>
+              <p:cNvSpPr/>
+              <p:nvPr/>
+            </p:nvSpPr>
+            <p:spPr>
+              <a:xfrm>
+                <a:off x="5111552" y="2564904"/>
+                <a:ext cx="4032448" cy="4032448"/>
+              </a:xfrm>
+              <a:prstGeom prst="ellipse">
+                <a:avLst/>
+              </a:prstGeom>
+            </p:spPr>
+            <p:style>
+              <a:lnRef idx="1">
+                <a:schemeClr val="accent3"/>
+              </a:lnRef>
+              <a:fillRef idx="3">
+                <a:schemeClr val="accent3"/>
+              </a:fillRef>
+              <a:effectRef idx="2">
+                <a:schemeClr val="accent3"/>
+              </a:effectRef>
+              <a:fontRef idx="minor">
+                <a:schemeClr val="lt1"/>
+              </a:fontRef>
+            </p:style>
+            <p:txBody>
+              <a:bodyPr rtlCol="0" anchor="ctr"/>
+              <a:lstStyle/>
+              <a:p>
+                <a:pPr algn="ctr"/>
+                <a:endParaRPr lang="ko-KR" altLang="en-US"/>
+              </a:p>
+            </p:txBody>
+          </p:sp>
+          <p:sp>
+            <p:nvSpPr>
+              <p:cNvPr id="11" name="타원 10"/>
+              <p:cNvSpPr/>
+              <p:nvPr/>
+            </p:nvSpPr>
+            <p:spPr>
+              <a:xfrm>
+                <a:off x="6804248" y="1628800"/>
+                <a:ext cx="4032448" cy="4032448"/>
+              </a:xfrm>
+              <a:prstGeom prst="ellipse">
+                <a:avLst/>
+              </a:prstGeom>
+            </p:spPr>
+            <p:style>
+              <a:lnRef idx="1">
+                <a:schemeClr val="accent3"/>
+              </a:lnRef>
+              <a:fillRef idx="3">
+                <a:schemeClr val="accent3"/>
+              </a:fillRef>
+              <a:effectRef idx="2">
+                <a:schemeClr val="accent3"/>
+              </a:effectRef>
+              <a:fontRef idx="minor">
+                <a:schemeClr val="lt1"/>
+              </a:fontRef>
+            </p:style>
+            <p:txBody>
+              <a:bodyPr rtlCol="0" anchor="ctr"/>
+              <a:lstStyle/>
+              <a:p>
+                <a:pPr algn="ctr"/>
+                <a:endParaRPr lang="ko-KR" altLang="en-US"/>
+              </a:p>
+            </p:txBody>
+          </p:sp>
+          <p:sp>
+            <p:nvSpPr>
+              <p:cNvPr id="12" name="타원 11"/>
+              <p:cNvSpPr/>
+              <p:nvPr/>
+            </p:nvSpPr>
+            <p:spPr>
+              <a:xfrm>
+                <a:off x="5724128" y="3501008"/>
+                <a:ext cx="4320480" cy="4320480"/>
+              </a:xfrm>
+              <a:prstGeom prst="ellipse">
+                <a:avLst/>
+              </a:prstGeom>
+            </p:spPr>
+            <p:style>
+              <a:lnRef idx="1">
+                <a:schemeClr val="accent3"/>
+              </a:lnRef>
+              <a:fillRef idx="3">
+                <a:schemeClr val="accent3"/>
+              </a:fillRef>
+              <a:effectRef idx="2">
+                <a:schemeClr val="accent3"/>
+              </a:effectRef>
+              <a:fontRef idx="minor">
+                <a:schemeClr val="lt1"/>
+              </a:fontRef>
+            </p:style>
+            <p:txBody>
+              <a:bodyPr rtlCol="0" anchor="ctr"/>
+              <a:lstStyle/>
+              <a:p>
+                <a:pPr algn="ctr"/>
+                <a:endParaRPr lang="ko-KR" altLang="en-US"/>
+              </a:p>
+            </p:txBody>
+          </p:sp>
+        </p:grpSp>
+        <p:sp>
+          <p:nvSpPr>
+            <p:cNvPr id="13" name="TextBox 12"/>
+            <p:cNvSpPr txBox="1"/>
+            <p:nvPr/>
+          </p:nvSpPr>
+          <p:spPr>
+            <a:xfrm>
+              <a:off x="6058348" y="3789040"/>
+              <a:ext cx="2691763" cy="923330"/>
+            </a:xfrm>
+            <a:prstGeom prst="rect">
+              <a:avLst/>
+            </a:prstGeom>
+            <a:noFill/>
+          </p:spPr>
+          <p:txBody>
+            <a:bodyPr wrap="none" rtlCol="0">
+              <a:spAutoFit/>
+            </a:bodyPr>
+            <a:lstStyle/>
+            <a:p>
+              <a:r>
+                <a:rPr lang="en-US" altLang="ko-KR" dirty="0" err="1" smtClean="0">
+                  <a:latin typeface="배달의민족 도현" panose="020B0600000101010101" pitchFamily="50" charset="-127"/>
+                  <a:ea typeface="배달의민족 도현" panose="020B0600000101010101" pitchFamily="50" charset="-127"/>
+                </a:rPr>
+                <a:t>mySQL</a:t>
+              </a:r>
+              <a:r>
+                <a:rPr lang="ko-KR" altLang="en-US" dirty="0" smtClean="0">
+                  <a:latin typeface="배달의민족 도현" panose="020B0600000101010101" pitchFamily="50" charset="-127"/>
+                  <a:ea typeface="배달의민족 도현" panose="020B0600000101010101" pitchFamily="50" charset="-127"/>
+                </a:rPr>
+                <a:t>에 저장된 </a:t>
+              </a:r>
+              <a:r>
+                <a:rPr lang="en-US" altLang="ko-KR" dirty="0" smtClean="0">
+                  <a:latin typeface="배달의민족 도현" panose="020B0600000101010101" pitchFamily="50" charset="-127"/>
+                  <a:ea typeface="배달의민족 도현" panose="020B0600000101010101" pitchFamily="50" charset="-127"/>
+                </a:rPr>
+                <a:t>DB</a:t>
+              </a:r>
+              <a:r>
+                <a:rPr lang="ko-KR" altLang="en-US" dirty="0" smtClean="0">
+                  <a:latin typeface="배달의민족 도현" panose="020B0600000101010101" pitchFamily="50" charset="-127"/>
+                  <a:ea typeface="배달의민족 도현" panose="020B0600000101010101" pitchFamily="50" charset="-127"/>
+                </a:rPr>
+                <a:t>를 </a:t>
+              </a:r>
+              <a:endParaRPr lang="en-US" altLang="ko-KR" dirty="0" smtClean="0">
+                <a:latin typeface="배달의민족 도현" panose="020B0600000101010101" pitchFamily="50" charset="-127"/>
+                <a:ea typeface="배달의민족 도현" panose="020B0600000101010101" pitchFamily="50" charset="-127"/>
+              </a:endParaRPr>
+            </a:p>
+            <a:p>
+              <a:endParaRPr lang="en-US" altLang="ko-KR" dirty="0">
+                <a:latin typeface="배달의민족 도현" panose="020B0600000101010101" pitchFamily="50" charset="-127"/>
+                <a:ea typeface="배달의민족 도현" panose="020B0600000101010101" pitchFamily="50" charset="-127"/>
+              </a:endParaRPr>
+            </a:p>
+            <a:p>
+              <a:r>
+                <a:rPr lang="ko-KR" altLang="en-US" dirty="0">
+                  <a:latin typeface="배달의민족 도현" panose="020B0600000101010101" pitchFamily="50" charset="-127"/>
+                  <a:ea typeface="배달의민족 도현" panose="020B0600000101010101" pitchFamily="50" charset="-127"/>
+                </a:rPr>
+                <a:t>연결하여 </a:t>
+              </a:r>
+              <a:r>
+                <a:rPr lang="ko-KR" altLang="en-US" dirty="0" smtClean="0">
+                  <a:latin typeface="배달의민족 도현" panose="020B0600000101010101" pitchFamily="50" charset="-127"/>
+                  <a:ea typeface="배달의민족 도현" panose="020B0600000101010101" pitchFamily="50" charset="-127"/>
+                </a:rPr>
+                <a:t>전체 검색</a:t>
+              </a:r>
+              <a:endParaRPr lang="ko-KR" altLang="en-US" dirty="0">
+                <a:latin typeface="배달의민족 도현" panose="020B0600000101010101" pitchFamily="50" charset="-127"/>
+                <a:ea typeface="배달의민족 도현" panose="020B0600000101010101" pitchFamily="50" charset="-127"/>
+              </a:endParaRPr>
+            </a:p>
+          </p:txBody>
+        </p:sp>
+      </p:grpSp>
+    </p:spTree>
+    <p:extLst>
+      <p:ext uri="{BB962C8B-B14F-4D97-AF65-F5344CB8AC3E}">
+        <p14:creationId xmlns:p14="http://schemas.microsoft.com/office/powerpoint/2010/main" val="3489926221"/>
+      </p:ext>
+    </p:extLst>
+  </p:cSld>
+  <p:clrMapOvr>
+    <a:masterClrMapping/>
+  </p:clrMapOvr>
+  <p:timing>
+    <p:tnLst>
+      <p:par>
+        <p:cTn id="1" dur="indefinite" restart="never" nodeType="tmRoot">
+          <p:childTnLst>
+            <p:seq concurrent="1" nextAc="seek">
+              <p:cTn id="2" dur="indefinite" nodeType="mainSeq">
+                <p:childTnLst>
+                  <p:par>
+                    <p:cTn id="3" fill="hold">
+                      <p:stCondLst>
+                        <p:cond delay="indefinite"/>
+                        <p:cond evt="onBegin" delay="0">
+                          <p:tn val="2"/>
+                        </p:cond>
+                      </p:stCondLst>
+                      <p:childTnLst>
+                        <p:par>
+                          <p:cTn id="4" fill="hold">
+                            <p:stCondLst>
+                              <p:cond delay="0"/>
+                            </p:stCondLst>
+                            <p:childTnLst>
+                              <p:par>
+                                <p:cTn id="5" presetID="42" presetClass="entr" presetSubtype="0" fill="hold" nodeType="withEffect">
+                                  <p:stCondLst>
+                                    <p:cond delay="0"/>
+                                  </p:stCondLst>
+                                  <p:childTnLst>
+                                    <p:set>
+                                      <p:cBhvr>
+                                        <p:cTn id="6" dur="1" fill="hold">
+                                          <p:stCondLst>
+                                            <p:cond delay="0"/>
+                                          </p:stCondLst>
+                                        </p:cTn>
+                                        <p:tgtEl>
+                                          <p:spTgt spid="3"/>
+                                        </p:tgtEl>
+                                        <p:attrNameLst>
+                                          <p:attrName>style.visibility</p:attrName>
+                                        </p:attrNameLst>
+                                      </p:cBhvr>
+                                      <p:to>
+                                        <p:strVal val="visible"/>
+                                      </p:to>
+                                    </p:set>
+                                    <p:animEffect transition="in" filter="fade">
+                                      <p:cBhvr>
+                                        <p:cTn id="7" dur="1000"/>
+                                        <p:tgtEl>
+                                          <p:spTgt spid="3"/>
+                                        </p:tgtEl>
+                                      </p:cBhvr>
+                                    </p:animEffect>
+                                    <p:anim calcmode="lin" valueType="num">
+                                      <p:cBhvr>
+                                        <p:cTn id="8" dur="1000" fill="hold"/>
+                                        <p:tgtEl>
+                                          <p:spTgt spid="3"/>
+                                        </p:tgtEl>
+                                        <p:attrNameLst>
+                                          <p:attrName>ppt_x</p:attrName>
+                                        </p:attrNameLst>
+                                      </p:cBhvr>
+                                      <p:tavLst>
+                                        <p:tav tm="0">
+                                          <p:val>
+                                            <p:strVal val="#ppt_x"/>
+                                          </p:val>
+                                        </p:tav>
+                                        <p:tav tm="100000">
+                                          <p:val>
+                                            <p:strVal val="#ppt_x"/>
+                                          </p:val>
+                                        </p:tav>
+                                      </p:tavLst>
+                                    </p:anim>
+                                    <p:anim calcmode="lin" valueType="num">
+                                      <p:cBhvr>
+                                        <p:cTn id="9" dur="1000" fill="hold"/>
+                                        <p:tgtEl>
+                                          <p:spTgt spid="3"/>
+                                        </p:tgtEl>
+                                        <p:attrNameLst>
+                                          <p:attrName>ppt_y</p:attrName>
+                                        </p:attrNameLst>
+                                      </p:cBhvr>
+                                      <p:tavLst>
+                                        <p:tav tm="0">
+                                          <p:val>
+                                            <p:strVal val="#ppt_y+.1"/>
+                                          </p:val>
+                                        </p:tav>
+                                        <p:tav tm="100000">
+                                          <p:val>
+                                            <p:strVal val="#ppt_y"/>
+                                          </p:val>
+                                        </p:tav>
+                                      </p:tavLst>
+                                    </p:anim>
+                                  </p:childTnLst>
+                                </p:cTn>
+                              </p:par>
+                            </p:childTnLst>
+                          </p:cTn>
+                        </p:par>
+                      </p:childTnLst>
+                    </p:cTn>
+                  </p:par>
+                </p:childTnLst>
+              </p:cTn>
+              <p:prevCondLst>
+                <p:cond evt="onPrev" delay="0">
+                  <p:tgtEl>
+                    <p:sldTgt/>
+                  </p:tgtEl>
+                </p:cond>
+              </p:prevCondLst>
+              <p:nextCondLst>
+                <p:cond evt="onNext" delay="0">
+                  <p:tgtEl>
+                    <p:sldTgt/>
+                  </p:tgtEl>
+                </p:cond>
+              </p:nextCondLst>
+            </p:seq>
+          </p:childTnLst>
+        </p:cTn>
+      </p:par>
+    </p:tnLst>
+  </p:timing>
+</p:sld>
+</file>
+
+<file path=ppt/slides/slide6.xml><?xml version="1.0" encoding="utf-8"?>
+<p:sld xmlns:a="http://schemas.openxmlformats.org/drawingml/2006/main" xmlns:r="http://schemas.openxmlformats.org/officeDocument/2006/relationships" xmlns:p="http://schemas.openxmlformats.org/presentationml/2006/main">
+  <p:cSld>
+    <p:spTree>
+      <p:nvGrpSpPr>
+        <p:cNvPr id="1" name=""/>
+        <p:cNvGrpSpPr/>
+        <p:nvPr/>
+      </p:nvGrpSpPr>
+      <p:grpSpPr>
+        <a:xfrm>
+          <a:off x="0" y="0"/>
+          <a:ext cx="0" cy="0"/>
+          <a:chOff x="0" y="0"/>
+          <a:chExt cx="0" cy="0"/>
+        </a:xfrm>
+      </p:grpSpPr>
+      <p:sp>
+        <p:nvSpPr>
+          <p:cNvPr id="2" name="제목 1"/>
+          <p:cNvSpPr>
+            <a:spLocks noGrp="1"/>
+          </p:cNvSpPr>
+          <p:nvPr>
+            <p:ph type="title"/>
+          </p:nvPr>
+        </p:nvSpPr>
+        <p:spPr/>
+        <p:txBody>
+          <a:bodyPr/>
+          <a:lstStyle/>
+          <a:p>
+            <a:r>
+              <a:rPr lang="ko-KR" altLang="en-US" dirty="0">
+                <a:latin typeface="배달의민족 도현" panose="020B0600000101010101" pitchFamily="50" charset="-127"/>
+                <a:ea typeface="배달의민족 도현" panose="020B0600000101010101" pitchFamily="50" charset="-127"/>
+              </a:rPr>
+              <a:t>검색 </a:t>
+            </a:r>
+            <a:r>
+              <a:rPr lang="en-US" altLang="ko-KR" dirty="0" smtClean="0">
+                <a:latin typeface="배달의민족 도현" panose="020B0600000101010101" pitchFamily="50" charset="-127"/>
+                <a:ea typeface="배달의민족 도현" panose="020B0600000101010101" pitchFamily="50" charset="-127"/>
+              </a:rPr>
+              <a:t>(</a:t>
+            </a:r>
+            <a:r>
+              <a:rPr lang="ko-KR" altLang="en-US" dirty="0" smtClean="0">
+                <a:latin typeface="배달의민족 도현" panose="020B0600000101010101" pitchFamily="50" charset="-127"/>
+                <a:ea typeface="배달의민족 도현" panose="020B0600000101010101" pitchFamily="50" charset="-127"/>
+              </a:rPr>
+              <a:t>기업명 검색</a:t>
+            </a:r>
+            <a:r>
+              <a:rPr lang="en-US" altLang="ko-KR" dirty="0">
+                <a:latin typeface="배달의민족 도현" panose="020B0600000101010101" pitchFamily="50" charset="-127"/>
+                <a:ea typeface="배달의민족 도현" panose="020B0600000101010101" pitchFamily="50" charset="-127"/>
+              </a:rPr>
+              <a:t>)</a:t>
+            </a:r>
+            <a:endParaRPr lang="ko-KR" altLang="en-US" dirty="0">
+              <a:latin typeface="배달의민족 도현" panose="020B0600000101010101" pitchFamily="50" charset="-127"/>
+              <a:ea typeface="배달의민족 도현" panose="020B0600000101010101" pitchFamily="50" charset="-127"/>
+            </a:endParaRPr>
+          </a:p>
+        </p:txBody>
+      </p:sp>
+      <p:pic>
+        <p:nvPicPr>
+          <p:cNvPr id="3" name="Picture 3" descr="C:\work\julyProject\console\제목 없음1.png"/>
+          <p:cNvPicPr>
+            <a:picLocks noChangeAspect="1" noChangeArrowheads="1"/>
+          </p:cNvPicPr>
+          <p:nvPr/>
+        </p:nvPicPr>
+        <p:blipFill>
+          <a:blip r:embed="rId2">
+            <a:extLst>
+              <a:ext uri="{28A0092B-C50C-407E-A947-70E740481C1C}">
+                <a14:useLocalDpi xmlns:a14="http://schemas.microsoft.com/office/drawing/2010/main" val="0"/>
+              </a:ext>
+            </a:extLst>
+          </a:blip>
+          <a:srcRect/>
+          <a:stretch>
+            <a:fillRect/>
+          </a:stretch>
+        </p:blipFill>
+        <p:spPr bwMode="auto">
+          <a:xfrm>
+            <a:off x="1907704" y="1700808"/>
+            <a:ext cx="5697537" cy="1895475"/>
+          </a:xfrm>
+          <a:prstGeom prst="rect">
+            <a:avLst/>
+          </a:prstGeom>
+          <a:noFill/>
+          <a:extLst>
+            <a:ext uri="{909E8E84-426E-40DD-AFC4-6F175D3DCCD1}">
+              <a14:hiddenFill xmlns:a14="http://schemas.microsoft.com/office/drawing/2010/main">
+                <a:solidFill>
+                  <a:srgbClr val="FFFFFF"/>
+                </a:solidFill>
+              </a14:hiddenFill>
+            </a:ext>
+          </a:extLst>
+        </p:spPr>
+      </p:pic>
+      <p:grpSp>
+        <p:nvGrpSpPr>
+          <p:cNvPr id="4" name="그룹 3"/>
+          <p:cNvGrpSpPr/>
+          <p:nvPr/>
+        </p:nvGrpSpPr>
+        <p:grpSpPr>
+          <a:xfrm>
+            <a:off x="683568" y="3861048"/>
+            <a:ext cx="8136904" cy="4896544"/>
+            <a:chOff x="683568" y="3861048"/>
+            <a:chExt cx="8136904" cy="4896544"/>
+          </a:xfrm>
+        </p:grpSpPr>
+        <p:grpSp>
+          <p:nvGrpSpPr>
+            <p:cNvPr id="12" name="그룹 11"/>
+            <p:cNvGrpSpPr/>
+            <p:nvPr/>
+          </p:nvGrpSpPr>
+          <p:grpSpPr>
+            <a:xfrm>
+              <a:off x="683568" y="3861048"/>
+              <a:ext cx="8136904" cy="4896544"/>
+              <a:chOff x="683568" y="3861048"/>
+              <a:chExt cx="8136904" cy="4896544"/>
+            </a:xfrm>
+          </p:grpSpPr>
+          <p:sp>
+            <p:nvSpPr>
+              <p:cNvPr id="8" name="타원 7"/>
+              <p:cNvSpPr/>
+              <p:nvPr/>
+            </p:nvSpPr>
+            <p:spPr>
+              <a:xfrm>
+                <a:off x="4355976" y="3861048"/>
+                <a:ext cx="4464496" cy="4536504"/>
+              </a:xfrm>
+              <a:prstGeom prst="ellipse">
+                <a:avLst/>
+              </a:prstGeom>
+            </p:spPr>
+            <p:style>
+              <a:lnRef idx="1">
+                <a:schemeClr val="accent4"/>
+              </a:lnRef>
+              <a:fillRef idx="3">
+                <a:schemeClr val="accent4"/>
+              </a:fillRef>
+              <a:effectRef idx="2">
+                <a:schemeClr val="accent4"/>
+              </a:effectRef>
+              <a:fontRef idx="minor">
+                <a:schemeClr val="lt1"/>
+              </a:fontRef>
+            </p:style>
+            <p:txBody>
+              <a:bodyPr rtlCol="0" anchor="ctr"/>
+              <a:lstStyle/>
+              <a:p>
+                <a:pPr algn="ctr"/>
+                <a:endParaRPr lang="ko-KR" altLang="en-US" u="sng"/>
+              </a:p>
+            </p:txBody>
+          </p:sp>
+          <p:sp>
+            <p:nvSpPr>
+              <p:cNvPr id="10" name="타원 9"/>
+              <p:cNvSpPr/>
+              <p:nvPr/>
+            </p:nvSpPr>
+            <p:spPr>
+              <a:xfrm>
+                <a:off x="2627784" y="4221088"/>
+                <a:ext cx="4464496" cy="4536504"/>
+              </a:xfrm>
+              <a:prstGeom prst="ellipse">
+                <a:avLst/>
+              </a:prstGeom>
+            </p:spPr>
+            <p:style>
+              <a:lnRef idx="1">
+                <a:schemeClr val="accent4"/>
+              </a:lnRef>
+              <a:fillRef idx="3">
+                <a:schemeClr val="accent4"/>
+              </a:fillRef>
+              <a:effectRef idx="2">
+                <a:schemeClr val="accent4"/>
+              </a:effectRef>
+              <a:fontRef idx="minor">
+                <a:schemeClr val="lt1"/>
+              </a:fontRef>
+            </p:style>
+            <p:txBody>
+              <a:bodyPr rtlCol="0" anchor="ctr"/>
+              <a:lstStyle/>
+              <a:p>
+                <a:pPr algn="ctr"/>
+                <a:endParaRPr lang="ko-KR" altLang="en-US" u="sng"/>
+              </a:p>
+            </p:txBody>
+          </p:sp>
+          <p:sp>
+            <p:nvSpPr>
+              <p:cNvPr id="9" name="타원 8"/>
+              <p:cNvSpPr/>
+              <p:nvPr/>
+            </p:nvSpPr>
+            <p:spPr>
+              <a:xfrm>
+                <a:off x="683568" y="4077072"/>
+                <a:ext cx="4464496" cy="4536504"/>
+              </a:xfrm>
+              <a:prstGeom prst="ellipse">
+                <a:avLst/>
+              </a:prstGeom>
+            </p:spPr>
+            <p:style>
+              <a:lnRef idx="1">
+                <a:schemeClr val="accent4"/>
+              </a:lnRef>
+              <a:fillRef idx="3">
+                <a:schemeClr val="accent4"/>
+              </a:fillRef>
+              <a:effectRef idx="2">
+                <a:schemeClr val="accent4"/>
+              </a:effectRef>
+              <a:fontRef idx="minor">
+                <a:schemeClr val="lt1"/>
+              </a:fontRef>
+            </p:style>
+            <p:txBody>
+              <a:bodyPr rtlCol="0" anchor="ctr"/>
+              <a:lstStyle/>
+              <a:p>
+                <a:pPr algn="ctr"/>
+                <a:endParaRPr lang="ko-KR" altLang="en-US" u="sng"/>
+              </a:p>
+            </p:txBody>
+          </p:sp>
+        </p:grpSp>
+        <p:sp>
+          <p:nvSpPr>
+            <p:cNvPr id="13" name="TextBox 12"/>
+            <p:cNvSpPr txBox="1"/>
+            <p:nvPr/>
+          </p:nvSpPr>
+          <p:spPr>
+            <a:xfrm>
+              <a:off x="2915816" y="5157192"/>
+              <a:ext cx="3797835" cy="369332"/>
+            </a:xfrm>
+            <a:prstGeom prst="rect">
+              <a:avLst/>
+            </a:prstGeom>
+            <a:noFill/>
+          </p:spPr>
+          <p:txBody>
+            <a:bodyPr wrap="none" rtlCol="0">
+              <a:spAutoFit/>
+            </a:bodyPr>
+            <a:lstStyle/>
+            <a:p>
+              <a:r>
+                <a:rPr lang="ko-KR" altLang="en-US" dirty="0" smtClean="0">
+                  <a:latin typeface="배달의민족 도현" panose="020B0600000101010101" pitchFamily="50" charset="-127"/>
+                  <a:ea typeface="배달의민족 도현" panose="020B0600000101010101" pitchFamily="50" charset="-127"/>
+                </a:rPr>
+                <a:t>기업명 기준으로 검색하여 결과 출력</a:t>
+              </a:r>
+              <a:endParaRPr lang="ko-KR" altLang="en-US" dirty="0">
+                <a:latin typeface="배달의민족 도현" panose="020B0600000101010101" pitchFamily="50" charset="-127"/>
+                <a:ea typeface="배달의민족 도현" panose="020B0600000101010101" pitchFamily="50" charset="-127"/>
+              </a:endParaRPr>
+            </a:p>
+          </p:txBody>
+        </p:sp>
+      </p:grpSp>
+    </p:spTree>
+    <p:extLst>
+      <p:ext uri="{BB962C8B-B14F-4D97-AF65-F5344CB8AC3E}">
+        <p14:creationId xmlns:p14="http://schemas.microsoft.com/office/powerpoint/2010/main" val="3489926221"/>
+      </p:ext>
+    </p:extLst>
+  </p:cSld>
+  <p:clrMapOvr>
+    <a:masterClrMapping/>
+  </p:clrMapOvr>
+  <p:timing>
+    <p:tnLst>
+      <p:par>
+        <p:cTn id="1" dur="indefinite" restart="never" nodeType="tmRoot">
+          <p:childTnLst>
+            <p:seq concurrent="1" nextAc="seek">
+              <p:cTn id="2" dur="indefinite" nodeType="mainSeq">
+                <p:childTnLst>
+                  <p:par>
+                    <p:cTn id="3" fill="hold">
+                      <p:stCondLst>
+                        <p:cond delay="indefinite"/>
+                        <p:cond evt="onBegin" delay="0">
+                          <p:tn val="2"/>
+                        </p:cond>
+                      </p:stCondLst>
+                      <p:childTnLst>
+                        <p:par>
+                          <p:cTn id="4" fill="hold">
+                            <p:stCondLst>
+                              <p:cond delay="0"/>
+                            </p:stCondLst>
+                            <p:childTnLst>
+                              <p:par>
+                                <p:cTn id="5" presetID="42" presetClass="entr" presetSubtype="0" fill="hold" nodeType="withEffect">
+                                  <p:stCondLst>
+                                    <p:cond delay="0"/>
+                                  </p:stCondLst>
+                                  <p:childTnLst>
+                                    <p:set>
+                                      <p:cBhvr>
+                                        <p:cTn id="6" dur="1" fill="hold">
+                                          <p:stCondLst>
+                                            <p:cond delay="0"/>
+                                          </p:stCondLst>
+                                        </p:cTn>
+                                        <p:tgtEl>
+                                          <p:spTgt spid="4"/>
+                                        </p:tgtEl>
+                                        <p:attrNameLst>
+                                          <p:attrName>style.visibility</p:attrName>
+                                        </p:attrNameLst>
+                                      </p:cBhvr>
+                                      <p:to>
+                                        <p:strVal val="visible"/>
+                                      </p:to>
+                                    </p:set>
+                                    <p:animEffect transition="in" filter="fade">
+                                      <p:cBhvr>
+                                        <p:cTn id="7" dur="1000"/>
+                                        <p:tgtEl>
+                                          <p:spTgt spid="4"/>
+                                        </p:tgtEl>
+                                      </p:cBhvr>
+                                    </p:animEffect>
+                                    <p:anim calcmode="lin" valueType="num">
+                                      <p:cBhvr>
+                                        <p:cTn id="8" dur="1000" fill="hold"/>
+                                        <p:tgtEl>
+                                          <p:spTgt spid="4"/>
+                                        </p:tgtEl>
+                                        <p:attrNameLst>
+                                          <p:attrName>ppt_x</p:attrName>
+                                        </p:attrNameLst>
+                                      </p:cBhvr>
+                                      <p:tavLst>
+                                        <p:tav tm="0">
+                                          <p:val>
+                                            <p:strVal val="#ppt_x"/>
+                                          </p:val>
+                                        </p:tav>
+                                        <p:tav tm="100000">
+                                          <p:val>
+                                            <p:strVal val="#ppt_x"/>
+                                          </p:val>
+                                        </p:tav>
+                                      </p:tavLst>
+                                    </p:anim>
+                                    <p:anim calcmode="lin" valueType="num">
+                                      <p:cBhvr>
+                                        <p:cTn id="9" dur="1000" fill="hold"/>
+                                        <p:tgtEl>
+                                          <p:spTgt spid="4"/>
+                                        </p:tgtEl>
+                                        <p:attrNameLst>
+                                          <p:attrName>ppt_y</p:attrName>
+                                        </p:attrNameLst>
+                                      </p:cBhvr>
+                                      <p:tavLst>
+                                        <p:tav tm="0">
+                                          <p:val>
+                                            <p:strVal val="#ppt_y+.1"/>
+                                          </p:val>
+                                        </p:tav>
+                                        <p:tav tm="100000">
+                                          <p:val>
+                                            <p:strVal val="#ppt_y"/>
+                                          </p:val>
+                                        </p:tav>
+                                      </p:tavLst>
+                                    </p:anim>
+                                  </p:childTnLst>
+                                </p:cTn>
+                              </p:par>
+                            </p:childTnLst>
+                          </p:cTn>
+                        </p:par>
+                      </p:childTnLst>
+                    </p:cTn>
+                  </p:par>
+                </p:childTnLst>
+              </p:cTn>
+              <p:prevCondLst>
+                <p:cond evt="onPrev" delay="0">
+                  <p:tgtEl>
+                    <p:sldTgt/>
+                  </p:tgtEl>
+                </p:cond>
+              </p:prevCondLst>
+              <p:nextCondLst>
+                <p:cond evt="onNext" delay="0">
+                  <p:tgtEl>
+                    <p:sldTgt/>
+                  </p:tgtEl>
+                </p:cond>
+              </p:nextCondLst>
+            </p:seq>
+          </p:childTnLst>
+        </p:cTn>
+      </p:par>
+    </p:tnLst>
+  </p:timing>
+</p:sld>
+</file>
+
+<file path=ppt/slides/slide7.xml><?xml version="1.0" encoding="utf-8"?>
+<p:sld xmlns:a="http://schemas.openxmlformats.org/drawingml/2006/main" xmlns:r="http://schemas.openxmlformats.org/officeDocument/2006/relationships" xmlns:p="http://schemas.openxmlformats.org/presentationml/2006/main">
+  <p:cSld>
+    <p:spTree>
+      <p:nvGrpSpPr>
+        <p:cNvPr id="1" name=""/>
+        <p:cNvGrpSpPr/>
+        <p:nvPr/>
+      </p:nvGrpSpPr>
+      <p:grpSpPr>
+        <a:xfrm>
+          <a:off x="0" y="0"/>
+          <a:ext cx="0" cy="0"/>
+          <a:chOff x="0" y="0"/>
+          <a:chExt cx="0" cy="0"/>
+        </a:xfrm>
+      </p:grpSpPr>
+      <p:sp>
+        <p:nvSpPr>
+          <p:cNvPr id="2" name="제목 1"/>
+          <p:cNvSpPr>
+            <a:spLocks noGrp="1"/>
+          </p:cNvSpPr>
+          <p:nvPr>
+            <p:ph type="title"/>
+          </p:nvPr>
+        </p:nvSpPr>
+        <p:spPr/>
+        <p:txBody>
+          <a:bodyPr/>
+          <a:lstStyle/>
+          <a:p>
+            <a:r>
+              <a:rPr lang="ko-KR" altLang="en-US" dirty="0">
+                <a:latin typeface="배달의민족 도현" panose="020B0600000101010101" pitchFamily="50" charset="-127"/>
+                <a:ea typeface="배달의민족 도현" panose="020B0600000101010101" pitchFamily="50" charset="-127"/>
+              </a:rPr>
+              <a:t>검색 </a:t>
+            </a:r>
+            <a:r>
+              <a:rPr lang="en-US" altLang="ko-KR" dirty="0" smtClean="0">
+                <a:latin typeface="배달의민족 도현" panose="020B0600000101010101" pitchFamily="50" charset="-127"/>
+                <a:ea typeface="배달의민족 도현" panose="020B0600000101010101" pitchFamily="50" charset="-127"/>
+              </a:rPr>
+              <a:t>(</a:t>
+            </a:r>
+            <a:r>
+              <a:rPr lang="ko-KR" altLang="en-US" dirty="0" smtClean="0">
+                <a:latin typeface="배달의민족 도현" panose="020B0600000101010101" pitchFamily="50" charset="-127"/>
+                <a:ea typeface="배달의민족 도현" panose="020B0600000101010101" pitchFamily="50" charset="-127"/>
+              </a:rPr>
+              <a:t>위치 검색</a:t>
+            </a:r>
+            <a:r>
+              <a:rPr lang="en-US" altLang="ko-KR" dirty="0">
+                <a:latin typeface="배달의민족 도현" panose="020B0600000101010101" pitchFamily="50" charset="-127"/>
+                <a:ea typeface="배달의민족 도현" panose="020B0600000101010101" pitchFamily="50" charset="-127"/>
+              </a:rPr>
+              <a:t>)</a:t>
+            </a:r>
+            <a:endParaRPr lang="ko-KR" altLang="en-US" dirty="0">
+              <a:latin typeface="배달의민족 도현" panose="020B0600000101010101" pitchFamily="50" charset="-127"/>
+              <a:ea typeface="배달의민족 도현" panose="020B0600000101010101" pitchFamily="50" charset="-127"/>
+            </a:endParaRPr>
+          </a:p>
+        </p:txBody>
+      </p:sp>
+      <p:pic>
+        <p:nvPicPr>
+          <p:cNvPr id="3" name="Picture 4" descr="C:\work\julyProject\console\제목 없음2.png"/>
+          <p:cNvPicPr>
+            <a:picLocks noChangeAspect="1" noChangeArrowheads="1"/>
+          </p:cNvPicPr>
+          <p:nvPr/>
+        </p:nvPicPr>
+        <p:blipFill>
+          <a:blip r:embed="rId2">
+            <a:extLst>
+              <a:ext uri="{28A0092B-C50C-407E-A947-70E740481C1C}">
+                <a14:useLocalDpi xmlns:a14="http://schemas.microsoft.com/office/drawing/2010/main" val="0"/>
+              </a:ext>
+            </a:extLst>
+          </a:blip>
+          <a:srcRect/>
+          <a:stretch>
+            <a:fillRect/>
+          </a:stretch>
+        </p:blipFill>
+        <p:spPr bwMode="auto">
+          <a:xfrm>
+            <a:off x="611560" y="2060848"/>
+            <a:ext cx="5707063" cy="3190875"/>
+          </a:xfrm>
+          <a:prstGeom prst="rect">
+            <a:avLst/>
+          </a:prstGeom>
+          <a:noFill/>
+          <a:extLst>
+            <a:ext uri="{909E8E84-426E-40DD-AFC4-6F175D3DCCD1}">
+              <a14:hiddenFill xmlns:a14="http://schemas.microsoft.com/office/drawing/2010/main">
+                <a:solidFill>
+                  <a:srgbClr val="FFFFFF"/>
+                </a:solidFill>
+              </a14:hiddenFill>
+            </a:ext>
+          </a:extLst>
+        </p:spPr>
+      </p:pic>
+      <p:grpSp>
+        <p:nvGrpSpPr>
+          <p:cNvPr id="9" name="그룹 8"/>
+          <p:cNvGrpSpPr/>
+          <p:nvPr/>
+        </p:nvGrpSpPr>
+        <p:grpSpPr>
+          <a:xfrm>
+            <a:off x="5436096" y="1628800"/>
+            <a:ext cx="5725144" cy="6192688"/>
+            <a:chOff x="5436096" y="1628800"/>
+            <a:chExt cx="5725144" cy="6192688"/>
+          </a:xfrm>
+        </p:grpSpPr>
+        <p:grpSp>
+          <p:nvGrpSpPr>
+            <p:cNvPr id="4" name="그룹 3"/>
+            <p:cNvGrpSpPr/>
+            <p:nvPr/>
+          </p:nvGrpSpPr>
+          <p:grpSpPr>
+            <a:xfrm>
+              <a:off x="5436096" y="1628800"/>
+              <a:ext cx="5725144" cy="6192688"/>
+              <a:chOff x="5111552" y="1628800"/>
+              <a:chExt cx="5725144" cy="6192688"/>
+            </a:xfrm>
+          </p:grpSpPr>
+          <p:sp>
+            <p:nvSpPr>
+              <p:cNvPr id="5" name="타원 4"/>
+              <p:cNvSpPr/>
+              <p:nvPr/>
+            </p:nvSpPr>
+            <p:spPr>
+              <a:xfrm>
+                <a:off x="5111552" y="2564904"/>
+                <a:ext cx="4032448" cy="4032448"/>
+              </a:xfrm>
+              <a:prstGeom prst="ellipse">
+                <a:avLst/>
+              </a:prstGeom>
+            </p:spPr>
+            <p:style>
+              <a:lnRef idx="1">
+                <a:schemeClr val="accent1"/>
+              </a:lnRef>
+              <a:fillRef idx="3">
+                <a:schemeClr val="accent1"/>
+              </a:fillRef>
+              <a:effectRef idx="2">
+                <a:schemeClr val="accent1"/>
+              </a:effectRef>
+              <a:fontRef idx="minor">
+                <a:schemeClr val="lt1"/>
+              </a:fontRef>
+            </p:style>
+            <p:txBody>
+              <a:bodyPr rtlCol="0" anchor="ctr"/>
+              <a:lstStyle/>
+              <a:p>
+                <a:pPr algn="ctr"/>
+                <a:endParaRPr lang="ko-KR" altLang="en-US"/>
+              </a:p>
+            </p:txBody>
+          </p:sp>
+          <p:sp>
+            <p:nvSpPr>
+              <p:cNvPr id="6" name="타원 5"/>
+              <p:cNvSpPr/>
+              <p:nvPr/>
+            </p:nvSpPr>
+            <p:spPr>
+              <a:xfrm>
+                <a:off x="6804248" y="1628800"/>
+                <a:ext cx="4032448" cy="4032448"/>
+              </a:xfrm>
+              <a:prstGeom prst="ellipse">
+                <a:avLst/>
+              </a:prstGeom>
+            </p:spPr>
+            <p:style>
+              <a:lnRef idx="1">
+                <a:schemeClr val="accent1"/>
+              </a:lnRef>
+              <a:fillRef idx="3">
+                <a:schemeClr val="accent1"/>
+              </a:fillRef>
+              <a:effectRef idx="2">
+                <a:schemeClr val="accent1"/>
+              </a:effectRef>
+              <a:fontRef idx="minor">
+                <a:schemeClr val="lt1"/>
+              </a:fontRef>
+            </p:style>
+            <p:txBody>
+              <a:bodyPr rtlCol="0" anchor="ctr"/>
+              <a:lstStyle/>
+              <a:p>
+                <a:pPr algn="ctr"/>
+                <a:endParaRPr lang="ko-KR" altLang="en-US"/>
+              </a:p>
+            </p:txBody>
+          </p:sp>
+          <p:sp>
+            <p:nvSpPr>
+              <p:cNvPr id="7" name="타원 6"/>
+              <p:cNvSpPr/>
+              <p:nvPr/>
+            </p:nvSpPr>
+            <p:spPr>
+              <a:xfrm>
+                <a:off x="5724128" y="3501008"/>
+                <a:ext cx="4320480" cy="4320480"/>
+              </a:xfrm>
+              <a:prstGeom prst="ellipse">
+                <a:avLst/>
+              </a:prstGeom>
+            </p:spPr>
+            <p:style>
+              <a:lnRef idx="1">
+                <a:schemeClr val="accent1"/>
+              </a:lnRef>
+              <a:fillRef idx="3">
+                <a:schemeClr val="accent1"/>
+              </a:fillRef>
+              <a:effectRef idx="2">
+                <a:schemeClr val="accent1"/>
+              </a:effectRef>
+              <a:fontRef idx="minor">
+                <a:schemeClr val="lt1"/>
+              </a:fontRef>
+            </p:style>
+            <p:txBody>
+              <a:bodyPr rtlCol="0" anchor="ctr"/>
+              <a:lstStyle/>
+              <a:p>
+                <a:pPr algn="ctr"/>
+                <a:endParaRPr lang="ko-KR" altLang="en-US"/>
+              </a:p>
+            </p:txBody>
+          </p:sp>
+        </p:grpSp>
+        <p:sp>
+          <p:nvSpPr>
+            <p:cNvPr id="8" name="TextBox 7"/>
+            <p:cNvSpPr txBox="1"/>
+            <p:nvPr/>
+          </p:nvSpPr>
+          <p:spPr>
+            <a:xfrm>
+              <a:off x="6058348" y="3789040"/>
+              <a:ext cx="2618024" cy="923330"/>
+            </a:xfrm>
+            <a:prstGeom prst="rect">
+              <a:avLst/>
+            </a:prstGeom>
+            <a:noFill/>
+          </p:spPr>
+          <p:txBody>
+            <a:bodyPr wrap="none" rtlCol="0">
+              <a:spAutoFit/>
+            </a:bodyPr>
+            <a:lstStyle/>
+            <a:p>
+              <a:r>
+                <a:rPr lang="ko-KR" altLang="en-US" dirty="0" smtClean="0">
+                  <a:latin typeface="배달의민족 도현" panose="020B0600000101010101" pitchFamily="50" charset="-127"/>
+                  <a:ea typeface="배달의민족 도현" panose="020B0600000101010101" pitchFamily="50" charset="-127"/>
+                </a:rPr>
+                <a:t>위치 </a:t>
+              </a:r>
+              <a:r>
+                <a:rPr lang="ko-KR" altLang="en-US" dirty="0">
+                  <a:latin typeface="배달의민족 도현" panose="020B0600000101010101" pitchFamily="50" charset="-127"/>
+                  <a:ea typeface="배달의민족 도현" panose="020B0600000101010101" pitchFamily="50" charset="-127"/>
+                </a:rPr>
+                <a:t>기준으로 검색하여 </a:t>
+              </a:r>
+              <a:endParaRPr lang="en-US" altLang="ko-KR" dirty="0" smtClean="0">
+                <a:latin typeface="배달의민족 도현" panose="020B0600000101010101" pitchFamily="50" charset="-127"/>
+                <a:ea typeface="배달의민족 도현" panose="020B0600000101010101" pitchFamily="50" charset="-127"/>
+              </a:endParaRPr>
+            </a:p>
+            <a:p>
+              <a:endParaRPr lang="en-US" altLang="ko-KR" dirty="0" smtClean="0">
+                <a:latin typeface="배달의민족 도현" panose="020B0600000101010101" pitchFamily="50" charset="-127"/>
+                <a:ea typeface="배달의민족 도현" panose="020B0600000101010101" pitchFamily="50" charset="-127"/>
+              </a:endParaRPr>
+            </a:p>
+            <a:p>
+              <a:r>
+                <a:rPr lang="ko-KR" altLang="en-US" dirty="0" smtClean="0">
+                  <a:latin typeface="배달의민족 도현" panose="020B0600000101010101" pitchFamily="50" charset="-127"/>
+                  <a:ea typeface="배달의민족 도현" panose="020B0600000101010101" pitchFamily="50" charset="-127"/>
+                </a:rPr>
+                <a:t>결과 출력</a:t>
+              </a:r>
+              <a:endParaRPr lang="ko-KR" altLang="en-US" dirty="0">
+                <a:latin typeface="배달의민족 도현" panose="020B0600000101010101" pitchFamily="50" charset="-127"/>
+                <a:ea typeface="배달의민족 도현" panose="020B0600000101010101" pitchFamily="50" charset="-127"/>
+              </a:endParaRPr>
+            </a:p>
+          </p:txBody>
+        </p:sp>
+      </p:grpSp>
+    </p:spTree>
+    <p:extLst>
+      <p:ext uri="{BB962C8B-B14F-4D97-AF65-F5344CB8AC3E}">
+        <p14:creationId xmlns:p14="http://schemas.microsoft.com/office/powerpoint/2010/main" val="3489926221"/>
+      </p:ext>
+    </p:extLst>
+  </p:cSld>
+  <p:clrMapOvr>
+    <a:masterClrMapping/>
+  </p:clrMapOvr>
+  <p:timing>
+    <p:tnLst>
+      <p:par>
+        <p:cTn id="1" dur="indefinite" restart="never" nodeType="tmRoot">
+          <p:childTnLst>
+            <p:seq concurrent="1" nextAc="seek">
+              <p:cTn id="2" dur="indefinite" nodeType="mainSeq">
+                <p:childTnLst>
+                  <p:par>
+                    <p:cTn id="3" fill="hold">
+                      <p:stCondLst>
+                        <p:cond delay="indefinite"/>
+                        <p:cond evt="onBegin" delay="0">
+                          <p:tn val="2"/>
+                        </p:cond>
+                      </p:stCondLst>
+                      <p:childTnLst>
+                        <p:par>
+                          <p:cTn id="4" fill="hold">
+                            <p:stCondLst>
+                              <p:cond delay="0"/>
+                            </p:stCondLst>
+                            <p:childTnLst>
+                              <p:par>
+                                <p:cTn id="5" presetID="42" presetClass="entr" presetSubtype="0" fill="hold" nodeType="withEffect">
+                                  <p:stCondLst>
+                                    <p:cond delay="0"/>
+                                  </p:stCondLst>
+                                  <p:childTnLst>
+                                    <p:set>
+                                      <p:cBhvr>
+                                        <p:cTn id="6" dur="1" fill="hold">
+                                          <p:stCondLst>
+                                            <p:cond delay="0"/>
+                                          </p:stCondLst>
+                                        </p:cTn>
+                                        <p:tgtEl>
+                                          <p:spTgt spid="9"/>
+                                        </p:tgtEl>
+                                        <p:attrNameLst>
+                                          <p:attrName>style.visibility</p:attrName>
+                                        </p:attrNameLst>
+                                      </p:cBhvr>
+                                      <p:to>
+                                        <p:strVal val="visible"/>
+                                      </p:to>
+                                    </p:set>
+                                    <p:animEffect transition="in" filter="fade">
+                                      <p:cBhvr>
+                                        <p:cTn id="7" dur="1000"/>
+                                        <p:tgtEl>
+                                          <p:spTgt spid="9"/>
+                                        </p:tgtEl>
+                                      </p:cBhvr>
+                                    </p:animEffect>
+                                    <p:anim calcmode="lin" valueType="num">
+                                      <p:cBhvr>
+                                        <p:cTn id="8" dur="1000" fill="hold"/>
+                                        <p:tgtEl>
+                                          <p:spTgt spid="9"/>
+                                        </p:tgtEl>
+                                        <p:attrNameLst>
+                                          <p:attrName>ppt_x</p:attrName>
+                                        </p:attrNameLst>
+                                      </p:cBhvr>
+                                      <p:tavLst>
+                                        <p:tav tm="0">
+                                          <p:val>
+                                            <p:strVal val="#ppt_x"/>
+                                          </p:val>
+                                        </p:tav>
+                                        <p:tav tm="100000">
+                                          <p:val>
+                                            <p:strVal val="#ppt_x"/>
+                                          </p:val>
+                                        </p:tav>
+                                      </p:tavLst>
+                                    </p:anim>
+                                    <p:anim calcmode="lin" valueType="num">
+                                      <p:cBhvr>
+                                        <p:cTn id="9" dur="1000" fill="hold"/>
+                                        <p:tgtEl>
+                                          <p:spTgt spid="9"/>
+                                        </p:tgtEl>
+                                        <p:attrNameLst>
+                                          <p:attrName>ppt_y</p:attrName>
+                                        </p:attrNameLst>
+                                      </p:cBhvr>
+                                      <p:tavLst>
+                                        <p:tav tm="0">
+                                          <p:val>
+                                            <p:strVal val="#ppt_y+.1"/>
+                                          </p:val>
+                                        </p:tav>
+                                        <p:tav tm="100000">
+                                          <p:val>
+                                            <p:strVal val="#ppt_y"/>
+                                          </p:val>
+                                        </p:tav>
+                                      </p:tavLst>
+                                    </p:anim>
+                                  </p:childTnLst>
+                                </p:cTn>
+                              </p:par>
+                            </p:childTnLst>
+                          </p:cTn>
+                        </p:par>
+                      </p:childTnLst>
+                    </p:cTn>
+                  </p:par>
+                </p:childTnLst>
+              </p:cTn>
+              <p:prevCondLst>
+                <p:cond evt="onPrev" delay="0">
+                  <p:tgtEl>
+                    <p:sldTgt/>
+                  </p:tgtEl>
+                </p:cond>
+              </p:prevCondLst>
+              <p:nextCondLst>
+                <p:cond evt="onNext" delay="0">
+                  <p:tgtEl>
+                    <p:sldTgt/>
+                  </p:tgtEl>
+                </p:cond>
+              </p:nextCondLst>
+            </p:seq>
+          </p:childTnLst>
+        </p:cTn>
+      </p:par>
+    </p:tnLst>
+  </p:timing>
+</p:sld>
+</file>
+
+<file path=ppt/slides/slide8.xml><?xml version="1.0" encoding="utf-8"?>
+<p:sld xmlns:a="http://schemas.openxmlformats.org/drawingml/2006/main" xmlns:r="http://schemas.openxmlformats.org/officeDocument/2006/relationships" xmlns:p="http://schemas.openxmlformats.org/presentationml/2006/main">
+  <p:cSld>
+    <p:spTree>
+      <p:nvGrpSpPr>
+        <p:cNvPr id="1" name=""/>
+        <p:cNvGrpSpPr/>
+        <p:nvPr/>
+      </p:nvGrpSpPr>
+      <p:grpSpPr>
+        <a:xfrm>
+          <a:off x="0" y="0"/>
+          <a:ext cx="0" cy="0"/>
+          <a:chOff x="0" y="0"/>
+          <a:chExt cx="0" cy="0"/>
+        </a:xfrm>
+      </p:grpSpPr>
+      <p:sp>
+        <p:nvSpPr>
+          <p:cNvPr id="2" name="제목 1"/>
+          <p:cNvSpPr>
+            <a:spLocks noGrp="1"/>
+          </p:cNvSpPr>
+          <p:nvPr>
+            <p:ph type="title"/>
+          </p:nvPr>
+        </p:nvSpPr>
+        <p:spPr/>
+        <p:txBody>
+          <a:bodyPr/>
+          <a:lstStyle/>
+          <a:p>
+            <a:r>
+              <a:rPr lang="ko-KR" altLang="en-US" dirty="0">
+                <a:latin typeface="배달의민족 도현" panose="020B0600000101010101" pitchFamily="50" charset="-127"/>
+                <a:ea typeface="배달의민족 도현" panose="020B0600000101010101" pitchFamily="50" charset="-127"/>
+              </a:rPr>
+              <a:t>검색 </a:t>
+            </a:r>
+            <a:r>
+              <a:rPr lang="en-US" altLang="ko-KR" dirty="0" smtClean="0">
+                <a:latin typeface="배달의민족 도현" panose="020B0600000101010101" pitchFamily="50" charset="-127"/>
+                <a:ea typeface="배달의민족 도현" panose="020B0600000101010101" pitchFamily="50" charset="-127"/>
+              </a:rPr>
+              <a:t>(</a:t>
+            </a:r>
+            <a:r>
+              <a:rPr lang="ko-KR" altLang="en-US" dirty="0" err="1" smtClean="0">
+                <a:latin typeface="배달의민족 도현" panose="020B0600000101010101" pitchFamily="50" charset="-127"/>
+                <a:ea typeface="배달의민족 도현" panose="020B0600000101010101" pitchFamily="50" charset="-127"/>
+              </a:rPr>
+              <a:t>설립년도</a:t>
+            </a:r>
+            <a:r>
+              <a:rPr lang="ko-KR" altLang="en-US" dirty="0" smtClean="0">
+                <a:latin typeface="배달의민족 도현" panose="020B0600000101010101" pitchFamily="50" charset="-127"/>
+                <a:ea typeface="배달의민족 도현" panose="020B0600000101010101" pitchFamily="50" charset="-127"/>
+              </a:rPr>
+              <a:t> 검색</a:t>
+            </a:r>
+            <a:r>
+              <a:rPr lang="en-US" altLang="ko-KR" dirty="0">
+                <a:latin typeface="배달의민족 도현" panose="020B0600000101010101" pitchFamily="50" charset="-127"/>
+                <a:ea typeface="배달의민족 도현" panose="020B0600000101010101" pitchFamily="50" charset="-127"/>
+              </a:rPr>
+              <a:t>)</a:t>
+            </a:r>
+            <a:endParaRPr lang="ko-KR" altLang="en-US" dirty="0">
+              <a:latin typeface="배달의민족 도현" panose="020B0600000101010101" pitchFamily="50" charset="-127"/>
+              <a:ea typeface="배달의민족 도현" panose="020B0600000101010101" pitchFamily="50" charset="-127"/>
+            </a:endParaRPr>
+          </a:p>
+        </p:txBody>
+      </p:sp>
+      <p:pic>
+        <p:nvPicPr>
+          <p:cNvPr id="3" name="Picture 5" descr="C:\work\julyProject\console\제목 없음3.png"/>
+          <p:cNvPicPr>
+            <a:picLocks noChangeAspect="1" noChangeArrowheads="1"/>
+          </p:cNvPicPr>
+          <p:nvPr/>
+        </p:nvPicPr>
+        <p:blipFill>
+          <a:blip r:embed="rId2">
+            <a:extLst>
+              <a:ext uri="{28A0092B-C50C-407E-A947-70E740481C1C}">
+                <a14:useLocalDpi xmlns:a14="http://schemas.microsoft.com/office/drawing/2010/main" val="0"/>
+              </a:ext>
+            </a:extLst>
+          </a:blip>
+          <a:srcRect/>
+          <a:stretch>
+            <a:fillRect/>
+          </a:stretch>
+        </p:blipFill>
+        <p:spPr bwMode="auto">
+          <a:xfrm>
+            <a:off x="1835696" y="1772816"/>
+            <a:ext cx="5648325" cy="1866900"/>
+          </a:xfrm>
+          <a:prstGeom prst="rect">
+            <a:avLst/>
+          </a:prstGeom>
+          <a:noFill/>
+          <a:extLst>
+            <a:ext uri="{909E8E84-426E-40DD-AFC4-6F175D3DCCD1}">
+              <a14:hiddenFill xmlns:a14="http://schemas.microsoft.com/office/drawing/2010/main">
+                <a:solidFill>
+                  <a:srgbClr val="FFFFFF"/>
+                </a:solidFill>
+              </a14:hiddenFill>
+            </a:ext>
+          </a:extLst>
+        </p:spPr>
+      </p:pic>
+      <p:grpSp>
+        <p:nvGrpSpPr>
+          <p:cNvPr id="9" name="그룹 8"/>
+          <p:cNvGrpSpPr/>
+          <p:nvPr/>
+        </p:nvGrpSpPr>
+        <p:grpSpPr>
+          <a:xfrm>
+            <a:off x="683568" y="3861048"/>
+            <a:ext cx="8136904" cy="4896544"/>
+            <a:chOff x="683568" y="3861048"/>
+            <a:chExt cx="8136904" cy="4896544"/>
+          </a:xfrm>
+        </p:grpSpPr>
+        <p:grpSp>
+          <p:nvGrpSpPr>
+            <p:cNvPr id="4" name="그룹 3"/>
+            <p:cNvGrpSpPr/>
+            <p:nvPr/>
+          </p:nvGrpSpPr>
+          <p:grpSpPr>
+            <a:xfrm>
+              <a:off x="683568" y="3861048"/>
+              <a:ext cx="8136904" cy="4896544"/>
+              <a:chOff x="683568" y="3861048"/>
+              <a:chExt cx="8136904" cy="4896544"/>
+            </a:xfrm>
+          </p:grpSpPr>
+          <p:sp>
+            <p:nvSpPr>
+              <p:cNvPr id="5" name="타원 4"/>
+              <p:cNvSpPr/>
+              <p:nvPr/>
+            </p:nvSpPr>
+            <p:spPr>
+              <a:xfrm>
+                <a:off x="4355976" y="3861048"/>
+                <a:ext cx="4464496" cy="4536504"/>
+              </a:xfrm>
+              <a:prstGeom prst="ellipse">
+                <a:avLst/>
+              </a:prstGeom>
+            </p:spPr>
+            <p:style>
+              <a:lnRef idx="1">
+                <a:schemeClr val="accent6"/>
+              </a:lnRef>
+              <a:fillRef idx="3">
+                <a:schemeClr val="accent6"/>
+              </a:fillRef>
+              <a:effectRef idx="2">
+                <a:schemeClr val="accent6"/>
+              </a:effectRef>
+              <a:fontRef idx="minor">
+                <a:schemeClr val="lt1"/>
+              </a:fontRef>
+            </p:style>
+            <p:txBody>
+              <a:bodyPr rtlCol="0" anchor="ctr"/>
+              <a:lstStyle/>
+              <a:p>
+                <a:pPr algn="ctr"/>
+                <a:endParaRPr lang="ko-KR" altLang="en-US" u="sng"/>
+              </a:p>
+            </p:txBody>
+          </p:sp>
+          <p:sp>
+            <p:nvSpPr>
+              <p:cNvPr id="6" name="타원 5"/>
+              <p:cNvSpPr/>
+              <p:nvPr/>
+            </p:nvSpPr>
+            <p:spPr>
+              <a:xfrm>
+                <a:off x="2627784" y="4221088"/>
+                <a:ext cx="4464496" cy="4536504"/>
+              </a:xfrm>
+              <a:prstGeom prst="ellipse">
+                <a:avLst/>
+              </a:prstGeom>
+            </p:spPr>
+            <p:style>
+              <a:lnRef idx="1">
+                <a:schemeClr val="accent6"/>
+              </a:lnRef>
+              <a:fillRef idx="3">
+                <a:schemeClr val="accent6"/>
+              </a:fillRef>
+              <a:effectRef idx="2">
+                <a:schemeClr val="accent6"/>
+              </a:effectRef>
+              <a:fontRef idx="minor">
+                <a:schemeClr val="lt1"/>
+              </a:fontRef>
+            </p:style>
+            <p:txBody>
+              <a:bodyPr rtlCol="0" anchor="ctr"/>
+              <a:lstStyle/>
+              <a:p>
+                <a:pPr algn="ctr"/>
+                <a:endParaRPr lang="ko-KR" altLang="en-US" u="sng"/>
+              </a:p>
+            </p:txBody>
+          </p:sp>
+          <p:sp>
+            <p:nvSpPr>
+              <p:cNvPr id="7" name="타원 6"/>
+              <p:cNvSpPr/>
+              <p:nvPr/>
+            </p:nvSpPr>
+            <p:spPr>
+              <a:xfrm>
+                <a:off x="683568" y="4077072"/>
+                <a:ext cx="4464496" cy="4536504"/>
+              </a:xfrm>
+              <a:prstGeom prst="ellipse">
+                <a:avLst/>
+              </a:prstGeom>
+            </p:spPr>
+            <p:style>
+              <a:lnRef idx="1">
+                <a:schemeClr val="accent6"/>
+              </a:lnRef>
+              <a:fillRef idx="3">
+                <a:schemeClr val="accent6"/>
+              </a:fillRef>
+              <a:effectRef idx="2">
+                <a:schemeClr val="accent6"/>
+              </a:effectRef>
+              <a:fontRef idx="minor">
+                <a:schemeClr val="lt1"/>
+              </a:fontRef>
+            </p:style>
+            <p:txBody>
+              <a:bodyPr rtlCol="0" anchor="ctr"/>
+              <a:lstStyle/>
+              <a:p>
+                <a:pPr algn="ctr"/>
+                <a:endParaRPr lang="ko-KR" altLang="en-US" u="sng"/>
+              </a:p>
+            </p:txBody>
+          </p:sp>
+        </p:grpSp>
+        <p:sp>
+          <p:nvSpPr>
+            <p:cNvPr id="8" name="TextBox 7"/>
+            <p:cNvSpPr txBox="1"/>
+            <p:nvPr/>
+          </p:nvSpPr>
+          <p:spPr>
+            <a:xfrm>
+              <a:off x="2961114" y="5157192"/>
+              <a:ext cx="4019049" cy="369332"/>
+            </a:xfrm>
+            <a:prstGeom prst="rect">
+              <a:avLst/>
+            </a:prstGeom>
+            <a:noFill/>
+          </p:spPr>
+          <p:txBody>
+            <a:bodyPr wrap="none" rtlCol="0">
+              <a:spAutoFit/>
+            </a:bodyPr>
+            <a:lstStyle/>
+            <a:p>
+              <a:r>
+                <a:rPr lang="ko-KR" altLang="en-US" dirty="0" err="1" smtClean="0">
+                  <a:latin typeface="배달의민족 도현" panose="020B0600000101010101" pitchFamily="50" charset="-127"/>
+                  <a:ea typeface="배달의민족 도현" panose="020B0600000101010101" pitchFamily="50" charset="-127"/>
+                </a:rPr>
+                <a:t>설립년도</a:t>
+              </a:r>
+              <a:r>
+                <a:rPr lang="ko-KR" altLang="en-US" dirty="0" smtClean="0">
+                  <a:latin typeface="배달의민족 도현" panose="020B0600000101010101" pitchFamily="50" charset="-127"/>
+                  <a:ea typeface="배달의민족 도현" panose="020B0600000101010101" pitchFamily="50" charset="-127"/>
+                </a:rPr>
+                <a:t> 기준으로 </a:t>
+              </a:r>
+              <a:r>
+                <a:rPr lang="ko-KR" altLang="en-US" dirty="0">
+                  <a:latin typeface="배달의민족 도현" panose="020B0600000101010101" pitchFamily="50" charset="-127"/>
+                  <a:ea typeface="배달의민족 도현" panose="020B0600000101010101" pitchFamily="50" charset="-127"/>
+                </a:rPr>
+                <a:t>검색하여 결과 출력</a:t>
+              </a:r>
+            </a:p>
+          </p:txBody>
+        </p:sp>
+      </p:grpSp>
+    </p:spTree>
+    <p:extLst>
+      <p:ext uri="{BB962C8B-B14F-4D97-AF65-F5344CB8AC3E}">
+        <p14:creationId xmlns:p14="http://schemas.microsoft.com/office/powerpoint/2010/main" val="3489926221"/>
+      </p:ext>
+    </p:extLst>
+  </p:cSld>
+  <p:clrMapOvr>
+    <a:masterClrMapping/>
+  </p:clrMapOvr>
+  <p:timing>
+    <p:tnLst>
+      <p:par>
+        <p:cTn id="1" dur="indefinite" restart="never" nodeType="tmRoot">
+          <p:childTnLst>
+            <p:seq concurrent="1" nextAc="seek">
+              <p:cTn id="2" dur="indefinite" nodeType="mainSeq">
+                <p:childTnLst>
+                  <p:par>
+                    <p:cTn id="3" fill="hold">
+                      <p:stCondLst>
+                        <p:cond delay="indefinite"/>
+                        <p:cond evt="onBegin" delay="0">
+                          <p:tn val="2"/>
+                        </p:cond>
+                      </p:stCondLst>
+                      <p:childTnLst>
+                        <p:par>
+                          <p:cTn id="4" fill="hold">
+                            <p:stCondLst>
+                              <p:cond delay="0"/>
+                            </p:stCondLst>
+                            <p:childTnLst>
+                              <p:par>
+                                <p:cTn id="5" presetID="42" presetClass="entr" presetSubtype="0" fill="hold" nodeType="withEffect">
+                                  <p:stCondLst>
+                                    <p:cond delay="0"/>
+                                  </p:stCondLst>
+                                  <p:childTnLst>
+                                    <p:set>
+                                      <p:cBhvr>
+                                        <p:cTn id="6" dur="1" fill="hold">
+                                          <p:stCondLst>
+                                            <p:cond delay="0"/>
+                                          </p:stCondLst>
+                                        </p:cTn>
+                                        <p:tgtEl>
+                                          <p:spTgt spid="9"/>
+                                        </p:tgtEl>
+                                        <p:attrNameLst>
+                                          <p:attrName>style.visibility</p:attrName>
+                                        </p:attrNameLst>
+                                      </p:cBhvr>
+                                      <p:to>
+                                        <p:strVal val="visible"/>
+                                      </p:to>
+                                    </p:set>
+                                    <p:animEffect transition="in" filter="fade">
+                                      <p:cBhvr>
+                                        <p:cTn id="7" dur="1000"/>
+                                        <p:tgtEl>
+                                          <p:spTgt spid="9"/>
+                                        </p:tgtEl>
+                                      </p:cBhvr>
+                                    </p:animEffect>
+                                    <p:anim calcmode="lin" valueType="num">
+                                      <p:cBhvr>
+                                        <p:cTn id="8" dur="1000" fill="hold"/>
+                                        <p:tgtEl>
+                                          <p:spTgt spid="9"/>
+                                        </p:tgtEl>
+                                        <p:attrNameLst>
+                                          <p:attrName>ppt_x</p:attrName>
+                                        </p:attrNameLst>
+                                      </p:cBhvr>
+                                      <p:tavLst>
+                                        <p:tav tm="0">
+                                          <p:val>
+                                            <p:strVal val="#ppt_x"/>
+                                          </p:val>
+                                        </p:tav>
+                                        <p:tav tm="100000">
+                                          <p:val>
+                                            <p:strVal val="#ppt_x"/>
+                                          </p:val>
+                                        </p:tav>
+                                      </p:tavLst>
+                                    </p:anim>
+                                    <p:anim calcmode="lin" valueType="num">
+                                      <p:cBhvr>
+                                        <p:cTn id="9" dur="1000" fill="hold"/>
+                                        <p:tgtEl>
+                                          <p:spTgt spid="9"/>
+                                        </p:tgtEl>
+                                        <p:attrNameLst>
+                                          <p:attrName>ppt_y</p:attrName>
+                                        </p:attrNameLst>
+                                      </p:cBhvr>
+                                      <p:tavLst>
+                                        <p:tav tm="0">
+                                          <p:val>
+                                            <p:strVal val="#ppt_y+.1"/>
+                                          </p:val>
+                                        </p:tav>
+                                        <p:tav tm="100000">
+                                          <p:val>
+                                            <p:strVal val="#ppt_y"/>
+                                          </p:val>
+                                        </p:tav>
+                                      </p:tavLst>
+                                    </p:anim>
+                                  </p:childTnLst>
+                                </p:cTn>
+                              </p:par>
+                            </p:childTnLst>
+                          </p:cTn>
+                        </p:par>
+                      </p:childTnLst>
+                    </p:cTn>
+                  </p:par>
+                </p:childTnLst>
+              </p:cTn>
+              <p:prevCondLst>
+                <p:cond evt="onPrev" delay="0">
+                  <p:tgtEl>
+                    <p:sldTgt/>
+                  </p:tgtEl>
+                </p:cond>
+              </p:prevCondLst>
+              <p:nextCondLst>
+                <p:cond evt="onNext" delay="0">
+                  <p:tgtEl>
+                    <p:sldTgt/>
+                  </p:tgtEl>
+                </p:cond>
+              </p:nextCondLst>
+            </p:seq>
+          </p:childTnLst>
+        </p:cTn>
+      </p:par>
+    </p:tnLst>
+  </p:timing>
+</p:sld>
+</file>
+
+<file path=ppt/slides/slide9.xml><?xml version="1.0" encoding="utf-8"?>
+<p:sld xmlns:a="http://schemas.openxmlformats.org/drawingml/2006/main" xmlns:r="http://schemas.openxmlformats.org/officeDocument/2006/relationships" xmlns:p="http://schemas.openxmlformats.org/presentationml/2006/main">
+  <p:cSld>
+    <p:spTree>
+      <p:nvGrpSpPr>
+        <p:cNvPr id="1" name=""/>
+        <p:cNvGrpSpPr/>
+        <p:nvPr/>
+      </p:nvGrpSpPr>
+      <p:grpSpPr>
+        <a:xfrm>
+          <a:off x="0" y="0"/>
+          <a:ext cx="0" cy="0"/>
+          <a:chOff x="0" y="0"/>
+          <a:chExt cx="0" cy="0"/>
+        </a:xfrm>
+      </p:grpSpPr>
+      <p:sp>
+        <p:nvSpPr>
+          <p:cNvPr id="2" name="제목 1"/>
+          <p:cNvSpPr>
+            <a:spLocks noGrp="1"/>
+          </p:cNvSpPr>
+          <p:nvPr>
+            <p:ph type="title"/>
+          </p:nvPr>
+        </p:nvSpPr>
+        <p:spPr/>
+        <p:txBody>
+          <a:bodyPr/>
+          <a:lstStyle/>
+          <a:p>
+            <a:r>
+              <a:rPr lang="ko-KR" altLang="en-US" dirty="0" smtClean="0">
+                <a:latin typeface="배달의민족 도현" panose="020B0600000101010101" pitchFamily="50" charset="-127"/>
+                <a:ea typeface="배달의민족 도현" panose="020B0600000101010101" pitchFamily="50" charset="-127"/>
+              </a:rPr>
+              <a:t>잘못 입력했을 시</a:t>
+            </a:r>
+            <a:endParaRPr lang="ko-KR" altLang="en-US" dirty="0">
+              <a:latin typeface="배달의민족 도현" panose="020B0600000101010101" pitchFamily="50" charset="-127"/>
+              <a:ea typeface="배달의민족 도현" panose="020B0600000101010101" pitchFamily="50" charset="-127"/>
+            </a:endParaRPr>
+          </a:p>
+        </p:txBody>
+      </p:sp>
+      <p:pic>
+        <p:nvPicPr>
+          <p:cNvPr id="3" name="Picture 6" descr="C:\work\julyProject\console\제목 없음4.png"/>
+          <p:cNvPicPr>
+            <a:picLocks noChangeAspect="1" noChangeArrowheads="1"/>
+          </p:cNvPicPr>
+          <p:nvPr/>
+        </p:nvPicPr>
+        <p:blipFill>
+          <a:blip r:embed="rId2">
+            <a:extLst>
+              <a:ext uri="{28A0092B-C50C-407E-A947-70E740481C1C}">
+                <a14:useLocalDpi xmlns:a14="http://schemas.microsoft.com/office/drawing/2010/main" val="0"/>
+              </a:ext>
+            </a:extLst>
+          </a:blip>
+          <a:srcRect/>
+          <a:stretch>
+            <a:fillRect/>
+          </a:stretch>
+        </p:blipFill>
+        <p:spPr bwMode="auto">
+          <a:xfrm>
+            <a:off x="1115616" y="1988840"/>
+            <a:ext cx="5676900" cy="828675"/>
+          </a:xfrm>
+          <a:prstGeom prst="rect">
+            <a:avLst/>
+          </a:prstGeom>
+          <a:noFill/>
+          <a:extLst>
+            <a:ext uri="{909E8E84-426E-40DD-AFC4-6F175D3DCCD1}">
+              <a14:hiddenFill xmlns:a14="http://schemas.microsoft.com/office/drawing/2010/main">
+                <a:solidFill>
+                  <a:srgbClr val="FFFFFF"/>
+                </a:solidFill>
+              </a14:hiddenFill>
+            </a:ext>
+          </a:extLst>
+        </p:spPr>
+      </p:pic>
+      <p:grpSp>
+        <p:nvGrpSpPr>
+          <p:cNvPr id="9" name="그룹 8"/>
+          <p:cNvGrpSpPr/>
+          <p:nvPr/>
+        </p:nvGrpSpPr>
+        <p:grpSpPr>
+          <a:xfrm>
+            <a:off x="683568" y="3861048"/>
+            <a:ext cx="8136904" cy="4896544"/>
+            <a:chOff x="683568" y="3861048"/>
+            <a:chExt cx="8136904" cy="4896544"/>
+          </a:xfrm>
+        </p:grpSpPr>
+        <p:grpSp>
+          <p:nvGrpSpPr>
+            <p:cNvPr id="4" name="그룹 3"/>
+            <p:cNvGrpSpPr/>
+            <p:nvPr/>
+          </p:nvGrpSpPr>
+          <p:grpSpPr>
+            <a:xfrm>
+              <a:off x="683568" y="3861048"/>
+              <a:ext cx="8136904" cy="4896544"/>
+              <a:chOff x="683568" y="3861048"/>
+              <a:chExt cx="8136904" cy="4896544"/>
+            </a:xfrm>
+          </p:grpSpPr>
+          <p:sp>
+            <p:nvSpPr>
+              <p:cNvPr id="5" name="타원 4"/>
+              <p:cNvSpPr/>
+              <p:nvPr/>
+            </p:nvSpPr>
+            <p:spPr>
+              <a:xfrm>
+                <a:off x="4355976" y="3861048"/>
+                <a:ext cx="4464496" cy="4536504"/>
+              </a:xfrm>
+              <a:prstGeom prst="ellipse">
+                <a:avLst/>
+              </a:prstGeom>
+            </p:spPr>
+            <p:style>
+              <a:lnRef idx="1">
+                <a:schemeClr val="accent2"/>
+              </a:lnRef>
+              <a:fillRef idx="3">
+                <a:schemeClr val="accent2"/>
+              </a:fillRef>
+              <a:effectRef idx="2">
+                <a:schemeClr val="accent2"/>
+              </a:effectRef>
+              <a:fontRef idx="minor">
+                <a:schemeClr val="lt1"/>
+              </a:fontRef>
+            </p:style>
+            <p:txBody>
+              <a:bodyPr rtlCol="0" anchor="ctr"/>
+              <a:lstStyle/>
+              <a:p>
+                <a:pPr algn="ctr"/>
+                <a:endParaRPr lang="ko-KR" altLang="en-US" u="sng"/>
+              </a:p>
+            </p:txBody>
+          </p:sp>
+          <p:sp>
+            <p:nvSpPr>
+              <p:cNvPr id="6" name="타원 5"/>
+              <p:cNvSpPr/>
+              <p:nvPr/>
+            </p:nvSpPr>
+            <p:spPr>
+              <a:xfrm>
+                <a:off x="2627784" y="4221088"/>
+                <a:ext cx="4464496" cy="4536504"/>
+              </a:xfrm>
+              <a:prstGeom prst="ellipse">
+                <a:avLst/>
+              </a:prstGeom>
+            </p:spPr>
+            <p:style>
+              <a:lnRef idx="1">
+                <a:schemeClr val="accent2"/>
+              </a:lnRef>
+              <a:fillRef idx="3">
+                <a:schemeClr val="accent2"/>
+              </a:fillRef>
+              <a:effectRef idx="2">
+                <a:schemeClr val="accent2"/>
+              </a:effectRef>
+              <a:fontRef idx="minor">
+                <a:schemeClr val="lt1"/>
+              </a:fontRef>
+            </p:style>
+            <p:txBody>
+              <a:bodyPr rtlCol="0" anchor="ctr"/>
+              <a:lstStyle/>
+              <a:p>
+                <a:pPr algn="ctr"/>
+                <a:endParaRPr lang="ko-KR" altLang="en-US" u="sng"/>
+              </a:p>
+            </p:txBody>
+          </p:sp>
+          <p:sp>
+            <p:nvSpPr>
+              <p:cNvPr id="7" name="타원 6"/>
+              <p:cNvSpPr/>
+              <p:nvPr/>
+            </p:nvSpPr>
+            <p:spPr>
+              <a:xfrm>
+                <a:off x="683568" y="4077072"/>
+                <a:ext cx="4464496" cy="4536504"/>
+              </a:xfrm>
+              <a:prstGeom prst="ellipse">
+                <a:avLst/>
+              </a:prstGeom>
+            </p:spPr>
+            <p:style>
+              <a:lnRef idx="1">
+                <a:schemeClr val="accent2"/>
+              </a:lnRef>
+              <a:fillRef idx="3">
+                <a:schemeClr val="accent2"/>
+              </a:fillRef>
+              <a:effectRef idx="2">
+                <a:schemeClr val="accent2"/>
+              </a:effectRef>
+              <a:fontRef idx="minor">
+                <a:schemeClr val="lt1"/>
+              </a:fontRef>
+            </p:style>
+            <p:txBody>
+              <a:bodyPr rtlCol="0" anchor="ctr"/>
+              <a:lstStyle/>
+              <a:p>
+                <a:pPr algn="ctr"/>
+                <a:endParaRPr lang="ko-KR" altLang="en-US" u="sng"/>
+              </a:p>
+            </p:txBody>
+          </p:sp>
+        </p:grpSp>
+        <p:sp>
+          <p:nvSpPr>
+            <p:cNvPr id="8" name="TextBox 7"/>
+            <p:cNvSpPr txBox="1"/>
+            <p:nvPr/>
+          </p:nvSpPr>
+          <p:spPr>
+            <a:xfrm>
+              <a:off x="1475657" y="5157192"/>
+              <a:ext cx="6912768" cy="369332"/>
+            </a:xfrm>
+            <a:prstGeom prst="rect">
+              <a:avLst/>
+            </a:prstGeom>
+            <a:noFill/>
+          </p:spPr>
+          <p:txBody>
+            <a:bodyPr wrap="square" rtlCol="0">
+              <a:spAutoFit/>
+            </a:bodyPr>
+            <a:lstStyle/>
+            <a:p>
+              <a:r>
+                <a:rPr lang="en-US" altLang="ko-KR" dirty="0" smtClean="0">
+                  <a:latin typeface="배달의민족 도현" panose="020B0600000101010101" pitchFamily="50" charset="-127"/>
+                  <a:ea typeface="배달의민족 도현" panose="020B0600000101010101" pitchFamily="50" charset="-127"/>
+                </a:rPr>
+                <a:t>1, </a:t>
+              </a:r>
+              <a:r>
+                <a:rPr lang="ko-KR" altLang="en-US" dirty="0" smtClean="0">
+                  <a:latin typeface="배달의민족 도현" panose="020B0600000101010101" pitchFamily="50" charset="-127"/>
+                  <a:ea typeface="배달의민족 도현" panose="020B0600000101010101" pitchFamily="50" charset="-127"/>
+                </a:rPr>
+                <a:t>전체</a:t>
+              </a:r>
+              <a:r>
+                <a:rPr lang="en-US" altLang="ko-KR" dirty="0" smtClean="0">
+                  <a:latin typeface="배달의민족 도현" panose="020B0600000101010101" pitchFamily="50" charset="-127"/>
+                  <a:ea typeface="배달의민족 도현" panose="020B0600000101010101" pitchFamily="50" charset="-127"/>
+                </a:rPr>
+                <a:t>, 2. </a:t>
+              </a:r>
+              <a:r>
+                <a:rPr lang="ko-KR" altLang="en-US" dirty="0" smtClean="0">
+                  <a:latin typeface="배달의민족 도현" panose="020B0600000101010101" pitchFamily="50" charset="-127"/>
+                  <a:ea typeface="배달의민족 도현" panose="020B0600000101010101" pitchFamily="50" charset="-127"/>
+                </a:rPr>
+                <a:t>기업명</a:t>
+              </a:r>
+              <a:r>
+                <a:rPr lang="en-US" altLang="ko-KR" dirty="0" smtClean="0">
+                  <a:latin typeface="배달의민족 도현" panose="020B0600000101010101" pitchFamily="50" charset="-127"/>
+                  <a:ea typeface="배달의민족 도현" panose="020B0600000101010101" pitchFamily="50" charset="-127"/>
+                </a:rPr>
+                <a:t>, 3. </a:t>
+              </a:r>
+              <a:r>
+                <a:rPr lang="ko-KR" altLang="en-US" dirty="0" smtClean="0">
+                  <a:latin typeface="배달의민족 도현" panose="020B0600000101010101" pitchFamily="50" charset="-127"/>
+                  <a:ea typeface="배달의민족 도현" panose="020B0600000101010101" pitchFamily="50" charset="-127"/>
+                </a:rPr>
+                <a:t>위치</a:t>
+              </a:r>
+              <a:r>
+                <a:rPr lang="en-US" altLang="ko-KR" dirty="0" smtClean="0">
+                  <a:latin typeface="배달의민족 도현" panose="020B0600000101010101" pitchFamily="50" charset="-127"/>
+                  <a:ea typeface="배달의민족 도현" panose="020B0600000101010101" pitchFamily="50" charset="-127"/>
+                </a:rPr>
+                <a:t>, 4. </a:t>
+              </a:r>
+              <a:r>
+                <a:rPr lang="ko-KR" altLang="en-US" dirty="0" err="1" smtClean="0">
+                  <a:latin typeface="배달의민족 도현" panose="020B0600000101010101" pitchFamily="50" charset="-127"/>
+                  <a:ea typeface="배달의민족 도현" panose="020B0600000101010101" pitchFamily="50" charset="-127"/>
+                </a:rPr>
+                <a:t>설립년도</a:t>
+              </a:r>
+              <a:r>
+                <a:rPr lang="ko-KR" altLang="en-US" dirty="0" smtClean="0">
+                  <a:latin typeface="배달의민족 도현" panose="020B0600000101010101" pitchFamily="50" charset="-127"/>
+                  <a:ea typeface="배달의민족 도현" panose="020B0600000101010101" pitchFamily="50" charset="-127"/>
+                </a:rPr>
+                <a:t> 외 다른 숫자를 입력했을 시</a:t>
+              </a:r>
+              <a:endParaRPr lang="ko-KR" altLang="en-US" dirty="0">
+                <a:latin typeface="배달의민족 도현" panose="020B0600000101010101" pitchFamily="50" charset="-127"/>
+                <a:ea typeface="배달의민족 도현" panose="020B0600000101010101" pitchFamily="50" charset="-127"/>
+              </a:endParaRPr>
+            </a:p>
+          </p:txBody>
+        </p:sp>
+      </p:grpSp>
+    </p:spTree>
+    <p:extLst>
+      <p:ext uri="{BB962C8B-B14F-4D97-AF65-F5344CB8AC3E}">
+        <p14:creationId xmlns:p14="http://schemas.microsoft.com/office/powerpoint/2010/main" val="3489926221"/>
+      </p:ext>
+    </p:extLst>
+  </p:cSld>
+  <p:clrMapOvr>
+    <a:masterClrMapping/>
+  </p:clrMapOvr>
+  <p:timing>
+    <p:tnLst>
+      <p:par>
+        <p:cTn id="1" dur="indefinite" restart="never" nodeType="tmRoot">
+          <p:childTnLst>
+            <p:seq concurrent="1" nextAc="seek">
+              <p:cTn id="2" dur="indefinite" nodeType="mainSeq">
+                <p:childTnLst>
+                  <p:par>
+                    <p:cTn id="3" fill="hold">
+                      <p:stCondLst>
+                        <p:cond delay="indefinite"/>
+                        <p:cond evt="onBegin" delay="0">
+                          <p:tn val="2"/>
+                        </p:cond>
+                      </p:stCondLst>
+                      <p:childTnLst>
+                        <p:par>
+                          <p:cTn id="4" fill="hold">
+                            <p:stCondLst>
+                              <p:cond delay="0"/>
+                            </p:stCondLst>
+                            <p:childTnLst>
+                              <p:par>
+                                <p:cTn id="5" presetID="42" presetClass="entr" presetSubtype="0" fill="hold" nodeType="withEffect">
+                                  <p:stCondLst>
+                                    <p:cond delay="0"/>
+                                  </p:stCondLst>
+                                  <p:childTnLst>
+                                    <p:set>
+                                      <p:cBhvr>
+                                        <p:cTn id="6" dur="1" fill="hold">
+                                          <p:stCondLst>
+                                            <p:cond delay="0"/>
+                                          </p:stCondLst>
+                                        </p:cTn>
+                                        <p:tgtEl>
+                                          <p:spTgt spid="9"/>
+                                        </p:tgtEl>
+                                        <p:attrNameLst>
+                                          <p:attrName>style.visibility</p:attrName>
+                                        </p:attrNameLst>
+                                      </p:cBhvr>
+                                      <p:to>
+                                        <p:strVal val="visible"/>
+                                      </p:to>
+                                    </p:set>
+                                    <p:animEffect transition="in" filter="fade">
+                                      <p:cBhvr>
+                                        <p:cTn id="7" dur="1000"/>
+                                        <p:tgtEl>
+                                          <p:spTgt spid="9"/>
+                                        </p:tgtEl>
+                                      </p:cBhvr>
+                                    </p:animEffect>
+                                    <p:anim calcmode="lin" valueType="num">
+                                      <p:cBhvr>
+                                        <p:cTn id="8" dur="1000" fill="hold"/>
+                                        <p:tgtEl>
+                                          <p:spTgt spid="9"/>
+                                        </p:tgtEl>
+                                        <p:attrNameLst>
+                                          <p:attrName>ppt_x</p:attrName>
+                                        </p:attrNameLst>
+                                      </p:cBhvr>
+                                      <p:tavLst>
+                                        <p:tav tm="0">
+                                          <p:val>
+                                            <p:strVal val="#ppt_x"/>
+                                          </p:val>
+                                        </p:tav>
+                                        <p:tav tm="100000">
+                                          <p:val>
+                                            <p:strVal val="#ppt_x"/>
+                                          </p:val>
+                                        </p:tav>
+                                      </p:tavLst>
+                                    </p:anim>
+                                    <p:anim calcmode="lin" valueType="num">
+                                      <p:cBhvr>
+                                        <p:cTn id="9" dur="1000" fill="hold"/>
+                                        <p:tgtEl>
+                                          <p:spTgt spid="9"/>
+                                        </p:tgtEl>
+                                        <p:attrNameLst>
+                                          <p:attrName>ppt_y</p:attrName>
+                                        </p:attrNameLst>
+                                      </p:cBhvr>
+                                      <p:tavLst>
+                                        <p:tav tm="0">
+                                          <p:val>
+                                            <p:strVal val="#ppt_y+.1"/>
+                                          </p:val>
+                                        </p:tav>
+                                        <p:tav tm="100000">
+                                          <p:val>
+                                            <p:strVal val="#ppt_y"/>
+                                          </p:val>
+                                        </p:tav>
+                                      </p:tavLst>
+                                    </p:anim>
+                                  </p:childTnLst>
+                                </p:cTn>
+                              </p:par>
+                            </p:childTnLst>
+                          </p:cTn>
+                        </p:par>
+                      </p:childTnLst>
+                    </p:cTn>
+                  </p:par>
+                </p:childTnLst>
+              </p:cTn>
+              <p:prevCondLst>
+                <p:cond evt="onPrev" delay="0">
+                  <p:tgtEl>
+                    <p:sldTgt/>
+                  </p:tgtEl>
+                </p:cond>
+              </p:prevCondLst>
+              <p:nextCondLst>
+                <p:cond evt="onNext" delay="0">
+                  <p:tgtEl>
+                    <p:sldTgt/>
+                  </p:tgtEl>
+                </p:cond>
+              </p:nextCondLst>
+            </p:seq>
+          </p:childTnLst>
+        </p:cTn>
+      </p:par>
+    </p:tnLst>
+  </p:timing>
+</p:sld>
+</file>
+
 <file path=ppt/theme/theme1.xml><?xml version="1.0" encoding="utf-8"?>
 <a:theme xmlns:a="http://schemas.openxmlformats.org/drawingml/2006/main" name="Office 테마">
   <a:themeElements>
